--- a/MuscleSNS_企画書兼要件定義書_照屋_v1.pptx
+++ b/MuscleSNS_企画書兼要件定義書_照屋_v1.pptx
@@ -108,6 +108,11 @@
       </a:defRPr>
     </a:lvl9pPr>
   </p:defaultTextStyle>
+  <p:extLst>
+    <p:ext uri="{EFAFB233-063F-42B5-8137-9DF3F51BA10A}">
+      <p15:sldGuideLst xmlns:p15="http://schemas.microsoft.com/office/powerpoint/2012/main"/>
+    </p:ext>
+  </p:extLst>
 </p:presentation>
 </file>
 
@@ -825,6 +830,925 @@
     <dgm:fillClrLst meth="repeat">
       <a:schemeClr val="accent1">
         <a:tint val="60000"/>
+      </a:schemeClr>
+    </dgm:fillClrLst>
+    <dgm:linClrLst meth="repeat">
+      <a:schemeClr val="lt1"/>
+    </dgm:linClrLst>
+    <dgm:effectClrLst/>
+    <dgm:txLinClrLst/>
+    <dgm:txFillClrLst meth="repeat">
+      <a:schemeClr val="dk1"/>
+    </dgm:txFillClrLst>
+    <dgm:txEffectClrLst/>
+  </dgm:styleLbl>
+  <dgm:styleLbl name="revTx">
+    <dgm:fillClrLst meth="repeat">
+      <a:schemeClr val="lt1">
+        <a:alpha val="0"/>
+      </a:schemeClr>
+    </dgm:fillClrLst>
+    <dgm:linClrLst meth="repeat">
+      <a:schemeClr val="dk1">
+        <a:alpha val="0"/>
+      </a:schemeClr>
+    </dgm:linClrLst>
+    <dgm:effectClrLst/>
+    <dgm:txLinClrLst/>
+    <dgm:txFillClrLst meth="repeat">
+      <a:schemeClr val="tx1"/>
+    </dgm:txFillClrLst>
+    <dgm:txEffectClrLst/>
+  </dgm:styleLbl>
+</dgm:colorsDef>
+</file>
+
+<file path=ppt/diagrams/colors2.xml><?xml version="1.0" encoding="utf-8"?>
+<dgm:colorsDef xmlns:dgm="http://schemas.openxmlformats.org/drawingml/2006/diagram" xmlns:a="http://schemas.openxmlformats.org/drawingml/2006/main" uniqueId="urn:microsoft.com/office/officeart/2005/8/colors/colorful1">
+  <dgm:title val=""/>
+  <dgm:desc val=""/>
+  <dgm:catLst>
+    <dgm:cat type="colorful" pri="10100"/>
+  </dgm:catLst>
+  <dgm:styleLbl name="node0">
+    <dgm:fillClrLst meth="repeat">
+      <a:schemeClr val="accent1"/>
+    </dgm:fillClrLst>
+    <dgm:linClrLst meth="repeat">
+      <a:schemeClr val="lt1"/>
+    </dgm:linClrLst>
+    <dgm:effectClrLst/>
+    <dgm:txLinClrLst/>
+    <dgm:txFillClrLst/>
+    <dgm:txEffectClrLst/>
+  </dgm:styleLbl>
+  <dgm:styleLbl name="node1">
+    <dgm:fillClrLst meth="repeat">
+      <a:schemeClr val="accent2"/>
+      <a:schemeClr val="accent3"/>
+      <a:schemeClr val="accent4"/>
+      <a:schemeClr val="accent5"/>
+      <a:schemeClr val="accent6"/>
+    </dgm:fillClrLst>
+    <dgm:linClrLst meth="repeat">
+      <a:schemeClr val="lt1"/>
+    </dgm:linClrLst>
+    <dgm:effectClrLst/>
+    <dgm:txLinClrLst/>
+    <dgm:txFillClrLst/>
+    <dgm:txEffectClrLst/>
+  </dgm:styleLbl>
+  <dgm:styleLbl name="alignNode1">
+    <dgm:fillClrLst meth="repeat">
+      <a:schemeClr val="accent2"/>
+      <a:schemeClr val="accent3"/>
+      <a:schemeClr val="accent4"/>
+      <a:schemeClr val="accent5"/>
+      <a:schemeClr val="accent6"/>
+    </dgm:fillClrLst>
+    <dgm:linClrLst meth="repeat">
+      <a:schemeClr val="accent2"/>
+      <a:schemeClr val="accent3"/>
+      <a:schemeClr val="accent4"/>
+      <a:schemeClr val="accent5"/>
+      <a:schemeClr val="accent6"/>
+    </dgm:linClrLst>
+    <dgm:effectClrLst/>
+    <dgm:txLinClrLst/>
+    <dgm:txFillClrLst/>
+    <dgm:txEffectClrLst/>
+  </dgm:styleLbl>
+  <dgm:styleLbl name="lnNode1">
+    <dgm:fillClrLst meth="repeat">
+      <a:schemeClr val="accent2"/>
+      <a:schemeClr val="accent3"/>
+      <a:schemeClr val="accent4"/>
+      <a:schemeClr val="accent5"/>
+      <a:schemeClr val="accent6"/>
+    </dgm:fillClrLst>
+    <dgm:linClrLst meth="repeat">
+      <a:schemeClr val="lt1"/>
+    </dgm:linClrLst>
+    <dgm:effectClrLst/>
+    <dgm:txLinClrLst/>
+    <dgm:txFillClrLst/>
+    <dgm:txEffectClrLst/>
+  </dgm:styleLbl>
+  <dgm:styleLbl name="vennNode1">
+    <dgm:fillClrLst meth="repeat">
+      <a:schemeClr val="accent2">
+        <a:alpha val="50000"/>
+      </a:schemeClr>
+      <a:schemeClr val="accent3">
+        <a:alpha val="50000"/>
+      </a:schemeClr>
+      <a:schemeClr val="accent4">
+        <a:alpha val="50000"/>
+      </a:schemeClr>
+      <a:schemeClr val="accent5">
+        <a:alpha val="50000"/>
+      </a:schemeClr>
+      <a:schemeClr val="accent6">
+        <a:alpha val="50000"/>
+      </a:schemeClr>
+    </dgm:fillClrLst>
+    <dgm:linClrLst meth="repeat">
+      <a:schemeClr val="lt1"/>
+    </dgm:linClrLst>
+    <dgm:effectClrLst/>
+    <dgm:txLinClrLst/>
+    <dgm:txFillClrLst/>
+    <dgm:txEffectClrLst/>
+  </dgm:styleLbl>
+  <dgm:styleLbl name="node2">
+    <dgm:fillClrLst>
+      <a:schemeClr val="accent2"/>
+    </dgm:fillClrLst>
+    <dgm:linClrLst meth="repeat">
+      <a:schemeClr val="lt1"/>
+    </dgm:linClrLst>
+    <dgm:effectClrLst/>
+    <dgm:txLinClrLst/>
+    <dgm:txFillClrLst/>
+    <dgm:txEffectClrLst/>
+  </dgm:styleLbl>
+  <dgm:styleLbl name="node3">
+    <dgm:fillClrLst>
+      <a:schemeClr val="accent3"/>
+    </dgm:fillClrLst>
+    <dgm:linClrLst meth="repeat">
+      <a:schemeClr val="lt1"/>
+    </dgm:linClrLst>
+    <dgm:effectClrLst/>
+    <dgm:txLinClrLst/>
+    <dgm:txFillClrLst/>
+    <dgm:txEffectClrLst/>
+  </dgm:styleLbl>
+  <dgm:styleLbl name="node4">
+    <dgm:fillClrLst>
+      <a:schemeClr val="accent4"/>
+    </dgm:fillClrLst>
+    <dgm:linClrLst meth="repeat">
+      <a:schemeClr val="lt1"/>
+    </dgm:linClrLst>
+    <dgm:effectClrLst/>
+    <dgm:txLinClrLst/>
+    <dgm:txFillClrLst/>
+    <dgm:txEffectClrLst/>
+  </dgm:styleLbl>
+  <dgm:styleLbl name="fgImgPlace1">
+    <dgm:fillClrLst meth="repeat">
+      <a:schemeClr val="accent2">
+        <a:tint val="50000"/>
+      </a:schemeClr>
+      <a:schemeClr val="accent3">
+        <a:tint val="50000"/>
+      </a:schemeClr>
+      <a:schemeClr val="accent4">
+        <a:tint val="50000"/>
+      </a:schemeClr>
+      <a:schemeClr val="accent5">
+        <a:tint val="50000"/>
+      </a:schemeClr>
+      <a:schemeClr val="accent6">
+        <a:tint val="50000"/>
+      </a:schemeClr>
+    </dgm:fillClrLst>
+    <dgm:linClrLst meth="repeat">
+      <a:schemeClr val="lt1"/>
+    </dgm:linClrLst>
+    <dgm:effectClrLst/>
+    <dgm:txLinClrLst/>
+    <dgm:txFillClrLst meth="repeat">
+      <a:schemeClr val="lt1"/>
+    </dgm:txFillClrLst>
+    <dgm:txEffectClrLst/>
+  </dgm:styleLbl>
+  <dgm:styleLbl name="alignImgPlace1">
+    <dgm:fillClrLst>
+      <a:schemeClr val="accent1">
+        <a:tint val="50000"/>
+      </a:schemeClr>
+      <a:schemeClr val="accent2">
+        <a:tint val="20000"/>
+      </a:schemeClr>
+    </dgm:fillClrLst>
+    <dgm:linClrLst meth="repeat">
+      <a:schemeClr val="lt1"/>
+    </dgm:linClrLst>
+    <dgm:effectClrLst/>
+    <dgm:txLinClrLst/>
+    <dgm:txFillClrLst meth="repeat">
+      <a:schemeClr val="lt1"/>
+    </dgm:txFillClrLst>
+    <dgm:txEffectClrLst/>
+  </dgm:styleLbl>
+  <dgm:styleLbl name="bgImgPlace1">
+    <dgm:fillClrLst>
+      <a:schemeClr val="accent1">
+        <a:tint val="50000"/>
+      </a:schemeClr>
+      <a:schemeClr val="accent2">
+        <a:tint val="20000"/>
+      </a:schemeClr>
+    </dgm:fillClrLst>
+    <dgm:linClrLst meth="repeat">
+      <a:schemeClr val="lt1"/>
+    </dgm:linClrLst>
+    <dgm:effectClrLst/>
+    <dgm:txLinClrLst/>
+    <dgm:txFillClrLst meth="repeat">
+      <a:schemeClr val="lt1"/>
+    </dgm:txFillClrLst>
+    <dgm:txEffectClrLst/>
+  </dgm:styleLbl>
+  <dgm:styleLbl name="sibTrans2D1">
+    <dgm:fillClrLst meth="repeat">
+      <a:schemeClr val="accent2"/>
+      <a:schemeClr val="accent3"/>
+      <a:schemeClr val="accent4"/>
+      <a:schemeClr val="accent5"/>
+      <a:schemeClr val="accent6"/>
+    </dgm:fillClrLst>
+    <dgm:linClrLst meth="cycle">
+      <a:schemeClr val="lt1"/>
+    </dgm:linClrLst>
+    <dgm:effectClrLst/>
+    <dgm:txLinClrLst/>
+    <dgm:txFillClrLst/>
+    <dgm:txEffectClrLst/>
+  </dgm:styleLbl>
+  <dgm:styleLbl name="fgSibTrans2D1">
+    <dgm:fillClrLst meth="repeat">
+      <a:schemeClr val="accent2"/>
+      <a:schemeClr val="accent3"/>
+      <a:schemeClr val="accent4"/>
+      <a:schemeClr val="accent5"/>
+      <a:schemeClr val="accent6"/>
+    </dgm:fillClrLst>
+    <dgm:linClrLst meth="cycle">
+      <a:schemeClr val="lt1"/>
+    </dgm:linClrLst>
+    <dgm:effectClrLst/>
+    <dgm:txLinClrLst/>
+    <dgm:txFillClrLst meth="repeat">
+      <a:schemeClr val="lt1"/>
+    </dgm:txFillClrLst>
+    <dgm:txEffectClrLst/>
+  </dgm:styleLbl>
+  <dgm:styleLbl name="bgSibTrans2D1">
+    <dgm:fillClrLst meth="repeat">
+      <a:schemeClr val="accent2"/>
+      <a:schemeClr val="accent3"/>
+      <a:schemeClr val="accent4"/>
+      <a:schemeClr val="accent5"/>
+      <a:schemeClr val="accent6"/>
+    </dgm:fillClrLst>
+    <dgm:linClrLst meth="cycle">
+      <a:schemeClr val="lt1"/>
+    </dgm:linClrLst>
+    <dgm:effectClrLst/>
+    <dgm:txLinClrLst/>
+    <dgm:txFillClrLst meth="repeat">
+      <a:schemeClr val="lt1"/>
+    </dgm:txFillClrLst>
+    <dgm:txEffectClrLst/>
+  </dgm:styleLbl>
+  <dgm:styleLbl name="sibTrans1D1">
+    <dgm:fillClrLst meth="repeat">
+      <a:schemeClr val="accent2"/>
+      <a:schemeClr val="accent3"/>
+      <a:schemeClr val="accent4"/>
+      <a:schemeClr val="accent5"/>
+      <a:schemeClr val="accent6"/>
+    </dgm:fillClrLst>
+    <dgm:linClrLst meth="repeat">
+      <a:schemeClr val="accent2"/>
+      <a:schemeClr val="accent3"/>
+      <a:schemeClr val="accent4"/>
+      <a:schemeClr val="accent5"/>
+      <a:schemeClr val="accent6"/>
+    </dgm:linClrLst>
+    <dgm:effectClrLst/>
+    <dgm:txLinClrLst/>
+    <dgm:txFillClrLst meth="repeat">
+      <a:schemeClr val="tx1"/>
+    </dgm:txFillClrLst>
+    <dgm:txEffectClrLst/>
+  </dgm:styleLbl>
+  <dgm:styleLbl name="callout">
+    <dgm:fillClrLst meth="repeat">
+      <a:schemeClr val="accent2"/>
+    </dgm:fillClrLst>
+    <dgm:linClrLst meth="repeat">
+      <a:schemeClr val="accent2">
+        <a:tint val="50000"/>
+      </a:schemeClr>
+    </dgm:linClrLst>
+    <dgm:effectClrLst/>
+    <dgm:txLinClrLst/>
+    <dgm:txFillClrLst meth="repeat">
+      <a:schemeClr val="tx1"/>
+    </dgm:txFillClrLst>
+    <dgm:txEffectClrLst/>
+  </dgm:styleLbl>
+  <dgm:styleLbl name="asst0">
+    <dgm:fillClrLst meth="repeat">
+      <a:schemeClr val="accent1"/>
+    </dgm:fillClrLst>
+    <dgm:linClrLst meth="repeat">
+      <a:schemeClr val="lt1"/>
+    </dgm:linClrLst>
+    <dgm:effectClrLst/>
+    <dgm:txLinClrLst/>
+    <dgm:txFillClrLst/>
+    <dgm:txEffectClrLst/>
+  </dgm:styleLbl>
+  <dgm:styleLbl name="asst1">
+    <dgm:fillClrLst meth="repeat">
+      <a:schemeClr val="accent2"/>
+    </dgm:fillClrLst>
+    <dgm:linClrLst meth="repeat">
+      <a:schemeClr val="lt1"/>
+    </dgm:linClrLst>
+    <dgm:effectClrLst/>
+    <dgm:txLinClrLst/>
+    <dgm:txFillClrLst/>
+    <dgm:txEffectClrLst/>
+  </dgm:styleLbl>
+  <dgm:styleLbl name="asst2">
+    <dgm:fillClrLst>
+      <a:schemeClr val="accent3"/>
+    </dgm:fillClrLst>
+    <dgm:linClrLst meth="repeat">
+      <a:schemeClr val="lt1"/>
+    </dgm:linClrLst>
+    <dgm:effectClrLst/>
+    <dgm:txLinClrLst/>
+    <dgm:txFillClrLst/>
+    <dgm:txEffectClrLst/>
+  </dgm:styleLbl>
+  <dgm:styleLbl name="asst3">
+    <dgm:fillClrLst>
+      <a:schemeClr val="accent4"/>
+    </dgm:fillClrLst>
+    <dgm:linClrLst meth="repeat">
+      <a:schemeClr val="lt1"/>
+    </dgm:linClrLst>
+    <dgm:effectClrLst/>
+    <dgm:txLinClrLst/>
+    <dgm:txFillClrLst/>
+    <dgm:txEffectClrLst/>
+  </dgm:styleLbl>
+  <dgm:styleLbl name="asst4">
+    <dgm:fillClrLst>
+      <a:schemeClr val="accent5"/>
+    </dgm:fillClrLst>
+    <dgm:linClrLst meth="repeat">
+      <a:schemeClr val="lt1"/>
+    </dgm:linClrLst>
+    <dgm:effectClrLst/>
+    <dgm:txLinClrLst/>
+    <dgm:txFillClrLst/>
+    <dgm:txEffectClrLst/>
+  </dgm:styleLbl>
+  <dgm:styleLbl name="parChTrans2D1">
+    <dgm:fillClrLst meth="repeat">
+      <a:schemeClr val="accent2"/>
+    </dgm:fillClrLst>
+    <dgm:linClrLst meth="repeat">
+      <a:schemeClr val="lt1"/>
+    </dgm:linClrLst>
+    <dgm:effectClrLst/>
+    <dgm:txLinClrLst/>
+    <dgm:txFillClrLst meth="repeat">
+      <a:schemeClr val="lt1"/>
+    </dgm:txFillClrLst>
+    <dgm:txEffectClrLst/>
+  </dgm:styleLbl>
+  <dgm:styleLbl name="parChTrans2D2">
+    <dgm:fillClrLst meth="repeat">
+      <a:schemeClr val="accent3"/>
+    </dgm:fillClrLst>
+    <dgm:linClrLst meth="repeat">
+      <a:schemeClr val="lt1"/>
+    </dgm:linClrLst>
+    <dgm:effectClrLst/>
+    <dgm:txLinClrLst/>
+    <dgm:txFillClrLst/>
+    <dgm:txEffectClrLst/>
+  </dgm:styleLbl>
+  <dgm:styleLbl name="parChTrans2D3">
+    <dgm:fillClrLst meth="repeat">
+      <a:schemeClr val="accent4"/>
+    </dgm:fillClrLst>
+    <dgm:linClrLst meth="repeat">
+      <a:schemeClr val="lt1"/>
+    </dgm:linClrLst>
+    <dgm:effectClrLst/>
+    <dgm:txLinClrLst/>
+    <dgm:txFillClrLst/>
+    <dgm:txEffectClrLst/>
+  </dgm:styleLbl>
+  <dgm:styleLbl name="parChTrans2D4">
+    <dgm:fillClrLst meth="repeat">
+      <a:schemeClr val="accent5"/>
+    </dgm:fillClrLst>
+    <dgm:linClrLst meth="repeat">
+      <a:schemeClr val="lt1"/>
+    </dgm:linClrLst>
+    <dgm:effectClrLst/>
+    <dgm:txLinClrLst/>
+    <dgm:txFillClrLst meth="repeat">
+      <a:schemeClr val="lt1"/>
+    </dgm:txFillClrLst>
+    <dgm:txEffectClrLst/>
+  </dgm:styleLbl>
+  <dgm:styleLbl name="parChTrans1D1">
+    <dgm:fillClrLst meth="repeat">
+      <a:schemeClr val="accent2"/>
+    </dgm:fillClrLst>
+    <dgm:linClrLst meth="repeat">
+      <a:schemeClr val="accent1"/>
+    </dgm:linClrLst>
+    <dgm:effectClrLst/>
+    <dgm:txLinClrLst/>
+    <dgm:txFillClrLst meth="repeat">
+      <a:schemeClr val="tx1"/>
+    </dgm:txFillClrLst>
+    <dgm:txEffectClrLst/>
+  </dgm:styleLbl>
+  <dgm:styleLbl name="parChTrans1D2">
+    <dgm:fillClrLst meth="repeat">
+      <a:schemeClr val="accent3">
+        <a:tint val="90000"/>
+      </a:schemeClr>
+    </dgm:fillClrLst>
+    <dgm:linClrLst meth="repeat">
+      <a:schemeClr val="accent2"/>
+    </dgm:linClrLst>
+    <dgm:effectClrLst/>
+    <dgm:txLinClrLst/>
+    <dgm:txFillClrLst meth="repeat">
+      <a:schemeClr val="tx1"/>
+    </dgm:txFillClrLst>
+    <dgm:txEffectClrLst/>
+  </dgm:styleLbl>
+  <dgm:styleLbl name="parChTrans1D3">
+    <dgm:fillClrLst meth="repeat">
+      <a:schemeClr val="accent4">
+        <a:tint val="70000"/>
+      </a:schemeClr>
+    </dgm:fillClrLst>
+    <dgm:linClrLst meth="repeat">
+      <a:schemeClr val="accent3"/>
+    </dgm:linClrLst>
+    <dgm:effectClrLst/>
+    <dgm:txLinClrLst/>
+    <dgm:txFillClrLst meth="repeat">
+      <a:schemeClr val="tx1"/>
+    </dgm:txFillClrLst>
+    <dgm:txEffectClrLst/>
+  </dgm:styleLbl>
+  <dgm:styleLbl name="parChTrans1D4">
+    <dgm:fillClrLst meth="repeat">
+      <a:schemeClr val="accent5">
+        <a:tint val="50000"/>
+      </a:schemeClr>
+    </dgm:fillClrLst>
+    <dgm:linClrLst meth="repeat">
+      <a:schemeClr val="accent4"/>
+    </dgm:linClrLst>
+    <dgm:effectClrLst/>
+    <dgm:txLinClrLst/>
+    <dgm:txFillClrLst meth="repeat">
+      <a:schemeClr val="tx1"/>
+    </dgm:txFillClrLst>
+    <dgm:txEffectClrLst/>
+  </dgm:styleLbl>
+  <dgm:styleLbl name="fgAcc1">
+    <dgm:fillClrLst meth="repeat">
+      <a:schemeClr val="lt1">
+        <a:alpha val="90000"/>
+      </a:schemeClr>
+    </dgm:fillClrLst>
+    <dgm:linClrLst meth="repeat">
+      <a:schemeClr val="accent2"/>
+      <a:schemeClr val="accent3"/>
+      <a:schemeClr val="accent4"/>
+      <a:schemeClr val="accent5"/>
+      <a:schemeClr val="accent6"/>
+    </dgm:linClrLst>
+    <dgm:effectClrLst/>
+    <dgm:txLinClrLst/>
+    <dgm:txFillClrLst meth="repeat">
+      <a:schemeClr val="dk1"/>
+    </dgm:txFillClrLst>
+    <dgm:txEffectClrLst/>
+  </dgm:styleLbl>
+  <dgm:styleLbl name="conFgAcc1">
+    <dgm:fillClrLst meth="repeat">
+      <a:schemeClr val="lt1">
+        <a:alpha val="90000"/>
+      </a:schemeClr>
+    </dgm:fillClrLst>
+    <dgm:linClrLst meth="repeat">
+      <a:schemeClr val="accent2"/>
+      <a:schemeClr val="accent3"/>
+      <a:schemeClr val="accent4"/>
+      <a:schemeClr val="accent5"/>
+      <a:schemeClr val="accent6"/>
+    </dgm:linClrLst>
+    <dgm:effectClrLst/>
+    <dgm:txLinClrLst/>
+    <dgm:txFillClrLst meth="repeat">
+      <a:schemeClr val="dk1"/>
+    </dgm:txFillClrLst>
+    <dgm:txEffectClrLst/>
+  </dgm:styleLbl>
+  <dgm:styleLbl name="alignAcc1">
+    <dgm:fillClrLst meth="repeat">
+      <a:schemeClr val="lt1">
+        <a:alpha val="90000"/>
+      </a:schemeClr>
+    </dgm:fillClrLst>
+    <dgm:linClrLst meth="repeat">
+      <a:schemeClr val="accent2"/>
+      <a:schemeClr val="accent3"/>
+      <a:schemeClr val="accent4"/>
+      <a:schemeClr val="accent5"/>
+      <a:schemeClr val="accent6"/>
+    </dgm:linClrLst>
+    <dgm:effectClrLst/>
+    <dgm:txLinClrLst/>
+    <dgm:txFillClrLst meth="repeat">
+      <a:schemeClr val="dk1"/>
+    </dgm:txFillClrLst>
+    <dgm:txEffectClrLst/>
+  </dgm:styleLbl>
+  <dgm:styleLbl name="trAlignAcc1">
+    <dgm:fillClrLst meth="repeat">
+      <a:schemeClr val="lt1">
+        <a:alpha val="40000"/>
+      </a:schemeClr>
+    </dgm:fillClrLst>
+    <dgm:linClrLst meth="repeat">
+      <a:schemeClr val="accent1"/>
+    </dgm:linClrLst>
+    <dgm:effectClrLst/>
+    <dgm:txLinClrLst/>
+    <dgm:txFillClrLst meth="repeat">
+      <a:schemeClr val="dk1"/>
+    </dgm:txFillClrLst>
+    <dgm:txEffectClrLst/>
+  </dgm:styleLbl>
+  <dgm:styleLbl name="bgAcc1">
+    <dgm:fillClrLst meth="repeat">
+      <a:schemeClr val="lt1">
+        <a:alpha val="90000"/>
+      </a:schemeClr>
+    </dgm:fillClrLst>
+    <dgm:linClrLst meth="repeat">
+      <a:schemeClr val="accent2"/>
+      <a:schemeClr val="accent3"/>
+      <a:schemeClr val="accent4"/>
+      <a:schemeClr val="accent5"/>
+      <a:schemeClr val="accent6"/>
+    </dgm:linClrLst>
+    <dgm:effectClrLst/>
+    <dgm:txLinClrLst/>
+    <dgm:txFillClrLst meth="repeat">
+      <a:schemeClr val="dk1"/>
+    </dgm:txFillClrLst>
+    <dgm:txEffectClrLst/>
+  </dgm:styleLbl>
+  <dgm:styleLbl name="solidFgAcc1">
+    <dgm:fillClrLst meth="repeat">
+      <a:schemeClr val="lt1"/>
+    </dgm:fillClrLst>
+    <dgm:linClrLst meth="repeat">
+      <a:schemeClr val="accent2"/>
+      <a:schemeClr val="accent3"/>
+      <a:schemeClr val="accent4"/>
+      <a:schemeClr val="accent5"/>
+      <a:schemeClr val="accent6"/>
+    </dgm:linClrLst>
+    <dgm:effectClrLst/>
+    <dgm:txLinClrLst/>
+    <dgm:txFillClrLst meth="repeat">
+      <a:schemeClr val="dk1"/>
+    </dgm:txFillClrLst>
+    <dgm:txEffectClrLst/>
+  </dgm:styleLbl>
+  <dgm:styleLbl name="solidAlignAcc1">
+    <dgm:fillClrLst meth="repeat">
+      <a:schemeClr val="lt1"/>
+    </dgm:fillClrLst>
+    <dgm:linClrLst meth="repeat">
+      <a:schemeClr val="accent2"/>
+      <a:schemeClr val="accent3"/>
+      <a:schemeClr val="accent4"/>
+      <a:schemeClr val="accent5"/>
+      <a:schemeClr val="accent6"/>
+    </dgm:linClrLst>
+    <dgm:effectClrLst/>
+    <dgm:txLinClrLst/>
+    <dgm:txFillClrLst meth="repeat">
+      <a:schemeClr val="dk1"/>
+    </dgm:txFillClrLst>
+    <dgm:txEffectClrLst/>
+  </dgm:styleLbl>
+  <dgm:styleLbl name="solidBgAcc1">
+    <dgm:fillClrLst meth="repeat">
+      <a:schemeClr val="lt1"/>
+    </dgm:fillClrLst>
+    <dgm:linClrLst meth="repeat">
+      <a:schemeClr val="accent2"/>
+      <a:schemeClr val="accent3"/>
+      <a:schemeClr val="accent4"/>
+      <a:schemeClr val="accent5"/>
+      <a:schemeClr val="accent6"/>
+    </dgm:linClrLst>
+    <dgm:effectClrLst/>
+    <dgm:txLinClrLst/>
+    <dgm:txFillClrLst meth="repeat">
+      <a:schemeClr val="dk1"/>
+    </dgm:txFillClrLst>
+    <dgm:txEffectClrLst/>
+  </dgm:styleLbl>
+  <dgm:styleLbl name="fgAccFollowNode1">
+    <dgm:fillClrLst meth="repeat">
+      <a:schemeClr val="accent2">
+        <a:tint val="40000"/>
+        <a:alpha val="90000"/>
+      </a:schemeClr>
+      <a:schemeClr val="accent3">
+        <a:tint val="40000"/>
+        <a:alpha val="90000"/>
+      </a:schemeClr>
+      <a:schemeClr val="accent4">
+        <a:tint val="40000"/>
+        <a:alpha val="90000"/>
+      </a:schemeClr>
+      <a:schemeClr val="accent5">
+        <a:tint val="40000"/>
+        <a:alpha val="90000"/>
+      </a:schemeClr>
+      <a:schemeClr val="accent6">
+        <a:tint val="40000"/>
+        <a:alpha val="90000"/>
+      </a:schemeClr>
+    </dgm:fillClrLst>
+    <dgm:linClrLst meth="repeat">
+      <a:schemeClr val="accent2">
+        <a:tint val="40000"/>
+        <a:alpha val="90000"/>
+      </a:schemeClr>
+      <a:schemeClr val="accent3">
+        <a:tint val="40000"/>
+        <a:alpha val="90000"/>
+      </a:schemeClr>
+      <a:schemeClr val="accent4">
+        <a:tint val="40000"/>
+        <a:alpha val="90000"/>
+      </a:schemeClr>
+      <a:schemeClr val="accent5">
+        <a:tint val="40000"/>
+        <a:alpha val="90000"/>
+      </a:schemeClr>
+      <a:schemeClr val="accent6">
+        <a:tint val="40000"/>
+        <a:alpha val="90000"/>
+      </a:schemeClr>
+    </dgm:linClrLst>
+    <dgm:effectClrLst/>
+    <dgm:txLinClrLst/>
+    <dgm:txFillClrLst meth="repeat">
+      <a:schemeClr val="dk1"/>
+    </dgm:txFillClrLst>
+    <dgm:txEffectClrLst/>
+  </dgm:styleLbl>
+  <dgm:styleLbl name="alignAccFollowNode1">
+    <dgm:fillClrLst meth="repeat">
+      <a:schemeClr val="accent2">
+        <a:tint val="40000"/>
+        <a:alpha val="90000"/>
+      </a:schemeClr>
+      <a:schemeClr val="accent3">
+        <a:tint val="40000"/>
+        <a:alpha val="90000"/>
+      </a:schemeClr>
+      <a:schemeClr val="accent4">
+        <a:tint val="40000"/>
+        <a:alpha val="90000"/>
+      </a:schemeClr>
+      <a:schemeClr val="accent5">
+        <a:tint val="40000"/>
+        <a:alpha val="90000"/>
+      </a:schemeClr>
+      <a:schemeClr val="accent6">
+        <a:tint val="40000"/>
+        <a:alpha val="90000"/>
+      </a:schemeClr>
+    </dgm:fillClrLst>
+    <dgm:linClrLst meth="repeat">
+      <a:schemeClr val="accent2">
+        <a:tint val="40000"/>
+        <a:alpha val="90000"/>
+      </a:schemeClr>
+      <a:schemeClr val="accent3">
+        <a:tint val="40000"/>
+        <a:alpha val="90000"/>
+      </a:schemeClr>
+      <a:schemeClr val="accent4">
+        <a:tint val="40000"/>
+        <a:alpha val="90000"/>
+      </a:schemeClr>
+      <a:schemeClr val="accent5">
+        <a:tint val="40000"/>
+        <a:alpha val="90000"/>
+      </a:schemeClr>
+      <a:schemeClr val="accent6">
+        <a:tint val="40000"/>
+        <a:alpha val="90000"/>
+      </a:schemeClr>
+    </dgm:linClrLst>
+    <dgm:effectClrLst/>
+    <dgm:txLinClrLst/>
+    <dgm:txFillClrLst meth="repeat">
+      <a:schemeClr val="dk1"/>
+    </dgm:txFillClrLst>
+    <dgm:txEffectClrLst/>
+  </dgm:styleLbl>
+  <dgm:styleLbl name="bgAccFollowNode1">
+    <dgm:fillClrLst meth="repeat">
+      <a:schemeClr val="accent2">
+        <a:tint val="40000"/>
+        <a:alpha val="90000"/>
+      </a:schemeClr>
+      <a:schemeClr val="accent3">
+        <a:tint val="40000"/>
+        <a:alpha val="90000"/>
+      </a:schemeClr>
+      <a:schemeClr val="accent4">
+        <a:tint val="40000"/>
+        <a:alpha val="90000"/>
+      </a:schemeClr>
+      <a:schemeClr val="accent5">
+        <a:tint val="40000"/>
+        <a:alpha val="90000"/>
+      </a:schemeClr>
+      <a:schemeClr val="accent6">
+        <a:tint val="40000"/>
+        <a:alpha val="90000"/>
+      </a:schemeClr>
+    </dgm:fillClrLst>
+    <dgm:linClrLst meth="repeat">
+      <a:schemeClr val="accent2">
+        <a:tint val="40000"/>
+        <a:alpha val="90000"/>
+      </a:schemeClr>
+      <a:schemeClr val="accent3">
+        <a:tint val="40000"/>
+        <a:alpha val="90000"/>
+      </a:schemeClr>
+      <a:schemeClr val="accent4">
+        <a:tint val="40000"/>
+        <a:alpha val="90000"/>
+      </a:schemeClr>
+      <a:schemeClr val="accent5">
+        <a:tint val="40000"/>
+        <a:alpha val="90000"/>
+      </a:schemeClr>
+      <a:schemeClr val="accent6">
+        <a:tint val="40000"/>
+        <a:alpha val="90000"/>
+      </a:schemeClr>
+    </dgm:linClrLst>
+    <dgm:effectClrLst/>
+    <dgm:txLinClrLst/>
+    <dgm:txFillClrLst meth="repeat">
+      <a:schemeClr val="dk1"/>
+    </dgm:txFillClrLst>
+    <dgm:txEffectClrLst/>
+  </dgm:styleLbl>
+  <dgm:styleLbl name="fgAcc0">
+    <dgm:fillClrLst meth="repeat">
+      <a:schemeClr val="lt1">
+        <a:alpha val="90000"/>
+      </a:schemeClr>
+    </dgm:fillClrLst>
+    <dgm:linClrLst>
+      <a:schemeClr val="accent1"/>
+    </dgm:linClrLst>
+    <dgm:effectClrLst/>
+    <dgm:txLinClrLst/>
+    <dgm:txFillClrLst meth="repeat">
+      <a:schemeClr val="dk1"/>
+    </dgm:txFillClrLst>
+    <dgm:txEffectClrLst/>
+  </dgm:styleLbl>
+  <dgm:styleLbl name="fgAcc2">
+    <dgm:fillClrLst meth="repeat">
+      <a:schemeClr val="lt1">
+        <a:alpha val="90000"/>
+      </a:schemeClr>
+    </dgm:fillClrLst>
+    <dgm:linClrLst>
+      <a:schemeClr val="accent2"/>
+    </dgm:linClrLst>
+    <dgm:effectClrLst/>
+    <dgm:txLinClrLst/>
+    <dgm:txFillClrLst meth="repeat">
+      <a:schemeClr val="dk1"/>
+    </dgm:txFillClrLst>
+    <dgm:txEffectClrLst/>
+  </dgm:styleLbl>
+  <dgm:styleLbl name="fgAcc3">
+    <dgm:fillClrLst meth="repeat">
+      <a:schemeClr val="lt1">
+        <a:alpha val="90000"/>
+      </a:schemeClr>
+    </dgm:fillClrLst>
+    <dgm:linClrLst>
+      <a:schemeClr val="accent3"/>
+    </dgm:linClrLst>
+    <dgm:effectClrLst/>
+    <dgm:txLinClrLst/>
+    <dgm:txFillClrLst meth="repeat">
+      <a:schemeClr val="dk1"/>
+    </dgm:txFillClrLst>
+    <dgm:txEffectClrLst/>
+  </dgm:styleLbl>
+  <dgm:styleLbl name="fgAcc4">
+    <dgm:fillClrLst meth="repeat">
+      <a:schemeClr val="lt1">
+        <a:alpha val="90000"/>
+      </a:schemeClr>
+    </dgm:fillClrLst>
+    <dgm:linClrLst>
+      <a:schemeClr val="accent4"/>
+    </dgm:linClrLst>
+    <dgm:effectClrLst/>
+    <dgm:txLinClrLst/>
+    <dgm:txFillClrLst meth="repeat">
+      <a:schemeClr val="dk1"/>
+    </dgm:txFillClrLst>
+    <dgm:txEffectClrLst/>
+  </dgm:styleLbl>
+  <dgm:styleLbl name="bgShp">
+    <dgm:fillClrLst meth="repeat">
+      <a:schemeClr val="accent2">
+        <a:tint val="40000"/>
+      </a:schemeClr>
+    </dgm:fillClrLst>
+    <dgm:linClrLst meth="repeat">
+      <a:schemeClr val="dk1"/>
+    </dgm:linClrLst>
+    <dgm:effectClrLst/>
+    <dgm:txLinClrLst/>
+    <dgm:txFillClrLst meth="repeat">
+      <a:schemeClr val="dk1"/>
+    </dgm:txFillClrLst>
+    <dgm:txEffectClrLst/>
+  </dgm:styleLbl>
+  <dgm:styleLbl name="dkBgShp">
+    <dgm:fillClrLst meth="repeat">
+      <a:schemeClr val="accent2">
+        <a:shade val="90000"/>
+      </a:schemeClr>
+    </dgm:fillClrLst>
+    <dgm:linClrLst meth="repeat">
+      <a:schemeClr val="dk1"/>
+    </dgm:linClrLst>
+    <dgm:effectClrLst/>
+    <dgm:txLinClrLst/>
+    <dgm:txFillClrLst meth="repeat">
+      <a:schemeClr val="lt1"/>
+    </dgm:txFillClrLst>
+    <dgm:txEffectClrLst/>
+  </dgm:styleLbl>
+  <dgm:styleLbl name="trBgShp">
+    <dgm:fillClrLst meth="repeat">
+      <a:schemeClr val="accent1">
+        <a:tint val="50000"/>
+        <a:alpha val="40000"/>
+      </a:schemeClr>
+    </dgm:fillClrLst>
+    <dgm:linClrLst meth="repeat">
+      <a:schemeClr val="accent2"/>
+    </dgm:linClrLst>
+    <dgm:effectClrLst/>
+    <dgm:txLinClrLst/>
+    <dgm:txFillClrLst meth="repeat">
+      <a:schemeClr val="lt1"/>
+    </dgm:txFillClrLst>
+    <dgm:txEffectClrLst/>
+  </dgm:styleLbl>
+  <dgm:styleLbl name="fgShp">
+    <dgm:fillClrLst meth="repeat">
+      <a:schemeClr val="accent2">
+        <a:tint val="40000"/>
       </a:schemeClr>
     </dgm:fillClrLst>
     <dgm:linClrLst meth="repeat">
@@ -1112,6 +2036,13 @@
         </dgm:presLayoutVars>
       </dgm:prSet>
       <dgm:spPr/>
+      <dgm:t>
+        <a:bodyPr/>
+        <a:lstStyle/>
+        <a:p>
+          <a:endParaRPr kumimoji="1" lang="ja-JP" altLang="en-US"/>
+        </a:p>
+      </dgm:t>
     </dgm:pt>
     <dgm:pt modelId="{00FC111C-B59A-4EEF-8012-2C5C60550B2C}" type="pres">
       <dgm:prSet presAssocID="{86AAC663-E946-4912-A1F4-AB95163029AC}" presName="horFlow" presStyleCnt="0"/>
@@ -1177,6 +2108,13 @@
         </dgm:presLayoutVars>
       </dgm:prSet>
       <dgm:spPr/>
+      <dgm:t>
+        <a:bodyPr/>
+        <a:lstStyle/>
+        <a:p>
+          <a:endParaRPr kumimoji="1" lang="ja-JP" altLang="en-US"/>
+        </a:p>
+      </dgm:t>
     </dgm:pt>
     <dgm:pt modelId="{A4CAB173-197C-4DBD-8795-E98BF1BC2710}" type="pres">
       <dgm:prSet presAssocID="{1981C669-11F1-4EF3-94F8-7435F28C025F}" presName="vSp" presStyleCnt="0"/>
@@ -1189,6 +2127,13 @@
     <dgm:pt modelId="{16E0F5C9-AA41-4F26-B8E7-C34118681C36}" type="pres">
       <dgm:prSet presAssocID="{3EEFA4E0-6FC1-4F8A-A248-C33DD972C9E8}" presName="bigChev" presStyleLbl="node1" presStyleIdx="2" presStyleCnt="3"/>
       <dgm:spPr/>
+      <dgm:t>
+        <a:bodyPr/>
+        <a:lstStyle/>
+        <a:p>
+          <a:endParaRPr kumimoji="1" lang="ja-JP" altLang="en-US"/>
+        </a:p>
+      </dgm:t>
     </dgm:pt>
     <dgm:pt modelId="{7F7AC328-3AF1-4AA0-93F6-1A78F76879F5}" type="pres">
       <dgm:prSet presAssocID="{894F8633-FA44-45D6-BE6C-F0DC374386E5}" presName="parTrans" presStyleCnt="0"/>
@@ -1213,17 +2158,17 @@
   <dgm:cxnLst>
     <dgm:cxn modelId="{1F39D798-D0E0-44A8-B899-A742C608AD7D}" type="presOf" srcId="{1981C669-11F1-4EF3-94F8-7435F28C025F}" destId="{EBA90A8E-F8A8-4E5D-A37D-4D88F63346B9}" srcOrd="0" destOrd="0" presId="urn:microsoft.com/office/officeart/2005/8/layout/lProcess3"/>
     <dgm:cxn modelId="{E54EC8FB-02EE-4647-BC63-512668D7BE8F}" srcId="{C195E106-B742-444A-BA3F-1090312FEE88}" destId="{86AAC663-E946-4912-A1F4-AB95163029AC}" srcOrd="0" destOrd="0" parTransId="{ED34BFCC-636D-4099-8A85-3761A5F0F8A7}" sibTransId="{4146223C-CB6C-4DC9-8974-920FDBB735AA}"/>
+    <dgm:cxn modelId="{67BA7617-A235-44C5-B806-D07A350CFD5E}" type="presOf" srcId="{3EEFA4E0-6FC1-4F8A-A248-C33DD972C9E8}" destId="{16E0F5C9-AA41-4F26-B8E7-C34118681C36}" srcOrd="0" destOrd="0" presId="urn:microsoft.com/office/officeart/2005/8/layout/lProcess3"/>
+    <dgm:cxn modelId="{8536E8CB-F37B-4C72-8702-68FCFBB05FC0}" srcId="{C195E106-B742-444A-BA3F-1090312FEE88}" destId="{1981C669-11F1-4EF3-94F8-7435F28C025F}" srcOrd="1" destOrd="0" parTransId="{CFFD9426-784D-4891-815F-3C58D9419061}" sibTransId="{7CBC1FA8-4346-472C-B4CF-CAC3FE9485FB}"/>
     <dgm:cxn modelId="{DA6343FC-DBA6-4F8D-AFEC-3F7865A32E02}" srcId="{1981C669-11F1-4EF3-94F8-7435F28C025F}" destId="{36D6C4A5-D039-4843-AF61-B07169259279}" srcOrd="0" destOrd="0" parTransId="{46A8E25A-EEFA-4A48-A78C-DDE5FB6436EA}" sibTransId="{13519DC3-1B47-445A-8391-8DFC752C845D}"/>
-    <dgm:cxn modelId="{5C7EC4B3-7952-4863-9C58-5ABD7B22143D}" type="presOf" srcId="{C195E106-B742-444A-BA3F-1090312FEE88}" destId="{451CFFCA-F929-41F1-AC1A-B495DC08DEC9}" srcOrd="0" destOrd="0" presId="urn:microsoft.com/office/officeart/2005/8/layout/lProcess3"/>
-    <dgm:cxn modelId="{A8FC45C6-900E-46A5-B411-510336394403}" type="presOf" srcId="{CDADCC29-5190-4F1D-8F57-B06532E8DA37}" destId="{29EBC0F8-7F22-46B4-9AFC-61704FCC3988}" srcOrd="0" destOrd="0" presId="urn:microsoft.com/office/officeart/2005/8/layout/lProcess3"/>
+    <dgm:cxn modelId="{6A3F499E-96A5-46A2-B513-8DE460C4DCA7}" srcId="{C195E106-B742-444A-BA3F-1090312FEE88}" destId="{3EEFA4E0-6FC1-4F8A-A248-C33DD972C9E8}" srcOrd="2" destOrd="0" parTransId="{0C7E2AF5-4413-4AF9-91F4-683E911EB9AB}" sibTransId="{6D532910-1085-47FF-9727-8A1D4A215872}"/>
     <dgm:cxn modelId="{50EF2B2E-C2C9-468D-A1D6-525CA473D3AC}" srcId="{86AAC663-E946-4912-A1F4-AB95163029AC}" destId="{61B0C3B3-41D3-4165-A137-F78FE1644C94}" srcOrd="0" destOrd="0" parTransId="{71EDC15E-A851-41BB-924B-9BCAD1F0761B}" sibTransId="{8BB7337A-46C4-468B-A05D-EBE8A98FC527}"/>
     <dgm:cxn modelId="{1163F8AB-860D-49D4-9CEF-5427E148737D}" type="presOf" srcId="{86AAC663-E946-4912-A1F4-AB95163029AC}" destId="{B6104286-31CD-4150-8D72-DA1A8298D73E}" srcOrd="0" destOrd="0" presId="urn:microsoft.com/office/officeart/2005/8/layout/lProcess3"/>
-    <dgm:cxn modelId="{8536E8CB-F37B-4C72-8702-68FCFBB05FC0}" srcId="{C195E106-B742-444A-BA3F-1090312FEE88}" destId="{1981C669-11F1-4EF3-94F8-7435F28C025F}" srcOrd="1" destOrd="0" parTransId="{CFFD9426-784D-4891-815F-3C58D9419061}" sibTransId="{7CBC1FA8-4346-472C-B4CF-CAC3FE9485FB}"/>
+    <dgm:cxn modelId="{C6B8BBFE-D584-44E6-B3D3-AB4B6AB942C8}" type="presOf" srcId="{36D6C4A5-D039-4843-AF61-B07169259279}" destId="{DB5598B9-46F0-4BE3-8101-53C82BEC6C64}" srcOrd="0" destOrd="0" presId="urn:microsoft.com/office/officeart/2005/8/layout/lProcess3"/>
+    <dgm:cxn modelId="{A8FC45C6-900E-46A5-B411-510336394403}" type="presOf" srcId="{CDADCC29-5190-4F1D-8F57-B06532E8DA37}" destId="{29EBC0F8-7F22-46B4-9AFC-61704FCC3988}" srcOrd="0" destOrd="0" presId="urn:microsoft.com/office/officeart/2005/8/layout/lProcess3"/>
     <dgm:cxn modelId="{186734A9-D8DE-450E-A889-6CFFA64DC1D2}" srcId="{3EEFA4E0-6FC1-4F8A-A248-C33DD972C9E8}" destId="{CDADCC29-5190-4F1D-8F57-B06532E8DA37}" srcOrd="0" destOrd="0" parTransId="{894F8633-FA44-45D6-BE6C-F0DC374386E5}" sibTransId="{471F46A5-8B4C-4A2B-B5C8-0E86D4D9CB4B}"/>
+    <dgm:cxn modelId="{5C7EC4B3-7952-4863-9C58-5ABD7B22143D}" type="presOf" srcId="{C195E106-B742-444A-BA3F-1090312FEE88}" destId="{451CFFCA-F929-41F1-AC1A-B495DC08DEC9}" srcOrd="0" destOrd="0" presId="urn:microsoft.com/office/officeart/2005/8/layout/lProcess3"/>
     <dgm:cxn modelId="{F7A4A3AC-742A-4318-B263-FB964FADCE7F}" type="presOf" srcId="{61B0C3B3-41D3-4165-A137-F78FE1644C94}" destId="{3B71C6A7-4A15-4353-8526-0C3959621210}" srcOrd="0" destOrd="0" presId="urn:microsoft.com/office/officeart/2005/8/layout/lProcess3"/>
-    <dgm:cxn modelId="{C6B8BBFE-D584-44E6-B3D3-AB4B6AB942C8}" type="presOf" srcId="{36D6C4A5-D039-4843-AF61-B07169259279}" destId="{DB5598B9-46F0-4BE3-8101-53C82BEC6C64}" srcOrd="0" destOrd="0" presId="urn:microsoft.com/office/officeart/2005/8/layout/lProcess3"/>
-    <dgm:cxn modelId="{6A3F499E-96A5-46A2-B513-8DE460C4DCA7}" srcId="{C195E106-B742-444A-BA3F-1090312FEE88}" destId="{3EEFA4E0-6FC1-4F8A-A248-C33DD972C9E8}" srcOrd="2" destOrd="0" parTransId="{0C7E2AF5-4413-4AF9-91F4-683E911EB9AB}" sibTransId="{6D532910-1085-47FF-9727-8A1D4A215872}"/>
-    <dgm:cxn modelId="{67BA7617-A235-44C5-B806-D07A350CFD5E}" type="presOf" srcId="{3EEFA4E0-6FC1-4F8A-A248-C33DD972C9E8}" destId="{16E0F5C9-AA41-4F26-B8E7-C34118681C36}" srcOrd="0" destOrd="0" presId="urn:microsoft.com/office/officeart/2005/8/layout/lProcess3"/>
     <dgm:cxn modelId="{18607E74-AD97-40F8-8E99-3DEA1B96FBE8}" type="presParOf" srcId="{451CFFCA-F929-41F1-AC1A-B495DC08DEC9}" destId="{00FC111C-B59A-4EEF-8012-2C5C60550B2C}" srcOrd="0" destOrd="0" presId="urn:microsoft.com/office/officeart/2005/8/layout/lProcess3"/>
     <dgm:cxn modelId="{6DACD425-4E86-4B5F-8CA3-2F2CC35E2A40}" type="presParOf" srcId="{00FC111C-B59A-4EEF-8012-2C5C60550B2C}" destId="{B6104286-31CD-4150-8D72-DA1A8298D73E}" srcOrd="0" destOrd="0" presId="urn:microsoft.com/office/officeart/2005/8/layout/lProcess3"/>
     <dgm:cxn modelId="{17B4C221-D96E-4F42-A2AA-32F3033B0D5E}" type="presParOf" srcId="{00FC111C-B59A-4EEF-8012-2C5C60550B2C}" destId="{D51615DB-C92B-4577-9165-BAB6357FEE8E}" srcOrd="1" destOrd="0" presId="urn:microsoft.com/office/officeart/2005/8/layout/lProcess3"/>
@@ -1244,6 +2189,373 @@
   <dgm:extLst>
     <a:ext uri="http://schemas.microsoft.com/office/drawing/2008/diagram">
       <dsp:dataModelExt xmlns:dsp="http://schemas.microsoft.com/office/drawing/2008/diagram" relId="rId6" minVer="http://schemas.openxmlformats.org/drawingml/2006/diagram"/>
+    </a:ext>
+  </dgm:extLst>
+</dgm:dataModel>
+</file>
+
+<file path=ppt/diagrams/data2.xml><?xml version="1.0" encoding="utf-8"?>
+<dgm:dataModel xmlns:dgm="http://schemas.openxmlformats.org/drawingml/2006/diagram" xmlns:a="http://schemas.openxmlformats.org/drawingml/2006/main">
+  <dgm:ptLst>
+    <dgm:pt modelId="{126EA025-EBEA-4A88-B612-765AA06C912A}" type="doc">
+      <dgm:prSet loTypeId="urn:microsoft.com/office/officeart/2005/8/layout/radial5" loCatId="relationship" qsTypeId="urn:microsoft.com/office/officeart/2005/8/quickstyle/simple1" qsCatId="simple" csTypeId="urn:microsoft.com/office/officeart/2005/8/colors/colorful1" csCatId="colorful" phldr="1"/>
+      <dgm:spPr/>
+      <dgm:t>
+        <a:bodyPr/>
+        <a:lstStyle/>
+        <a:p>
+          <a:endParaRPr kumimoji="1" lang="ja-JP" altLang="en-US"/>
+        </a:p>
+      </dgm:t>
+    </dgm:pt>
+    <dgm:pt modelId="{F865CEBE-C5D4-4259-89D8-D676E750E52C}">
+      <dgm:prSet phldrT="[テキスト]"/>
+      <dgm:spPr>
+        <a:solidFill>
+          <a:srgbClr val="FFC000"/>
+        </a:solidFill>
+      </dgm:spPr>
+      <dgm:t>
+        <a:bodyPr/>
+        <a:lstStyle/>
+        <a:p>
+          <a:r>
+            <a:rPr kumimoji="1" lang="en-US" altLang="ja-JP" dirty="0" smtClean="0"/>
+            <a:t>SNS</a:t>
+          </a:r>
+          <a:endParaRPr kumimoji="1" lang="ja-JP" altLang="en-US" dirty="0"/>
+        </a:p>
+      </dgm:t>
+    </dgm:pt>
+    <dgm:pt modelId="{005F3CC6-351A-48A6-B58D-B380D3A17ED2}" type="parTrans" cxnId="{726E74CE-0EB8-4596-8585-5552C10D2BE4}">
+      <dgm:prSet/>
+      <dgm:spPr/>
+      <dgm:t>
+        <a:bodyPr/>
+        <a:lstStyle/>
+        <a:p>
+          <a:endParaRPr kumimoji="1" lang="ja-JP" altLang="en-US"/>
+        </a:p>
+      </dgm:t>
+    </dgm:pt>
+    <dgm:pt modelId="{DFAC891B-4CE6-4799-BE65-FDDA2404FEFE}" type="sibTrans" cxnId="{726E74CE-0EB8-4596-8585-5552C10D2BE4}">
+      <dgm:prSet/>
+      <dgm:spPr/>
+      <dgm:t>
+        <a:bodyPr/>
+        <a:lstStyle/>
+        <a:p>
+          <a:endParaRPr kumimoji="1" lang="ja-JP" altLang="en-US"/>
+        </a:p>
+      </dgm:t>
+    </dgm:pt>
+    <dgm:pt modelId="{B473439C-7C4C-44D1-BC3A-9CA8FF002F9D}">
+      <dgm:prSet phldrT="[テキスト]" custT="1"/>
+      <dgm:spPr>
+        <a:solidFill>
+          <a:srgbClr val="FF0000"/>
+        </a:solidFill>
+      </dgm:spPr>
+      <dgm:t>
+        <a:bodyPr/>
+        <a:lstStyle/>
+        <a:p>
+          <a:r>
+            <a:rPr kumimoji="1" lang="ja-JP" altLang="en-US" sz="1200" dirty="0" smtClean="0"/>
+            <a:t>インスタ</a:t>
+          </a:r>
+          <a:endParaRPr kumimoji="1" lang="ja-JP" altLang="en-US" sz="1200" dirty="0"/>
+        </a:p>
+      </dgm:t>
+    </dgm:pt>
+    <dgm:pt modelId="{8B743B02-AB5C-49EF-AAED-7AFBE9FBBCEB}" type="parTrans" cxnId="{13951578-AAD7-4F4A-90C5-E9D4D99495B6}">
+      <dgm:prSet/>
+      <dgm:spPr>
+        <a:solidFill>
+          <a:srgbClr val="FF0000"/>
+        </a:solidFill>
+      </dgm:spPr>
+      <dgm:t>
+        <a:bodyPr/>
+        <a:lstStyle/>
+        <a:p>
+          <a:endParaRPr kumimoji="1" lang="ja-JP" altLang="en-US"/>
+        </a:p>
+      </dgm:t>
+    </dgm:pt>
+    <dgm:pt modelId="{4B0C5C2B-AB87-4344-876D-D1C850C238EB}" type="sibTrans" cxnId="{13951578-AAD7-4F4A-90C5-E9D4D99495B6}">
+      <dgm:prSet/>
+      <dgm:spPr/>
+      <dgm:t>
+        <a:bodyPr/>
+        <a:lstStyle/>
+        <a:p>
+          <a:endParaRPr kumimoji="1" lang="ja-JP" altLang="en-US"/>
+        </a:p>
+      </dgm:t>
+    </dgm:pt>
+    <dgm:pt modelId="{EE2170B2-F7EF-4B18-A550-44A12673B5D4}">
+      <dgm:prSet phldrT="[テキスト]"/>
+      <dgm:spPr>
+        <a:solidFill>
+          <a:srgbClr val="0070C0"/>
+        </a:solidFill>
+      </dgm:spPr>
+      <dgm:t>
+        <a:bodyPr/>
+        <a:lstStyle/>
+        <a:p>
+          <a:r>
+            <a:rPr kumimoji="1" lang="en-US" altLang="ja-JP" dirty="0" smtClean="0"/>
+            <a:t>Face Book</a:t>
+          </a:r>
+          <a:endParaRPr kumimoji="1" lang="ja-JP" altLang="en-US" dirty="0"/>
+        </a:p>
+      </dgm:t>
+    </dgm:pt>
+    <dgm:pt modelId="{2A9C1041-08CA-47CB-A79F-0A45059FC664}" type="parTrans" cxnId="{2767F877-17F8-4890-B87B-45C4EA9F17EB}">
+      <dgm:prSet/>
+      <dgm:spPr>
+        <a:solidFill>
+          <a:srgbClr val="0070C0"/>
+        </a:solidFill>
+      </dgm:spPr>
+      <dgm:t>
+        <a:bodyPr/>
+        <a:lstStyle/>
+        <a:p>
+          <a:endParaRPr kumimoji="1" lang="ja-JP" altLang="en-US"/>
+        </a:p>
+      </dgm:t>
+    </dgm:pt>
+    <dgm:pt modelId="{3F2F61ED-960C-46FD-9BFD-2B4858B3852F}" type="sibTrans" cxnId="{2767F877-17F8-4890-B87B-45C4EA9F17EB}">
+      <dgm:prSet/>
+      <dgm:spPr/>
+      <dgm:t>
+        <a:bodyPr/>
+        <a:lstStyle/>
+        <a:p>
+          <a:endParaRPr kumimoji="1" lang="ja-JP" altLang="en-US"/>
+        </a:p>
+      </dgm:t>
+    </dgm:pt>
+    <dgm:pt modelId="{524B9D98-1F00-44CA-BC10-DC1C6BB16093}">
+      <dgm:prSet phldrT="[テキスト]"/>
+      <dgm:spPr>
+        <a:solidFill>
+          <a:schemeClr val="accent1">
+            <a:lumMod val="60000"/>
+            <a:lumOff val="40000"/>
+          </a:schemeClr>
+        </a:solidFill>
+      </dgm:spPr>
+      <dgm:t>
+        <a:bodyPr/>
+        <a:lstStyle/>
+        <a:p>
+          <a:r>
+            <a:rPr kumimoji="1" lang="en-US" altLang="ja-JP" dirty="0" smtClean="0"/>
+            <a:t>Twitter</a:t>
+          </a:r>
+          <a:endParaRPr kumimoji="1" lang="ja-JP" altLang="en-US" dirty="0"/>
+        </a:p>
+      </dgm:t>
+    </dgm:pt>
+    <dgm:pt modelId="{508321EA-49A3-4BCB-88D7-AF8364165387}" type="parTrans" cxnId="{EE28BEC5-422B-4BD2-B8BB-0440CBB73707}">
+      <dgm:prSet/>
+      <dgm:spPr>
+        <a:solidFill>
+          <a:schemeClr val="accent1">
+            <a:lumMod val="60000"/>
+            <a:lumOff val="40000"/>
+          </a:schemeClr>
+        </a:solidFill>
+      </dgm:spPr>
+      <dgm:t>
+        <a:bodyPr/>
+        <a:lstStyle/>
+        <a:p>
+          <a:endParaRPr kumimoji="1" lang="ja-JP" altLang="en-US"/>
+        </a:p>
+      </dgm:t>
+    </dgm:pt>
+    <dgm:pt modelId="{3457FF61-D7D3-4822-984A-8459C8FC0382}" type="sibTrans" cxnId="{EE28BEC5-422B-4BD2-B8BB-0440CBB73707}">
+      <dgm:prSet/>
+      <dgm:spPr/>
+      <dgm:t>
+        <a:bodyPr/>
+        <a:lstStyle/>
+        <a:p>
+          <a:endParaRPr kumimoji="1" lang="ja-JP" altLang="en-US"/>
+        </a:p>
+      </dgm:t>
+    </dgm:pt>
+    <dgm:pt modelId="{9AD475D1-AA77-4AC1-9E5C-A73676192616}">
+      <dgm:prSet phldrT="[テキスト]"/>
+      <dgm:spPr/>
+      <dgm:t>
+        <a:bodyPr/>
+        <a:lstStyle/>
+        <a:p>
+          <a:r>
+            <a:rPr kumimoji="1" lang="en-US" altLang="ja-JP" dirty="0" smtClean="0"/>
+            <a:t>Line</a:t>
+          </a:r>
+          <a:endParaRPr kumimoji="1" lang="ja-JP" altLang="en-US" dirty="0"/>
+        </a:p>
+      </dgm:t>
+    </dgm:pt>
+    <dgm:pt modelId="{903EEDD8-7733-4020-98C8-97A425563945}" type="parTrans" cxnId="{F4E01611-A71F-4402-A7D5-8610BD8047AF}">
+      <dgm:prSet/>
+      <dgm:spPr/>
+      <dgm:t>
+        <a:bodyPr/>
+        <a:lstStyle/>
+        <a:p>
+          <a:endParaRPr kumimoji="1" lang="ja-JP" altLang="en-US"/>
+        </a:p>
+      </dgm:t>
+    </dgm:pt>
+    <dgm:pt modelId="{BC8FE966-89FA-415F-A9FF-841E3ACAEB7A}" type="sibTrans" cxnId="{F4E01611-A71F-4402-A7D5-8610BD8047AF}">
+      <dgm:prSet/>
+      <dgm:spPr/>
+      <dgm:t>
+        <a:bodyPr/>
+        <a:lstStyle/>
+        <a:p>
+          <a:endParaRPr kumimoji="1" lang="ja-JP" altLang="en-US"/>
+        </a:p>
+      </dgm:t>
+    </dgm:pt>
+    <dgm:pt modelId="{1590A3C5-F0B0-4EDF-97E7-D4A5AC203B3B}" type="pres">
+      <dgm:prSet presAssocID="{126EA025-EBEA-4A88-B612-765AA06C912A}" presName="Name0" presStyleCnt="0">
+        <dgm:presLayoutVars>
+          <dgm:chMax val="1"/>
+          <dgm:dir/>
+          <dgm:animLvl val="ctr"/>
+          <dgm:resizeHandles val="exact"/>
+        </dgm:presLayoutVars>
+      </dgm:prSet>
+      <dgm:spPr/>
+    </dgm:pt>
+    <dgm:pt modelId="{C08025AB-186D-4AF0-84F2-9C0188FC5FBE}" type="pres">
+      <dgm:prSet presAssocID="{F865CEBE-C5D4-4259-89D8-D676E750E52C}" presName="centerShape" presStyleLbl="node0" presStyleIdx="0" presStyleCnt="1"/>
+      <dgm:spPr/>
+    </dgm:pt>
+    <dgm:pt modelId="{D10A1A3A-A408-4A96-8784-2C4393BEA377}" type="pres">
+      <dgm:prSet presAssocID="{8B743B02-AB5C-49EF-AAED-7AFBE9FBBCEB}" presName="parTrans" presStyleLbl="sibTrans2D1" presStyleIdx="0" presStyleCnt="4"/>
+      <dgm:spPr/>
+    </dgm:pt>
+    <dgm:pt modelId="{6A9464CE-A081-43B6-8214-802FEA2A0D33}" type="pres">
+      <dgm:prSet presAssocID="{8B743B02-AB5C-49EF-AAED-7AFBE9FBBCEB}" presName="connectorText" presStyleLbl="sibTrans2D1" presStyleIdx="0" presStyleCnt="4"/>
+      <dgm:spPr/>
+    </dgm:pt>
+    <dgm:pt modelId="{94F90008-2EAC-4F9B-B3E0-255B028F9D81}" type="pres">
+      <dgm:prSet presAssocID="{B473439C-7C4C-44D1-BC3A-9CA8FF002F9D}" presName="node" presStyleLbl="node1" presStyleIdx="0" presStyleCnt="4">
+        <dgm:presLayoutVars>
+          <dgm:bulletEnabled val="1"/>
+        </dgm:presLayoutVars>
+      </dgm:prSet>
+      <dgm:spPr/>
+      <dgm:t>
+        <a:bodyPr/>
+        <a:lstStyle/>
+        <a:p>
+          <a:endParaRPr kumimoji="1" lang="ja-JP" altLang="en-US"/>
+        </a:p>
+      </dgm:t>
+    </dgm:pt>
+    <dgm:pt modelId="{62C0DECD-939B-4BFA-A82D-8E9BA41BDB1A}" type="pres">
+      <dgm:prSet presAssocID="{2A9C1041-08CA-47CB-A79F-0A45059FC664}" presName="parTrans" presStyleLbl="sibTrans2D1" presStyleIdx="1" presStyleCnt="4"/>
+      <dgm:spPr/>
+    </dgm:pt>
+    <dgm:pt modelId="{A456A9DE-9957-414B-A206-3CD03F93208D}" type="pres">
+      <dgm:prSet presAssocID="{2A9C1041-08CA-47CB-A79F-0A45059FC664}" presName="connectorText" presStyleLbl="sibTrans2D1" presStyleIdx="1" presStyleCnt="4"/>
+      <dgm:spPr/>
+    </dgm:pt>
+    <dgm:pt modelId="{F64ACDA8-A7F2-4D31-BB73-49DC13AB58C2}" type="pres">
+      <dgm:prSet presAssocID="{EE2170B2-F7EF-4B18-A550-44A12673B5D4}" presName="node" presStyleLbl="node1" presStyleIdx="1" presStyleCnt="4">
+        <dgm:presLayoutVars>
+          <dgm:bulletEnabled val="1"/>
+        </dgm:presLayoutVars>
+      </dgm:prSet>
+      <dgm:spPr/>
+    </dgm:pt>
+    <dgm:pt modelId="{23094E9F-E700-420A-8EF7-CD2A500817C4}" type="pres">
+      <dgm:prSet presAssocID="{508321EA-49A3-4BCB-88D7-AF8364165387}" presName="parTrans" presStyleLbl="sibTrans2D1" presStyleIdx="2" presStyleCnt="4"/>
+      <dgm:spPr/>
+    </dgm:pt>
+    <dgm:pt modelId="{C3351038-654A-4206-84CB-53BC18B4869E}" type="pres">
+      <dgm:prSet presAssocID="{508321EA-49A3-4BCB-88D7-AF8364165387}" presName="connectorText" presStyleLbl="sibTrans2D1" presStyleIdx="2" presStyleCnt="4"/>
+      <dgm:spPr/>
+    </dgm:pt>
+    <dgm:pt modelId="{0B151D9D-E193-4E0F-93C4-F913F547A8E1}" type="pres">
+      <dgm:prSet presAssocID="{524B9D98-1F00-44CA-BC10-DC1C6BB16093}" presName="node" presStyleLbl="node1" presStyleIdx="2" presStyleCnt="4">
+        <dgm:presLayoutVars>
+          <dgm:bulletEnabled val="1"/>
+        </dgm:presLayoutVars>
+      </dgm:prSet>
+      <dgm:spPr/>
+    </dgm:pt>
+    <dgm:pt modelId="{34600E07-E75D-43AA-BE78-C24842138633}" type="pres">
+      <dgm:prSet presAssocID="{903EEDD8-7733-4020-98C8-97A425563945}" presName="parTrans" presStyleLbl="sibTrans2D1" presStyleIdx="3" presStyleCnt="4"/>
+      <dgm:spPr/>
+    </dgm:pt>
+    <dgm:pt modelId="{40018E5C-AF80-4A31-AE73-009DCCFB99EE}" type="pres">
+      <dgm:prSet presAssocID="{903EEDD8-7733-4020-98C8-97A425563945}" presName="connectorText" presStyleLbl="sibTrans2D1" presStyleIdx="3" presStyleCnt="4"/>
+      <dgm:spPr/>
+    </dgm:pt>
+    <dgm:pt modelId="{5F78AA02-04CE-4802-B84D-96C4B83A8FF2}" type="pres">
+      <dgm:prSet presAssocID="{9AD475D1-AA77-4AC1-9E5C-A73676192616}" presName="node" presStyleLbl="node1" presStyleIdx="3" presStyleCnt="4">
+        <dgm:presLayoutVars>
+          <dgm:bulletEnabled val="1"/>
+        </dgm:presLayoutVars>
+      </dgm:prSet>
+      <dgm:spPr/>
+    </dgm:pt>
+  </dgm:ptLst>
+  <dgm:cxnLst>
+    <dgm:cxn modelId="{4F9D6174-05AB-489C-AA75-65480EF4AF2C}" type="presOf" srcId="{126EA025-EBEA-4A88-B612-765AA06C912A}" destId="{1590A3C5-F0B0-4EDF-97E7-D4A5AC203B3B}" srcOrd="0" destOrd="0" presId="urn:microsoft.com/office/officeart/2005/8/layout/radial5"/>
+    <dgm:cxn modelId="{13951578-AAD7-4F4A-90C5-E9D4D99495B6}" srcId="{F865CEBE-C5D4-4259-89D8-D676E750E52C}" destId="{B473439C-7C4C-44D1-BC3A-9CA8FF002F9D}" srcOrd="0" destOrd="0" parTransId="{8B743B02-AB5C-49EF-AAED-7AFBE9FBBCEB}" sibTransId="{4B0C5C2B-AB87-4344-876D-D1C850C238EB}"/>
+    <dgm:cxn modelId="{2767F877-17F8-4890-B87B-45C4EA9F17EB}" srcId="{F865CEBE-C5D4-4259-89D8-D676E750E52C}" destId="{EE2170B2-F7EF-4B18-A550-44A12673B5D4}" srcOrd="1" destOrd="0" parTransId="{2A9C1041-08CA-47CB-A79F-0A45059FC664}" sibTransId="{3F2F61ED-960C-46FD-9BFD-2B4858B3852F}"/>
+    <dgm:cxn modelId="{3EB58FBD-3125-4A4F-AF06-75CC8587C37B}" type="presOf" srcId="{8B743B02-AB5C-49EF-AAED-7AFBE9FBBCEB}" destId="{D10A1A3A-A408-4A96-8784-2C4393BEA377}" srcOrd="0" destOrd="0" presId="urn:microsoft.com/office/officeart/2005/8/layout/radial5"/>
+    <dgm:cxn modelId="{DC7968CF-2187-426D-814A-31DD984BF96F}" type="presOf" srcId="{903EEDD8-7733-4020-98C8-97A425563945}" destId="{40018E5C-AF80-4A31-AE73-009DCCFB99EE}" srcOrd="1" destOrd="0" presId="urn:microsoft.com/office/officeart/2005/8/layout/radial5"/>
+    <dgm:cxn modelId="{DAE89E68-6944-49DD-953E-1C5387418A43}" type="presOf" srcId="{2A9C1041-08CA-47CB-A79F-0A45059FC664}" destId="{62C0DECD-939B-4BFA-A82D-8E9BA41BDB1A}" srcOrd="0" destOrd="0" presId="urn:microsoft.com/office/officeart/2005/8/layout/radial5"/>
+    <dgm:cxn modelId="{726E74CE-0EB8-4596-8585-5552C10D2BE4}" srcId="{126EA025-EBEA-4A88-B612-765AA06C912A}" destId="{F865CEBE-C5D4-4259-89D8-D676E750E52C}" srcOrd="0" destOrd="0" parTransId="{005F3CC6-351A-48A6-B58D-B380D3A17ED2}" sibTransId="{DFAC891B-4CE6-4799-BE65-FDDA2404FEFE}"/>
+    <dgm:cxn modelId="{9D989EB8-A400-406B-8755-29E77301251A}" type="presOf" srcId="{B473439C-7C4C-44D1-BC3A-9CA8FF002F9D}" destId="{94F90008-2EAC-4F9B-B3E0-255B028F9D81}" srcOrd="0" destOrd="0" presId="urn:microsoft.com/office/officeart/2005/8/layout/radial5"/>
+    <dgm:cxn modelId="{ED04714D-0BA0-41E9-AB24-8AEEDDE3CCD9}" type="presOf" srcId="{8B743B02-AB5C-49EF-AAED-7AFBE9FBBCEB}" destId="{6A9464CE-A081-43B6-8214-802FEA2A0D33}" srcOrd="1" destOrd="0" presId="urn:microsoft.com/office/officeart/2005/8/layout/radial5"/>
+    <dgm:cxn modelId="{0299E32A-EBD8-4BEF-8B2F-6960CF752506}" type="presOf" srcId="{9AD475D1-AA77-4AC1-9E5C-A73676192616}" destId="{5F78AA02-04CE-4802-B84D-96C4B83A8FF2}" srcOrd="0" destOrd="0" presId="urn:microsoft.com/office/officeart/2005/8/layout/radial5"/>
+    <dgm:cxn modelId="{679E74F5-3DBC-4F2E-A882-A416322615AD}" type="presOf" srcId="{2A9C1041-08CA-47CB-A79F-0A45059FC664}" destId="{A456A9DE-9957-414B-A206-3CD03F93208D}" srcOrd="1" destOrd="0" presId="urn:microsoft.com/office/officeart/2005/8/layout/radial5"/>
+    <dgm:cxn modelId="{F4E01611-A71F-4402-A7D5-8610BD8047AF}" srcId="{F865CEBE-C5D4-4259-89D8-D676E750E52C}" destId="{9AD475D1-AA77-4AC1-9E5C-A73676192616}" srcOrd="3" destOrd="0" parTransId="{903EEDD8-7733-4020-98C8-97A425563945}" sibTransId="{BC8FE966-89FA-415F-A9FF-841E3ACAEB7A}"/>
+    <dgm:cxn modelId="{AC0014D7-4BDB-46D9-85AD-C3DBCACB8E70}" type="presOf" srcId="{903EEDD8-7733-4020-98C8-97A425563945}" destId="{34600E07-E75D-43AA-BE78-C24842138633}" srcOrd="0" destOrd="0" presId="urn:microsoft.com/office/officeart/2005/8/layout/radial5"/>
+    <dgm:cxn modelId="{617711D9-53BE-4758-A317-6C20D8C9977C}" type="presOf" srcId="{F865CEBE-C5D4-4259-89D8-D676E750E52C}" destId="{C08025AB-186D-4AF0-84F2-9C0188FC5FBE}" srcOrd="0" destOrd="0" presId="urn:microsoft.com/office/officeart/2005/8/layout/radial5"/>
+    <dgm:cxn modelId="{F093746E-8B3A-4AC7-B94B-E067077E27DB}" type="presOf" srcId="{EE2170B2-F7EF-4B18-A550-44A12673B5D4}" destId="{F64ACDA8-A7F2-4D31-BB73-49DC13AB58C2}" srcOrd="0" destOrd="0" presId="urn:microsoft.com/office/officeart/2005/8/layout/radial5"/>
+    <dgm:cxn modelId="{10BFE21A-3C8F-4E74-9552-D2042D9C0056}" type="presOf" srcId="{508321EA-49A3-4BCB-88D7-AF8364165387}" destId="{C3351038-654A-4206-84CB-53BC18B4869E}" srcOrd="1" destOrd="0" presId="urn:microsoft.com/office/officeart/2005/8/layout/radial5"/>
+    <dgm:cxn modelId="{9687B44A-5005-4C50-B85A-7ECDC6808D76}" type="presOf" srcId="{524B9D98-1F00-44CA-BC10-DC1C6BB16093}" destId="{0B151D9D-E193-4E0F-93C4-F913F547A8E1}" srcOrd="0" destOrd="0" presId="urn:microsoft.com/office/officeart/2005/8/layout/radial5"/>
+    <dgm:cxn modelId="{EE28BEC5-422B-4BD2-B8BB-0440CBB73707}" srcId="{F865CEBE-C5D4-4259-89D8-D676E750E52C}" destId="{524B9D98-1F00-44CA-BC10-DC1C6BB16093}" srcOrd="2" destOrd="0" parTransId="{508321EA-49A3-4BCB-88D7-AF8364165387}" sibTransId="{3457FF61-D7D3-4822-984A-8459C8FC0382}"/>
+    <dgm:cxn modelId="{5632F538-24E1-437C-AB1A-9E531449AD11}" type="presOf" srcId="{508321EA-49A3-4BCB-88D7-AF8364165387}" destId="{23094E9F-E700-420A-8EF7-CD2A500817C4}" srcOrd="0" destOrd="0" presId="urn:microsoft.com/office/officeart/2005/8/layout/radial5"/>
+    <dgm:cxn modelId="{8BE5485D-0604-412F-913B-E6BBA3F4F4E9}" type="presParOf" srcId="{1590A3C5-F0B0-4EDF-97E7-D4A5AC203B3B}" destId="{C08025AB-186D-4AF0-84F2-9C0188FC5FBE}" srcOrd="0" destOrd="0" presId="urn:microsoft.com/office/officeart/2005/8/layout/radial5"/>
+    <dgm:cxn modelId="{D3971E18-C6F0-4B05-ACE5-1899BF01F8AB}" type="presParOf" srcId="{1590A3C5-F0B0-4EDF-97E7-D4A5AC203B3B}" destId="{D10A1A3A-A408-4A96-8784-2C4393BEA377}" srcOrd="1" destOrd="0" presId="urn:microsoft.com/office/officeart/2005/8/layout/radial5"/>
+    <dgm:cxn modelId="{9F43E259-E609-4F5F-B96F-18D5FC59AC1D}" type="presParOf" srcId="{D10A1A3A-A408-4A96-8784-2C4393BEA377}" destId="{6A9464CE-A081-43B6-8214-802FEA2A0D33}" srcOrd="0" destOrd="0" presId="urn:microsoft.com/office/officeart/2005/8/layout/radial5"/>
+    <dgm:cxn modelId="{34F1084A-31C5-4F60-A0EF-B68A4A514DE8}" type="presParOf" srcId="{1590A3C5-F0B0-4EDF-97E7-D4A5AC203B3B}" destId="{94F90008-2EAC-4F9B-B3E0-255B028F9D81}" srcOrd="2" destOrd="0" presId="urn:microsoft.com/office/officeart/2005/8/layout/radial5"/>
+    <dgm:cxn modelId="{716AA3DA-73A3-40AF-ACC6-236C3E1A2AD2}" type="presParOf" srcId="{1590A3C5-F0B0-4EDF-97E7-D4A5AC203B3B}" destId="{62C0DECD-939B-4BFA-A82D-8E9BA41BDB1A}" srcOrd="3" destOrd="0" presId="urn:microsoft.com/office/officeart/2005/8/layout/radial5"/>
+    <dgm:cxn modelId="{F2350BE9-ECC8-431C-B6CA-889988E36C4D}" type="presParOf" srcId="{62C0DECD-939B-4BFA-A82D-8E9BA41BDB1A}" destId="{A456A9DE-9957-414B-A206-3CD03F93208D}" srcOrd="0" destOrd="0" presId="urn:microsoft.com/office/officeart/2005/8/layout/radial5"/>
+    <dgm:cxn modelId="{48D01858-36CF-4010-B249-3F1618B95D0B}" type="presParOf" srcId="{1590A3C5-F0B0-4EDF-97E7-D4A5AC203B3B}" destId="{F64ACDA8-A7F2-4D31-BB73-49DC13AB58C2}" srcOrd="4" destOrd="0" presId="urn:microsoft.com/office/officeart/2005/8/layout/radial5"/>
+    <dgm:cxn modelId="{470F823C-F128-46C6-9629-104EE13FBDC4}" type="presParOf" srcId="{1590A3C5-F0B0-4EDF-97E7-D4A5AC203B3B}" destId="{23094E9F-E700-420A-8EF7-CD2A500817C4}" srcOrd="5" destOrd="0" presId="urn:microsoft.com/office/officeart/2005/8/layout/radial5"/>
+    <dgm:cxn modelId="{EFBC3C58-C7B3-4E26-8906-91ED19A6C9F5}" type="presParOf" srcId="{23094E9F-E700-420A-8EF7-CD2A500817C4}" destId="{C3351038-654A-4206-84CB-53BC18B4869E}" srcOrd="0" destOrd="0" presId="urn:microsoft.com/office/officeart/2005/8/layout/radial5"/>
+    <dgm:cxn modelId="{B0C7747E-0103-4BB5-964D-B44E897C435B}" type="presParOf" srcId="{1590A3C5-F0B0-4EDF-97E7-D4A5AC203B3B}" destId="{0B151D9D-E193-4E0F-93C4-F913F547A8E1}" srcOrd="6" destOrd="0" presId="urn:microsoft.com/office/officeart/2005/8/layout/radial5"/>
+    <dgm:cxn modelId="{C81905FD-7E09-46B0-B0EE-153D43AC956F}" type="presParOf" srcId="{1590A3C5-F0B0-4EDF-97E7-D4A5AC203B3B}" destId="{34600E07-E75D-43AA-BE78-C24842138633}" srcOrd="7" destOrd="0" presId="urn:microsoft.com/office/officeart/2005/8/layout/radial5"/>
+    <dgm:cxn modelId="{B1171537-ECA8-4138-9722-5EA08E41DC92}" type="presParOf" srcId="{34600E07-E75D-43AA-BE78-C24842138633}" destId="{40018E5C-AF80-4A31-AE73-009DCCFB99EE}" srcOrd="0" destOrd="0" presId="urn:microsoft.com/office/officeart/2005/8/layout/radial5"/>
+    <dgm:cxn modelId="{D8B79444-EF7B-4270-810E-0E2926FC2FDB}" type="presParOf" srcId="{1590A3C5-F0B0-4EDF-97E7-D4A5AC203B3B}" destId="{5F78AA02-04CE-4802-B84D-96C4B83A8FF2}" srcOrd="8" destOrd="0" presId="urn:microsoft.com/office/officeart/2005/8/layout/radial5"/>
+  </dgm:cxnLst>
+  <dgm:bg/>
+  <dgm:whole/>
+  <dgm:extLst>
+    <a:ext uri="http://schemas.microsoft.com/office/drawing/2008/diagram">
+      <dsp:dataModelExt xmlns:dsp="http://schemas.microsoft.com/office/drawing/2008/diagram" relId="rId6" minVer="http://schemas.openxmlformats.org/drawingml/2006/diagram"/>
+    </a:ext>
+    <a:ext uri="{C62137D5-CB1D-491B-B009-E17868A290BF}">
+      <dgm14:recolorImg xmlns:dgm14="http://schemas.microsoft.com/office/drawing/2010/diagram" val="1"/>
     </a:ext>
   </dgm:extLst>
 </dgm:dataModel>
@@ -1737,6 +3049,646 @@
 </dsp:drawing>
 </file>
 
+<file path=ppt/diagrams/drawing2.xml><?xml version="1.0" encoding="utf-8"?>
+<dsp:drawing xmlns:dgm="http://schemas.openxmlformats.org/drawingml/2006/diagram" xmlns:dsp="http://schemas.microsoft.com/office/drawing/2008/diagram" xmlns:a="http://schemas.openxmlformats.org/drawingml/2006/main">
+  <dsp:spTree>
+    <dsp:nvGrpSpPr>
+      <dsp:cNvPr id="0" name=""/>
+      <dsp:cNvGrpSpPr/>
+    </dsp:nvGrpSpPr>
+    <dsp:grpSpPr/>
+    <dsp:sp modelId="{C08025AB-186D-4AF0-84F2-9C0188FC5FBE}">
+      <dsp:nvSpPr>
+        <dsp:cNvPr id="0" name=""/>
+        <dsp:cNvSpPr/>
+      </dsp:nvSpPr>
+      <dsp:spPr>
+        <a:xfrm>
+          <a:off x="2263487" y="1475649"/>
+          <a:ext cx="1051391" cy="1051391"/>
+        </a:xfrm>
+        <a:prstGeom prst="ellipse">
+          <a:avLst/>
+        </a:prstGeom>
+        <a:solidFill>
+          <a:srgbClr val="FFC000"/>
+        </a:solidFill>
+        <a:ln w="19050" cap="rnd" cmpd="sng" algn="ctr">
+          <a:solidFill>
+            <a:schemeClr val="lt1">
+              <a:hueOff val="0"/>
+              <a:satOff val="0"/>
+              <a:lumOff val="0"/>
+              <a:alphaOff val="0"/>
+            </a:schemeClr>
+          </a:solidFill>
+          <a:prstDash val="solid"/>
+        </a:ln>
+        <a:effectLst/>
+      </dsp:spPr>
+      <dsp:style>
+        <a:lnRef idx="2">
+          <a:scrgbClr r="0" g="0" b="0"/>
+        </a:lnRef>
+        <a:fillRef idx="1">
+          <a:scrgbClr r="0" g="0" b="0"/>
+        </a:fillRef>
+        <a:effectRef idx="0">
+          <a:scrgbClr r="0" g="0" b="0"/>
+        </a:effectRef>
+        <a:fontRef idx="minor">
+          <a:schemeClr val="lt1"/>
+        </a:fontRef>
+      </dsp:style>
+      <dsp:txBody>
+        <a:bodyPr spcFirstLastPara="0" vert="horz" wrap="square" lIns="40640" tIns="40640" rIns="40640" bIns="40640" numCol="1" spcCol="1270" anchor="ctr" anchorCtr="0">
+          <a:noAutofit/>
+        </a:bodyPr>
+        <a:lstStyle/>
+        <a:p>
+          <a:pPr lvl="0" algn="ctr" defTabSz="1422400">
+            <a:lnSpc>
+              <a:spcPct val="90000"/>
+            </a:lnSpc>
+            <a:spcBef>
+              <a:spcPct val="0"/>
+            </a:spcBef>
+            <a:spcAft>
+              <a:spcPct val="35000"/>
+            </a:spcAft>
+          </a:pPr>
+          <a:r>
+            <a:rPr kumimoji="1" lang="en-US" altLang="ja-JP" sz="3200" kern="1200" dirty="0" smtClean="0"/>
+            <a:t>SNS</a:t>
+          </a:r>
+          <a:endParaRPr kumimoji="1" lang="ja-JP" altLang="en-US" sz="3200" kern="1200" dirty="0"/>
+        </a:p>
+      </dsp:txBody>
+      <dsp:txXfrm>
+        <a:off x="2417460" y="1629622"/>
+        <a:ext cx="743445" cy="743445"/>
+      </dsp:txXfrm>
+    </dsp:sp>
+    <dsp:sp modelId="{D10A1A3A-A408-4A96-8784-2C4393BEA377}">
+      <dsp:nvSpPr>
+        <dsp:cNvPr id="0" name=""/>
+        <dsp:cNvSpPr/>
+      </dsp:nvSpPr>
+      <dsp:spPr>
+        <a:xfrm rot="16200000">
+          <a:off x="2677458" y="1092435"/>
+          <a:ext cx="223449" cy="357473"/>
+        </a:xfrm>
+        <a:prstGeom prst="rightArrow">
+          <a:avLst>
+            <a:gd name="adj1" fmla="val 60000"/>
+            <a:gd name="adj2" fmla="val 50000"/>
+          </a:avLst>
+        </a:prstGeom>
+        <a:solidFill>
+          <a:srgbClr val="FF0000"/>
+        </a:solidFill>
+        <a:ln>
+          <a:noFill/>
+        </a:ln>
+        <a:effectLst/>
+      </dsp:spPr>
+      <dsp:style>
+        <a:lnRef idx="0">
+          <a:scrgbClr r="0" g="0" b="0"/>
+        </a:lnRef>
+        <a:fillRef idx="1">
+          <a:scrgbClr r="0" g="0" b="0"/>
+        </a:fillRef>
+        <a:effectRef idx="0">
+          <a:scrgbClr r="0" g="0" b="0"/>
+        </a:effectRef>
+        <a:fontRef idx="minor">
+          <a:schemeClr val="lt1"/>
+        </a:fontRef>
+      </dsp:style>
+      <dsp:txBody>
+        <a:bodyPr spcFirstLastPara="0" vert="horz" wrap="square" lIns="0" tIns="0" rIns="0" bIns="0" numCol="1" spcCol="1270" anchor="ctr" anchorCtr="0">
+          <a:noAutofit/>
+        </a:bodyPr>
+        <a:lstStyle/>
+        <a:p>
+          <a:pPr lvl="0" algn="ctr" defTabSz="711200">
+            <a:lnSpc>
+              <a:spcPct val="90000"/>
+            </a:lnSpc>
+            <a:spcBef>
+              <a:spcPct val="0"/>
+            </a:spcBef>
+            <a:spcAft>
+              <a:spcPct val="35000"/>
+            </a:spcAft>
+          </a:pPr>
+          <a:endParaRPr kumimoji="1" lang="ja-JP" altLang="en-US" sz="1600" kern="1200"/>
+        </a:p>
+      </dsp:txBody>
+      <dsp:txXfrm>
+        <a:off x="2710976" y="1197448"/>
+        <a:ext cx="156414" cy="214483"/>
+      </dsp:txXfrm>
+    </dsp:sp>
+    <dsp:sp modelId="{94F90008-2EAC-4F9B-B3E0-255B028F9D81}">
+      <dsp:nvSpPr>
+        <dsp:cNvPr id="0" name=""/>
+        <dsp:cNvSpPr/>
+      </dsp:nvSpPr>
+      <dsp:spPr>
+        <a:xfrm>
+          <a:off x="2263487" y="2655"/>
+          <a:ext cx="1051391" cy="1051391"/>
+        </a:xfrm>
+        <a:prstGeom prst="ellipse">
+          <a:avLst/>
+        </a:prstGeom>
+        <a:solidFill>
+          <a:srgbClr val="FF0000"/>
+        </a:solidFill>
+        <a:ln w="19050" cap="rnd" cmpd="sng" algn="ctr">
+          <a:solidFill>
+            <a:schemeClr val="lt1">
+              <a:hueOff val="0"/>
+              <a:satOff val="0"/>
+              <a:lumOff val="0"/>
+              <a:alphaOff val="0"/>
+            </a:schemeClr>
+          </a:solidFill>
+          <a:prstDash val="solid"/>
+        </a:ln>
+        <a:effectLst/>
+      </dsp:spPr>
+      <dsp:style>
+        <a:lnRef idx="2">
+          <a:scrgbClr r="0" g="0" b="0"/>
+        </a:lnRef>
+        <a:fillRef idx="1">
+          <a:scrgbClr r="0" g="0" b="0"/>
+        </a:fillRef>
+        <a:effectRef idx="0">
+          <a:scrgbClr r="0" g="0" b="0"/>
+        </a:effectRef>
+        <a:fontRef idx="minor">
+          <a:schemeClr val="lt1"/>
+        </a:fontRef>
+      </dsp:style>
+      <dsp:txBody>
+        <a:bodyPr spcFirstLastPara="0" vert="horz" wrap="square" lIns="15240" tIns="15240" rIns="15240" bIns="15240" numCol="1" spcCol="1270" anchor="ctr" anchorCtr="0">
+          <a:noAutofit/>
+        </a:bodyPr>
+        <a:lstStyle/>
+        <a:p>
+          <a:pPr lvl="0" algn="ctr" defTabSz="533400">
+            <a:lnSpc>
+              <a:spcPct val="90000"/>
+            </a:lnSpc>
+            <a:spcBef>
+              <a:spcPct val="0"/>
+            </a:spcBef>
+            <a:spcAft>
+              <a:spcPct val="35000"/>
+            </a:spcAft>
+          </a:pPr>
+          <a:r>
+            <a:rPr kumimoji="1" lang="ja-JP" altLang="en-US" sz="1200" kern="1200" dirty="0" smtClean="0"/>
+            <a:t>インスタ</a:t>
+          </a:r>
+          <a:endParaRPr kumimoji="1" lang="ja-JP" altLang="en-US" sz="1200" kern="1200" dirty="0"/>
+        </a:p>
+      </dsp:txBody>
+      <dsp:txXfrm>
+        <a:off x="2417460" y="156628"/>
+        <a:ext cx="743445" cy="743445"/>
+      </dsp:txXfrm>
+    </dsp:sp>
+    <dsp:sp modelId="{62C0DECD-939B-4BFA-A82D-8E9BA41BDB1A}">
+      <dsp:nvSpPr>
+        <dsp:cNvPr id="0" name=""/>
+        <dsp:cNvSpPr/>
+      </dsp:nvSpPr>
+      <dsp:spPr>
+        <a:xfrm>
+          <a:off x="3407631" y="1822608"/>
+          <a:ext cx="223449" cy="357473"/>
+        </a:xfrm>
+        <a:prstGeom prst="rightArrow">
+          <a:avLst>
+            <a:gd name="adj1" fmla="val 60000"/>
+            <a:gd name="adj2" fmla="val 50000"/>
+          </a:avLst>
+        </a:prstGeom>
+        <a:solidFill>
+          <a:srgbClr val="0070C0"/>
+        </a:solidFill>
+        <a:ln>
+          <a:noFill/>
+        </a:ln>
+        <a:effectLst/>
+      </dsp:spPr>
+      <dsp:style>
+        <a:lnRef idx="0">
+          <a:scrgbClr r="0" g="0" b="0"/>
+        </a:lnRef>
+        <a:fillRef idx="1">
+          <a:scrgbClr r="0" g="0" b="0"/>
+        </a:fillRef>
+        <a:effectRef idx="0">
+          <a:scrgbClr r="0" g="0" b="0"/>
+        </a:effectRef>
+        <a:fontRef idx="minor">
+          <a:schemeClr val="lt1"/>
+        </a:fontRef>
+      </dsp:style>
+      <dsp:txBody>
+        <a:bodyPr spcFirstLastPara="0" vert="horz" wrap="square" lIns="0" tIns="0" rIns="0" bIns="0" numCol="1" spcCol="1270" anchor="ctr" anchorCtr="0">
+          <a:noAutofit/>
+        </a:bodyPr>
+        <a:lstStyle/>
+        <a:p>
+          <a:pPr lvl="0" algn="ctr" defTabSz="711200">
+            <a:lnSpc>
+              <a:spcPct val="90000"/>
+            </a:lnSpc>
+            <a:spcBef>
+              <a:spcPct val="0"/>
+            </a:spcBef>
+            <a:spcAft>
+              <a:spcPct val="35000"/>
+            </a:spcAft>
+          </a:pPr>
+          <a:endParaRPr kumimoji="1" lang="ja-JP" altLang="en-US" sz="1600" kern="1200"/>
+        </a:p>
+      </dsp:txBody>
+      <dsp:txXfrm>
+        <a:off x="3407631" y="1894103"/>
+        <a:ext cx="156414" cy="214483"/>
+      </dsp:txXfrm>
+    </dsp:sp>
+    <dsp:sp modelId="{F64ACDA8-A7F2-4D31-BB73-49DC13AB58C2}">
+      <dsp:nvSpPr>
+        <dsp:cNvPr id="0" name=""/>
+        <dsp:cNvSpPr/>
+      </dsp:nvSpPr>
+      <dsp:spPr>
+        <a:xfrm>
+          <a:off x="3736480" y="1475649"/>
+          <a:ext cx="1051391" cy="1051391"/>
+        </a:xfrm>
+        <a:prstGeom prst="ellipse">
+          <a:avLst/>
+        </a:prstGeom>
+        <a:solidFill>
+          <a:srgbClr val="0070C0"/>
+        </a:solidFill>
+        <a:ln w="19050" cap="rnd" cmpd="sng" algn="ctr">
+          <a:solidFill>
+            <a:schemeClr val="lt1">
+              <a:hueOff val="0"/>
+              <a:satOff val="0"/>
+              <a:lumOff val="0"/>
+              <a:alphaOff val="0"/>
+            </a:schemeClr>
+          </a:solidFill>
+          <a:prstDash val="solid"/>
+        </a:ln>
+        <a:effectLst/>
+      </dsp:spPr>
+      <dsp:style>
+        <a:lnRef idx="2">
+          <a:scrgbClr r="0" g="0" b="0"/>
+        </a:lnRef>
+        <a:fillRef idx="1">
+          <a:scrgbClr r="0" g="0" b="0"/>
+        </a:fillRef>
+        <a:effectRef idx="0">
+          <a:scrgbClr r="0" g="0" b="0"/>
+        </a:effectRef>
+        <a:fontRef idx="minor">
+          <a:schemeClr val="lt1"/>
+        </a:fontRef>
+      </dsp:style>
+      <dsp:txBody>
+        <a:bodyPr spcFirstLastPara="0" vert="horz" wrap="square" lIns="21590" tIns="21590" rIns="21590" bIns="21590" numCol="1" spcCol="1270" anchor="ctr" anchorCtr="0">
+          <a:noAutofit/>
+        </a:bodyPr>
+        <a:lstStyle/>
+        <a:p>
+          <a:pPr lvl="0" algn="ctr" defTabSz="755650">
+            <a:lnSpc>
+              <a:spcPct val="90000"/>
+            </a:lnSpc>
+            <a:spcBef>
+              <a:spcPct val="0"/>
+            </a:spcBef>
+            <a:spcAft>
+              <a:spcPct val="35000"/>
+            </a:spcAft>
+          </a:pPr>
+          <a:r>
+            <a:rPr kumimoji="1" lang="en-US" altLang="ja-JP" sz="1700" kern="1200" dirty="0" smtClean="0"/>
+            <a:t>Face Book</a:t>
+          </a:r>
+          <a:endParaRPr kumimoji="1" lang="ja-JP" altLang="en-US" sz="1700" kern="1200" dirty="0"/>
+        </a:p>
+      </dsp:txBody>
+      <dsp:txXfrm>
+        <a:off x="3890453" y="1629622"/>
+        <a:ext cx="743445" cy="743445"/>
+      </dsp:txXfrm>
+    </dsp:sp>
+    <dsp:sp modelId="{23094E9F-E700-420A-8EF7-CD2A500817C4}">
+      <dsp:nvSpPr>
+        <dsp:cNvPr id="0" name=""/>
+        <dsp:cNvSpPr/>
+      </dsp:nvSpPr>
+      <dsp:spPr>
+        <a:xfrm rot="5400000">
+          <a:off x="2677458" y="2552781"/>
+          <a:ext cx="223449" cy="357473"/>
+        </a:xfrm>
+        <a:prstGeom prst="rightArrow">
+          <a:avLst>
+            <a:gd name="adj1" fmla="val 60000"/>
+            <a:gd name="adj2" fmla="val 50000"/>
+          </a:avLst>
+        </a:prstGeom>
+        <a:solidFill>
+          <a:schemeClr val="accent1">
+            <a:lumMod val="60000"/>
+            <a:lumOff val="40000"/>
+          </a:schemeClr>
+        </a:solidFill>
+        <a:ln>
+          <a:noFill/>
+        </a:ln>
+        <a:effectLst/>
+      </dsp:spPr>
+      <dsp:style>
+        <a:lnRef idx="0">
+          <a:scrgbClr r="0" g="0" b="0"/>
+        </a:lnRef>
+        <a:fillRef idx="1">
+          <a:scrgbClr r="0" g="0" b="0"/>
+        </a:fillRef>
+        <a:effectRef idx="0">
+          <a:scrgbClr r="0" g="0" b="0"/>
+        </a:effectRef>
+        <a:fontRef idx="minor">
+          <a:schemeClr val="lt1"/>
+        </a:fontRef>
+      </dsp:style>
+      <dsp:txBody>
+        <a:bodyPr spcFirstLastPara="0" vert="horz" wrap="square" lIns="0" tIns="0" rIns="0" bIns="0" numCol="1" spcCol="1270" anchor="ctr" anchorCtr="0">
+          <a:noAutofit/>
+        </a:bodyPr>
+        <a:lstStyle/>
+        <a:p>
+          <a:pPr lvl="0" algn="ctr" defTabSz="711200">
+            <a:lnSpc>
+              <a:spcPct val="90000"/>
+            </a:lnSpc>
+            <a:spcBef>
+              <a:spcPct val="0"/>
+            </a:spcBef>
+            <a:spcAft>
+              <a:spcPct val="35000"/>
+            </a:spcAft>
+          </a:pPr>
+          <a:endParaRPr kumimoji="1" lang="ja-JP" altLang="en-US" sz="1600" kern="1200"/>
+        </a:p>
+      </dsp:txBody>
+      <dsp:txXfrm>
+        <a:off x="2710976" y="2590759"/>
+        <a:ext cx="156414" cy="214483"/>
+      </dsp:txXfrm>
+    </dsp:sp>
+    <dsp:sp modelId="{0B151D9D-E193-4E0F-93C4-F913F547A8E1}">
+      <dsp:nvSpPr>
+        <dsp:cNvPr id="0" name=""/>
+        <dsp:cNvSpPr/>
+      </dsp:nvSpPr>
+      <dsp:spPr>
+        <a:xfrm>
+          <a:off x="2263487" y="2948642"/>
+          <a:ext cx="1051391" cy="1051391"/>
+        </a:xfrm>
+        <a:prstGeom prst="ellipse">
+          <a:avLst/>
+        </a:prstGeom>
+        <a:solidFill>
+          <a:schemeClr val="accent1">
+            <a:lumMod val="60000"/>
+            <a:lumOff val="40000"/>
+          </a:schemeClr>
+        </a:solidFill>
+        <a:ln w="19050" cap="rnd" cmpd="sng" algn="ctr">
+          <a:solidFill>
+            <a:schemeClr val="lt1">
+              <a:hueOff val="0"/>
+              <a:satOff val="0"/>
+              <a:lumOff val="0"/>
+              <a:alphaOff val="0"/>
+            </a:schemeClr>
+          </a:solidFill>
+          <a:prstDash val="solid"/>
+        </a:ln>
+        <a:effectLst/>
+      </dsp:spPr>
+      <dsp:style>
+        <a:lnRef idx="2">
+          <a:scrgbClr r="0" g="0" b="0"/>
+        </a:lnRef>
+        <a:fillRef idx="1">
+          <a:scrgbClr r="0" g="0" b="0"/>
+        </a:fillRef>
+        <a:effectRef idx="0">
+          <a:scrgbClr r="0" g="0" b="0"/>
+        </a:effectRef>
+        <a:fontRef idx="minor">
+          <a:schemeClr val="lt1"/>
+        </a:fontRef>
+      </dsp:style>
+      <dsp:txBody>
+        <a:bodyPr spcFirstLastPara="0" vert="horz" wrap="square" lIns="21590" tIns="21590" rIns="21590" bIns="21590" numCol="1" spcCol="1270" anchor="ctr" anchorCtr="0">
+          <a:noAutofit/>
+        </a:bodyPr>
+        <a:lstStyle/>
+        <a:p>
+          <a:pPr lvl="0" algn="ctr" defTabSz="755650">
+            <a:lnSpc>
+              <a:spcPct val="90000"/>
+            </a:lnSpc>
+            <a:spcBef>
+              <a:spcPct val="0"/>
+            </a:spcBef>
+            <a:spcAft>
+              <a:spcPct val="35000"/>
+            </a:spcAft>
+          </a:pPr>
+          <a:r>
+            <a:rPr kumimoji="1" lang="en-US" altLang="ja-JP" sz="1700" kern="1200" dirty="0" smtClean="0"/>
+            <a:t>Twitter</a:t>
+          </a:r>
+          <a:endParaRPr kumimoji="1" lang="ja-JP" altLang="en-US" sz="1700" kern="1200" dirty="0"/>
+        </a:p>
+      </dsp:txBody>
+      <dsp:txXfrm>
+        <a:off x="2417460" y="3102615"/>
+        <a:ext cx="743445" cy="743445"/>
+      </dsp:txXfrm>
+    </dsp:sp>
+    <dsp:sp modelId="{34600E07-E75D-43AA-BE78-C24842138633}">
+      <dsp:nvSpPr>
+        <dsp:cNvPr id="0" name=""/>
+        <dsp:cNvSpPr/>
+      </dsp:nvSpPr>
+      <dsp:spPr>
+        <a:xfrm rot="10800000">
+          <a:off x="1947285" y="1822608"/>
+          <a:ext cx="223449" cy="357473"/>
+        </a:xfrm>
+        <a:prstGeom prst="rightArrow">
+          <a:avLst>
+            <a:gd name="adj1" fmla="val 60000"/>
+            <a:gd name="adj2" fmla="val 50000"/>
+          </a:avLst>
+        </a:prstGeom>
+        <a:solidFill>
+          <a:schemeClr val="accent5">
+            <a:hueOff val="0"/>
+            <a:satOff val="0"/>
+            <a:lumOff val="0"/>
+            <a:alphaOff val="0"/>
+          </a:schemeClr>
+        </a:solidFill>
+        <a:ln>
+          <a:noFill/>
+        </a:ln>
+        <a:effectLst/>
+      </dsp:spPr>
+      <dsp:style>
+        <a:lnRef idx="0">
+          <a:scrgbClr r="0" g="0" b="0"/>
+        </a:lnRef>
+        <a:fillRef idx="1">
+          <a:scrgbClr r="0" g="0" b="0"/>
+        </a:fillRef>
+        <a:effectRef idx="0">
+          <a:scrgbClr r="0" g="0" b="0"/>
+        </a:effectRef>
+        <a:fontRef idx="minor">
+          <a:schemeClr val="lt1"/>
+        </a:fontRef>
+      </dsp:style>
+      <dsp:txBody>
+        <a:bodyPr spcFirstLastPara="0" vert="horz" wrap="square" lIns="0" tIns="0" rIns="0" bIns="0" numCol="1" spcCol="1270" anchor="ctr" anchorCtr="0">
+          <a:noAutofit/>
+        </a:bodyPr>
+        <a:lstStyle/>
+        <a:p>
+          <a:pPr lvl="0" algn="ctr" defTabSz="711200">
+            <a:lnSpc>
+              <a:spcPct val="90000"/>
+            </a:lnSpc>
+            <a:spcBef>
+              <a:spcPct val="0"/>
+            </a:spcBef>
+            <a:spcAft>
+              <a:spcPct val="35000"/>
+            </a:spcAft>
+          </a:pPr>
+          <a:endParaRPr kumimoji="1" lang="ja-JP" altLang="en-US" sz="1600" kern="1200"/>
+        </a:p>
+      </dsp:txBody>
+      <dsp:txXfrm rot="10800000">
+        <a:off x="2014320" y="1894103"/>
+        <a:ext cx="156414" cy="214483"/>
+      </dsp:txXfrm>
+    </dsp:sp>
+    <dsp:sp modelId="{5F78AA02-04CE-4802-B84D-96C4B83A8FF2}">
+      <dsp:nvSpPr>
+        <dsp:cNvPr id="0" name=""/>
+        <dsp:cNvSpPr/>
+      </dsp:nvSpPr>
+      <dsp:spPr>
+        <a:xfrm>
+          <a:off x="790493" y="1475649"/>
+          <a:ext cx="1051391" cy="1051391"/>
+        </a:xfrm>
+        <a:prstGeom prst="ellipse">
+          <a:avLst/>
+        </a:prstGeom>
+        <a:solidFill>
+          <a:schemeClr val="accent5">
+            <a:hueOff val="0"/>
+            <a:satOff val="0"/>
+            <a:lumOff val="0"/>
+            <a:alphaOff val="0"/>
+          </a:schemeClr>
+        </a:solidFill>
+        <a:ln w="19050" cap="rnd" cmpd="sng" algn="ctr">
+          <a:solidFill>
+            <a:schemeClr val="lt1">
+              <a:hueOff val="0"/>
+              <a:satOff val="0"/>
+              <a:lumOff val="0"/>
+              <a:alphaOff val="0"/>
+            </a:schemeClr>
+          </a:solidFill>
+          <a:prstDash val="solid"/>
+        </a:ln>
+        <a:effectLst/>
+      </dsp:spPr>
+      <dsp:style>
+        <a:lnRef idx="2">
+          <a:scrgbClr r="0" g="0" b="0"/>
+        </a:lnRef>
+        <a:fillRef idx="1">
+          <a:scrgbClr r="0" g="0" b="0"/>
+        </a:fillRef>
+        <a:effectRef idx="0">
+          <a:scrgbClr r="0" g="0" b="0"/>
+        </a:effectRef>
+        <a:fontRef idx="minor">
+          <a:schemeClr val="lt1"/>
+        </a:fontRef>
+      </dsp:style>
+      <dsp:txBody>
+        <a:bodyPr spcFirstLastPara="0" vert="horz" wrap="square" lIns="21590" tIns="21590" rIns="21590" bIns="21590" numCol="1" spcCol="1270" anchor="ctr" anchorCtr="0">
+          <a:noAutofit/>
+        </a:bodyPr>
+        <a:lstStyle/>
+        <a:p>
+          <a:pPr lvl="0" algn="ctr" defTabSz="755650">
+            <a:lnSpc>
+              <a:spcPct val="90000"/>
+            </a:lnSpc>
+            <a:spcBef>
+              <a:spcPct val="0"/>
+            </a:spcBef>
+            <a:spcAft>
+              <a:spcPct val="35000"/>
+            </a:spcAft>
+          </a:pPr>
+          <a:r>
+            <a:rPr kumimoji="1" lang="en-US" altLang="ja-JP" sz="1700" kern="1200" dirty="0" smtClean="0"/>
+            <a:t>Line</a:t>
+          </a:r>
+          <a:endParaRPr kumimoji="1" lang="ja-JP" altLang="en-US" sz="1700" kern="1200" dirty="0"/>
+        </a:p>
+      </dsp:txBody>
+      <dsp:txXfrm>
+        <a:off x="944466" y="1629622"/>
+        <a:ext cx="743445" cy="743445"/>
+      </dsp:txXfrm>
+    </dsp:sp>
+  </dsp:spTree>
+</dsp:drawing>
+</file>
+
 <file path=ppt/diagrams/layout1.xml><?xml version="1.0" encoding="utf-8"?>
 <dgm:layoutDef xmlns:dgm="http://schemas.openxmlformats.org/drawingml/2006/diagram" xmlns:a="http://schemas.openxmlformats.org/drawingml/2006/main" uniqueId="urn:microsoft.com/office/officeart/2005/8/layout/lProcess3">
   <dgm:title val=""/>
@@ -2018,7 +3970,1280 @@
 </dgm:layoutDef>
 </file>
 
+<file path=ppt/diagrams/layout2.xml><?xml version="1.0" encoding="utf-8"?>
+<dgm:layoutDef xmlns:dgm="http://schemas.openxmlformats.org/drawingml/2006/diagram" xmlns:a="http://schemas.openxmlformats.org/drawingml/2006/main" uniqueId="urn:microsoft.com/office/officeart/2005/8/layout/radial5">
+  <dgm:title val=""/>
+  <dgm:desc val=""/>
+  <dgm:catLst>
+    <dgm:cat type="relationship" pri="23000"/>
+    <dgm:cat type="cycle" pri="11000"/>
+  </dgm:catLst>
+  <dgm:sampData>
+    <dgm:dataModel>
+      <dgm:ptLst>
+        <dgm:pt modelId="0" type="doc"/>
+        <dgm:pt modelId="1">
+          <dgm:prSet phldr="1"/>
+        </dgm:pt>
+        <dgm:pt modelId="11">
+          <dgm:prSet phldr="1"/>
+        </dgm:pt>
+        <dgm:pt modelId="12">
+          <dgm:prSet phldr="1"/>
+        </dgm:pt>
+        <dgm:pt modelId="13">
+          <dgm:prSet phldr="1"/>
+        </dgm:pt>
+        <dgm:pt modelId="14">
+          <dgm:prSet phldr="1"/>
+        </dgm:pt>
+      </dgm:ptLst>
+      <dgm:cxnLst>
+        <dgm:cxn modelId="2" srcId="0" destId="1" srcOrd="0" destOrd="0"/>
+        <dgm:cxn modelId="3" srcId="1" destId="11" srcOrd="0" destOrd="0"/>
+        <dgm:cxn modelId="4" srcId="1" destId="12" srcOrd="1" destOrd="0"/>
+        <dgm:cxn modelId="5" srcId="1" destId="13" srcOrd="2" destOrd="0"/>
+        <dgm:cxn modelId="6" srcId="1" destId="14" srcOrd="3" destOrd="0"/>
+      </dgm:cxnLst>
+      <dgm:bg/>
+      <dgm:whole/>
+    </dgm:dataModel>
+  </dgm:sampData>
+  <dgm:styleData>
+    <dgm:dataModel>
+      <dgm:ptLst>
+        <dgm:pt modelId="0" type="doc"/>
+        <dgm:pt modelId="1"/>
+        <dgm:pt modelId="11"/>
+        <dgm:pt modelId="12"/>
+        <dgm:pt modelId="13"/>
+      </dgm:ptLst>
+      <dgm:cxnLst>
+        <dgm:cxn modelId="2" srcId="0" destId="1" srcOrd="0" destOrd="0"/>
+        <dgm:cxn modelId="15" srcId="1" destId="11" srcOrd="0" destOrd="0"/>
+        <dgm:cxn modelId="16" srcId="1" destId="12" srcOrd="1" destOrd="0"/>
+        <dgm:cxn modelId="17" srcId="1" destId="13" srcOrd="2" destOrd="0"/>
+      </dgm:cxnLst>
+      <dgm:bg/>
+      <dgm:whole/>
+    </dgm:dataModel>
+  </dgm:styleData>
+  <dgm:clrData>
+    <dgm:dataModel>
+      <dgm:ptLst>
+        <dgm:pt modelId="0" type="doc"/>
+        <dgm:pt modelId="1"/>
+        <dgm:pt modelId="11"/>
+        <dgm:pt modelId="12"/>
+        <dgm:pt modelId="13"/>
+        <dgm:pt modelId="14"/>
+        <dgm:pt modelId="15"/>
+        <dgm:pt modelId="16"/>
+      </dgm:ptLst>
+      <dgm:cxnLst>
+        <dgm:cxn modelId="2" srcId="0" destId="1" srcOrd="0" destOrd="0"/>
+        <dgm:cxn modelId="16" srcId="1" destId="11" srcOrd="0" destOrd="0"/>
+        <dgm:cxn modelId="17" srcId="1" destId="12" srcOrd="1" destOrd="0"/>
+        <dgm:cxn modelId="18" srcId="1" destId="13" srcOrd="2" destOrd="0"/>
+        <dgm:cxn modelId="19" srcId="1" destId="14" srcOrd="3" destOrd="0"/>
+        <dgm:cxn modelId="20" srcId="1" destId="15" srcOrd="4" destOrd="0"/>
+        <dgm:cxn modelId="21" srcId="1" destId="16" srcOrd="5" destOrd="0"/>
+      </dgm:cxnLst>
+      <dgm:bg/>
+      <dgm:whole/>
+    </dgm:dataModel>
+  </dgm:clrData>
+  <dgm:layoutNode name="Name0">
+    <dgm:varLst>
+      <dgm:chMax val="1"/>
+      <dgm:dir/>
+      <dgm:animLvl val="ctr"/>
+      <dgm:resizeHandles val="exact"/>
+    </dgm:varLst>
+    <dgm:choose name="Name1">
+      <dgm:if name="Name2" func="var" arg="dir" op="equ" val="norm">
+        <dgm:alg type="cycle">
+          <dgm:param type="stAng" val="0"/>
+          <dgm:param type="spanAng" val="360"/>
+          <dgm:param type="ctrShpMap" val="fNode"/>
+        </dgm:alg>
+      </dgm:if>
+      <dgm:else name="Name3">
+        <dgm:alg type="cycle">
+          <dgm:param type="stAng" val="0"/>
+          <dgm:param type="spanAng" val="-360"/>
+          <dgm:param type="ctrShpMap" val="fNode"/>
+        </dgm:alg>
+      </dgm:else>
+    </dgm:choose>
+    <dgm:shape xmlns:r="http://schemas.openxmlformats.org/officeDocument/2006/relationships" r:blip="">
+      <dgm:adjLst/>
+    </dgm:shape>
+    <dgm:presOf/>
+    <dgm:constrLst>
+      <dgm:constr type="w" for="ch" forName="centerShape" refType="w"/>
+      <dgm:constr type="w" for="ch" forName="parTrans" refType="w" refFor="ch" refForName="centerShape" fact="0.4"/>
+      <dgm:constr type="w" for="ch" forName="node" refType="w" refFor="ch" refForName="centerShape" op="equ" fact="1.25"/>
+      <dgm:constr type="sp" refType="w" refFor="ch" refForName="centerShape" op="equ" fact="0.4"/>
+      <dgm:constr type="sibSp" refType="w" refFor="ch" refForName="node" fact="0.3"/>
+      <dgm:constr type="primFontSz" for="ch" forName="centerShape" val="65"/>
+      <dgm:constr type="primFontSz" for="des" forName="node" op="equ" val="65"/>
+      <dgm:constr type="primFontSz" for="des" forName="node" refType="primFontSz" refFor="ch" refForName="centerShape" op="lte"/>
+      <dgm:constr type="primFontSz" for="des" forName="connectorText" op="equ" val="55"/>
+      <dgm:constr type="primFontSz" for="des" forName="connectorText" refType="primFontSz" refFor="ch" refForName="centerShape" op="lte" fact="0.8"/>
+      <dgm:constr type="primFontSz" for="des" forName="connectorText" refType="primFontSz" refFor="des" refForName="node" op="lte"/>
+    </dgm:constrLst>
+    <dgm:choose name="Name4">
+      <dgm:if name="Name5" axis="ch ch" ptType="node node" st="1 1" cnt="1 0" func="cnt" op="lte" val="6">
+        <dgm:ruleLst>
+          <dgm:rule type="w" for="ch" forName="node" val="NaN" fact="1" max="NaN"/>
+        </dgm:ruleLst>
+      </dgm:if>
+      <dgm:if name="Name6" axis="ch ch" ptType="node node" st="1 1" cnt="1 0" func="cnt" op="lte" val="8">
+        <dgm:ruleLst>
+          <dgm:rule type="w" for="ch" forName="node" val="NaN" fact="0.9" max="NaN"/>
+        </dgm:ruleLst>
+      </dgm:if>
+      <dgm:if name="Name7" axis="ch ch" ptType="node node" st="1 1" cnt="1 0" func="cnt" op="lte" val="10">
+        <dgm:ruleLst>
+          <dgm:rule type="w" for="ch" forName="node" val="NaN" fact="0.8" max="NaN"/>
+        </dgm:ruleLst>
+      </dgm:if>
+      <dgm:if name="Name8" axis="ch ch" ptType="node node" st="1 1" cnt="1 0" func="cnt" op="lte" val="12">
+        <dgm:ruleLst>
+          <dgm:rule type="w" for="ch" forName="node" val="NaN" fact="0.7" max="NaN"/>
+        </dgm:ruleLst>
+      </dgm:if>
+      <dgm:if name="Name9" axis="ch ch" ptType="node node" st="1 1" cnt="1 0" func="cnt" op="lte" val="14">
+        <dgm:ruleLst>
+          <dgm:rule type="w" for="ch" forName="node" val="NaN" fact="0.6" max="NaN"/>
+        </dgm:ruleLst>
+      </dgm:if>
+      <dgm:else name="Name10">
+        <dgm:ruleLst>
+          <dgm:rule type="w" for="ch" forName="node" val="NaN" fact="0.5" max="NaN"/>
+        </dgm:ruleLst>
+      </dgm:else>
+    </dgm:choose>
+    <dgm:forEach name="Name11" axis="ch" ptType="node" cnt="1">
+      <dgm:layoutNode name="centerShape" styleLbl="node0">
+        <dgm:alg type="tx"/>
+        <dgm:shape xmlns:r="http://schemas.openxmlformats.org/officeDocument/2006/relationships" type="ellipse" r:blip="">
+          <dgm:adjLst/>
+        </dgm:shape>
+        <dgm:presOf axis="self"/>
+        <dgm:constrLst>
+          <dgm:constr type="h" refType="w"/>
+          <dgm:constr type="tMarg" refType="primFontSz" fact="0.1"/>
+          <dgm:constr type="bMarg" refType="primFontSz" fact="0.1"/>
+          <dgm:constr type="lMarg" refType="primFontSz" fact="0.1"/>
+          <dgm:constr type="rMarg" refType="primFontSz" fact="0.1"/>
+        </dgm:constrLst>
+        <dgm:ruleLst>
+          <dgm:rule type="primFontSz" val="5" fact="NaN" max="NaN"/>
+        </dgm:ruleLst>
+      </dgm:layoutNode>
+      <dgm:forEach name="Name12" axis="ch">
+        <dgm:forEach name="Name13" axis="self" ptType="parTrans">
+          <dgm:layoutNode name="parTrans" styleLbl="sibTrans2D1">
+            <dgm:alg type="conn">
+              <dgm:param type="begPts" val="auto"/>
+              <dgm:param type="endPts" val="auto"/>
+            </dgm:alg>
+            <dgm:shape xmlns:r="http://schemas.openxmlformats.org/officeDocument/2006/relationships" type="conn" r:blip="">
+              <dgm:adjLst/>
+            </dgm:shape>
+            <dgm:presOf axis="self"/>
+            <dgm:constrLst>
+              <dgm:constr type="h" refType="w" fact="0.85"/>
+            </dgm:constrLst>
+            <dgm:ruleLst/>
+            <dgm:layoutNode name="connectorText">
+              <dgm:alg type="tx">
+                <dgm:param type="autoTxRot" val="grav"/>
+              </dgm:alg>
+              <dgm:shape xmlns:r="http://schemas.openxmlformats.org/officeDocument/2006/relationships" type="conn" r:blip="" hideGeom="1">
+                <dgm:adjLst/>
+              </dgm:shape>
+              <dgm:presOf axis="self"/>
+              <dgm:constrLst>
+                <dgm:constr type="lMarg"/>
+                <dgm:constr type="rMarg"/>
+                <dgm:constr type="tMarg"/>
+                <dgm:constr type="bMarg"/>
+              </dgm:constrLst>
+              <dgm:ruleLst>
+                <dgm:rule type="primFontSz" val="5" fact="NaN" max="NaN"/>
+              </dgm:ruleLst>
+            </dgm:layoutNode>
+          </dgm:layoutNode>
+        </dgm:forEach>
+        <dgm:forEach name="Name14" axis="self" ptType="node">
+          <dgm:layoutNode name="node" styleLbl="node1">
+            <dgm:varLst>
+              <dgm:bulletEnabled val="1"/>
+            </dgm:varLst>
+            <dgm:alg type="tx">
+              <dgm:param type="txAnchorVertCh" val="mid"/>
+            </dgm:alg>
+            <dgm:shape xmlns:r="http://schemas.openxmlformats.org/officeDocument/2006/relationships" type="ellipse" r:blip="">
+              <dgm:adjLst/>
+            </dgm:shape>
+            <dgm:presOf axis="desOrSelf" ptType="node"/>
+            <dgm:constrLst>
+              <dgm:constr type="h" refType="w"/>
+              <dgm:constr type="tMarg" refType="primFontSz" fact="0.1"/>
+              <dgm:constr type="bMarg" refType="primFontSz" fact="0.1"/>
+              <dgm:constr type="lMarg" refType="primFontSz" fact="0.1"/>
+              <dgm:constr type="rMarg" refType="primFontSz" fact="0.1"/>
+            </dgm:constrLst>
+            <dgm:ruleLst>
+              <dgm:rule type="w" val="INF" fact="NaN" max="NaN"/>
+              <dgm:rule type="primFontSz" val="5" fact="NaN" max="NaN"/>
+            </dgm:ruleLst>
+          </dgm:layoutNode>
+        </dgm:forEach>
+      </dgm:forEach>
+    </dgm:forEach>
+  </dgm:layoutNode>
+</dgm:layoutDef>
+</file>
+
 <file path=ppt/diagrams/quickStyle1.xml><?xml version="1.0" encoding="utf-8"?>
+<dgm:styleDef xmlns:dgm="http://schemas.openxmlformats.org/drawingml/2006/diagram" xmlns:a="http://schemas.openxmlformats.org/drawingml/2006/main" uniqueId="urn:microsoft.com/office/officeart/2005/8/quickstyle/simple1">
+  <dgm:title val=""/>
+  <dgm:desc val=""/>
+  <dgm:catLst>
+    <dgm:cat type="simple" pri="10100"/>
+  </dgm:catLst>
+  <dgm:scene3d>
+    <a:camera prst="orthographicFront"/>
+    <a:lightRig rig="threePt" dir="t"/>
+  </dgm:scene3d>
+  <dgm:styleLbl name="node0">
+    <dgm:scene3d>
+      <a:camera prst="orthographicFront"/>
+      <a:lightRig rig="threePt" dir="t"/>
+    </dgm:scene3d>
+    <dgm:sp3d/>
+    <dgm:txPr/>
+    <dgm:style>
+      <a:lnRef idx="2">
+        <a:scrgbClr r="0" g="0" b="0"/>
+      </a:lnRef>
+      <a:fillRef idx="1">
+        <a:scrgbClr r="0" g="0" b="0"/>
+      </a:fillRef>
+      <a:effectRef idx="0">
+        <a:scrgbClr r="0" g="0" b="0"/>
+      </a:effectRef>
+      <a:fontRef idx="minor">
+        <a:schemeClr val="lt1"/>
+      </a:fontRef>
+    </dgm:style>
+  </dgm:styleLbl>
+  <dgm:styleLbl name="lnNode1">
+    <dgm:scene3d>
+      <a:camera prst="orthographicFront"/>
+      <a:lightRig rig="threePt" dir="t"/>
+    </dgm:scene3d>
+    <dgm:sp3d/>
+    <dgm:txPr/>
+    <dgm:style>
+      <a:lnRef idx="2">
+        <a:scrgbClr r="0" g="0" b="0"/>
+      </a:lnRef>
+      <a:fillRef idx="1">
+        <a:scrgbClr r="0" g="0" b="0"/>
+      </a:fillRef>
+      <a:effectRef idx="0">
+        <a:scrgbClr r="0" g="0" b="0"/>
+      </a:effectRef>
+      <a:fontRef idx="minor">
+        <a:schemeClr val="lt1"/>
+      </a:fontRef>
+    </dgm:style>
+  </dgm:styleLbl>
+  <dgm:styleLbl name="vennNode1">
+    <dgm:scene3d>
+      <a:camera prst="orthographicFront"/>
+      <a:lightRig rig="threePt" dir="t"/>
+    </dgm:scene3d>
+    <dgm:sp3d/>
+    <dgm:txPr/>
+    <dgm:style>
+      <a:lnRef idx="2">
+        <a:scrgbClr r="0" g="0" b="0"/>
+      </a:lnRef>
+      <a:fillRef idx="1">
+        <a:scrgbClr r="0" g="0" b="0"/>
+      </a:fillRef>
+      <a:effectRef idx="0">
+        <a:scrgbClr r="0" g="0" b="0"/>
+      </a:effectRef>
+      <a:fontRef idx="minor">
+        <a:schemeClr val="tx1"/>
+      </a:fontRef>
+    </dgm:style>
+  </dgm:styleLbl>
+  <dgm:styleLbl name="alignNode1">
+    <dgm:scene3d>
+      <a:camera prst="orthographicFront"/>
+      <a:lightRig rig="threePt" dir="t"/>
+    </dgm:scene3d>
+    <dgm:sp3d/>
+    <dgm:txPr/>
+    <dgm:style>
+      <a:lnRef idx="2">
+        <a:scrgbClr r="0" g="0" b="0"/>
+      </a:lnRef>
+      <a:fillRef idx="1">
+        <a:scrgbClr r="0" g="0" b="0"/>
+      </a:fillRef>
+      <a:effectRef idx="0">
+        <a:scrgbClr r="0" g="0" b="0"/>
+      </a:effectRef>
+      <a:fontRef idx="minor">
+        <a:schemeClr val="lt1"/>
+      </a:fontRef>
+    </dgm:style>
+  </dgm:styleLbl>
+  <dgm:styleLbl name="node1">
+    <dgm:scene3d>
+      <a:camera prst="orthographicFront"/>
+      <a:lightRig rig="threePt" dir="t"/>
+    </dgm:scene3d>
+    <dgm:sp3d/>
+    <dgm:txPr/>
+    <dgm:style>
+      <a:lnRef idx="2">
+        <a:scrgbClr r="0" g="0" b="0"/>
+      </a:lnRef>
+      <a:fillRef idx="1">
+        <a:scrgbClr r="0" g="0" b="0"/>
+      </a:fillRef>
+      <a:effectRef idx="0">
+        <a:scrgbClr r="0" g="0" b="0"/>
+      </a:effectRef>
+      <a:fontRef idx="minor">
+        <a:schemeClr val="lt1"/>
+      </a:fontRef>
+    </dgm:style>
+  </dgm:styleLbl>
+  <dgm:styleLbl name="node2">
+    <dgm:scene3d>
+      <a:camera prst="orthographicFront"/>
+      <a:lightRig rig="threePt" dir="t"/>
+    </dgm:scene3d>
+    <dgm:sp3d/>
+    <dgm:txPr/>
+    <dgm:style>
+      <a:lnRef idx="2">
+        <a:scrgbClr r="0" g="0" b="0"/>
+      </a:lnRef>
+      <a:fillRef idx="1">
+        <a:scrgbClr r="0" g="0" b="0"/>
+      </a:fillRef>
+      <a:effectRef idx="0">
+        <a:scrgbClr r="0" g="0" b="0"/>
+      </a:effectRef>
+      <a:fontRef idx="minor">
+        <a:schemeClr val="lt1"/>
+      </a:fontRef>
+    </dgm:style>
+  </dgm:styleLbl>
+  <dgm:styleLbl name="node3">
+    <dgm:scene3d>
+      <a:camera prst="orthographicFront"/>
+      <a:lightRig rig="threePt" dir="t"/>
+    </dgm:scene3d>
+    <dgm:sp3d/>
+    <dgm:txPr/>
+    <dgm:style>
+      <a:lnRef idx="2">
+        <a:scrgbClr r="0" g="0" b="0"/>
+      </a:lnRef>
+      <a:fillRef idx="1">
+        <a:scrgbClr r="0" g="0" b="0"/>
+      </a:fillRef>
+      <a:effectRef idx="0">
+        <a:scrgbClr r="0" g="0" b="0"/>
+      </a:effectRef>
+      <a:fontRef idx="minor">
+        <a:schemeClr val="lt1"/>
+      </a:fontRef>
+    </dgm:style>
+  </dgm:styleLbl>
+  <dgm:styleLbl name="node4">
+    <dgm:scene3d>
+      <a:camera prst="orthographicFront"/>
+      <a:lightRig rig="threePt" dir="t"/>
+    </dgm:scene3d>
+    <dgm:sp3d/>
+    <dgm:txPr/>
+    <dgm:style>
+      <a:lnRef idx="2">
+        <a:scrgbClr r="0" g="0" b="0"/>
+      </a:lnRef>
+      <a:fillRef idx="1">
+        <a:scrgbClr r="0" g="0" b="0"/>
+      </a:fillRef>
+      <a:effectRef idx="0">
+        <a:scrgbClr r="0" g="0" b="0"/>
+      </a:effectRef>
+      <a:fontRef idx="minor">
+        <a:schemeClr val="lt1"/>
+      </a:fontRef>
+    </dgm:style>
+  </dgm:styleLbl>
+  <dgm:styleLbl name="fgImgPlace1">
+    <dgm:scene3d>
+      <a:camera prst="orthographicFront"/>
+      <a:lightRig rig="threePt" dir="t"/>
+    </dgm:scene3d>
+    <dgm:sp3d/>
+    <dgm:txPr/>
+    <dgm:style>
+      <a:lnRef idx="2">
+        <a:scrgbClr r="0" g="0" b="0"/>
+      </a:lnRef>
+      <a:fillRef idx="1">
+        <a:scrgbClr r="0" g="0" b="0"/>
+      </a:fillRef>
+      <a:effectRef idx="0">
+        <a:scrgbClr r="0" g="0" b="0"/>
+      </a:effectRef>
+      <a:fontRef idx="minor"/>
+    </dgm:style>
+  </dgm:styleLbl>
+  <dgm:styleLbl name="alignImgPlace1">
+    <dgm:scene3d>
+      <a:camera prst="orthographicFront"/>
+      <a:lightRig rig="threePt" dir="t"/>
+    </dgm:scene3d>
+    <dgm:sp3d/>
+    <dgm:txPr/>
+    <dgm:style>
+      <a:lnRef idx="2">
+        <a:scrgbClr r="0" g="0" b="0"/>
+      </a:lnRef>
+      <a:fillRef idx="1">
+        <a:scrgbClr r="0" g="0" b="0"/>
+      </a:fillRef>
+      <a:effectRef idx="0">
+        <a:scrgbClr r="0" g="0" b="0"/>
+      </a:effectRef>
+      <a:fontRef idx="minor"/>
+    </dgm:style>
+  </dgm:styleLbl>
+  <dgm:styleLbl name="bgImgPlace1">
+    <dgm:scene3d>
+      <a:camera prst="orthographicFront"/>
+      <a:lightRig rig="threePt" dir="t"/>
+    </dgm:scene3d>
+    <dgm:sp3d/>
+    <dgm:txPr/>
+    <dgm:style>
+      <a:lnRef idx="2">
+        <a:scrgbClr r="0" g="0" b="0"/>
+      </a:lnRef>
+      <a:fillRef idx="1">
+        <a:scrgbClr r="0" g="0" b="0"/>
+      </a:fillRef>
+      <a:effectRef idx="0">
+        <a:scrgbClr r="0" g="0" b="0"/>
+      </a:effectRef>
+      <a:fontRef idx="minor"/>
+    </dgm:style>
+  </dgm:styleLbl>
+  <dgm:styleLbl name="sibTrans2D1">
+    <dgm:scene3d>
+      <a:camera prst="orthographicFront"/>
+      <a:lightRig rig="threePt" dir="t"/>
+    </dgm:scene3d>
+    <dgm:sp3d/>
+    <dgm:txPr/>
+    <dgm:style>
+      <a:lnRef idx="0">
+        <a:scrgbClr r="0" g="0" b="0"/>
+      </a:lnRef>
+      <a:fillRef idx="1">
+        <a:scrgbClr r="0" g="0" b="0"/>
+      </a:fillRef>
+      <a:effectRef idx="0">
+        <a:scrgbClr r="0" g="0" b="0"/>
+      </a:effectRef>
+      <a:fontRef idx="minor">
+        <a:schemeClr val="lt1"/>
+      </a:fontRef>
+    </dgm:style>
+  </dgm:styleLbl>
+  <dgm:styleLbl name="fgSibTrans2D1">
+    <dgm:scene3d>
+      <a:camera prst="orthographicFront"/>
+      <a:lightRig rig="threePt" dir="t"/>
+    </dgm:scene3d>
+    <dgm:sp3d/>
+    <dgm:txPr/>
+    <dgm:style>
+      <a:lnRef idx="0">
+        <a:scrgbClr r="0" g="0" b="0"/>
+      </a:lnRef>
+      <a:fillRef idx="1">
+        <a:scrgbClr r="0" g="0" b="0"/>
+      </a:fillRef>
+      <a:effectRef idx="0">
+        <a:scrgbClr r="0" g="0" b="0"/>
+      </a:effectRef>
+      <a:fontRef idx="minor">
+        <a:schemeClr val="lt1"/>
+      </a:fontRef>
+    </dgm:style>
+  </dgm:styleLbl>
+  <dgm:styleLbl name="bgSibTrans2D1">
+    <dgm:scene3d>
+      <a:camera prst="orthographicFront"/>
+      <a:lightRig rig="threePt" dir="t"/>
+    </dgm:scene3d>
+    <dgm:sp3d/>
+    <dgm:txPr/>
+    <dgm:style>
+      <a:lnRef idx="0">
+        <a:scrgbClr r="0" g="0" b="0"/>
+      </a:lnRef>
+      <a:fillRef idx="1">
+        <a:scrgbClr r="0" g="0" b="0"/>
+      </a:fillRef>
+      <a:effectRef idx="0">
+        <a:scrgbClr r="0" g="0" b="0"/>
+      </a:effectRef>
+      <a:fontRef idx="minor">
+        <a:schemeClr val="lt1"/>
+      </a:fontRef>
+    </dgm:style>
+  </dgm:styleLbl>
+  <dgm:styleLbl name="sibTrans1D1">
+    <dgm:scene3d>
+      <a:camera prst="orthographicFront"/>
+      <a:lightRig rig="threePt" dir="t"/>
+    </dgm:scene3d>
+    <dgm:sp3d/>
+    <dgm:txPr/>
+    <dgm:style>
+      <a:lnRef idx="1">
+        <a:scrgbClr r="0" g="0" b="0"/>
+      </a:lnRef>
+      <a:fillRef idx="0">
+        <a:scrgbClr r="0" g="0" b="0"/>
+      </a:fillRef>
+      <a:effectRef idx="0">
+        <a:scrgbClr r="0" g="0" b="0"/>
+      </a:effectRef>
+      <a:fontRef idx="minor"/>
+    </dgm:style>
+  </dgm:styleLbl>
+  <dgm:styleLbl name="callout">
+    <dgm:scene3d>
+      <a:camera prst="orthographicFront"/>
+      <a:lightRig rig="threePt" dir="t"/>
+    </dgm:scene3d>
+    <dgm:sp3d/>
+    <dgm:txPr/>
+    <dgm:style>
+      <a:lnRef idx="2">
+        <a:scrgbClr r="0" g="0" b="0"/>
+      </a:lnRef>
+      <a:fillRef idx="1">
+        <a:scrgbClr r="0" g="0" b="0"/>
+      </a:fillRef>
+      <a:effectRef idx="0">
+        <a:scrgbClr r="0" g="0" b="0"/>
+      </a:effectRef>
+      <a:fontRef idx="minor"/>
+    </dgm:style>
+  </dgm:styleLbl>
+  <dgm:styleLbl name="asst0">
+    <dgm:scene3d>
+      <a:camera prst="orthographicFront"/>
+      <a:lightRig rig="threePt" dir="t"/>
+    </dgm:scene3d>
+    <dgm:sp3d/>
+    <dgm:txPr/>
+    <dgm:style>
+      <a:lnRef idx="2">
+        <a:scrgbClr r="0" g="0" b="0"/>
+      </a:lnRef>
+      <a:fillRef idx="1">
+        <a:scrgbClr r="0" g="0" b="0"/>
+      </a:fillRef>
+      <a:effectRef idx="0">
+        <a:scrgbClr r="0" g="0" b="0"/>
+      </a:effectRef>
+      <a:fontRef idx="minor">
+        <a:schemeClr val="lt1"/>
+      </a:fontRef>
+    </dgm:style>
+  </dgm:styleLbl>
+  <dgm:styleLbl name="asst1">
+    <dgm:scene3d>
+      <a:camera prst="orthographicFront"/>
+      <a:lightRig rig="threePt" dir="t"/>
+    </dgm:scene3d>
+    <dgm:sp3d/>
+    <dgm:txPr/>
+    <dgm:style>
+      <a:lnRef idx="2">
+        <a:scrgbClr r="0" g="0" b="0"/>
+      </a:lnRef>
+      <a:fillRef idx="1">
+        <a:scrgbClr r="0" g="0" b="0"/>
+      </a:fillRef>
+      <a:effectRef idx="0">
+        <a:scrgbClr r="0" g="0" b="0"/>
+      </a:effectRef>
+      <a:fontRef idx="minor">
+        <a:schemeClr val="lt1"/>
+      </a:fontRef>
+    </dgm:style>
+  </dgm:styleLbl>
+  <dgm:styleLbl name="asst2">
+    <dgm:scene3d>
+      <a:camera prst="orthographicFront"/>
+      <a:lightRig rig="threePt" dir="t"/>
+    </dgm:scene3d>
+    <dgm:sp3d/>
+    <dgm:txPr/>
+    <dgm:style>
+      <a:lnRef idx="2">
+        <a:scrgbClr r="0" g="0" b="0"/>
+      </a:lnRef>
+      <a:fillRef idx="1">
+        <a:scrgbClr r="0" g="0" b="0"/>
+      </a:fillRef>
+      <a:effectRef idx="0">
+        <a:scrgbClr r="0" g="0" b="0"/>
+      </a:effectRef>
+      <a:fontRef idx="minor">
+        <a:schemeClr val="lt1"/>
+      </a:fontRef>
+    </dgm:style>
+  </dgm:styleLbl>
+  <dgm:styleLbl name="asst3">
+    <dgm:scene3d>
+      <a:camera prst="orthographicFront"/>
+      <a:lightRig rig="threePt" dir="t"/>
+    </dgm:scene3d>
+    <dgm:sp3d/>
+    <dgm:txPr/>
+    <dgm:style>
+      <a:lnRef idx="2">
+        <a:scrgbClr r="0" g="0" b="0"/>
+      </a:lnRef>
+      <a:fillRef idx="1">
+        <a:scrgbClr r="0" g="0" b="0"/>
+      </a:fillRef>
+      <a:effectRef idx="0">
+        <a:scrgbClr r="0" g="0" b="0"/>
+      </a:effectRef>
+      <a:fontRef idx="minor">
+        <a:schemeClr val="lt1"/>
+      </a:fontRef>
+    </dgm:style>
+  </dgm:styleLbl>
+  <dgm:styleLbl name="asst4">
+    <dgm:scene3d>
+      <a:camera prst="orthographicFront"/>
+      <a:lightRig rig="threePt" dir="t"/>
+    </dgm:scene3d>
+    <dgm:sp3d/>
+    <dgm:txPr/>
+    <dgm:style>
+      <a:lnRef idx="2">
+        <a:scrgbClr r="0" g="0" b="0"/>
+      </a:lnRef>
+      <a:fillRef idx="1">
+        <a:scrgbClr r="0" g="0" b="0"/>
+      </a:fillRef>
+      <a:effectRef idx="0">
+        <a:scrgbClr r="0" g="0" b="0"/>
+      </a:effectRef>
+      <a:fontRef idx="minor">
+        <a:schemeClr val="lt1"/>
+      </a:fontRef>
+    </dgm:style>
+  </dgm:styleLbl>
+  <dgm:styleLbl name="parChTrans2D1">
+    <dgm:scene3d>
+      <a:camera prst="orthographicFront"/>
+      <a:lightRig rig="threePt" dir="t"/>
+    </dgm:scene3d>
+    <dgm:sp3d/>
+    <dgm:txPr/>
+    <dgm:style>
+      <a:lnRef idx="2">
+        <a:scrgbClr r="0" g="0" b="0"/>
+      </a:lnRef>
+      <a:fillRef idx="1">
+        <a:scrgbClr r="0" g="0" b="0"/>
+      </a:fillRef>
+      <a:effectRef idx="0">
+        <a:scrgbClr r="0" g="0" b="0"/>
+      </a:effectRef>
+      <a:fontRef idx="minor">
+        <a:schemeClr val="lt1"/>
+      </a:fontRef>
+    </dgm:style>
+  </dgm:styleLbl>
+  <dgm:styleLbl name="parChTrans2D2">
+    <dgm:scene3d>
+      <a:camera prst="orthographicFront"/>
+      <a:lightRig rig="threePt" dir="t"/>
+    </dgm:scene3d>
+    <dgm:sp3d/>
+    <dgm:txPr/>
+    <dgm:style>
+      <a:lnRef idx="2">
+        <a:scrgbClr r="0" g="0" b="0"/>
+      </a:lnRef>
+      <a:fillRef idx="1">
+        <a:scrgbClr r="0" g="0" b="0"/>
+      </a:fillRef>
+      <a:effectRef idx="0">
+        <a:scrgbClr r="0" g="0" b="0"/>
+      </a:effectRef>
+      <a:fontRef idx="minor">
+        <a:schemeClr val="lt1"/>
+      </a:fontRef>
+    </dgm:style>
+  </dgm:styleLbl>
+  <dgm:styleLbl name="parChTrans2D3">
+    <dgm:scene3d>
+      <a:camera prst="orthographicFront"/>
+      <a:lightRig rig="threePt" dir="t"/>
+    </dgm:scene3d>
+    <dgm:sp3d/>
+    <dgm:txPr/>
+    <dgm:style>
+      <a:lnRef idx="2">
+        <a:scrgbClr r="0" g="0" b="0"/>
+      </a:lnRef>
+      <a:fillRef idx="1">
+        <a:scrgbClr r="0" g="0" b="0"/>
+      </a:fillRef>
+      <a:effectRef idx="0">
+        <a:scrgbClr r="0" g="0" b="0"/>
+      </a:effectRef>
+      <a:fontRef idx="minor">
+        <a:schemeClr val="lt1"/>
+      </a:fontRef>
+    </dgm:style>
+  </dgm:styleLbl>
+  <dgm:styleLbl name="parChTrans2D4">
+    <dgm:scene3d>
+      <a:camera prst="orthographicFront"/>
+      <a:lightRig rig="threePt" dir="t"/>
+    </dgm:scene3d>
+    <dgm:sp3d/>
+    <dgm:txPr/>
+    <dgm:style>
+      <a:lnRef idx="2">
+        <a:scrgbClr r="0" g="0" b="0"/>
+      </a:lnRef>
+      <a:fillRef idx="1">
+        <a:scrgbClr r="0" g="0" b="0"/>
+      </a:fillRef>
+      <a:effectRef idx="0">
+        <a:scrgbClr r="0" g="0" b="0"/>
+      </a:effectRef>
+      <a:fontRef idx="minor">
+        <a:schemeClr val="lt1"/>
+      </a:fontRef>
+    </dgm:style>
+  </dgm:styleLbl>
+  <dgm:styleLbl name="parChTrans1D1">
+    <dgm:scene3d>
+      <a:camera prst="orthographicFront"/>
+      <a:lightRig rig="threePt" dir="t"/>
+    </dgm:scene3d>
+    <dgm:sp3d/>
+    <dgm:txPr/>
+    <dgm:style>
+      <a:lnRef idx="2">
+        <a:scrgbClr r="0" g="0" b="0"/>
+      </a:lnRef>
+      <a:fillRef idx="0">
+        <a:scrgbClr r="0" g="0" b="0"/>
+      </a:fillRef>
+      <a:effectRef idx="0">
+        <a:scrgbClr r="0" g="0" b="0"/>
+      </a:effectRef>
+      <a:fontRef idx="minor"/>
+    </dgm:style>
+  </dgm:styleLbl>
+  <dgm:styleLbl name="parChTrans1D2">
+    <dgm:scene3d>
+      <a:camera prst="orthographicFront"/>
+      <a:lightRig rig="threePt" dir="t"/>
+    </dgm:scene3d>
+    <dgm:sp3d/>
+    <dgm:txPr/>
+    <dgm:style>
+      <a:lnRef idx="2">
+        <a:scrgbClr r="0" g="0" b="0"/>
+      </a:lnRef>
+      <a:fillRef idx="0">
+        <a:scrgbClr r="0" g="0" b="0"/>
+      </a:fillRef>
+      <a:effectRef idx="0">
+        <a:scrgbClr r="0" g="0" b="0"/>
+      </a:effectRef>
+      <a:fontRef idx="minor"/>
+    </dgm:style>
+  </dgm:styleLbl>
+  <dgm:styleLbl name="parChTrans1D3">
+    <dgm:scene3d>
+      <a:camera prst="orthographicFront"/>
+      <a:lightRig rig="threePt" dir="t"/>
+    </dgm:scene3d>
+    <dgm:sp3d/>
+    <dgm:txPr/>
+    <dgm:style>
+      <a:lnRef idx="2">
+        <a:scrgbClr r="0" g="0" b="0"/>
+      </a:lnRef>
+      <a:fillRef idx="0">
+        <a:scrgbClr r="0" g="0" b="0"/>
+      </a:fillRef>
+      <a:effectRef idx="0">
+        <a:scrgbClr r="0" g="0" b="0"/>
+      </a:effectRef>
+      <a:fontRef idx="minor"/>
+    </dgm:style>
+  </dgm:styleLbl>
+  <dgm:styleLbl name="parChTrans1D4">
+    <dgm:scene3d>
+      <a:camera prst="orthographicFront"/>
+      <a:lightRig rig="threePt" dir="t"/>
+    </dgm:scene3d>
+    <dgm:sp3d/>
+    <dgm:txPr/>
+    <dgm:style>
+      <a:lnRef idx="2">
+        <a:scrgbClr r="0" g="0" b="0"/>
+      </a:lnRef>
+      <a:fillRef idx="0">
+        <a:scrgbClr r="0" g="0" b="0"/>
+      </a:fillRef>
+      <a:effectRef idx="0">
+        <a:scrgbClr r="0" g="0" b="0"/>
+      </a:effectRef>
+      <a:fontRef idx="minor"/>
+    </dgm:style>
+  </dgm:styleLbl>
+  <dgm:styleLbl name="fgAcc1">
+    <dgm:scene3d>
+      <a:camera prst="orthographicFront"/>
+      <a:lightRig rig="threePt" dir="t"/>
+    </dgm:scene3d>
+    <dgm:sp3d/>
+    <dgm:txPr/>
+    <dgm:style>
+      <a:lnRef idx="2">
+        <a:scrgbClr r="0" g="0" b="0"/>
+      </a:lnRef>
+      <a:fillRef idx="1">
+        <a:scrgbClr r="0" g="0" b="0"/>
+      </a:fillRef>
+      <a:effectRef idx="0">
+        <a:scrgbClr r="0" g="0" b="0"/>
+      </a:effectRef>
+      <a:fontRef idx="minor"/>
+    </dgm:style>
+  </dgm:styleLbl>
+  <dgm:styleLbl name="conFgAcc1">
+    <dgm:scene3d>
+      <a:camera prst="orthographicFront"/>
+      <a:lightRig rig="threePt" dir="t"/>
+    </dgm:scene3d>
+    <dgm:sp3d/>
+    <dgm:txPr/>
+    <dgm:style>
+      <a:lnRef idx="2">
+        <a:scrgbClr r="0" g="0" b="0"/>
+      </a:lnRef>
+      <a:fillRef idx="1">
+        <a:scrgbClr r="0" g="0" b="0"/>
+      </a:fillRef>
+      <a:effectRef idx="0">
+        <a:scrgbClr r="0" g="0" b="0"/>
+      </a:effectRef>
+      <a:fontRef idx="minor"/>
+    </dgm:style>
+  </dgm:styleLbl>
+  <dgm:styleLbl name="alignAcc1">
+    <dgm:scene3d>
+      <a:camera prst="orthographicFront"/>
+      <a:lightRig rig="threePt" dir="t"/>
+    </dgm:scene3d>
+    <dgm:sp3d/>
+    <dgm:txPr/>
+    <dgm:style>
+      <a:lnRef idx="2">
+        <a:scrgbClr r="0" g="0" b="0"/>
+      </a:lnRef>
+      <a:fillRef idx="1">
+        <a:scrgbClr r="0" g="0" b="0"/>
+      </a:fillRef>
+      <a:effectRef idx="0">
+        <a:scrgbClr r="0" g="0" b="0"/>
+      </a:effectRef>
+      <a:fontRef idx="minor"/>
+    </dgm:style>
+  </dgm:styleLbl>
+  <dgm:styleLbl name="trAlignAcc1">
+    <dgm:scene3d>
+      <a:camera prst="orthographicFront"/>
+      <a:lightRig rig="threePt" dir="t"/>
+    </dgm:scene3d>
+    <dgm:sp3d/>
+    <dgm:txPr/>
+    <dgm:style>
+      <a:lnRef idx="1">
+        <a:scrgbClr r="0" g="0" b="0"/>
+      </a:lnRef>
+      <a:fillRef idx="1">
+        <a:scrgbClr r="0" g="0" b="0"/>
+      </a:fillRef>
+      <a:effectRef idx="0">
+        <a:scrgbClr r="0" g="0" b="0"/>
+      </a:effectRef>
+      <a:fontRef idx="minor"/>
+    </dgm:style>
+  </dgm:styleLbl>
+  <dgm:styleLbl name="bgAcc1">
+    <dgm:scene3d>
+      <a:camera prst="orthographicFront"/>
+      <a:lightRig rig="threePt" dir="t"/>
+    </dgm:scene3d>
+    <dgm:sp3d/>
+    <dgm:txPr/>
+    <dgm:style>
+      <a:lnRef idx="2">
+        <a:scrgbClr r="0" g="0" b="0"/>
+      </a:lnRef>
+      <a:fillRef idx="1">
+        <a:scrgbClr r="0" g="0" b="0"/>
+      </a:fillRef>
+      <a:effectRef idx="0">
+        <a:scrgbClr r="0" g="0" b="0"/>
+      </a:effectRef>
+      <a:fontRef idx="minor"/>
+    </dgm:style>
+  </dgm:styleLbl>
+  <dgm:styleLbl name="solidFgAcc1">
+    <dgm:scene3d>
+      <a:camera prst="orthographicFront"/>
+      <a:lightRig rig="threePt" dir="t"/>
+    </dgm:scene3d>
+    <dgm:sp3d/>
+    <dgm:txPr/>
+    <dgm:style>
+      <a:lnRef idx="2">
+        <a:scrgbClr r="0" g="0" b="0"/>
+      </a:lnRef>
+      <a:fillRef idx="1">
+        <a:scrgbClr r="0" g="0" b="0"/>
+      </a:fillRef>
+      <a:effectRef idx="0">
+        <a:scrgbClr r="0" g="0" b="0"/>
+      </a:effectRef>
+      <a:fontRef idx="minor"/>
+    </dgm:style>
+  </dgm:styleLbl>
+  <dgm:styleLbl name="solidAlignAcc1">
+    <dgm:scene3d>
+      <a:camera prst="orthographicFront"/>
+      <a:lightRig rig="threePt" dir="t"/>
+    </dgm:scene3d>
+    <dgm:sp3d/>
+    <dgm:txPr/>
+    <dgm:style>
+      <a:lnRef idx="2">
+        <a:scrgbClr r="0" g="0" b="0"/>
+      </a:lnRef>
+      <a:fillRef idx="1">
+        <a:scrgbClr r="0" g="0" b="0"/>
+      </a:fillRef>
+      <a:effectRef idx="0">
+        <a:scrgbClr r="0" g="0" b="0"/>
+      </a:effectRef>
+      <a:fontRef idx="minor"/>
+    </dgm:style>
+  </dgm:styleLbl>
+  <dgm:styleLbl name="solidBgAcc1">
+    <dgm:scene3d>
+      <a:camera prst="orthographicFront"/>
+      <a:lightRig rig="threePt" dir="t"/>
+    </dgm:scene3d>
+    <dgm:sp3d/>
+    <dgm:txPr/>
+    <dgm:style>
+      <a:lnRef idx="2">
+        <a:scrgbClr r="0" g="0" b="0"/>
+      </a:lnRef>
+      <a:fillRef idx="1">
+        <a:scrgbClr r="0" g="0" b="0"/>
+      </a:fillRef>
+      <a:effectRef idx="0">
+        <a:scrgbClr r="0" g="0" b="0"/>
+      </a:effectRef>
+      <a:fontRef idx="minor"/>
+    </dgm:style>
+  </dgm:styleLbl>
+  <dgm:styleLbl name="fgAccFollowNode1">
+    <dgm:scene3d>
+      <a:camera prst="orthographicFront"/>
+      <a:lightRig rig="threePt" dir="t"/>
+    </dgm:scene3d>
+    <dgm:sp3d/>
+    <dgm:txPr/>
+    <dgm:style>
+      <a:lnRef idx="2">
+        <a:scrgbClr r="0" g="0" b="0"/>
+      </a:lnRef>
+      <a:fillRef idx="1">
+        <a:scrgbClr r="0" g="0" b="0"/>
+      </a:fillRef>
+      <a:effectRef idx="0">
+        <a:scrgbClr r="0" g="0" b="0"/>
+      </a:effectRef>
+      <a:fontRef idx="minor"/>
+    </dgm:style>
+  </dgm:styleLbl>
+  <dgm:styleLbl name="alignAccFollowNode1">
+    <dgm:scene3d>
+      <a:camera prst="orthographicFront"/>
+      <a:lightRig rig="threePt" dir="t"/>
+    </dgm:scene3d>
+    <dgm:sp3d/>
+    <dgm:txPr/>
+    <dgm:style>
+      <a:lnRef idx="2">
+        <a:scrgbClr r="0" g="0" b="0"/>
+      </a:lnRef>
+      <a:fillRef idx="1">
+        <a:scrgbClr r="0" g="0" b="0"/>
+      </a:fillRef>
+      <a:effectRef idx="0">
+        <a:scrgbClr r="0" g="0" b="0"/>
+      </a:effectRef>
+      <a:fontRef idx="minor"/>
+    </dgm:style>
+  </dgm:styleLbl>
+  <dgm:styleLbl name="bgAccFollowNode1">
+    <dgm:scene3d>
+      <a:camera prst="orthographicFront"/>
+      <a:lightRig rig="threePt" dir="t"/>
+    </dgm:scene3d>
+    <dgm:sp3d/>
+    <dgm:txPr/>
+    <dgm:style>
+      <a:lnRef idx="2">
+        <a:scrgbClr r="0" g="0" b="0"/>
+      </a:lnRef>
+      <a:fillRef idx="1">
+        <a:scrgbClr r="0" g="0" b="0"/>
+      </a:fillRef>
+      <a:effectRef idx="0">
+        <a:scrgbClr r="0" g="0" b="0"/>
+      </a:effectRef>
+      <a:fontRef idx="minor"/>
+    </dgm:style>
+  </dgm:styleLbl>
+  <dgm:styleLbl name="fgAcc0">
+    <dgm:scene3d>
+      <a:camera prst="orthographicFront"/>
+      <a:lightRig rig="threePt" dir="t"/>
+    </dgm:scene3d>
+    <dgm:sp3d/>
+    <dgm:txPr/>
+    <dgm:style>
+      <a:lnRef idx="2">
+        <a:scrgbClr r="0" g="0" b="0"/>
+      </a:lnRef>
+      <a:fillRef idx="1">
+        <a:scrgbClr r="0" g="0" b="0"/>
+      </a:fillRef>
+      <a:effectRef idx="0">
+        <a:scrgbClr r="0" g="0" b="0"/>
+      </a:effectRef>
+      <a:fontRef idx="minor"/>
+    </dgm:style>
+  </dgm:styleLbl>
+  <dgm:styleLbl name="fgAcc2">
+    <dgm:scene3d>
+      <a:camera prst="orthographicFront"/>
+      <a:lightRig rig="threePt" dir="t"/>
+    </dgm:scene3d>
+    <dgm:sp3d/>
+    <dgm:txPr/>
+    <dgm:style>
+      <a:lnRef idx="2">
+        <a:scrgbClr r="0" g="0" b="0"/>
+      </a:lnRef>
+      <a:fillRef idx="1">
+        <a:scrgbClr r="0" g="0" b="0"/>
+      </a:fillRef>
+      <a:effectRef idx="0">
+        <a:scrgbClr r="0" g="0" b="0"/>
+      </a:effectRef>
+      <a:fontRef idx="minor"/>
+    </dgm:style>
+  </dgm:styleLbl>
+  <dgm:styleLbl name="fgAcc3">
+    <dgm:scene3d>
+      <a:camera prst="orthographicFront"/>
+      <a:lightRig rig="threePt" dir="t"/>
+    </dgm:scene3d>
+    <dgm:sp3d/>
+    <dgm:txPr/>
+    <dgm:style>
+      <a:lnRef idx="2">
+        <a:scrgbClr r="0" g="0" b="0"/>
+      </a:lnRef>
+      <a:fillRef idx="1">
+        <a:scrgbClr r="0" g="0" b="0"/>
+      </a:fillRef>
+      <a:effectRef idx="0">
+        <a:scrgbClr r="0" g="0" b="0"/>
+      </a:effectRef>
+      <a:fontRef idx="minor"/>
+    </dgm:style>
+  </dgm:styleLbl>
+  <dgm:styleLbl name="fgAcc4">
+    <dgm:scene3d>
+      <a:camera prst="orthographicFront"/>
+      <a:lightRig rig="threePt" dir="t"/>
+    </dgm:scene3d>
+    <dgm:sp3d/>
+    <dgm:txPr/>
+    <dgm:style>
+      <a:lnRef idx="2">
+        <a:scrgbClr r="0" g="0" b="0"/>
+      </a:lnRef>
+      <a:fillRef idx="1">
+        <a:scrgbClr r="0" g="0" b="0"/>
+      </a:fillRef>
+      <a:effectRef idx="0">
+        <a:scrgbClr r="0" g="0" b="0"/>
+      </a:effectRef>
+      <a:fontRef idx="minor"/>
+    </dgm:style>
+  </dgm:styleLbl>
+  <dgm:styleLbl name="bgShp">
+    <dgm:scene3d>
+      <a:camera prst="orthographicFront"/>
+      <a:lightRig rig="threePt" dir="t"/>
+    </dgm:scene3d>
+    <dgm:sp3d/>
+    <dgm:txPr/>
+    <dgm:style>
+      <a:lnRef idx="0">
+        <a:scrgbClr r="0" g="0" b="0"/>
+      </a:lnRef>
+      <a:fillRef idx="1">
+        <a:scrgbClr r="0" g="0" b="0"/>
+      </a:fillRef>
+      <a:effectRef idx="0">
+        <a:scrgbClr r="0" g="0" b="0"/>
+      </a:effectRef>
+      <a:fontRef idx="minor"/>
+    </dgm:style>
+  </dgm:styleLbl>
+  <dgm:styleLbl name="dkBgShp">
+    <dgm:scene3d>
+      <a:camera prst="orthographicFront"/>
+      <a:lightRig rig="threePt" dir="t"/>
+    </dgm:scene3d>
+    <dgm:sp3d/>
+    <dgm:txPr/>
+    <dgm:style>
+      <a:lnRef idx="0">
+        <a:scrgbClr r="0" g="0" b="0"/>
+      </a:lnRef>
+      <a:fillRef idx="1">
+        <a:scrgbClr r="0" g="0" b="0"/>
+      </a:fillRef>
+      <a:effectRef idx="0">
+        <a:scrgbClr r="0" g="0" b="0"/>
+      </a:effectRef>
+      <a:fontRef idx="minor"/>
+    </dgm:style>
+  </dgm:styleLbl>
+  <dgm:styleLbl name="trBgShp">
+    <dgm:scene3d>
+      <a:camera prst="orthographicFront"/>
+      <a:lightRig rig="threePt" dir="t"/>
+    </dgm:scene3d>
+    <dgm:sp3d/>
+    <dgm:txPr/>
+    <dgm:style>
+      <a:lnRef idx="0">
+        <a:scrgbClr r="0" g="0" b="0"/>
+      </a:lnRef>
+      <a:fillRef idx="1">
+        <a:scrgbClr r="0" g="0" b="0"/>
+      </a:fillRef>
+      <a:effectRef idx="0">
+        <a:scrgbClr r="0" g="0" b="0"/>
+      </a:effectRef>
+      <a:fontRef idx="minor"/>
+    </dgm:style>
+  </dgm:styleLbl>
+  <dgm:styleLbl name="fgShp">
+    <dgm:scene3d>
+      <a:camera prst="orthographicFront"/>
+      <a:lightRig rig="threePt" dir="t"/>
+    </dgm:scene3d>
+    <dgm:sp3d/>
+    <dgm:txPr/>
+    <dgm:style>
+      <a:lnRef idx="2">
+        <a:scrgbClr r="0" g="0" b="0"/>
+      </a:lnRef>
+      <a:fillRef idx="1">
+        <a:scrgbClr r="0" g="0" b="0"/>
+      </a:fillRef>
+      <a:effectRef idx="0">
+        <a:scrgbClr r="0" g="0" b="0"/>
+      </a:effectRef>
+      <a:fontRef idx="minor"/>
+    </dgm:style>
+  </dgm:styleLbl>
+  <dgm:styleLbl name="revTx">
+    <dgm:scene3d>
+      <a:camera prst="orthographicFront"/>
+      <a:lightRig rig="threePt" dir="t"/>
+    </dgm:scene3d>
+    <dgm:sp3d/>
+    <dgm:txPr/>
+    <dgm:style>
+      <a:lnRef idx="0">
+        <a:scrgbClr r="0" g="0" b="0"/>
+      </a:lnRef>
+      <a:fillRef idx="0">
+        <a:scrgbClr r="0" g="0" b="0"/>
+      </a:fillRef>
+      <a:effectRef idx="0">
+        <a:scrgbClr r="0" g="0" b="0"/>
+      </a:effectRef>
+      <a:fontRef idx="minor"/>
+    </dgm:style>
+  </dgm:styleLbl>
+</dgm:styleDef>
+</file>
+
+<file path=ppt/diagrams/quickStyle2.xml><?xml version="1.0" encoding="utf-8"?>
 <dgm:styleDef xmlns:dgm="http://schemas.openxmlformats.org/drawingml/2006/diagram" xmlns:a="http://schemas.openxmlformats.org/drawingml/2006/main" uniqueId="urn:microsoft.com/office/officeart/2005/8/quickstyle/simple1">
   <dgm:title val=""/>
   <dgm:desc val=""/>
@@ -10428,6 +13653,409 @@
           </a:p>
         </p:txBody>
       </p:sp>
+      <p:sp>
+        <p:nvSpPr>
+          <p:cNvPr id="4" name="正方形/長方形 3"/>
+          <p:cNvSpPr/>
+          <p:nvPr/>
+        </p:nvSpPr>
+        <p:spPr>
+          <a:xfrm>
+            <a:off x="4141522" y="1565330"/>
+            <a:ext cx="4296103" cy="662151"/>
+          </a:xfrm>
+          <a:prstGeom prst="rect">
+            <a:avLst/>
+          </a:prstGeom>
+          <a:solidFill>
+            <a:schemeClr val="bg1"/>
+          </a:solidFill>
+          <a:ln>
+            <a:solidFill>
+              <a:schemeClr val="accent2">
+                <a:lumMod val="60000"/>
+                <a:lumOff val="40000"/>
+              </a:schemeClr>
+            </a:solidFill>
+          </a:ln>
+        </p:spPr>
+        <p:style>
+          <a:lnRef idx="2">
+            <a:schemeClr val="accent1">
+              <a:shade val="50000"/>
+            </a:schemeClr>
+          </a:lnRef>
+          <a:fillRef idx="1">
+            <a:schemeClr val="accent1"/>
+          </a:fillRef>
+          <a:effectRef idx="0">
+            <a:schemeClr val="accent1"/>
+          </a:effectRef>
+          <a:fontRef idx="minor">
+            <a:schemeClr val="lt1"/>
+          </a:fontRef>
+        </p:style>
+        <p:txBody>
+          <a:bodyPr rtlCol="0" anchor="ctr"/>
+          <a:lstStyle/>
+          <a:p>
+            <a:pPr algn="ctr"/>
+            <a:r>
+              <a:rPr lang="en-US" altLang="ja-JP" dirty="0" smtClean="0">
+                <a:solidFill>
+                  <a:schemeClr val="tx1"/>
+                </a:solidFill>
+              </a:rPr>
+              <a:t>SNS</a:t>
+            </a:r>
+            <a:r>
+              <a:rPr lang="ja-JP" altLang="en-US" dirty="0" smtClean="0">
+                <a:solidFill>
+                  <a:schemeClr val="tx1"/>
+                </a:solidFill>
+              </a:rPr>
+              <a:t>は今や人同士をつなぐ基本ツール</a:t>
+            </a:r>
+            <a:endParaRPr kumimoji="1" lang="ja-JP" altLang="en-US" dirty="0">
+              <a:solidFill>
+                <a:schemeClr val="tx1"/>
+              </a:solidFill>
+            </a:endParaRPr>
+          </a:p>
+        </p:txBody>
+      </p:sp>
+      <p:graphicFrame>
+        <p:nvGraphicFramePr>
+          <p:cNvPr id="5" name="図表 4"/>
+          <p:cNvGraphicFramePr/>
+          <p:nvPr>
+            <p:extLst>
+              <p:ext uri="{D42A27DB-BD31-4B8C-83A1-F6EECF244321}">
+                <p14:modId xmlns:p14="http://schemas.microsoft.com/office/powerpoint/2010/main" val="1575283017"/>
+              </p:ext>
+            </p:extLst>
+          </p:nvPr>
+        </p:nvGraphicFramePr>
+        <p:xfrm>
+          <a:off x="609599" y="2348641"/>
+          <a:ext cx="5578366" cy="4002690"/>
+        </p:xfrm>
+        <a:graphic>
+          <a:graphicData uri="http://schemas.openxmlformats.org/drawingml/2006/diagram">
+            <dgm:relIds xmlns:dgm="http://schemas.openxmlformats.org/drawingml/2006/diagram" xmlns:r="http://schemas.openxmlformats.org/officeDocument/2006/relationships" r:dm="rId2" r:lo="rId3" r:qs="rId4" r:cs="rId5"/>
+          </a:graphicData>
+        </a:graphic>
+      </p:graphicFrame>
+      <p:sp>
+        <p:nvSpPr>
+          <p:cNvPr id="6" name="角丸四角形吹き出し 5"/>
+          <p:cNvSpPr/>
+          <p:nvPr/>
+        </p:nvSpPr>
+        <p:spPr>
+          <a:xfrm>
+            <a:off x="733097" y="2517098"/>
+            <a:ext cx="1576552" cy="446820"/>
+          </a:xfrm>
+          <a:prstGeom prst="wedgeRoundRectCallout">
+            <a:avLst>
+              <a:gd name="adj1" fmla="val 77087"/>
+              <a:gd name="adj2" fmla="val 34647"/>
+              <a:gd name="adj3" fmla="val 16667"/>
+            </a:avLst>
+          </a:prstGeom>
+          <a:solidFill>
+            <a:srgbClr val="FF0000"/>
+          </a:solidFill>
+        </p:spPr>
+        <p:style>
+          <a:lnRef idx="2">
+            <a:schemeClr val="accent1">
+              <a:shade val="50000"/>
+            </a:schemeClr>
+          </a:lnRef>
+          <a:fillRef idx="1">
+            <a:schemeClr val="accent1"/>
+          </a:fillRef>
+          <a:effectRef idx="0">
+            <a:schemeClr val="accent1"/>
+          </a:effectRef>
+          <a:fontRef idx="minor">
+            <a:schemeClr val="lt1"/>
+          </a:fontRef>
+        </p:style>
+        <p:txBody>
+          <a:bodyPr rtlCol="0" anchor="ctr"/>
+          <a:lstStyle/>
+          <a:p>
+            <a:pPr algn="ctr"/>
+            <a:r>
+              <a:rPr lang="en-US" altLang="ja-JP" dirty="0" smtClean="0"/>
+              <a:t>SNS + </a:t>
+            </a:r>
+            <a:r>
+              <a:rPr lang="ja-JP" altLang="en-US" dirty="0"/>
+              <a:t>写真</a:t>
+            </a:r>
+            <a:endParaRPr kumimoji="1" lang="ja-JP" altLang="en-US" dirty="0"/>
+          </a:p>
+        </p:txBody>
+      </p:sp>
+      <p:sp>
+        <p:nvSpPr>
+          <p:cNvPr id="7" name="角丸四角形吹き出し 6"/>
+          <p:cNvSpPr/>
+          <p:nvPr/>
+        </p:nvSpPr>
+        <p:spPr>
+          <a:xfrm>
+            <a:off x="110359" y="3273885"/>
+            <a:ext cx="1813034" cy="529462"/>
+          </a:xfrm>
+          <a:prstGeom prst="wedgeRoundRectCallout">
+            <a:avLst>
+              <a:gd name="adj1" fmla="val 65609"/>
+              <a:gd name="adj2" fmla="val 49974"/>
+              <a:gd name="adj3" fmla="val 16667"/>
+            </a:avLst>
+          </a:prstGeom>
+          <a:solidFill>
+            <a:srgbClr val="00B050"/>
+          </a:solidFill>
+        </p:spPr>
+        <p:style>
+          <a:lnRef idx="2">
+            <a:schemeClr val="accent1">
+              <a:shade val="50000"/>
+            </a:schemeClr>
+          </a:lnRef>
+          <a:fillRef idx="1">
+            <a:schemeClr val="accent1"/>
+          </a:fillRef>
+          <a:effectRef idx="0">
+            <a:schemeClr val="accent1"/>
+          </a:effectRef>
+          <a:fontRef idx="minor">
+            <a:schemeClr val="lt1"/>
+          </a:fontRef>
+        </p:style>
+        <p:txBody>
+          <a:bodyPr rtlCol="0" anchor="ctr"/>
+          <a:lstStyle/>
+          <a:p>
+            <a:pPr algn="ctr"/>
+            <a:r>
+              <a:rPr lang="en-US" altLang="ja-JP" dirty="0" smtClean="0"/>
+              <a:t>SNS + </a:t>
+            </a:r>
+            <a:r>
+              <a:rPr lang="ja-JP" altLang="en-US" dirty="0" smtClean="0"/>
+              <a:t>日常会話</a:t>
+            </a:r>
+            <a:endParaRPr kumimoji="1" lang="ja-JP" altLang="en-US" dirty="0"/>
+          </a:p>
+        </p:txBody>
+      </p:sp>
+      <p:sp>
+        <p:nvSpPr>
+          <p:cNvPr id="8" name="角丸四角形吹き出し 7"/>
+          <p:cNvSpPr/>
+          <p:nvPr/>
+        </p:nvSpPr>
+        <p:spPr>
+          <a:xfrm>
+            <a:off x="733097" y="5247171"/>
+            <a:ext cx="1813034" cy="529462"/>
+          </a:xfrm>
+          <a:prstGeom prst="wedgeRoundRectCallout">
+            <a:avLst>
+              <a:gd name="adj1" fmla="val 65609"/>
+              <a:gd name="adj2" fmla="val 49974"/>
+              <a:gd name="adj3" fmla="val 16667"/>
+            </a:avLst>
+          </a:prstGeom>
+          <a:solidFill>
+            <a:schemeClr val="accent1">
+              <a:lumMod val="60000"/>
+              <a:lumOff val="40000"/>
+            </a:schemeClr>
+          </a:solidFill>
+        </p:spPr>
+        <p:style>
+          <a:lnRef idx="2">
+            <a:schemeClr val="accent1">
+              <a:shade val="50000"/>
+            </a:schemeClr>
+          </a:lnRef>
+          <a:fillRef idx="1">
+            <a:schemeClr val="accent1"/>
+          </a:fillRef>
+          <a:effectRef idx="0">
+            <a:schemeClr val="accent1"/>
+          </a:effectRef>
+          <a:fontRef idx="minor">
+            <a:schemeClr val="lt1"/>
+          </a:fontRef>
+        </p:style>
+        <p:txBody>
+          <a:bodyPr rtlCol="0" anchor="ctr"/>
+          <a:lstStyle/>
+          <a:p>
+            <a:pPr algn="ctr"/>
+            <a:r>
+              <a:rPr lang="en-US" altLang="ja-JP" dirty="0" smtClean="0"/>
+              <a:t>SNS + </a:t>
+            </a:r>
+            <a:r>
+              <a:rPr lang="ja-JP" altLang="en-US" dirty="0"/>
+              <a:t>独り言</a:t>
+            </a:r>
+            <a:endParaRPr kumimoji="1" lang="ja-JP" altLang="en-US" dirty="0"/>
+          </a:p>
+        </p:txBody>
+      </p:sp>
+      <p:sp>
+        <p:nvSpPr>
+          <p:cNvPr id="9" name="角丸四角形吹き出し 8"/>
+          <p:cNvSpPr/>
+          <p:nvPr/>
+        </p:nvSpPr>
+        <p:spPr>
+          <a:xfrm>
+            <a:off x="4070132" y="5500530"/>
+            <a:ext cx="1813034" cy="529462"/>
+          </a:xfrm>
+          <a:prstGeom prst="wedgeRoundRectCallout">
+            <a:avLst>
+              <a:gd name="adj1" fmla="val -23087"/>
+              <a:gd name="adj2" fmla="val -174838"/>
+              <a:gd name="adj3" fmla="val 16667"/>
+            </a:avLst>
+          </a:prstGeom>
+          <a:solidFill>
+            <a:srgbClr val="0070C0"/>
+          </a:solidFill>
+        </p:spPr>
+        <p:style>
+          <a:lnRef idx="2">
+            <a:schemeClr val="accent1">
+              <a:shade val="50000"/>
+            </a:schemeClr>
+          </a:lnRef>
+          <a:fillRef idx="1">
+            <a:schemeClr val="accent1"/>
+          </a:fillRef>
+          <a:effectRef idx="0">
+            <a:schemeClr val="accent1"/>
+          </a:effectRef>
+          <a:fontRef idx="minor">
+            <a:schemeClr val="lt1"/>
+          </a:fontRef>
+        </p:style>
+        <p:txBody>
+          <a:bodyPr rtlCol="0" anchor="ctr"/>
+          <a:lstStyle/>
+          <a:p>
+            <a:pPr algn="ctr"/>
+            <a:r>
+              <a:rPr lang="en-US" altLang="ja-JP" dirty="0" smtClean="0"/>
+              <a:t>SNS + </a:t>
+            </a:r>
+            <a:r>
+              <a:rPr lang="ja-JP" altLang="en-US" dirty="0" smtClean="0"/>
+              <a:t>身元保証</a:t>
+            </a:r>
+            <a:endParaRPr kumimoji="1" lang="ja-JP" altLang="en-US" dirty="0"/>
+          </a:p>
+        </p:txBody>
+      </p:sp>
+      <p:sp>
+        <p:nvSpPr>
+          <p:cNvPr id="10" name="正方形/長方形 9"/>
+          <p:cNvSpPr/>
+          <p:nvPr/>
+        </p:nvSpPr>
+        <p:spPr>
+          <a:xfrm>
+            <a:off x="4141521" y="2508794"/>
+            <a:ext cx="4296103" cy="662151"/>
+          </a:xfrm>
+          <a:prstGeom prst="rect">
+            <a:avLst/>
+          </a:prstGeom>
+          <a:solidFill>
+            <a:schemeClr val="bg1"/>
+          </a:solidFill>
+          <a:ln>
+            <a:solidFill>
+              <a:schemeClr val="accent2">
+                <a:lumMod val="60000"/>
+                <a:lumOff val="40000"/>
+              </a:schemeClr>
+            </a:solidFill>
+          </a:ln>
+        </p:spPr>
+        <p:style>
+          <a:lnRef idx="2">
+            <a:schemeClr val="accent1">
+              <a:shade val="50000"/>
+            </a:schemeClr>
+          </a:lnRef>
+          <a:fillRef idx="1">
+            <a:schemeClr val="accent1"/>
+          </a:fillRef>
+          <a:effectRef idx="0">
+            <a:schemeClr val="accent1"/>
+          </a:effectRef>
+          <a:fontRef idx="minor">
+            <a:schemeClr val="lt1"/>
+          </a:fontRef>
+        </p:style>
+        <p:txBody>
+          <a:bodyPr rtlCol="0" anchor="ctr"/>
+          <a:lstStyle/>
+          <a:p>
+            <a:pPr algn="ctr"/>
+            <a:r>
+              <a:rPr lang="en-US" altLang="ja-JP" dirty="0" smtClean="0">
+                <a:solidFill>
+                  <a:schemeClr val="tx1"/>
+                </a:solidFill>
+              </a:rPr>
+              <a:t>SNS</a:t>
+            </a:r>
+            <a:r>
+              <a:rPr lang="ja-JP" altLang="en-US" dirty="0" smtClean="0">
+                <a:solidFill>
+                  <a:schemeClr val="tx1"/>
+                </a:solidFill>
+              </a:rPr>
+              <a:t>＋</a:t>
+            </a:r>
+            <a:r>
+              <a:rPr lang="en-US" altLang="ja-JP" dirty="0" smtClean="0">
+                <a:solidFill>
+                  <a:schemeClr val="tx1"/>
+                </a:solidFill>
+              </a:rPr>
+              <a:t>α</a:t>
+            </a:r>
+            <a:r>
+              <a:rPr lang="ja-JP" altLang="en-US" dirty="0" smtClean="0">
+                <a:solidFill>
+                  <a:schemeClr val="tx1"/>
+                </a:solidFill>
+              </a:rPr>
+              <a:t>で人気のアプリ</a:t>
+            </a:r>
+            <a:endParaRPr kumimoji="1" lang="ja-JP" altLang="en-US" dirty="0">
+              <a:solidFill>
+                <a:schemeClr val="tx1"/>
+              </a:solidFill>
+            </a:endParaRPr>
+          </a:p>
+        </p:txBody>
+      </p:sp>
     </p:spTree>
     <p:extLst>
       <p:ext uri="{BB962C8B-B14F-4D97-AF65-F5344CB8AC3E}">

--- a/MuscleSNS_企画書兼要件定義書_照屋_v1.pptx
+++ b/MuscleSNS_企画書兼要件定義書_照屋_v1.pptx
@@ -9,7 +9,11 @@
     <p:sldId id="258" r:id="rId3"/>
     <p:sldId id="259" r:id="rId4"/>
     <p:sldId id="260" r:id="rId5"/>
-    <p:sldId id="257" r:id="rId6"/>
+    <p:sldId id="261" r:id="rId6"/>
+    <p:sldId id="257" r:id="rId7"/>
+    <p:sldId id="262" r:id="rId8"/>
+    <p:sldId id="263" r:id="rId9"/>
+    <p:sldId id="264" r:id="rId10"/>
   </p:sldIdLst>
   <p:sldSz cx="9144000" cy="6858000" type="screen4x3"/>
   <p:notesSz cx="6858000" cy="9144000"/>
@@ -864,6 +868,925 @@
 </file>
 
 <file path=ppt/diagrams/colors2.xml><?xml version="1.0" encoding="utf-8"?>
+<dgm:colorsDef xmlns:dgm="http://schemas.openxmlformats.org/drawingml/2006/diagram" xmlns:a="http://schemas.openxmlformats.org/drawingml/2006/main" uniqueId="urn:microsoft.com/office/officeart/2005/8/colors/colorful1">
+  <dgm:title val=""/>
+  <dgm:desc val=""/>
+  <dgm:catLst>
+    <dgm:cat type="colorful" pri="10100"/>
+  </dgm:catLst>
+  <dgm:styleLbl name="node0">
+    <dgm:fillClrLst meth="repeat">
+      <a:schemeClr val="accent1"/>
+    </dgm:fillClrLst>
+    <dgm:linClrLst meth="repeat">
+      <a:schemeClr val="lt1"/>
+    </dgm:linClrLst>
+    <dgm:effectClrLst/>
+    <dgm:txLinClrLst/>
+    <dgm:txFillClrLst/>
+    <dgm:txEffectClrLst/>
+  </dgm:styleLbl>
+  <dgm:styleLbl name="node1">
+    <dgm:fillClrLst meth="repeat">
+      <a:schemeClr val="accent2"/>
+      <a:schemeClr val="accent3"/>
+      <a:schemeClr val="accent4"/>
+      <a:schemeClr val="accent5"/>
+      <a:schemeClr val="accent6"/>
+    </dgm:fillClrLst>
+    <dgm:linClrLst meth="repeat">
+      <a:schemeClr val="lt1"/>
+    </dgm:linClrLst>
+    <dgm:effectClrLst/>
+    <dgm:txLinClrLst/>
+    <dgm:txFillClrLst/>
+    <dgm:txEffectClrLst/>
+  </dgm:styleLbl>
+  <dgm:styleLbl name="alignNode1">
+    <dgm:fillClrLst meth="repeat">
+      <a:schemeClr val="accent2"/>
+      <a:schemeClr val="accent3"/>
+      <a:schemeClr val="accent4"/>
+      <a:schemeClr val="accent5"/>
+      <a:schemeClr val="accent6"/>
+    </dgm:fillClrLst>
+    <dgm:linClrLst meth="repeat">
+      <a:schemeClr val="accent2"/>
+      <a:schemeClr val="accent3"/>
+      <a:schemeClr val="accent4"/>
+      <a:schemeClr val="accent5"/>
+      <a:schemeClr val="accent6"/>
+    </dgm:linClrLst>
+    <dgm:effectClrLst/>
+    <dgm:txLinClrLst/>
+    <dgm:txFillClrLst/>
+    <dgm:txEffectClrLst/>
+  </dgm:styleLbl>
+  <dgm:styleLbl name="lnNode1">
+    <dgm:fillClrLst meth="repeat">
+      <a:schemeClr val="accent2"/>
+      <a:schemeClr val="accent3"/>
+      <a:schemeClr val="accent4"/>
+      <a:schemeClr val="accent5"/>
+      <a:schemeClr val="accent6"/>
+    </dgm:fillClrLst>
+    <dgm:linClrLst meth="repeat">
+      <a:schemeClr val="lt1"/>
+    </dgm:linClrLst>
+    <dgm:effectClrLst/>
+    <dgm:txLinClrLst/>
+    <dgm:txFillClrLst/>
+    <dgm:txEffectClrLst/>
+  </dgm:styleLbl>
+  <dgm:styleLbl name="vennNode1">
+    <dgm:fillClrLst meth="repeat">
+      <a:schemeClr val="accent2">
+        <a:alpha val="50000"/>
+      </a:schemeClr>
+      <a:schemeClr val="accent3">
+        <a:alpha val="50000"/>
+      </a:schemeClr>
+      <a:schemeClr val="accent4">
+        <a:alpha val="50000"/>
+      </a:schemeClr>
+      <a:schemeClr val="accent5">
+        <a:alpha val="50000"/>
+      </a:schemeClr>
+      <a:schemeClr val="accent6">
+        <a:alpha val="50000"/>
+      </a:schemeClr>
+    </dgm:fillClrLst>
+    <dgm:linClrLst meth="repeat">
+      <a:schemeClr val="lt1"/>
+    </dgm:linClrLst>
+    <dgm:effectClrLst/>
+    <dgm:txLinClrLst/>
+    <dgm:txFillClrLst/>
+    <dgm:txEffectClrLst/>
+  </dgm:styleLbl>
+  <dgm:styleLbl name="node2">
+    <dgm:fillClrLst>
+      <a:schemeClr val="accent2"/>
+    </dgm:fillClrLst>
+    <dgm:linClrLst meth="repeat">
+      <a:schemeClr val="lt1"/>
+    </dgm:linClrLst>
+    <dgm:effectClrLst/>
+    <dgm:txLinClrLst/>
+    <dgm:txFillClrLst/>
+    <dgm:txEffectClrLst/>
+  </dgm:styleLbl>
+  <dgm:styleLbl name="node3">
+    <dgm:fillClrLst>
+      <a:schemeClr val="accent3"/>
+    </dgm:fillClrLst>
+    <dgm:linClrLst meth="repeat">
+      <a:schemeClr val="lt1"/>
+    </dgm:linClrLst>
+    <dgm:effectClrLst/>
+    <dgm:txLinClrLst/>
+    <dgm:txFillClrLst/>
+    <dgm:txEffectClrLst/>
+  </dgm:styleLbl>
+  <dgm:styleLbl name="node4">
+    <dgm:fillClrLst>
+      <a:schemeClr val="accent4"/>
+    </dgm:fillClrLst>
+    <dgm:linClrLst meth="repeat">
+      <a:schemeClr val="lt1"/>
+    </dgm:linClrLst>
+    <dgm:effectClrLst/>
+    <dgm:txLinClrLst/>
+    <dgm:txFillClrLst/>
+    <dgm:txEffectClrLst/>
+  </dgm:styleLbl>
+  <dgm:styleLbl name="fgImgPlace1">
+    <dgm:fillClrLst meth="repeat">
+      <a:schemeClr val="accent2">
+        <a:tint val="50000"/>
+      </a:schemeClr>
+      <a:schemeClr val="accent3">
+        <a:tint val="50000"/>
+      </a:schemeClr>
+      <a:schemeClr val="accent4">
+        <a:tint val="50000"/>
+      </a:schemeClr>
+      <a:schemeClr val="accent5">
+        <a:tint val="50000"/>
+      </a:schemeClr>
+      <a:schemeClr val="accent6">
+        <a:tint val="50000"/>
+      </a:schemeClr>
+    </dgm:fillClrLst>
+    <dgm:linClrLst meth="repeat">
+      <a:schemeClr val="lt1"/>
+    </dgm:linClrLst>
+    <dgm:effectClrLst/>
+    <dgm:txLinClrLst/>
+    <dgm:txFillClrLst meth="repeat">
+      <a:schemeClr val="lt1"/>
+    </dgm:txFillClrLst>
+    <dgm:txEffectClrLst/>
+  </dgm:styleLbl>
+  <dgm:styleLbl name="alignImgPlace1">
+    <dgm:fillClrLst>
+      <a:schemeClr val="accent1">
+        <a:tint val="50000"/>
+      </a:schemeClr>
+      <a:schemeClr val="accent2">
+        <a:tint val="20000"/>
+      </a:schemeClr>
+    </dgm:fillClrLst>
+    <dgm:linClrLst meth="repeat">
+      <a:schemeClr val="lt1"/>
+    </dgm:linClrLst>
+    <dgm:effectClrLst/>
+    <dgm:txLinClrLst/>
+    <dgm:txFillClrLst meth="repeat">
+      <a:schemeClr val="lt1"/>
+    </dgm:txFillClrLst>
+    <dgm:txEffectClrLst/>
+  </dgm:styleLbl>
+  <dgm:styleLbl name="bgImgPlace1">
+    <dgm:fillClrLst>
+      <a:schemeClr val="accent1">
+        <a:tint val="50000"/>
+      </a:schemeClr>
+      <a:schemeClr val="accent2">
+        <a:tint val="20000"/>
+      </a:schemeClr>
+    </dgm:fillClrLst>
+    <dgm:linClrLst meth="repeat">
+      <a:schemeClr val="lt1"/>
+    </dgm:linClrLst>
+    <dgm:effectClrLst/>
+    <dgm:txLinClrLst/>
+    <dgm:txFillClrLst meth="repeat">
+      <a:schemeClr val="lt1"/>
+    </dgm:txFillClrLst>
+    <dgm:txEffectClrLst/>
+  </dgm:styleLbl>
+  <dgm:styleLbl name="sibTrans2D1">
+    <dgm:fillClrLst meth="repeat">
+      <a:schemeClr val="accent2"/>
+      <a:schemeClr val="accent3"/>
+      <a:schemeClr val="accent4"/>
+      <a:schemeClr val="accent5"/>
+      <a:schemeClr val="accent6"/>
+    </dgm:fillClrLst>
+    <dgm:linClrLst meth="cycle">
+      <a:schemeClr val="lt1"/>
+    </dgm:linClrLst>
+    <dgm:effectClrLst/>
+    <dgm:txLinClrLst/>
+    <dgm:txFillClrLst/>
+    <dgm:txEffectClrLst/>
+  </dgm:styleLbl>
+  <dgm:styleLbl name="fgSibTrans2D1">
+    <dgm:fillClrLst meth="repeat">
+      <a:schemeClr val="accent2"/>
+      <a:schemeClr val="accent3"/>
+      <a:schemeClr val="accent4"/>
+      <a:schemeClr val="accent5"/>
+      <a:schemeClr val="accent6"/>
+    </dgm:fillClrLst>
+    <dgm:linClrLst meth="cycle">
+      <a:schemeClr val="lt1"/>
+    </dgm:linClrLst>
+    <dgm:effectClrLst/>
+    <dgm:txLinClrLst/>
+    <dgm:txFillClrLst meth="repeat">
+      <a:schemeClr val="lt1"/>
+    </dgm:txFillClrLst>
+    <dgm:txEffectClrLst/>
+  </dgm:styleLbl>
+  <dgm:styleLbl name="bgSibTrans2D1">
+    <dgm:fillClrLst meth="repeat">
+      <a:schemeClr val="accent2"/>
+      <a:schemeClr val="accent3"/>
+      <a:schemeClr val="accent4"/>
+      <a:schemeClr val="accent5"/>
+      <a:schemeClr val="accent6"/>
+    </dgm:fillClrLst>
+    <dgm:linClrLst meth="cycle">
+      <a:schemeClr val="lt1"/>
+    </dgm:linClrLst>
+    <dgm:effectClrLst/>
+    <dgm:txLinClrLst/>
+    <dgm:txFillClrLst meth="repeat">
+      <a:schemeClr val="lt1"/>
+    </dgm:txFillClrLst>
+    <dgm:txEffectClrLst/>
+  </dgm:styleLbl>
+  <dgm:styleLbl name="sibTrans1D1">
+    <dgm:fillClrLst meth="repeat">
+      <a:schemeClr val="accent2"/>
+      <a:schemeClr val="accent3"/>
+      <a:schemeClr val="accent4"/>
+      <a:schemeClr val="accent5"/>
+      <a:schemeClr val="accent6"/>
+    </dgm:fillClrLst>
+    <dgm:linClrLst meth="repeat">
+      <a:schemeClr val="accent2"/>
+      <a:schemeClr val="accent3"/>
+      <a:schemeClr val="accent4"/>
+      <a:schemeClr val="accent5"/>
+      <a:schemeClr val="accent6"/>
+    </dgm:linClrLst>
+    <dgm:effectClrLst/>
+    <dgm:txLinClrLst/>
+    <dgm:txFillClrLst meth="repeat">
+      <a:schemeClr val="tx1"/>
+    </dgm:txFillClrLst>
+    <dgm:txEffectClrLst/>
+  </dgm:styleLbl>
+  <dgm:styleLbl name="callout">
+    <dgm:fillClrLst meth="repeat">
+      <a:schemeClr val="accent2"/>
+    </dgm:fillClrLst>
+    <dgm:linClrLst meth="repeat">
+      <a:schemeClr val="accent2">
+        <a:tint val="50000"/>
+      </a:schemeClr>
+    </dgm:linClrLst>
+    <dgm:effectClrLst/>
+    <dgm:txLinClrLst/>
+    <dgm:txFillClrLst meth="repeat">
+      <a:schemeClr val="tx1"/>
+    </dgm:txFillClrLst>
+    <dgm:txEffectClrLst/>
+  </dgm:styleLbl>
+  <dgm:styleLbl name="asst0">
+    <dgm:fillClrLst meth="repeat">
+      <a:schemeClr val="accent1"/>
+    </dgm:fillClrLst>
+    <dgm:linClrLst meth="repeat">
+      <a:schemeClr val="lt1"/>
+    </dgm:linClrLst>
+    <dgm:effectClrLst/>
+    <dgm:txLinClrLst/>
+    <dgm:txFillClrLst/>
+    <dgm:txEffectClrLst/>
+  </dgm:styleLbl>
+  <dgm:styleLbl name="asst1">
+    <dgm:fillClrLst meth="repeat">
+      <a:schemeClr val="accent2"/>
+    </dgm:fillClrLst>
+    <dgm:linClrLst meth="repeat">
+      <a:schemeClr val="lt1"/>
+    </dgm:linClrLst>
+    <dgm:effectClrLst/>
+    <dgm:txLinClrLst/>
+    <dgm:txFillClrLst/>
+    <dgm:txEffectClrLst/>
+  </dgm:styleLbl>
+  <dgm:styleLbl name="asst2">
+    <dgm:fillClrLst>
+      <a:schemeClr val="accent3"/>
+    </dgm:fillClrLst>
+    <dgm:linClrLst meth="repeat">
+      <a:schemeClr val="lt1"/>
+    </dgm:linClrLst>
+    <dgm:effectClrLst/>
+    <dgm:txLinClrLst/>
+    <dgm:txFillClrLst/>
+    <dgm:txEffectClrLst/>
+  </dgm:styleLbl>
+  <dgm:styleLbl name="asst3">
+    <dgm:fillClrLst>
+      <a:schemeClr val="accent4"/>
+    </dgm:fillClrLst>
+    <dgm:linClrLst meth="repeat">
+      <a:schemeClr val="lt1"/>
+    </dgm:linClrLst>
+    <dgm:effectClrLst/>
+    <dgm:txLinClrLst/>
+    <dgm:txFillClrLst/>
+    <dgm:txEffectClrLst/>
+  </dgm:styleLbl>
+  <dgm:styleLbl name="asst4">
+    <dgm:fillClrLst>
+      <a:schemeClr val="accent5"/>
+    </dgm:fillClrLst>
+    <dgm:linClrLst meth="repeat">
+      <a:schemeClr val="lt1"/>
+    </dgm:linClrLst>
+    <dgm:effectClrLst/>
+    <dgm:txLinClrLst/>
+    <dgm:txFillClrLst/>
+    <dgm:txEffectClrLst/>
+  </dgm:styleLbl>
+  <dgm:styleLbl name="parChTrans2D1">
+    <dgm:fillClrLst meth="repeat">
+      <a:schemeClr val="accent2"/>
+    </dgm:fillClrLst>
+    <dgm:linClrLst meth="repeat">
+      <a:schemeClr val="lt1"/>
+    </dgm:linClrLst>
+    <dgm:effectClrLst/>
+    <dgm:txLinClrLst/>
+    <dgm:txFillClrLst meth="repeat">
+      <a:schemeClr val="lt1"/>
+    </dgm:txFillClrLst>
+    <dgm:txEffectClrLst/>
+  </dgm:styleLbl>
+  <dgm:styleLbl name="parChTrans2D2">
+    <dgm:fillClrLst meth="repeat">
+      <a:schemeClr val="accent3"/>
+    </dgm:fillClrLst>
+    <dgm:linClrLst meth="repeat">
+      <a:schemeClr val="lt1"/>
+    </dgm:linClrLst>
+    <dgm:effectClrLst/>
+    <dgm:txLinClrLst/>
+    <dgm:txFillClrLst/>
+    <dgm:txEffectClrLst/>
+  </dgm:styleLbl>
+  <dgm:styleLbl name="parChTrans2D3">
+    <dgm:fillClrLst meth="repeat">
+      <a:schemeClr val="accent4"/>
+    </dgm:fillClrLst>
+    <dgm:linClrLst meth="repeat">
+      <a:schemeClr val="lt1"/>
+    </dgm:linClrLst>
+    <dgm:effectClrLst/>
+    <dgm:txLinClrLst/>
+    <dgm:txFillClrLst/>
+    <dgm:txEffectClrLst/>
+  </dgm:styleLbl>
+  <dgm:styleLbl name="parChTrans2D4">
+    <dgm:fillClrLst meth="repeat">
+      <a:schemeClr val="accent5"/>
+    </dgm:fillClrLst>
+    <dgm:linClrLst meth="repeat">
+      <a:schemeClr val="lt1"/>
+    </dgm:linClrLst>
+    <dgm:effectClrLst/>
+    <dgm:txLinClrLst/>
+    <dgm:txFillClrLst meth="repeat">
+      <a:schemeClr val="lt1"/>
+    </dgm:txFillClrLst>
+    <dgm:txEffectClrLst/>
+  </dgm:styleLbl>
+  <dgm:styleLbl name="parChTrans1D1">
+    <dgm:fillClrLst meth="repeat">
+      <a:schemeClr val="accent2"/>
+    </dgm:fillClrLst>
+    <dgm:linClrLst meth="repeat">
+      <a:schemeClr val="accent1"/>
+    </dgm:linClrLst>
+    <dgm:effectClrLst/>
+    <dgm:txLinClrLst/>
+    <dgm:txFillClrLst meth="repeat">
+      <a:schemeClr val="tx1"/>
+    </dgm:txFillClrLst>
+    <dgm:txEffectClrLst/>
+  </dgm:styleLbl>
+  <dgm:styleLbl name="parChTrans1D2">
+    <dgm:fillClrLst meth="repeat">
+      <a:schemeClr val="accent3">
+        <a:tint val="90000"/>
+      </a:schemeClr>
+    </dgm:fillClrLst>
+    <dgm:linClrLst meth="repeat">
+      <a:schemeClr val="accent2"/>
+    </dgm:linClrLst>
+    <dgm:effectClrLst/>
+    <dgm:txLinClrLst/>
+    <dgm:txFillClrLst meth="repeat">
+      <a:schemeClr val="tx1"/>
+    </dgm:txFillClrLst>
+    <dgm:txEffectClrLst/>
+  </dgm:styleLbl>
+  <dgm:styleLbl name="parChTrans1D3">
+    <dgm:fillClrLst meth="repeat">
+      <a:schemeClr val="accent4">
+        <a:tint val="70000"/>
+      </a:schemeClr>
+    </dgm:fillClrLst>
+    <dgm:linClrLst meth="repeat">
+      <a:schemeClr val="accent3"/>
+    </dgm:linClrLst>
+    <dgm:effectClrLst/>
+    <dgm:txLinClrLst/>
+    <dgm:txFillClrLst meth="repeat">
+      <a:schemeClr val="tx1"/>
+    </dgm:txFillClrLst>
+    <dgm:txEffectClrLst/>
+  </dgm:styleLbl>
+  <dgm:styleLbl name="parChTrans1D4">
+    <dgm:fillClrLst meth="repeat">
+      <a:schemeClr val="accent5">
+        <a:tint val="50000"/>
+      </a:schemeClr>
+    </dgm:fillClrLst>
+    <dgm:linClrLst meth="repeat">
+      <a:schemeClr val="accent4"/>
+    </dgm:linClrLst>
+    <dgm:effectClrLst/>
+    <dgm:txLinClrLst/>
+    <dgm:txFillClrLst meth="repeat">
+      <a:schemeClr val="tx1"/>
+    </dgm:txFillClrLst>
+    <dgm:txEffectClrLst/>
+  </dgm:styleLbl>
+  <dgm:styleLbl name="fgAcc1">
+    <dgm:fillClrLst meth="repeat">
+      <a:schemeClr val="lt1">
+        <a:alpha val="90000"/>
+      </a:schemeClr>
+    </dgm:fillClrLst>
+    <dgm:linClrLst meth="repeat">
+      <a:schemeClr val="accent2"/>
+      <a:schemeClr val="accent3"/>
+      <a:schemeClr val="accent4"/>
+      <a:schemeClr val="accent5"/>
+      <a:schemeClr val="accent6"/>
+    </dgm:linClrLst>
+    <dgm:effectClrLst/>
+    <dgm:txLinClrLst/>
+    <dgm:txFillClrLst meth="repeat">
+      <a:schemeClr val="dk1"/>
+    </dgm:txFillClrLst>
+    <dgm:txEffectClrLst/>
+  </dgm:styleLbl>
+  <dgm:styleLbl name="conFgAcc1">
+    <dgm:fillClrLst meth="repeat">
+      <a:schemeClr val="lt1">
+        <a:alpha val="90000"/>
+      </a:schemeClr>
+    </dgm:fillClrLst>
+    <dgm:linClrLst meth="repeat">
+      <a:schemeClr val="accent2"/>
+      <a:schemeClr val="accent3"/>
+      <a:schemeClr val="accent4"/>
+      <a:schemeClr val="accent5"/>
+      <a:schemeClr val="accent6"/>
+    </dgm:linClrLst>
+    <dgm:effectClrLst/>
+    <dgm:txLinClrLst/>
+    <dgm:txFillClrLst meth="repeat">
+      <a:schemeClr val="dk1"/>
+    </dgm:txFillClrLst>
+    <dgm:txEffectClrLst/>
+  </dgm:styleLbl>
+  <dgm:styleLbl name="alignAcc1">
+    <dgm:fillClrLst meth="repeat">
+      <a:schemeClr val="lt1">
+        <a:alpha val="90000"/>
+      </a:schemeClr>
+    </dgm:fillClrLst>
+    <dgm:linClrLst meth="repeat">
+      <a:schemeClr val="accent2"/>
+      <a:schemeClr val="accent3"/>
+      <a:schemeClr val="accent4"/>
+      <a:schemeClr val="accent5"/>
+      <a:schemeClr val="accent6"/>
+    </dgm:linClrLst>
+    <dgm:effectClrLst/>
+    <dgm:txLinClrLst/>
+    <dgm:txFillClrLst meth="repeat">
+      <a:schemeClr val="dk1"/>
+    </dgm:txFillClrLst>
+    <dgm:txEffectClrLst/>
+  </dgm:styleLbl>
+  <dgm:styleLbl name="trAlignAcc1">
+    <dgm:fillClrLst meth="repeat">
+      <a:schemeClr val="lt1">
+        <a:alpha val="40000"/>
+      </a:schemeClr>
+    </dgm:fillClrLst>
+    <dgm:linClrLst meth="repeat">
+      <a:schemeClr val="accent1"/>
+    </dgm:linClrLst>
+    <dgm:effectClrLst/>
+    <dgm:txLinClrLst/>
+    <dgm:txFillClrLst meth="repeat">
+      <a:schemeClr val="dk1"/>
+    </dgm:txFillClrLst>
+    <dgm:txEffectClrLst/>
+  </dgm:styleLbl>
+  <dgm:styleLbl name="bgAcc1">
+    <dgm:fillClrLst meth="repeat">
+      <a:schemeClr val="lt1">
+        <a:alpha val="90000"/>
+      </a:schemeClr>
+    </dgm:fillClrLst>
+    <dgm:linClrLst meth="repeat">
+      <a:schemeClr val="accent2"/>
+      <a:schemeClr val="accent3"/>
+      <a:schemeClr val="accent4"/>
+      <a:schemeClr val="accent5"/>
+      <a:schemeClr val="accent6"/>
+    </dgm:linClrLst>
+    <dgm:effectClrLst/>
+    <dgm:txLinClrLst/>
+    <dgm:txFillClrLst meth="repeat">
+      <a:schemeClr val="dk1"/>
+    </dgm:txFillClrLst>
+    <dgm:txEffectClrLst/>
+  </dgm:styleLbl>
+  <dgm:styleLbl name="solidFgAcc1">
+    <dgm:fillClrLst meth="repeat">
+      <a:schemeClr val="lt1"/>
+    </dgm:fillClrLst>
+    <dgm:linClrLst meth="repeat">
+      <a:schemeClr val="accent2"/>
+      <a:schemeClr val="accent3"/>
+      <a:schemeClr val="accent4"/>
+      <a:schemeClr val="accent5"/>
+      <a:schemeClr val="accent6"/>
+    </dgm:linClrLst>
+    <dgm:effectClrLst/>
+    <dgm:txLinClrLst/>
+    <dgm:txFillClrLst meth="repeat">
+      <a:schemeClr val="dk1"/>
+    </dgm:txFillClrLst>
+    <dgm:txEffectClrLst/>
+  </dgm:styleLbl>
+  <dgm:styleLbl name="solidAlignAcc1">
+    <dgm:fillClrLst meth="repeat">
+      <a:schemeClr val="lt1"/>
+    </dgm:fillClrLst>
+    <dgm:linClrLst meth="repeat">
+      <a:schemeClr val="accent2"/>
+      <a:schemeClr val="accent3"/>
+      <a:schemeClr val="accent4"/>
+      <a:schemeClr val="accent5"/>
+      <a:schemeClr val="accent6"/>
+    </dgm:linClrLst>
+    <dgm:effectClrLst/>
+    <dgm:txLinClrLst/>
+    <dgm:txFillClrLst meth="repeat">
+      <a:schemeClr val="dk1"/>
+    </dgm:txFillClrLst>
+    <dgm:txEffectClrLst/>
+  </dgm:styleLbl>
+  <dgm:styleLbl name="solidBgAcc1">
+    <dgm:fillClrLst meth="repeat">
+      <a:schemeClr val="lt1"/>
+    </dgm:fillClrLst>
+    <dgm:linClrLst meth="repeat">
+      <a:schemeClr val="accent2"/>
+      <a:schemeClr val="accent3"/>
+      <a:schemeClr val="accent4"/>
+      <a:schemeClr val="accent5"/>
+      <a:schemeClr val="accent6"/>
+    </dgm:linClrLst>
+    <dgm:effectClrLst/>
+    <dgm:txLinClrLst/>
+    <dgm:txFillClrLst meth="repeat">
+      <a:schemeClr val="dk1"/>
+    </dgm:txFillClrLst>
+    <dgm:txEffectClrLst/>
+  </dgm:styleLbl>
+  <dgm:styleLbl name="fgAccFollowNode1">
+    <dgm:fillClrLst meth="repeat">
+      <a:schemeClr val="accent2">
+        <a:tint val="40000"/>
+        <a:alpha val="90000"/>
+      </a:schemeClr>
+      <a:schemeClr val="accent3">
+        <a:tint val="40000"/>
+        <a:alpha val="90000"/>
+      </a:schemeClr>
+      <a:schemeClr val="accent4">
+        <a:tint val="40000"/>
+        <a:alpha val="90000"/>
+      </a:schemeClr>
+      <a:schemeClr val="accent5">
+        <a:tint val="40000"/>
+        <a:alpha val="90000"/>
+      </a:schemeClr>
+      <a:schemeClr val="accent6">
+        <a:tint val="40000"/>
+        <a:alpha val="90000"/>
+      </a:schemeClr>
+    </dgm:fillClrLst>
+    <dgm:linClrLst meth="repeat">
+      <a:schemeClr val="accent2">
+        <a:tint val="40000"/>
+        <a:alpha val="90000"/>
+      </a:schemeClr>
+      <a:schemeClr val="accent3">
+        <a:tint val="40000"/>
+        <a:alpha val="90000"/>
+      </a:schemeClr>
+      <a:schemeClr val="accent4">
+        <a:tint val="40000"/>
+        <a:alpha val="90000"/>
+      </a:schemeClr>
+      <a:schemeClr val="accent5">
+        <a:tint val="40000"/>
+        <a:alpha val="90000"/>
+      </a:schemeClr>
+      <a:schemeClr val="accent6">
+        <a:tint val="40000"/>
+        <a:alpha val="90000"/>
+      </a:schemeClr>
+    </dgm:linClrLst>
+    <dgm:effectClrLst/>
+    <dgm:txLinClrLst/>
+    <dgm:txFillClrLst meth="repeat">
+      <a:schemeClr val="dk1"/>
+    </dgm:txFillClrLst>
+    <dgm:txEffectClrLst/>
+  </dgm:styleLbl>
+  <dgm:styleLbl name="alignAccFollowNode1">
+    <dgm:fillClrLst meth="repeat">
+      <a:schemeClr val="accent2">
+        <a:tint val="40000"/>
+        <a:alpha val="90000"/>
+      </a:schemeClr>
+      <a:schemeClr val="accent3">
+        <a:tint val="40000"/>
+        <a:alpha val="90000"/>
+      </a:schemeClr>
+      <a:schemeClr val="accent4">
+        <a:tint val="40000"/>
+        <a:alpha val="90000"/>
+      </a:schemeClr>
+      <a:schemeClr val="accent5">
+        <a:tint val="40000"/>
+        <a:alpha val="90000"/>
+      </a:schemeClr>
+      <a:schemeClr val="accent6">
+        <a:tint val="40000"/>
+        <a:alpha val="90000"/>
+      </a:schemeClr>
+    </dgm:fillClrLst>
+    <dgm:linClrLst meth="repeat">
+      <a:schemeClr val="accent2">
+        <a:tint val="40000"/>
+        <a:alpha val="90000"/>
+      </a:schemeClr>
+      <a:schemeClr val="accent3">
+        <a:tint val="40000"/>
+        <a:alpha val="90000"/>
+      </a:schemeClr>
+      <a:schemeClr val="accent4">
+        <a:tint val="40000"/>
+        <a:alpha val="90000"/>
+      </a:schemeClr>
+      <a:schemeClr val="accent5">
+        <a:tint val="40000"/>
+        <a:alpha val="90000"/>
+      </a:schemeClr>
+      <a:schemeClr val="accent6">
+        <a:tint val="40000"/>
+        <a:alpha val="90000"/>
+      </a:schemeClr>
+    </dgm:linClrLst>
+    <dgm:effectClrLst/>
+    <dgm:txLinClrLst/>
+    <dgm:txFillClrLst meth="repeat">
+      <a:schemeClr val="dk1"/>
+    </dgm:txFillClrLst>
+    <dgm:txEffectClrLst/>
+  </dgm:styleLbl>
+  <dgm:styleLbl name="bgAccFollowNode1">
+    <dgm:fillClrLst meth="repeat">
+      <a:schemeClr val="accent2">
+        <a:tint val="40000"/>
+        <a:alpha val="90000"/>
+      </a:schemeClr>
+      <a:schemeClr val="accent3">
+        <a:tint val="40000"/>
+        <a:alpha val="90000"/>
+      </a:schemeClr>
+      <a:schemeClr val="accent4">
+        <a:tint val="40000"/>
+        <a:alpha val="90000"/>
+      </a:schemeClr>
+      <a:schemeClr val="accent5">
+        <a:tint val="40000"/>
+        <a:alpha val="90000"/>
+      </a:schemeClr>
+      <a:schemeClr val="accent6">
+        <a:tint val="40000"/>
+        <a:alpha val="90000"/>
+      </a:schemeClr>
+    </dgm:fillClrLst>
+    <dgm:linClrLst meth="repeat">
+      <a:schemeClr val="accent2">
+        <a:tint val="40000"/>
+        <a:alpha val="90000"/>
+      </a:schemeClr>
+      <a:schemeClr val="accent3">
+        <a:tint val="40000"/>
+        <a:alpha val="90000"/>
+      </a:schemeClr>
+      <a:schemeClr val="accent4">
+        <a:tint val="40000"/>
+        <a:alpha val="90000"/>
+      </a:schemeClr>
+      <a:schemeClr val="accent5">
+        <a:tint val="40000"/>
+        <a:alpha val="90000"/>
+      </a:schemeClr>
+      <a:schemeClr val="accent6">
+        <a:tint val="40000"/>
+        <a:alpha val="90000"/>
+      </a:schemeClr>
+    </dgm:linClrLst>
+    <dgm:effectClrLst/>
+    <dgm:txLinClrLst/>
+    <dgm:txFillClrLst meth="repeat">
+      <a:schemeClr val="dk1"/>
+    </dgm:txFillClrLst>
+    <dgm:txEffectClrLst/>
+  </dgm:styleLbl>
+  <dgm:styleLbl name="fgAcc0">
+    <dgm:fillClrLst meth="repeat">
+      <a:schemeClr val="lt1">
+        <a:alpha val="90000"/>
+      </a:schemeClr>
+    </dgm:fillClrLst>
+    <dgm:linClrLst>
+      <a:schemeClr val="accent1"/>
+    </dgm:linClrLst>
+    <dgm:effectClrLst/>
+    <dgm:txLinClrLst/>
+    <dgm:txFillClrLst meth="repeat">
+      <a:schemeClr val="dk1"/>
+    </dgm:txFillClrLst>
+    <dgm:txEffectClrLst/>
+  </dgm:styleLbl>
+  <dgm:styleLbl name="fgAcc2">
+    <dgm:fillClrLst meth="repeat">
+      <a:schemeClr val="lt1">
+        <a:alpha val="90000"/>
+      </a:schemeClr>
+    </dgm:fillClrLst>
+    <dgm:linClrLst>
+      <a:schemeClr val="accent2"/>
+    </dgm:linClrLst>
+    <dgm:effectClrLst/>
+    <dgm:txLinClrLst/>
+    <dgm:txFillClrLst meth="repeat">
+      <a:schemeClr val="dk1"/>
+    </dgm:txFillClrLst>
+    <dgm:txEffectClrLst/>
+  </dgm:styleLbl>
+  <dgm:styleLbl name="fgAcc3">
+    <dgm:fillClrLst meth="repeat">
+      <a:schemeClr val="lt1">
+        <a:alpha val="90000"/>
+      </a:schemeClr>
+    </dgm:fillClrLst>
+    <dgm:linClrLst>
+      <a:schemeClr val="accent3"/>
+    </dgm:linClrLst>
+    <dgm:effectClrLst/>
+    <dgm:txLinClrLst/>
+    <dgm:txFillClrLst meth="repeat">
+      <a:schemeClr val="dk1"/>
+    </dgm:txFillClrLst>
+    <dgm:txEffectClrLst/>
+  </dgm:styleLbl>
+  <dgm:styleLbl name="fgAcc4">
+    <dgm:fillClrLst meth="repeat">
+      <a:schemeClr val="lt1">
+        <a:alpha val="90000"/>
+      </a:schemeClr>
+    </dgm:fillClrLst>
+    <dgm:linClrLst>
+      <a:schemeClr val="accent4"/>
+    </dgm:linClrLst>
+    <dgm:effectClrLst/>
+    <dgm:txLinClrLst/>
+    <dgm:txFillClrLst meth="repeat">
+      <a:schemeClr val="dk1"/>
+    </dgm:txFillClrLst>
+    <dgm:txEffectClrLst/>
+  </dgm:styleLbl>
+  <dgm:styleLbl name="bgShp">
+    <dgm:fillClrLst meth="repeat">
+      <a:schemeClr val="accent2">
+        <a:tint val="40000"/>
+      </a:schemeClr>
+    </dgm:fillClrLst>
+    <dgm:linClrLst meth="repeat">
+      <a:schemeClr val="dk1"/>
+    </dgm:linClrLst>
+    <dgm:effectClrLst/>
+    <dgm:txLinClrLst/>
+    <dgm:txFillClrLst meth="repeat">
+      <a:schemeClr val="dk1"/>
+    </dgm:txFillClrLst>
+    <dgm:txEffectClrLst/>
+  </dgm:styleLbl>
+  <dgm:styleLbl name="dkBgShp">
+    <dgm:fillClrLst meth="repeat">
+      <a:schemeClr val="accent2">
+        <a:shade val="90000"/>
+      </a:schemeClr>
+    </dgm:fillClrLst>
+    <dgm:linClrLst meth="repeat">
+      <a:schemeClr val="dk1"/>
+    </dgm:linClrLst>
+    <dgm:effectClrLst/>
+    <dgm:txLinClrLst/>
+    <dgm:txFillClrLst meth="repeat">
+      <a:schemeClr val="lt1"/>
+    </dgm:txFillClrLst>
+    <dgm:txEffectClrLst/>
+  </dgm:styleLbl>
+  <dgm:styleLbl name="trBgShp">
+    <dgm:fillClrLst meth="repeat">
+      <a:schemeClr val="accent1">
+        <a:tint val="50000"/>
+        <a:alpha val="40000"/>
+      </a:schemeClr>
+    </dgm:fillClrLst>
+    <dgm:linClrLst meth="repeat">
+      <a:schemeClr val="accent2"/>
+    </dgm:linClrLst>
+    <dgm:effectClrLst/>
+    <dgm:txLinClrLst/>
+    <dgm:txFillClrLst meth="repeat">
+      <a:schemeClr val="lt1"/>
+    </dgm:txFillClrLst>
+    <dgm:txEffectClrLst/>
+  </dgm:styleLbl>
+  <dgm:styleLbl name="fgShp">
+    <dgm:fillClrLst meth="repeat">
+      <a:schemeClr val="accent2">
+        <a:tint val="40000"/>
+      </a:schemeClr>
+    </dgm:fillClrLst>
+    <dgm:linClrLst meth="repeat">
+      <a:schemeClr val="lt1"/>
+    </dgm:linClrLst>
+    <dgm:effectClrLst/>
+    <dgm:txLinClrLst/>
+    <dgm:txFillClrLst meth="repeat">
+      <a:schemeClr val="dk1"/>
+    </dgm:txFillClrLst>
+    <dgm:txEffectClrLst/>
+  </dgm:styleLbl>
+  <dgm:styleLbl name="revTx">
+    <dgm:fillClrLst meth="repeat">
+      <a:schemeClr val="lt1">
+        <a:alpha val="0"/>
+      </a:schemeClr>
+    </dgm:fillClrLst>
+    <dgm:linClrLst meth="repeat">
+      <a:schemeClr val="dk1">
+        <a:alpha val="0"/>
+      </a:schemeClr>
+    </dgm:linClrLst>
+    <dgm:effectClrLst/>
+    <dgm:txLinClrLst/>
+    <dgm:txFillClrLst meth="repeat">
+      <a:schemeClr val="tx1"/>
+    </dgm:txFillClrLst>
+    <dgm:txEffectClrLst/>
+  </dgm:styleLbl>
+</dgm:colorsDef>
+</file>
+
+<file path=ppt/diagrams/colors3.xml><?xml version="1.0" encoding="utf-8"?>
 <dgm:colorsDef xmlns:dgm="http://schemas.openxmlformats.org/drawingml/2006/diagram" xmlns:a="http://schemas.openxmlformats.org/drawingml/2006/main" uniqueId="urn:microsoft.com/office/officeart/2005/8/colors/colorful1">
   <dgm:title val=""/>
   <dgm:desc val=""/>
@@ -2158,17 +3081,17 @@
   <dgm:cxnLst>
     <dgm:cxn modelId="{1F39D798-D0E0-44A8-B899-A742C608AD7D}" type="presOf" srcId="{1981C669-11F1-4EF3-94F8-7435F28C025F}" destId="{EBA90A8E-F8A8-4E5D-A37D-4D88F63346B9}" srcOrd="0" destOrd="0" presId="urn:microsoft.com/office/officeart/2005/8/layout/lProcess3"/>
     <dgm:cxn modelId="{E54EC8FB-02EE-4647-BC63-512668D7BE8F}" srcId="{C195E106-B742-444A-BA3F-1090312FEE88}" destId="{86AAC663-E946-4912-A1F4-AB95163029AC}" srcOrd="0" destOrd="0" parTransId="{ED34BFCC-636D-4099-8A85-3761A5F0F8A7}" sibTransId="{4146223C-CB6C-4DC9-8974-920FDBB735AA}"/>
-    <dgm:cxn modelId="{67BA7617-A235-44C5-B806-D07A350CFD5E}" type="presOf" srcId="{3EEFA4E0-6FC1-4F8A-A248-C33DD972C9E8}" destId="{16E0F5C9-AA41-4F26-B8E7-C34118681C36}" srcOrd="0" destOrd="0" presId="urn:microsoft.com/office/officeart/2005/8/layout/lProcess3"/>
-    <dgm:cxn modelId="{8536E8CB-F37B-4C72-8702-68FCFBB05FC0}" srcId="{C195E106-B742-444A-BA3F-1090312FEE88}" destId="{1981C669-11F1-4EF3-94F8-7435F28C025F}" srcOrd="1" destOrd="0" parTransId="{CFFD9426-784D-4891-815F-3C58D9419061}" sibTransId="{7CBC1FA8-4346-472C-B4CF-CAC3FE9485FB}"/>
     <dgm:cxn modelId="{DA6343FC-DBA6-4F8D-AFEC-3F7865A32E02}" srcId="{1981C669-11F1-4EF3-94F8-7435F28C025F}" destId="{36D6C4A5-D039-4843-AF61-B07169259279}" srcOrd="0" destOrd="0" parTransId="{46A8E25A-EEFA-4A48-A78C-DDE5FB6436EA}" sibTransId="{13519DC3-1B47-445A-8391-8DFC752C845D}"/>
-    <dgm:cxn modelId="{6A3F499E-96A5-46A2-B513-8DE460C4DCA7}" srcId="{C195E106-B742-444A-BA3F-1090312FEE88}" destId="{3EEFA4E0-6FC1-4F8A-A248-C33DD972C9E8}" srcOrd="2" destOrd="0" parTransId="{0C7E2AF5-4413-4AF9-91F4-683E911EB9AB}" sibTransId="{6D532910-1085-47FF-9727-8A1D4A215872}"/>
+    <dgm:cxn modelId="{5C7EC4B3-7952-4863-9C58-5ABD7B22143D}" type="presOf" srcId="{C195E106-B742-444A-BA3F-1090312FEE88}" destId="{451CFFCA-F929-41F1-AC1A-B495DC08DEC9}" srcOrd="0" destOrd="0" presId="urn:microsoft.com/office/officeart/2005/8/layout/lProcess3"/>
+    <dgm:cxn modelId="{A8FC45C6-900E-46A5-B411-510336394403}" type="presOf" srcId="{CDADCC29-5190-4F1D-8F57-B06532E8DA37}" destId="{29EBC0F8-7F22-46B4-9AFC-61704FCC3988}" srcOrd="0" destOrd="0" presId="urn:microsoft.com/office/officeart/2005/8/layout/lProcess3"/>
     <dgm:cxn modelId="{50EF2B2E-C2C9-468D-A1D6-525CA473D3AC}" srcId="{86AAC663-E946-4912-A1F4-AB95163029AC}" destId="{61B0C3B3-41D3-4165-A137-F78FE1644C94}" srcOrd="0" destOrd="0" parTransId="{71EDC15E-A851-41BB-924B-9BCAD1F0761B}" sibTransId="{8BB7337A-46C4-468B-A05D-EBE8A98FC527}"/>
     <dgm:cxn modelId="{1163F8AB-860D-49D4-9CEF-5427E148737D}" type="presOf" srcId="{86AAC663-E946-4912-A1F4-AB95163029AC}" destId="{B6104286-31CD-4150-8D72-DA1A8298D73E}" srcOrd="0" destOrd="0" presId="urn:microsoft.com/office/officeart/2005/8/layout/lProcess3"/>
+    <dgm:cxn modelId="{8536E8CB-F37B-4C72-8702-68FCFBB05FC0}" srcId="{C195E106-B742-444A-BA3F-1090312FEE88}" destId="{1981C669-11F1-4EF3-94F8-7435F28C025F}" srcOrd="1" destOrd="0" parTransId="{CFFD9426-784D-4891-815F-3C58D9419061}" sibTransId="{7CBC1FA8-4346-472C-B4CF-CAC3FE9485FB}"/>
+    <dgm:cxn modelId="{186734A9-D8DE-450E-A889-6CFFA64DC1D2}" srcId="{3EEFA4E0-6FC1-4F8A-A248-C33DD972C9E8}" destId="{CDADCC29-5190-4F1D-8F57-B06532E8DA37}" srcOrd="0" destOrd="0" parTransId="{894F8633-FA44-45D6-BE6C-F0DC374386E5}" sibTransId="{471F46A5-8B4C-4A2B-B5C8-0E86D4D9CB4B}"/>
+    <dgm:cxn modelId="{F7A4A3AC-742A-4318-B263-FB964FADCE7F}" type="presOf" srcId="{61B0C3B3-41D3-4165-A137-F78FE1644C94}" destId="{3B71C6A7-4A15-4353-8526-0C3959621210}" srcOrd="0" destOrd="0" presId="urn:microsoft.com/office/officeart/2005/8/layout/lProcess3"/>
     <dgm:cxn modelId="{C6B8BBFE-D584-44E6-B3D3-AB4B6AB942C8}" type="presOf" srcId="{36D6C4A5-D039-4843-AF61-B07169259279}" destId="{DB5598B9-46F0-4BE3-8101-53C82BEC6C64}" srcOrd="0" destOrd="0" presId="urn:microsoft.com/office/officeart/2005/8/layout/lProcess3"/>
-    <dgm:cxn modelId="{A8FC45C6-900E-46A5-B411-510336394403}" type="presOf" srcId="{CDADCC29-5190-4F1D-8F57-B06532E8DA37}" destId="{29EBC0F8-7F22-46B4-9AFC-61704FCC3988}" srcOrd="0" destOrd="0" presId="urn:microsoft.com/office/officeart/2005/8/layout/lProcess3"/>
-    <dgm:cxn modelId="{186734A9-D8DE-450E-A889-6CFFA64DC1D2}" srcId="{3EEFA4E0-6FC1-4F8A-A248-C33DD972C9E8}" destId="{CDADCC29-5190-4F1D-8F57-B06532E8DA37}" srcOrd="0" destOrd="0" parTransId="{894F8633-FA44-45D6-BE6C-F0DC374386E5}" sibTransId="{471F46A5-8B4C-4A2B-B5C8-0E86D4D9CB4B}"/>
-    <dgm:cxn modelId="{5C7EC4B3-7952-4863-9C58-5ABD7B22143D}" type="presOf" srcId="{C195E106-B742-444A-BA3F-1090312FEE88}" destId="{451CFFCA-F929-41F1-AC1A-B495DC08DEC9}" srcOrd="0" destOrd="0" presId="urn:microsoft.com/office/officeart/2005/8/layout/lProcess3"/>
-    <dgm:cxn modelId="{F7A4A3AC-742A-4318-B263-FB964FADCE7F}" type="presOf" srcId="{61B0C3B3-41D3-4165-A137-F78FE1644C94}" destId="{3B71C6A7-4A15-4353-8526-0C3959621210}" srcOrd="0" destOrd="0" presId="urn:microsoft.com/office/officeart/2005/8/layout/lProcess3"/>
+    <dgm:cxn modelId="{6A3F499E-96A5-46A2-B513-8DE460C4DCA7}" srcId="{C195E106-B742-444A-BA3F-1090312FEE88}" destId="{3EEFA4E0-6FC1-4F8A-A248-C33DD972C9E8}" srcOrd="2" destOrd="0" parTransId="{0C7E2AF5-4413-4AF9-91F4-683E911EB9AB}" sibTransId="{6D532910-1085-47FF-9727-8A1D4A215872}"/>
+    <dgm:cxn modelId="{67BA7617-A235-44C5-B806-D07A350CFD5E}" type="presOf" srcId="{3EEFA4E0-6FC1-4F8A-A248-C33DD972C9E8}" destId="{16E0F5C9-AA41-4F26-B8E7-C34118681C36}" srcOrd="0" destOrd="0" presId="urn:microsoft.com/office/officeart/2005/8/layout/lProcess3"/>
     <dgm:cxn modelId="{18607E74-AD97-40F8-8E99-3DEA1B96FBE8}" type="presParOf" srcId="{451CFFCA-F929-41F1-AC1A-B495DC08DEC9}" destId="{00FC111C-B59A-4EEF-8012-2C5C60550B2C}" srcOrd="0" destOrd="0" presId="urn:microsoft.com/office/officeart/2005/8/layout/lProcess3"/>
     <dgm:cxn modelId="{6DACD425-4E86-4B5F-8CA3-2F2CC35E2A40}" type="presParOf" srcId="{00FC111C-B59A-4EEF-8012-2C5C60550B2C}" destId="{B6104286-31CD-4150-8D72-DA1A8298D73E}" srcOrd="0" destOrd="0" presId="urn:microsoft.com/office/officeart/2005/8/layout/lProcess3"/>
     <dgm:cxn modelId="{17B4C221-D96E-4F42-A2AA-32F3033B0D5E}" type="presParOf" srcId="{00FC111C-B59A-4EEF-8012-2C5C60550B2C}" destId="{D51615DB-C92B-4577-9165-BAB6357FEE8E}" srcOrd="1" destOrd="0" presId="urn:microsoft.com/office/officeart/2005/8/layout/lProcess3"/>
@@ -2437,18 +3360,46 @@
         </dgm:presLayoutVars>
       </dgm:prSet>
       <dgm:spPr/>
+      <dgm:t>
+        <a:bodyPr/>
+        <a:lstStyle/>
+        <a:p>
+          <a:endParaRPr kumimoji="1" lang="ja-JP" altLang="en-US"/>
+        </a:p>
+      </dgm:t>
     </dgm:pt>
     <dgm:pt modelId="{C08025AB-186D-4AF0-84F2-9C0188FC5FBE}" type="pres">
       <dgm:prSet presAssocID="{F865CEBE-C5D4-4259-89D8-D676E750E52C}" presName="centerShape" presStyleLbl="node0" presStyleIdx="0" presStyleCnt="1"/>
       <dgm:spPr/>
+      <dgm:t>
+        <a:bodyPr/>
+        <a:lstStyle/>
+        <a:p>
+          <a:endParaRPr kumimoji="1" lang="ja-JP" altLang="en-US"/>
+        </a:p>
+      </dgm:t>
     </dgm:pt>
     <dgm:pt modelId="{D10A1A3A-A408-4A96-8784-2C4393BEA377}" type="pres">
       <dgm:prSet presAssocID="{8B743B02-AB5C-49EF-AAED-7AFBE9FBBCEB}" presName="parTrans" presStyleLbl="sibTrans2D1" presStyleIdx="0" presStyleCnt="4"/>
       <dgm:spPr/>
+      <dgm:t>
+        <a:bodyPr/>
+        <a:lstStyle/>
+        <a:p>
+          <a:endParaRPr kumimoji="1" lang="ja-JP" altLang="en-US"/>
+        </a:p>
+      </dgm:t>
     </dgm:pt>
     <dgm:pt modelId="{6A9464CE-A081-43B6-8214-802FEA2A0D33}" type="pres">
       <dgm:prSet presAssocID="{8B743B02-AB5C-49EF-AAED-7AFBE9FBBCEB}" presName="connectorText" presStyleLbl="sibTrans2D1" presStyleIdx="0" presStyleCnt="4"/>
       <dgm:spPr/>
+      <dgm:t>
+        <a:bodyPr/>
+        <a:lstStyle/>
+        <a:p>
+          <a:endParaRPr kumimoji="1" lang="ja-JP" altLang="en-US"/>
+        </a:p>
+      </dgm:t>
     </dgm:pt>
     <dgm:pt modelId="{94F90008-2EAC-4F9B-B3E0-255B028F9D81}" type="pres">
       <dgm:prSet presAssocID="{B473439C-7C4C-44D1-BC3A-9CA8FF002F9D}" presName="node" presStyleLbl="node1" presStyleIdx="0" presStyleCnt="4">
@@ -2468,10 +3419,24 @@
     <dgm:pt modelId="{62C0DECD-939B-4BFA-A82D-8E9BA41BDB1A}" type="pres">
       <dgm:prSet presAssocID="{2A9C1041-08CA-47CB-A79F-0A45059FC664}" presName="parTrans" presStyleLbl="sibTrans2D1" presStyleIdx="1" presStyleCnt="4"/>
       <dgm:spPr/>
+      <dgm:t>
+        <a:bodyPr/>
+        <a:lstStyle/>
+        <a:p>
+          <a:endParaRPr kumimoji="1" lang="ja-JP" altLang="en-US"/>
+        </a:p>
+      </dgm:t>
     </dgm:pt>
     <dgm:pt modelId="{A456A9DE-9957-414B-A206-3CD03F93208D}" type="pres">
       <dgm:prSet presAssocID="{2A9C1041-08CA-47CB-A79F-0A45059FC664}" presName="connectorText" presStyleLbl="sibTrans2D1" presStyleIdx="1" presStyleCnt="4"/>
       <dgm:spPr/>
+      <dgm:t>
+        <a:bodyPr/>
+        <a:lstStyle/>
+        <a:p>
+          <a:endParaRPr kumimoji="1" lang="ja-JP" altLang="en-US"/>
+        </a:p>
+      </dgm:t>
     </dgm:pt>
     <dgm:pt modelId="{F64ACDA8-A7F2-4D31-BB73-49DC13AB58C2}" type="pres">
       <dgm:prSet presAssocID="{EE2170B2-F7EF-4B18-A550-44A12673B5D4}" presName="node" presStyleLbl="node1" presStyleIdx="1" presStyleCnt="4">
@@ -2480,14 +3445,35 @@
         </dgm:presLayoutVars>
       </dgm:prSet>
       <dgm:spPr/>
+      <dgm:t>
+        <a:bodyPr/>
+        <a:lstStyle/>
+        <a:p>
+          <a:endParaRPr kumimoji="1" lang="ja-JP" altLang="en-US"/>
+        </a:p>
+      </dgm:t>
     </dgm:pt>
     <dgm:pt modelId="{23094E9F-E700-420A-8EF7-CD2A500817C4}" type="pres">
       <dgm:prSet presAssocID="{508321EA-49A3-4BCB-88D7-AF8364165387}" presName="parTrans" presStyleLbl="sibTrans2D1" presStyleIdx="2" presStyleCnt="4"/>
       <dgm:spPr/>
+      <dgm:t>
+        <a:bodyPr/>
+        <a:lstStyle/>
+        <a:p>
+          <a:endParaRPr kumimoji="1" lang="ja-JP" altLang="en-US"/>
+        </a:p>
+      </dgm:t>
     </dgm:pt>
     <dgm:pt modelId="{C3351038-654A-4206-84CB-53BC18B4869E}" type="pres">
       <dgm:prSet presAssocID="{508321EA-49A3-4BCB-88D7-AF8364165387}" presName="connectorText" presStyleLbl="sibTrans2D1" presStyleIdx="2" presStyleCnt="4"/>
       <dgm:spPr/>
+      <dgm:t>
+        <a:bodyPr/>
+        <a:lstStyle/>
+        <a:p>
+          <a:endParaRPr kumimoji="1" lang="ja-JP" altLang="en-US"/>
+        </a:p>
+      </dgm:t>
     </dgm:pt>
     <dgm:pt modelId="{0B151D9D-E193-4E0F-93C4-F913F547A8E1}" type="pres">
       <dgm:prSet presAssocID="{524B9D98-1F00-44CA-BC10-DC1C6BB16093}" presName="node" presStyleLbl="node1" presStyleIdx="2" presStyleCnt="4">
@@ -2496,14 +3482,35 @@
         </dgm:presLayoutVars>
       </dgm:prSet>
       <dgm:spPr/>
+      <dgm:t>
+        <a:bodyPr/>
+        <a:lstStyle/>
+        <a:p>
+          <a:endParaRPr kumimoji="1" lang="ja-JP" altLang="en-US"/>
+        </a:p>
+      </dgm:t>
     </dgm:pt>
     <dgm:pt modelId="{34600E07-E75D-43AA-BE78-C24842138633}" type="pres">
       <dgm:prSet presAssocID="{903EEDD8-7733-4020-98C8-97A425563945}" presName="parTrans" presStyleLbl="sibTrans2D1" presStyleIdx="3" presStyleCnt="4"/>
       <dgm:spPr/>
+      <dgm:t>
+        <a:bodyPr/>
+        <a:lstStyle/>
+        <a:p>
+          <a:endParaRPr kumimoji="1" lang="ja-JP" altLang="en-US"/>
+        </a:p>
+      </dgm:t>
     </dgm:pt>
     <dgm:pt modelId="{40018E5C-AF80-4A31-AE73-009DCCFB99EE}" type="pres">
       <dgm:prSet presAssocID="{903EEDD8-7733-4020-98C8-97A425563945}" presName="connectorText" presStyleLbl="sibTrans2D1" presStyleIdx="3" presStyleCnt="4"/>
       <dgm:spPr/>
+      <dgm:t>
+        <a:bodyPr/>
+        <a:lstStyle/>
+        <a:p>
+          <a:endParaRPr kumimoji="1" lang="ja-JP" altLang="en-US"/>
+        </a:p>
+      </dgm:t>
     </dgm:pt>
     <dgm:pt modelId="{5F78AA02-04CE-4802-B84D-96C4B83A8FF2}" type="pres">
       <dgm:prSet presAssocID="{9AD475D1-AA77-4AC1-9E5C-A73676192616}" presName="node" presStyleLbl="node1" presStyleIdx="3" presStyleCnt="4">
@@ -2512,28 +3519,35 @@
         </dgm:presLayoutVars>
       </dgm:prSet>
       <dgm:spPr/>
+      <dgm:t>
+        <a:bodyPr/>
+        <a:lstStyle/>
+        <a:p>
+          <a:endParaRPr kumimoji="1" lang="ja-JP" altLang="en-US"/>
+        </a:p>
+      </dgm:t>
     </dgm:pt>
   </dgm:ptLst>
   <dgm:cxnLst>
+    <dgm:cxn modelId="{9687B44A-5005-4C50-B85A-7ECDC6808D76}" type="presOf" srcId="{524B9D98-1F00-44CA-BC10-DC1C6BB16093}" destId="{0B151D9D-E193-4E0F-93C4-F913F547A8E1}" srcOrd="0" destOrd="0" presId="urn:microsoft.com/office/officeart/2005/8/layout/radial5"/>
+    <dgm:cxn modelId="{3EB58FBD-3125-4A4F-AF06-75CC8587C37B}" type="presOf" srcId="{8B743B02-AB5C-49EF-AAED-7AFBE9FBBCEB}" destId="{D10A1A3A-A408-4A96-8784-2C4393BEA377}" srcOrd="0" destOrd="0" presId="urn:microsoft.com/office/officeart/2005/8/layout/radial5"/>
+    <dgm:cxn modelId="{AC0014D7-4BDB-46D9-85AD-C3DBCACB8E70}" type="presOf" srcId="{903EEDD8-7733-4020-98C8-97A425563945}" destId="{34600E07-E75D-43AA-BE78-C24842138633}" srcOrd="0" destOrd="0" presId="urn:microsoft.com/office/officeart/2005/8/layout/radial5"/>
     <dgm:cxn modelId="{4F9D6174-05AB-489C-AA75-65480EF4AF2C}" type="presOf" srcId="{126EA025-EBEA-4A88-B612-765AA06C912A}" destId="{1590A3C5-F0B0-4EDF-97E7-D4A5AC203B3B}" srcOrd="0" destOrd="0" presId="urn:microsoft.com/office/officeart/2005/8/layout/radial5"/>
+    <dgm:cxn modelId="{DAE89E68-6944-49DD-953E-1C5387418A43}" type="presOf" srcId="{2A9C1041-08CA-47CB-A79F-0A45059FC664}" destId="{62C0DECD-939B-4BFA-A82D-8E9BA41BDB1A}" srcOrd="0" destOrd="0" presId="urn:microsoft.com/office/officeart/2005/8/layout/radial5"/>
     <dgm:cxn modelId="{13951578-AAD7-4F4A-90C5-E9D4D99495B6}" srcId="{F865CEBE-C5D4-4259-89D8-D676E750E52C}" destId="{B473439C-7C4C-44D1-BC3A-9CA8FF002F9D}" srcOrd="0" destOrd="0" parTransId="{8B743B02-AB5C-49EF-AAED-7AFBE9FBBCEB}" sibTransId="{4B0C5C2B-AB87-4344-876D-D1C850C238EB}"/>
+    <dgm:cxn modelId="{F093746E-8B3A-4AC7-B94B-E067077E27DB}" type="presOf" srcId="{EE2170B2-F7EF-4B18-A550-44A12673B5D4}" destId="{F64ACDA8-A7F2-4D31-BB73-49DC13AB58C2}" srcOrd="0" destOrd="0" presId="urn:microsoft.com/office/officeart/2005/8/layout/radial5"/>
+    <dgm:cxn modelId="{EE28BEC5-422B-4BD2-B8BB-0440CBB73707}" srcId="{F865CEBE-C5D4-4259-89D8-D676E750E52C}" destId="{524B9D98-1F00-44CA-BC10-DC1C6BB16093}" srcOrd="2" destOrd="0" parTransId="{508321EA-49A3-4BCB-88D7-AF8364165387}" sibTransId="{3457FF61-D7D3-4822-984A-8459C8FC0382}"/>
+    <dgm:cxn modelId="{0299E32A-EBD8-4BEF-8B2F-6960CF752506}" type="presOf" srcId="{9AD475D1-AA77-4AC1-9E5C-A73676192616}" destId="{5F78AA02-04CE-4802-B84D-96C4B83A8FF2}" srcOrd="0" destOrd="0" presId="urn:microsoft.com/office/officeart/2005/8/layout/radial5"/>
+    <dgm:cxn modelId="{617711D9-53BE-4758-A317-6C20D8C9977C}" type="presOf" srcId="{F865CEBE-C5D4-4259-89D8-D676E750E52C}" destId="{C08025AB-186D-4AF0-84F2-9C0188FC5FBE}" srcOrd="0" destOrd="0" presId="urn:microsoft.com/office/officeart/2005/8/layout/radial5"/>
+    <dgm:cxn modelId="{DC7968CF-2187-426D-814A-31DD984BF96F}" type="presOf" srcId="{903EEDD8-7733-4020-98C8-97A425563945}" destId="{40018E5C-AF80-4A31-AE73-009DCCFB99EE}" srcOrd="1" destOrd="0" presId="urn:microsoft.com/office/officeart/2005/8/layout/radial5"/>
+    <dgm:cxn modelId="{726E74CE-0EB8-4596-8585-5552C10D2BE4}" srcId="{126EA025-EBEA-4A88-B612-765AA06C912A}" destId="{F865CEBE-C5D4-4259-89D8-D676E750E52C}" srcOrd="0" destOrd="0" parTransId="{005F3CC6-351A-48A6-B58D-B380D3A17ED2}" sibTransId="{DFAC891B-4CE6-4799-BE65-FDDA2404FEFE}"/>
     <dgm:cxn modelId="{2767F877-17F8-4890-B87B-45C4EA9F17EB}" srcId="{F865CEBE-C5D4-4259-89D8-D676E750E52C}" destId="{EE2170B2-F7EF-4B18-A550-44A12673B5D4}" srcOrd="1" destOrd="0" parTransId="{2A9C1041-08CA-47CB-A79F-0A45059FC664}" sibTransId="{3F2F61ED-960C-46FD-9BFD-2B4858B3852F}"/>
-    <dgm:cxn modelId="{3EB58FBD-3125-4A4F-AF06-75CC8587C37B}" type="presOf" srcId="{8B743B02-AB5C-49EF-AAED-7AFBE9FBBCEB}" destId="{D10A1A3A-A408-4A96-8784-2C4393BEA377}" srcOrd="0" destOrd="0" presId="urn:microsoft.com/office/officeart/2005/8/layout/radial5"/>
-    <dgm:cxn modelId="{DC7968CF-2187-426D-814A-31DD984BF96F}" type="presOf" srcId="{903EEDD8-7733-4020-98C8-97A425563945}" destId="{40018E5C-AF80-4A31-AE73-009DCCFB99EE}" srcOrd="1" destOrd="0" presId="urn:microsoft.com/office/officeart/2005/8/layout/radial5"/>
-    <dgm:cxn modelId="{DAE89E68-6944-49DD-953E-1C5387418A43}" type="presOf" srcId="{2A9C1041-08CA-47CB-A79F-0A45059FC664}" destId="{62C0DECD-939B-4BFA-A82D-8E9BA41BDB1A}" srcOrd="0" destOrd="0" presId="urn:microsoft.com/office/officeart/2005/8/layout/radial5"/>
-    <dgm:cxn modelId="{726E74CE-0EB8-4596-8585-5552C10D2BE4}" srcId="{126EA025-EBEA-4A88-B612-765AA06C912A}" destId="{F865CEBE-C5D4-4259-89D8-D676E750E52C}" srcOrd="0" destOrd="0" parTransId="{005F3CC6-351A-48A6-B58D-B380D3A17ED2}" sibTransId="{DFAC891B-4CE6-4799-BE65-FDDA2404FEFE}"/>
+    <dgm:cxn modelId="{5632F538-24E1-437C-AB1A-9E531449AD11}" type="presOf" srcId="{508321EA-49A3-4BCB-88D7-AF8364165387}" destId="{23094E9F-E700-420A-8EF7-CD2A500817C4}" srcOrd="0" destOrd="0" presId="urn:microsoft.com/office/officeart/2005/8/layout/radial5"/>
+    <dgm:cxn modelId="{ED04714D-0BA0-41E9-AB24-8AEEDDE3CCD9}" type="presOf" srcId="{8B743B02-AB5C-49EF-AAED-7AFBE9FBBCEB}" destId="{6A9464CE-A081-43B6-8214-802FEA2A0D33}" srcOrd="1" destOrd="0" presId="urn:microsoft.com/office/officeart/2005/8/layout/radial5"/>
+    <dgm:cxn modelId="{F4E01611-A71F-4402-A7D5-8610BD8047AF}" srcId="{F865CEBE-C5D4-4259-89D8-D676E750E52C}" destId="{9AD475D1-AA77-4AC1-9E5C-A73676192616}" srcOrd="3" destOrd="0" parTransId="{903EEDD8-7733-4020-98C8-97A425563945}" sibTransId="{BC8FE966-89FA-415F-A9FF-841E3ACAEB7A}"/>
+    <dgm:cxn modelId="{679E74F5-3DBC-4F2E-A882-A416322615AD}" type="presOf" srcId="{2A9C1041-08CA-47CB-A79F-0A45059FC664}" destId="{A456A9DE-9957-414B-A206-3CD03F93208D}" srcOrd="1" destOrd="0" presId="urn:microsoft.com/office/officeart/2005/8/layout/radial5"/>
     <dgm:cxn modelId="{9D989EB8-A400-406B-8755-29E77301251A}" type="presOf" srcId="{B473439C-7C4C-44D1-BC3A-9CA8FF002F9D}" destId="{94F90008-2EAC-4F9B-B3E0-255B028F9D81}" srcOrd="0" destOrd="0" presId="urn:microsoft.com/office/officeart/2005/8/layout/radial5"/>
-    <dgm:cxn modelId="{ED04714D-0BA0-41E9-AB24-8AEEDDE3CCD9}" type="presOf" srcId="{8B743B02-AB5C-49EF-AAED-7AFBE9FBBCEB}" destId="{6A9464CE-A081-43B6-8214-802FEA2A0D33}" srcOrd="1" destOrd="0" presId="urn:microsoft.com/office/officeart/2005/8/layout/radial5"/>
-    <dgm:cxn modelId="{0299E32A-EBD8-4BEF-8B2F-6960CF752506}" type="presOf" srcId="{9AD475D1-AA77-4AC1-9E5C-A73676192616}" destId="{5F78AA02-04CE-4802-B84D-96C4B83A8FF2}" srcOrd="0" destOrd="0" presId="urn:microsoft.com/office/officeart/2005/8/layout/radial5"/>
-    <dgm:cxn modelId="{679E74F5-3DBC-4F2E-A882-A416322615AD}" type="presOf" srcId="{2A9C1041-08CA-47CB-A79F-0A45059FC664}" destId="{A456A9DE-9957-414B-A206-3CD03F93208D}" srcOrd="1" destOrd="0" presId="urn:microsoft.com/office/officeart/2005/8/layout/radial5"/>
-    <dgm:cxn modelId="{F4E01611-A71F-4402-A7D5-8610BD8047AF}" srcId="{F865CEBE-C5D4-4259-89D8-D676E750E52C}" destId="{9AD475D1-AA77-4AC1-9E5C-A73676192616}" srcOrd="3" destOrd="0" parTransId="{903EEDD8-7733-4020-98C8-97A425563945}" sibTransId="{BC8FE966-89FA-415F-A9FF-841E3ACAEB7A}"/>
-    <dgm:cxn modelId="{AC0014D7-4BDB-46D9-85AD-C3DBCACB8E70}" type="presOf" srcId="{903EEDD8-7733-4020-98C8-97A425563945}" destId="{34600E07-E75D-43AA-BE78-C24842138633}" srcOrd="0" destOrd="0" presId="urn:microsoft.com/office/officeart/2005/8/layout/radial5"/>
-    <dgm:cxn modelId="{617711D9-53BE-4758-A317-6C20D8C9977C}" type="presOf" srcId="{F865CEBE-C5D4-4259-89D8-D676E750E52C}" destId="{C08025AB-186D-4AF0-84F2-9C0188FC5FBE}" srcOrd="0" destOrd="0" presId="urn:microsoft.com/office/officeart/2005/8/layout/radial5"/>
-    <dgm:cxn modelId="{F093746E-8B3A-4AC7-B94B-E067077E27DB}" type="presOf" srcId="{EE2170B2-F7EF-4B18-A550-44A12673B5D4}" destId="{F64ACDA8-A7F2-4D31-BB73-49DC13AB58C2}" srcOrd="0" destOrd="0" presId="urn:microsoft.com/office/officeart/2005/8/layout/radial5"/>
     <dgm:cxn modelId="{10BFE21A-3C8F-4E74-9552-D2042D9C0056}" type="presOf" srcId="{508321EA-49A3-4BCB-88D7-AF8364165387}" destId="{C3351038-654A-4206-84CB-53BC18B4869E}" srcOrd="1" destOrd="0" presId="urn:microsoft.com/office/officeart/2005/8/layout/radial5"/>
-    <dgm:cxn modelId="{9687B44A-5005-4C50-B85A-7ECDC6808D76}" type="presOf" srcId="{524B9D98-1F00-44CA-BC10-DC1C6BB16093}" destId="{0B151D9D-E193-4E0F-93C4-F913F547A8E1}" srcOrd="0" destOrd="0" presId="urn:microsoft.com/office/officeart/2005/8/layout/radial5"/>
-    <dgm:cxn modelId="{EE28BEC5-422B-4BD2-B8BB-0440CBB73707}" srcId="{F865CEBE-C5D4-4259-89D8-D676E750E52C}" destId="{524B9D98-1F00-44CA-BC10-DC1C6BB16093}" srcOrd="2" destOrd="0" parTransId="{508321EA-49A3-4BCB-88D7-AF8364165387}" sibTransId="{3457FF61-D7D3-4822-984A-8459C8FC0382}"/>
-    <dgm:cxn modelId="{5632F538-24E1-437C-AB1A-9E531449AD11}" type="presOf" srcId="{508321EA-49A3-4BCB-88D7-AF8364165387}" destId="{23094E9F-E700-420A-8EF7-CD2A500817C4}" srcOrd="0" destOrd="0" presId="urn:microsoft.com/office/officeart/2005/8/layout/radial5"/>
     <dgm:cxn modelId="{8BE5485D-0604-412F-913B-E6BBA3F4F4E9}" type="presParOf" srcId="{1590A3C5-F0B0-4EDF-97E7-D4A5AC203B3B}" destId="{C08025AB-186D-4AF0-84F2-9C0188FC5FBE}" srcOrd="0" destOrd="0" presId="urn:microsoft.com/office/officeart/2005/8/layout/radial5"/>
     <dgm:cxn modelId="{D3971E18-C6F0-4B05-ACE5-1899BF01F8AB}" type="presParOf" srcId="{1590A3C5-F0B0-4EDF-97E7-D4A5AC203B3B}" destId="{D10A1A3A-A408-4A96-8784-2C4393BEA377}" srcOrd="1" destOrd="0" presId="urn:microsoft.com/office/officeart/2005/8/layout/radial5"/>
     <dgm:cxn modelId="{9F43E259-E609-4F5F-B96F-18D5FC59AC1D}" type="presParOf" srcId="{D10A1A3A-A408-4A96-8784-2C4393BEA377}" destId="{6A9464CE-A081-43B6-8214-802FEA2A0D33}" srcOrd="0" destOrd="0" presId="urn:microsoft.com/office/officeart/2005/8/layout/radial5"/>
@@ -2547,6 +3561,464 @@
     <dgm:cxn modelId="{C81905FD-7E09-46B0-B0EE-153D43AC956F}" type="presParOf" srcId="{1590A3C5-F0B0-4EDF-97E7-D4A5AC203B3B}" destId="{34600E07-E75D-43AA-BE78-C24842138633}" srcOrd="7" destOrd="0" presId="urn:microsoft.com/office/officeart/2005/8/layout/radial5"/>
     <dgm:cxn modelId="{B1171537-ECA8-4138-9722-5EA08E41DC92}" type="presParOf" srcId="{34600E07-E75D-43AA-BE78-C24842138633}" destId="{40018E5C-AF80-4A31-AE73-009DCCFB99EE}" srcOrd="0" destOrd="0" presId="urn:microsoft.com/office/officeart/2005/8/layout/radial5"/>
     <dgm:cxn modelId="{D8B79444-EF7B-4270-810E-0E2926FC2FDB}" type="presParOf" srcId="{1590A3C5-F0B0-4EDF-97E7-D4A5AC203B3B}" destId="{5F78AA02-04CE-4802-B84D-96C4B83A8FF2}" srcOrd="8" destOrd="0" presId="urn:microsoft.com/office/officeart/2005/8/layout/radial5"/>
+  </dgm:cxnLst>
+  <dgm:bg/>
+  <dgm:whole/>
+  <dgm:extLst>
+    <a:ext uri="http://schemas.microsoft.com/office/drawing/2008/diagram">
+      <dsp:dataModelExt xmlns:dsp="http://schemas.microsoft.com/office/drawing/2008/diagram" relId="rId6" minVer="http://schemas.openxmlformats.org/drawingml/2006/diagram"/>
+    </a:ext>
+    <a:ext uri="{C62137D5-CB1D-491B-B009-E17868A290BF}">
+      <dgm14:recolorImg xmlns:dgm14="http://schemas.microsoft.com/office/drawing/2010/diagram" val="1"/>
+    </a:ext>
+  </dgm:extLst>
+</dgm:dataModel>
+</file>
+
+<file path=ppt/diagrams/data3.xml><?xml version="1.0" encoding="utf-8"?>
+<dgm:dataModel xmlns:dgm="http://schemas.openxmlformats.org/drawingml/2006/diagram" xmlns:a="http://schemas.openxmlformats.org/drawingml/2006/main">
+  <dgm:ptLst>
+    <dgm:pt modelId="{126EA025-EBEA-4A88-B612-765AA06C912A}" type="doc">
+      <dgm:prSet loTypeId="urn:microsoft.com/office/officeart/2005/8/layout/radial5" loCatId="relationship" qsTypeId="urn:microsoft.com/office/officeart/2005/8/quickstyle/simple1" qsCatId="simple" csTypeId="urn:microsoft.com/office/officeart/2005/8/colors/colorful1" csCatId="colorful" phldr="1"/>
+      <dgm:spPr/>
+      <dgm:t>
+        <a:bodyPr/>
+        <a:lstStyle/>
+        <a:p>
+          <a:endParaRPr kumimoji="1" lang="ja-JP" altLang="en-US"/>
+        </a:p>
+      </dgm:t>
+    </dgm:pt>
+    <dgm:pt modelId="{F865CEBE-C5D4-4259-89D8-D676E750E52C}">
+      <dgm:prSet phldrT="[テキスト]"/>
+      <dgm:spPr>
+        <a:solidFill>
+          <a:srgbClr val="FFC000"/>
+        </a:solidFill>
+      </dgm:spPr>
+      <dgm:t>
+        <a:bodyPr/>
+        <a:lstStyle/>
+        <a:p>
+          <a:r>
+            <a:rPr kumimoji="1" lang="en-US" altLang="ja-JP" dirty="0" smtClean="0"/>
+            <a:t>SNS</a:t>
+          </a:r>
+          <a:endParaRPr kumimoji="1" lang="ja-JP" altLang="en-US" dirty="0"/>
+        </a:p>
+      </dgm:t>
+    </dgm:pt>
+    <dgm:pt modelId="{005F3CC6-351A-48A6-B58D-B380D3A17ED2}" type="parTrans" cxnId="{726E74CE-0EB8-4596-8585-5552C10D2BE4}">
+      <dgm:prSet/>
+      <dgm:spPr/>
+      <dgm:t>
+        <a:bodyPr/>
+        <a:lstStyle/>
+        <a:p>
+          <a:endParaRPr kumimoji="1" lang="ja-JP" altLang="en-US"/>
+        </a:p>
+      </dgm:t>
+    </dgm:pt>
+    <dgm:pt modelId="{DFAC891B-4CE6-4799-BE65-FDDA2404FEFE}" type="sibTrans" cxnId="{726E74CE-0EB8-4596-8585-5552C10D2BE4}">
+      <dgm:prSet/>
+      <dgm:spPr/>
+      <dgm:t>
+        <a:bodyPr/>
+        <a:lstStyle/>
+        <a:p>
+          <a:endParaRPr kumimoji="1" lang="ja-JP" altLang="en-US"/>
+        </a:p>
+      </dgm:t>
+    </dgm:pt>
+    <dgm:pt modelId="{B473439C-7C4C-44D1-BC3A-9CA8FF002F9D}">
+      <dgm:prSet phldrT="[テキスト]" custT="1"/>
+      <dgm:spPr>
+        <a:solidFill>
+          <a:srgbClr val="FF0000"/>
+        </a:solidFill>
+      </dgm:spPr>
+      <dgm:t>
+        <a:bodyPr/>
+        <a:lstStyle/>
+        <a:p>
+          <a:r>
+            <a:rPr kumimoji="1" lang="ja-JP" altLang="en-US" sz="1200" dirty="0" smtClean="0"/>
+            <a:t>インスタ</a:t>
+          </a:r>
+          <a:endParaRPr kumimoji="1" lang="ja-JP" altLang="en-US" sz="1200" dirty="0"/>
+        </a:p>
+      </dgm:t>
+    </dgm:pt>
+    <dgm:pt modelId="{8B743B02-AB5C-49EF-AAED-7AFBE9FBBCEB}" type="parTrans" cxnId="{13951578-AAD7-4F4A-90C5-E9D4D99495B6}">
+      <dgm:prSet/>
+      <dgm:spPr>
+        <a:solidFill>
+          <a:srgbClr val="FF0000"/>
+        </a:solidFill>
+      </dgm:spPr>
+      <dgm:t>
+        <a:bodyPr/>
+        <a:lstStyle/>
+        <a:p>
+          <a:endParaRPr kumimoji="1" lang="ja-JP" altLang="en-US"/>
+        </a:p>
+      </dgm:t>
+    </dgm:pt>
+    <dgm:pt modelId="{4B0C5C2B-AB87-4344-876D-D1C850C238EB}" type="sibTrans" cxnId="{13951578-AAD7-4F4A-90C5-E9D4D99495B6}">
+      <dgm:prSet/>
+      <dgm:spPr/>
+      <dgm:t>
+        <a:bodyPr/>
+        <a:lstStyle/>
+        <a:p>
+          <a:endParaRPr kumimoji="1" lang="ja-JP" altLang="en-US"/>
+        </a:p>
+      </dgm:t>
+    </dgm:pt>
+    <dgm:pt modelId="{EE2170B2-F7EF-4B18-A550-44A12673B5D4}">
+      <dgm:prSet phldrT="[テキスト]"/>
+      <dgm:spPr>
+        <a:solidFill>
+          <a:srgbClr val="0070C0"/>
+        </a:solidFill>
+      </dgm:spPr>
+      <dgm:t>
+        <a:bodyPr/>
+        <a:lstStyle/>
+        <a:p>
+          <a:r>
+            <a:rPr kumimoji="1" lang="en-US" altLang="ja-JP" dirty="0" smtClean="0"/>
+            <a:t>Face Book</a:t>
+          </a:r>
+          <a:endParaRPr kumimoji="1" lang="ja-JP" altLang="en-US" dirty="0"/>
+        </a:p>
+      </dgm:t>
+    </dgm:pt>
+    <dgm:pt modelId="{2A9C1041-08CA-47CB-A79F-0A45059FC664}" type="parTrans" cxnId="{2767F877-17F8-4890-B87B-45C4EA9F17EB}">
+      <dgm:prSet/>
+      <dgm:spPr>
+        <a:solidFill>
+          <a:srgbClr val="0070C0"/>
+        </a:solidFill>
+      </dgm:spPr>
+      <dgm:t>
+        <a:bodyPr/>
+        <a:lstStyle/>
+        <a:p>
+          <a:endParaRPr kumimoji="1" lang="ja-JP" altLang="en-US"/>
+        </a:p>
+      </dgm:t>
+    </dgm:pt>
+    <dgm:pt modelId="{3F2F61ED-960C-46FD-9BFD-2B4858B3852F}" type="sibTrans" cxnId="{2767F877-17F8-4890-B87B-45C4EA9F17EB}">
+      <dgm:prSet/>
+      <dgm:spPr/>
+      <dgm:t>
+        <a:bodyPr/>
+        <a:lstStyle/>
+        <a:p>
+          <a:endParaRPr kumimoji="1" lang="ja-JP" altLang="en-US"/>
+        </a:p>
+      </dgm:t>
+    </dgm:pt>
+    <dgm:pt modelId="{524B9D98-1F00-44CA-BC10-DC1C6BB16093}">
+      <dgm:prSet phldrT="[テキスト]"/>
+      <dgm:spPr>
+        <a:solidFill>
+          <a:schemeClr val="accent1">
+            <a:lumMod val="60000"/>
+            <a:lumOff val="40000"/>
+          </a:schemeClr>
+        </a:solidFill>
+      </dgm:spPr>
+      <dgm:t>
+        <a:bodyPr/>
+        <a:lstStyle/>
+        <a:p>
+          <a:r>
+            <a:rPr kumimoji="1" lang="en-US" altLang="ja-JP" dirty="0" smtClean="0"/>
+            <a:t>Twitter</a:t>
+          </a:r>
+          <a:endParaRPr kumimoji="1" lang="ja-JP" altLang="en-US" dirty="0"/>
+        </a:p>
+      </dgm:t>
+    </dgm:pt>
+    <dgm:pt modelId="{508321EA-49A3-4BCB-88D7-AF8364165387}" type="parTrans" cxnId="{EE28BEC5-422B-4BD2-B8BB-0440CBB73707}">
+      <dgm:prSet/>
+      <dgm:spPr>
+        <a:solidFill>
+          <a:schemeClr val="accent1">
+            <a:lumMod val="60000"/>
+            <a:lumOff val="40000"/>
+          </a:schemeClr>
+        </a:solidFill>
+      </dgm:spPr>
+      <dgm:t>
+        <a:bodyPr/>
+        <a:lstStyle/>
+        <a:p>
+          <a:endParaRPr kumimoji="1" lang="ja-JP" altLang="en-US"/>
+        </a:p>
+      </dgm:t>
+    </dgm:pt>
+    <dgm:pt modelId="{3457FF61-D7D3-4822-984A-8459C8FC0382}" type="sibTrans" cxnId="{EE28BEC5-422B-4BD2-B8BB-0440CBB73707}">
+      <dgm:prSet/>
+      <dgm:spPr/>
+      <dgm:t>
+        <a:bodyPr/>
+        <a:lstStyle/>
+        <a:p>
+          <a:endParaRPr kumimoji="1" lang="ja-JP" altLang="en-US"/>
+        </a:p>
+      </dgm:t>
+    </dgm:pt>
+    <dgm:pt modelId="{9AD475D1-AA77-4AC1-9E5C-A73676192616}">
+      <dgm:prSet phldrT="[テキスト]"/>
+      <dgm:spPr/>
+      <dgm:t>
+        <a:bodyPr/>
+        <a:lstStyle/>
+        <a:p>
+          <a:r>
+            <a:rPr kumimoji="1" lang="en-US" altLang="ja-JP" dirty="0" smtClean="0"/>
+            <a:t>Line</a:t>
+          </a:r>
+          <a:endParaRPr kumimoji="1" lang="ja-JP" altLang="en-US" dirty="0"/>
+        </a:p>
+      </dgm:t>
+    </dgm:pt>
+    <dgm:pt modelId="{903EEDD8-7733-4020-98C8-97A425563945}" type="parTrans" cxnId="{F4E01611-A71F-4402-A7D5-8610BD8047AF}">
+      <dgm:prSet/>
+      <dgm:spPr/>
+      <dgm:t>
+        <a:bodyPr/>
+        <a:lstStyle/>
+        <a:p>
+          <a:endParaRPr kumimoji="1" lang="ja-JP" altLang="en-US"/>
+        </a:p>
+      </dgm:t>
+    </dgm:pt>
+    <dgm:pt modelId="{BC8FE966-89FA-415F-A9FF-841E3ACAEB7A}" type="sibTrans" cxnId="{F4E01611-A71F-4402-A7D5-8610BD8047AF}">
+      <dgm:prSet/>
+      <dgm:spPr/>
+      <dgm:t>
+        <a:bodyPr/>
+        <a:lstStyle/>
+        <a:p>
+          <a:endParaRPr kumimoji="1" lang="ja-JP" altLang="en-US"/>
+        </a:p>
+      </dgm:t>
+    </dgm:pt>
+    <dgm:pt modelId="{1590A3C5-F0B0-4EDF-97E7-D4A5AC203B3B}" type="pres">
+      <dgm:prSet presAssocID="{126EA025-EBEA-4A88-B612-765AA06C912A}" presName="Name0" presStyleCnt="0">
+        <dgm:presLayoutVars>
+          <dgm:chMax val="1"/>
+          <dgm:dir/>
+          <dgm:animLvl val="ctr"/>
+          <dgm:resizeHandles val="exact"/>
+        </dgm:presLayoutVars>
+      </dgm:prSet>
+      <dgm:spPr/>
+      <dgm:t>
+        <a:bodyPr/>
+        <a:lstStyle/>
+        <a:p>
+          <a:endParaRPr kumimoji="1" lang="ja-JP" altLang="en-US"/>
+        </a:p>
+      </dgm:t>
+    </dgm:pt>
+    <dgm:pt modelId="{C08025AB-186D-4AF0-84F2-9C0188FC5FBE}" type="pres">
+      <dgm:prSet presAssocID="{F865CEBE-C5D4-4259-89D8-D676E750E52C}" presName="centerShape" presStyleLbl="node0" presStyleIdx="0" presStyleCnt="1"/>
+      <dgm:spPr/>
+      <dgm:t>
+        <a:bodyPr/>
+        <a:lstStyle/>
+        <a:p>
+          <a:endParaRPr kumimoji="1" lang="ja-JP" altLang="en-US"/>
+        </a:p>
+      </dgm:t>
+    </dgm:pt>
+    <dgm:pt modelId="{D10A1A3A-A408-4A96-8784-2C4393BEA377}" type="pres">
+      <dgm:prSet presAssocID="{8B743B02-AB5C-49EF-AAED-7AFBE9FBBCEB}" presName="parTrans" presStyleLbl="sibTrans2D1" presStyleIdx="0" presStyleCnt="4"/>
+      <dgm:spPr/>
+      <dgm:t>
+        <a:bodyPr/>
+        <a:lstStyle/>
+        <a:p>
+          <a:endParaRPr kumimoji="1" lang="ja-JP" altLang="en-US"/>
+        </a:p>
+      </dgm:t>
+    </dgm:pt>
+    <dgm:pt modelId="{6A9464CE-A081-43B6-8214-802FEA2A0D33}" type="pres">
+      <dgm:prSet presAssocID="{8B743B02-AB5C-49EF-AAED-7AFBE9FBBCEB}" presName="connectorText" presStyleLbl="sibTrans2D1" presStyleIdx="0" presStyleCnt="4"/>
+      <dgm:spPr/>
+      <dgm:t>
+        <a:bodyPr/>
+        <a:lstStyle/>
+        <a:p>
+          <a:endParaRPr kumimoji="1" lang="ja-JP" altLang="en-US"/>
+        </a:p>
+      </dgm:t>
+    </dgm:pt>
+    <dgm:pt modelId="{94F90008-2EAC-4F9B-B3E0-255B028F9D81}" type="pres">
+      <dgm:prSet presAssocID="{B473439C-7C4C-44D1-BC3A-9CA8FF002F9D}" presName="node" presStyleLbl="node1" presStyleIdx="0" presStyleCnt="4">
+        <dgm:presLayoutVars>
+          <dgm:bulletEnabled val="1"/>
+        </dgm:presLayoutVars>
+      </dgm:prSet>
+      <dgm:spPr/>
+      <dgm:t>
+        <a:bodyPr/>
+        <a:lstStyle/>
+        <a:p>
+          <a:endParaRPr kumimoji="1" lang="ja-JP" altLang="en-US"/>
+        </a:p>
+      </dgm:t>
+    </dgm:pt>
+    <dgm:pt modelId="{62C0DECD-939B-4BFA-A82D-8E9BA41BDB1A}" type="pres">
+      <dgm:prSet presAssocID="{2A9C1041-08CA-47CB-A79F-0A45059FC664}" presName="parTrans" presStyleLbl="sibTrans2D1" presStyleIdx="1" presStyleCnt="4"/>
+      <dgm:spPr/>
+      <dgm:t>
+        <a:bodyPr/>
+        <a:lstStyle/>
+        <a:p>
+          <a:endParaRPr kumimoji="1" lang="ja-JP" altLang="en-US"/>
+        </a:p>
+      </dgm:t>
+    </dgm:pt>
+    <dgm:pt modelId="{A456A9DE-9957-414B-A206-3CD03F93208D}" type="pres">
+      <dgm:prSet presAssocID="{2A9C1041-08CA-47CB-A79F-0A45059FC664}" presName="connectorText" presStyleLbl="sibTrans2D1" presStyleIdx="1" presStyleCnt="4"/>
+      <dgm:spPr/>
+      <dgm:t>
+        <a:bodyPr/>
+        <a:lstStyle/>
+        <a:p>
+          <a:endParaRPr kumimoji="1" lang="ja-JP" altLang="en-US"/>
+        </a:p>
+      </dgm:t>
+    </dgm:pt>
+    <dgm:pt modelId="{F64ACDA8-A7F2-4D31-BB73-49DC13AB58C2}" type="pres">
+      <dgm:prSet presAssocID="{EE2170B2-F7EF-4B18-A550-44A12673B5D4}" presName="node" presStyleLbl="node1" presStyleIdx="1" presStyleCnt="4">
+        <dgm:presLayoutVars>
+          <dgm:bulletEnabled val="1"/>
+        </dgm:presLayoutVars>
+      </dgm:prSet>
+      <dgm:spPr/>
+      <dgm:t>
+        <a:bodyPr/>
+        <a:lstStyle/>
+        <a:p>
+          <a:endParaRPr kumimoji="1" lang="ja-JP" altLang="en-US"/>
+        </a:p>
+      </dgm:t>
+    </dgm:pt>
+    <dgm:pt modelId="{23094E9F-E700-420A-8EF7-CD2A500817C4}" type="pres">
+      <dgm:prSet presAssocID="{508321EA-49A3-4BCB-88D7-AF8364165387}" presName="parTrans" presStyleLbl="sibTrans2D1" presStyleIdx="2" presStyleCnt="4"/>
+      <dgm:spPr/>
+      <dgm:t>
+        <a:bodyPr/>
+        <a:lstStyle/>
+        <a:p>
+          <a:endParaRPr kumimoji="1" lang="ja-JP" altLang="en-US"/>
+        </a:p>
+      </dgm:t>
+    </dgm:pt>
+    <dgm:pt modelId="{C3351038-654A-4206-84CB-53BC18B4869E}" type="pres">
+      <dgm:prSet presAssocID="{508321EA-49A3-4BCB-88D7-AF8364165387}" presName="connectorText" presStyleLbl="sibTrans2D1" presStyleIdx="2" presStyleCnt="4"/>
+      <dgm:spPr/>
+      <dgm:t>
+        <a:bodyPr/>
+        <a:lstStyle/>
+        <a:p>
+          <a:endParaRPr kumimoji="1" lang="ja-JP" altLang="en-US"/>
+        </a:p>
+      </dgm:t>
+    </dgm:pt>
+    <dgm:pt modelId="{0B151D9D-E193-4E0F-93C4-F913F547A8E1}" type="pres">
+      <dgm:prSet presAssocID="{524B9D98-1F00-44CA-BC10-DC1C6BB16093}" presName="node" presStyleLbl="node1" presStyleIdx="2" presStyleCnt="4">
+        <dgm:presLayoutVars>
+          <dgm:bulletEnabled val="1"/>
+        </dgm:presLayoutVars>
+      </dgm:prSet>
+      <dgm:spPr/>
+      <dgm:t>
+        <a:bodyPr/>
+        <a:lstStyle/>
+        <a:p>
+          <a:endParaRPr kumimoji="1" lang="ja-JP" altLang="en-US"/>
+        </a:p>
+      </dgm:t>
+    </dgm:pt>
+    <dgm:pt modelId="{34600E07-E75D-43AA-BE78-C24842138633}" type="pres">
+      <dgm:prSet presAssocID="{903EEDD8-7733-4020-98C8-97A425563945}" presName="parTrans" presStyleLbl="sibTrans2D1" presStyleIdx="3" presStyleCnt="4"/>
+      <dgm:spPr/>
+      <dgm:t>
+        <a:bodyPr/>
+        <a:lstStyle/>
+        <a:p>
+          <a:endParaRPr kumimoji="1" lang="ja-JP" altLang="en-US"/>
+        </a:p>
+      </dgm:t>
+    </dgm:pt>
+    <dgm:pt modelId="{40018E5C-AF80-4A31-AE73-009DCCFB99EE}" type="pres">
+      <dgm:prSet presAssocID="{903EEDD8-7733-4020-98C8-97A425563945}" presName="connectorText" presStyleLbl="sibTrans2D1" presStyleIdx="3" presStyleCnt="4"/>
+      <dgm:spPr/>
+      <dgm:t>
+        <a:bodyPr/>
+        <a:lstStyle/>
+        <a:p>
+          <a:endParaRPr kumimoji="1" lang="ja-JP" altLang="en-US"/>
+        </a:p>
+      </dgm:t>
+    </dgm:pt>
+    <dgm:pt modelId="{5F78AA02-04CE-4802-B84D-96C4B83A8FF2}" type="pres">
+      <dgm:prSet presAssocID="{9AD475D1-AA77-4AC1-9E5C-A73676192616}" presName="node" presStyleLbl="node1" presStyleIdx="3" presStyleCnt="4">
+        <dgm:presLayoutVars>
+          <dgm:bulletEnabled val="1"/>
+        </dgm:presLayoutVars>
+      </dgm:prSet>
+      <dgm:spPr/>
+      <dgm:t>
+        <a:bodyPr/>
+        <a:lstStyle/>
+        <a:p>
+          <a:endParaRPr kumimoji="1" lang="ja-JP" altLang="en-US"/>
+        </a:p>
+      </dgm:t>
+    </dgm:pt>
+  </dgm:ptLst>
+  <dgm:cxnLst>
+    <dgm:cxn modelId="{BCD1441F-CA6D-43BA-ABE5-ED7D6AAAB89C}" type="presOf" srcId="{126EA025-EBEA-4A88-B612-765AA06C912A}" destId="{1590A3C5-F0B0-4EDF-97E7-D4A5AC203B3B}" srcOrd="0" destOrd="0" presId="urn:microsoft.com/office/officeart/2005/8/layout/radial5"/>
+    <dgm:cxn modelId="{5A2811D0-BFD2-4BB0-BD93-55012615B17F}" type="presOf" srcId="{F865CEBE-C5D4-4259-89D8-D676E750E52C}" destId="{C08025AB-186D-4AF0-84F2-9C0188FC5FBE}" srcOrd="0" destOrd="0" presId="urn:microsoft.com/office/officeart/2005/8/layout/radial5"/>
+    <dgm:cxn modelId="{352D47D8-48B5-4719-99C6-113315BC364D}" type="presOf" srcId="{2A9C1041-08CA-47CB-A79F-0A45059FC664}" destId="{62C0DECD-939B-4BFA-A82D-8E9BA41BDB1A}" srcOrd="0" destOrd="0" presId="urn:microsoft.com/office/officeart/2005/8/layout/radial5"/>
+    <dgm:cxn modelId="{72771C6C-6C7E-4CF6-90CF-0EC15294C6B8}" type="presOf" srcId="{8B743B02-AB5C-49EF-AAED-7AFBE9FBBCEB}" destId="{D10A1A3A-A408-4A96-8784-2C4393BEA377}" srcOrd="0" destOrd="0" presId="urn:microsoft.com/office/officeart/2005/8/layout/radial5"/>
+    <dgm:cxn modelId="{13951578-AAD7-4F4A-90C5-E9D4D99495B6}" srcId="{F865CEBE-C5D4-4259-89D8-D676E750E52C}" destId="{B473439C-7C4C-44D1-BC3A-9CA8FF002F9D}" srcOrd="0" destOrd="0" parTransId="{8B743B02-AB5C-49EF-AAED-7AFBE9FBBCEB}" sibTransId="{4B0C5C2B-AB87-4344-876D-D1C850C238EB}"/>
+    <dgm:cxn modelId="{5270909F-2D3B-4E92-962E-CB9B8FEE4C4B}" type="presOf" srcId="{524B9D98-1F00-44CA-BC10-DC1C6BB16093}" destId="{0B151D9D-E193-4E0F-93C4-F913F547A8E1}" srcOrd="0" destOrd="0" presId="urn:microsoft.com/office/officeart/2005/8/layout/radial5"/>
+    <dgm:cxn modelId="{EE28BEC5-422B-4BD2-B8BB-0440CBB73707}" srcId="{F865CEBE-C5D4-4259-89D8-D676E750E52C}" destId="{524B9D98-1F00-44CA-BC10-DC1C6BB16093}" srcOrd="2" destOrd="0" parTransId="{508321EA-49A3-4BCB-88D7-AF8364165387}" sibTransId="{3457FF61-D7D3-4822-984A-8459C8FC0382}"/>
+    <dgm:cxn modelId="{054ED4A7-AC9B-402C-9661-C1636C798BF0}" type="presOf" srcId="{508321EA-49A3-4BCB-88D7-AF8364165387}" destId="{23094E9F-E700-420A-8EF7-CD2A500817C4}" srcOrd="0" destOrd="0" presId="urn:microsoft.com/office/officeart/2005/8/layout/radial5"/>
+    <dgm:cxn modelId="{377D54A6-3FB1-47C5-A5A3-35027F78F3D4}" type="presOf" srcId="{8B743B02-AB5C-49EF-AAED-7AFBE9FBBCEB}" destId="{6A9464CE-A081-43B6-8214-802FEA2A0D33}" srcOrd="1" destOrd="0" presId="urn:microsoft.com/office/officeart/2005/8/layout/radial5"/>
+    <dgm:cxn modelId="{726E74CE-0EB8-4596-8585-5552C10D2BE4}" srcId="{126EA025-EBEA-4A88-B612-765AA06C912A}" destId="{F865CEBE-C5D4-4259-89D8-D676E750E52C}" srcOrd="0" destOrd="0" parTransId="{005F3CC6-351A-48A6-B58D-B380D3A17ED2}" sibTransId="{DFAC891B-4CE6-4799-BE65-FDDA2404FEFE}"/>
+    <dgm:cxn modelId="{DDE14B06-873A-4C94-87CD-B7D795EEEBB8}" type="presOf" srcId="{903EEDD8-7733-4020-98C8-97A425563945}" destId="{40018E5C-AF80-4A31-AE73-009DCCFB99EE}" srcOrd="1" destOrd="0" presId="urn:microsoft.com/office/officeart/2005/8/layout/radial5"/>
+    <dgm:cxn modelId="{095B6E79-1ACB-40E3-A811-48023145EEED}" type="presOf" srcId="{903EEDD8-7733-4020-98C8-97A425563945}" destId="{34600E07-E75D-43AA-BE78-C24842138633}" srcOrd="0" destOrd="0" presId="urn:microsoft.com/office/officeart/2005/8/layout/radial5"/>
+    <dgm:cxn modelId="{2767F877-17F8-4890-B87B-45C4EA9F17EB}" srcId="{F865CEBE-C5D4-4259-89D8-D676E750E52C}" destId="{EE2170B2-F7EF-4B18-A550-44A12673B5D4}" srcOrd="1" destOrd="0" parTransId="{2A9C1041-08CA-47CB-A79F-0A45059FC664}" sibTransId="{3F2F61ED-960C-46FD-9BFD-2B4858B3852F}"/>
+    <dgm:cxn modelId="{CB1DC579-F3A5-4867-87F8-6A1A53D8741B}" type="presOf" srcId="{508321EA-49A3-4BCB-88D7-AF8364165387}" destId="{C3351038-654A-4206-84CB-53BC18B4869E}" srcOrd="1" destOrd="0" presId="urn:microsoft.com/office/officeart/2005/8/layout/radial5"/>
+    <dgm:cxn modelId="{CCB2435A-62E5-4BD5-8260-4694385E0BAC}" type="presOf" srcId="{9AD475D1-AA77-4AC1-9E5C-A73676192616}" destId="{5F78AA02-04CE-4802-B84D-96C4B83A8FF2}" srcOrd="0" destOrd="0" presId="urn:microsoft.com/office/officeart/2005/8/layout/radial5"/>
+    <dgm:cxn modelId="{74FD4680-A045-4A45-B5FD-8D54C39FFE6D}" type="presOf" srcId="{2A9C1041-08CA-47CB-A79F-0A45059FC664}" destId="{A456A9DE-9957-414B-A206-3CD03F93208D}" srcOrd="1" destOrd="0" presId="urn:microsoft.com/office/officeart/2005/8/layout/radial5"/>
+    <dgm:cxn modelId="{4A123CF1-F0C2-41F2-9156-E18CD8878266}" type="presOf" srcId="{EE2170B2-F7EF-4B18-A550-44A12673B5D4}" destId="{F64ACDA8-A7F2-4D31-BB73-49DC13AB58C2}" srcOrd="0" destOrd="0" presId="urn:microsoft.com/office/officeart/2005/8/layout/radial5"/>
+    <dgm:cxn modelId="{8A145AF7-51D6-46BA-888A-49AC5BBD9986}" type="presOf" srcId="{B473439C-7C4C-44D1-BC3A-9CA8FF002F9D}" destId="{94F90008-2EAC-4F9B-B3E0-255B028F9D81}" srcOrd="0" destOrd="0" presId="urn:microsoft.com/office/officeart/2005/8/layout/radial5"/>
+    <dgm:cxn modelId="{F4E01611-A71F-4402-A7D5-8610BD8047AF}" srcId="{F865CEBE-C5D4-4259-89D8-D676E750E52C}" destId="{9AD475D1-AA77-4AC1-9E5C-A73676192616}" srcOrd="3" destOrd="0" parTransId="{903EEDD8-7733-4020-98C8-97A425563945}" sibTransId="{BC8FE966-89FA-415F-A9FF-841E3ACAEB7A}"/>
+    <dgm:cxn modelId="{425E58F3-7597-414D-8FD7-EEC56A9FBABC}" type="presParOf" srcId="{1590A3C5-F0B0-4EDF-97E7-D4A5AC203B3B}" destId="{C08025AB-186D-4AF0-84F2-9C0188FC5FBE}" srcOrd="0" destOrd="0" presId="urn:microsoft.com/office/officeart/2005/8/layout/radial5"/>
+    <dgm:cxn modelId="{9762264C-9621-4A6F-847F-00D825F1FDC6}" type="presParOf" srcId="{1590A3C5-F0B0-4EDF-97E7-D4A5AC203B3B}" destId="{D10A1A3A-A408-4A96-8784-2C4393BEA377}" srcOrd="1" destOrd="0" presId="urn:microsoft.com/office/officeart/2005/8/layout/radial5"/>
+    <dgm:cxn modelId="{F53728D6-D565-48F3-9AF7-C63899C63530}" type="presParOf" srcId="{D10A1A3A-A408-4A96-8784-2C4393BEA377}" destId="{6A9464CE-A081-43B6-8214-802FEA2A0D33}" srcOrd="0" destOrd="0" presId="urn:microsoft.com/office/officeart/2005/8/layout/radial5"/>
+    <dgm:cxn modelId="{D9FC6DBC-AAEF-4AA0-911D-17F82D26B71E}" type="presParOf" srcId="{1590A3C5-F0B0-4EDF-97E7-D4A5AC203B3B}" destId="{94F90008-2EAC-4F9B-B3E0-255B028F9D81}" srcOrd="2" destOrd="0" presId="urn:microsoft.com/office/officeart/2005/8/layout/radial5"/>
+    <dgm:cxn modelId="{77493FC3-946E-43D1-889E-17D011F6862B}" type="presParOf" srcId="{1590A3C5-F0B0-4EDF-97E7-D4A5AC203B3B}" destId="{62C0DECD-939B-4BFA-A82D-8E9BA41BDB1A}" srcOrd="3" destOrd="0" presId="urn:microsoft.com/office/officeart/2005/8/layout/radial5"/>
+    <dgm:cxn modelId="{D3D9236C-2FFC-44CD-8CB7-5A6E525F020C}" type="presParOf" srcId="{62C0DECD-939B-4BFA-A82D-8E9BA41BDB1A}" destId="{A456A9DE-9957-414B-A206-3CD03F93208D}" srcOrd="0" destOrd="0" presId="urn:microsoft.com/office/officeart/2005/8/layout/radial5"/>
+    <dgm:cxn modelId="{A936D575-5B91-4033-90E4-C089DDD33C7F}" type="presParOf" srcId="{1590A3C5-F0B0-4EDF-97E7-D4A5AC203B3B}" destId="{F64ACDA8-A7F2-4D31-BB73-49DC13AB58C2}" srcOrd="4" destOrd="0" presId="urn:microsoft.com/office/officeart/2005/8/layout/radial5"/>
+    <dgm:cxn modelId="{90745484-43E6-474F-A9BA-5AAE99AB748B}" type="presParOf" srcId="{1590A3C5-F0B0-4EDF-97E7-D4A5AC203B3B}" destId="{23094E9F-E700-420A-8EF7-CD2A500817C4}" srcOrd="5" destOrd="0" presId="urn:microsoft.com/office/officeart/2005/8/layout/radial5"/>
+    <dgm:cxn modelId="{40D4AE8B-FDA5-40E8-BAB0-AEC466BDC849}" type="presParOf" srcId="{23094E9F-E700-420A-8EF7-CD2A500817C4}" destId="{C3351038-654A-4206-84CB-53BC18B4869E}" srcOrd="0" destOrd="0" presId="urn:microsoft.com/office/officeart/2005/8/layout/radial5"/>
+    <dgm:cxn modelId="{E70C12BE-9658-407A-9EE1-5E89F99D6986}" type="presParOf" srcId="{1590A3C5-F0B0-4EDF-97E7-D4A5AC203B3B}" destId="{0B151D9D-E193-4E0F-93C4-F913F547A8E1}" srcOrd="6" destOrd="0" presId="urn:microsoft.com/office/officeart/2005/8/layout/radial5"/>
+    <dgm:cxn modelId="{10D62A0B-7D37-49AA-B001-A3BA6FABDC04}" type="presParOf" srcId="{1590A3C5-F0B0-4EDF-97E7-D4A5AC203B3B}" destId="{34600E07-E75D-43AA-BE78-C24842138633}" srcOrd="7" destOrd="0" presId="urn:microsoft.com/office/officeart/2005/8/layout/radial5"/>
+    <dgm:cxn modelId="{47CB962D-405D-4478-99D8-1658A73CFFAF}" type="presParOf" srcId="{34600E07-E75D-43AA-BE78-C24842138633}" destId="{40018E5C-AF80-4A31-AE73-009DCCFB99EE}" srcOrd="0" destOrd="0" presId="urn:microsoft.com/office/officeart/2005/8/layout/radial5"/>
+    <dgm:cxn modelId="{8E9C03DB-D1DA-45E2-B356-A48B9E0F1FD7}" type="presParOf" srcId="{1590A3C5-F0B0-4EDF-97E7-D4A5AC203B3B}" destId="{5F78AA02-04CE-4802-B84D-96C4B83A8FF2}" srcOrd="8" destOrd="0" presId="urn:microsoft.com/office/officeart/2005/8/layout/radial5"/>
   </dgm:cxnLst>
   <dgm:bg/>
   <dgm:whole/>
@@ -3050,6 +4522,646 @@
 </file>
 
 <file path=ppt/diagrams/drawing2.xml><?xml version="1.0" encoding="utf-8"?>
+<dsp:drawing xmlns:dgm="http://schemas.openxmlformats.org/drawingml/2006/diagram" xmlns:dsp="http://schemas.microsoft.com/office/drawing/2008/diagram" xmlns:a="http://schemas.openxmlformats.org/drawingml/2006/main">
+  <dsp:spTree>
+    <dsp:nvGrpSpPr>
+      <dsp:cNvPr id="0" name=""/>
+      <dsp:cNvGrpSpPr/>
+    </dsp:nvGrpSpPr>
+    <dsp:grpSpPr/>
+    <dsp:sp modelId="{C08025AB-186D-4AF0-84F2-9C0188FC5FBE}">
+      <dsp:nvSpPr>
+        <dsp:cNvPr id="0" name=""/>
+        <dsp:cNvSpPr/>
+      </dsp:nvSpPr>
+      <dsp:spPr>
+        <a:xfrm>
+          <a:off x="2263487" y="1475649"/>
+          <a:ext cx="1051391" cy="1051391"/>
+        </a:xfrm>
+        <a:prstGeom prst="ellipse">
+          <a:avLst/>
+        </a:prstGeom>
+        <a:solidFill>
+          <a:srgbClr val="FFC000"/>
+        </a:solidFill>
+        <a:ln w="19050" cap="rnd" cmpd="sng" algn="ctr">
+          <a:solidFill>
+            <a:schemeClr val="lt1">
+              <a:hueOff val="0"/>
+              <a:satOff val="0"/>
+              <a:lumOff val="0"/>
+              <a:alphaOff val="0"/>
+            </a:schemeClr>
+          </a:solidFill>
+          <a:prstDash val="solid"/>
+        </a:ln>
+        <a:effectLst/>
+      </dsp:spPr>
+      <dsp:style>
+        <a:lnRef idx="2">
+          <a:scrgbClr r="0" g="0" b="0"/>
+        </a:lnRef>
+        <a:fillRef idx="1">
+          <a:scrgbClr r="0" g="0" b="0"/>
+        </a:fillRef>
+        <a:effectRef idx="0">
+          <a:scrgbClr r="0" g="0" b="0"/>
+        </a:effectRef>
+        <a:fontRef idx="minor">
+          <a:schemeClr val="lt1"/>
+        </a:fontRef>
+      </dsp:style>
+      <dsp:txBody>
+        <a:bodyPr spcFirstLastPara="0" vert="horz" wrap="square" lIns="40640" tIns="40640" rIns="40640" bIns="40640" numCol="1" spcCol="1270" anchor="ctr" anchorCtr="0">
+          <a:noAutofit/>
+        </a:bodyPr>
+        <a:lstStyle/>
+        <a:p>
+          <a:pPr lvl="0" algn="ctr" defTabSz="1422400">
+            <a:lnSpc>
+              <a:spcPct val="90000"/>
+            </a:lnSpc>
+            <a:spcBef>
+              <a:spcPct val="0"/>
+            </a:spcBef>
+            <a:spcAft>
+              <a:spcPct val="35000"/>
+            </a:spcAft>
+          </a:pPr>
+          <a:r>
+            <a:rPr kumimoji="1" lang="en-US" altLang="ja-JP" sz="3200" kern="1200" dirty="0" smtClean="0"/>
+            <a:t>SNS</a:t>
+          </a:r>
+          <a:endParaRPr kumimoji="1" lang="ja-JP" altLang="en-US" sz="3200" kern="1200" dirty="0"/>
+        </a:p>
+      </dsp:txBody>
+      <dsp:txXfrm>
+        <a:off x="2417460" y="1629622"/>
+        <a:ext cx="743445" cy="743445"/>
+      </dsp:txXfrm>
+    </dsp:sp>
+    <dsp:sp modelId="{D10A1A3A-A408-4A96-8784-2C4393BEA377}">
+      <dsp:nvSpPr>
+        <dsp:cNvPr id="0" name=""/>
+        <dsp:cNvSpPr/>
+      </dsp:nvSpPr>
+      <dsp:spPr>
+        <a:xfrm rot="16200000">
+          <a:off x="2677458" y="1092435"/>
+          <a:ext cx="223449" cy="357473"/>
+        </a:xfrm>
+        <a:prstGeom prst="rightArrow">
+          <a:avLst>
+            <a:gd name="adj1" fmla="val 60000"/>
+            <a:gd name="adj2" fmla="val 50000"/>
+          </a:avLst>
+        </a:prstGeom>
+        <a:solidFill>
+          <a:srgbClr val="FF0000"/>
+        </a:solidFill>
+        <a:ln>
+          <a:noFill/>
+        </a:ln>
+        <a:effectLst/>
+      </dsp:spPr>
+      <dsp:style>
+        <a:lnRef idx="0">
+          <a:scrgbClr r="0" g="0" b="0"/>
+        </a:lnRef>
+        <a:fillRef idx="1">
+          <a:scrgbClr r="0" g="0" b="0"/>
+        </a:fillRef>
+        <a:effectRef idx="0">
+          <a:scrgbClr r="0" g="0" b="0"/>
+        </a:effectRef>
+        <a:fontRef idx="minor">
+          <a:schemeClr val="lt1"/>
+        </a:fontRef>
+      </dsp:style>
+      <dsp:txBody>
+        <a:bodyPr spcFirstLastPara="0" vert="horz" wrap="square" lIns="0" tIns="0" rIns="0" bIns="0" numCol="1" spcCol="1270" anchor="ctr" anchorCtr="0">
+          <a:noAutofit/>
+        </a:bodyPr>
+        <a:lstStyle/>
+        <a:p>
+          <a:pPr lvl="0" algn="ctr" defTabSz="711200">
+            <a:lnSpc>
+              <a:spcPct val="90000"/>
+            </a:lnSpc>
+            <a:spcBef>
+              <a:spcPct val="0"/>
+            </a:spcBef>
+            <a:spcAft>
+              <a:spcPct val="35000"/>
+            </a:spcAft>
+          </a:pPr>
+          <a:endParaRPr kumimoji="1" lang="ja-JP" altLang="en-US" sz="1600" kern="1200"/>
+        </a:p>
+      </dsp:txBody>
+      <dsp:txXfrm>
+        <a:off x="2710976" y="1197448"/>
+        <a:ext cx="156414" cy="214483"/>
+      </dsp:txXfrm>
+    </dsp:sp>
+    <dsp:sp modelId="{94F90008-2EAC-4F9B-B3E0-255B028F9D81}">
+      <dsp:nvSpPr>
+        <dsp:cNvPr id="0" name=""/>
+        <dsp:cNvSpPr/>
+      </dsp:nvSpPr>
+      <dsp:spPr>
+        <a:xfrm>
+          <a:off x="2263487" y="2655"/>
+          <a:ext cx="1051391" cy="1051391"/>
+        </a:xfrm>
+        <a:prstGeom prst="ellipse">
+          <a:avLst/>
+        </a:prstGeom>
+        <a:solidFill>
+          <a:srgbClr val="FF0000"/>
+        </a:solidFill>
+        <a:ln w="19050" cap="rnd" cmpd="sng" algn="ctr">
+          <a:solidFill>
+            <a:schemeClr val="lt1">
+              <a:hueOff val="0"/>
+              <a:satOff val="0"/>
+              <a:lumOff val="0"/>
+              <a:alphaOff val="0"/>
+            </a:schemeClr>
+          </a:solidFill>
+          <a:prstDash val="solid"/>
+        </a:ln>
+        <a:effectLst/>
+      </dsp:spPr>
+      <dsp:style>
+        <a:lnRef idx="2">
+          <a:scrgbClr r="0" g="0" b="0"/>
+        </a:lnRef>
+        <a:fillRef idx="1">
+          <a:scrgbClr r="0" g="0" b="0"/>
+        </a:fillRef>
+        <a:effectRef idx="0">
+          <a:scrgbClr r="0" g="0" b="0"/>
+        </a:effectRef>
+        <a:fontRef idx="minor">
+          <a:schemeClr val="lt1"/>
+        </a:fontRef>
+      </dsp:style>
+      <dsp:txBody>
+        <a:bodyPr spcFirstLastPara="0" vert="horz" wrap="square" lIns="15240" tIns="15240" rIns="15240" bIns="15240" numCol="1" spcCol="1270" anchor="ctr" anchorCtr="0">
+          <a:noAutofit/>
+        </a:bodyPr>
+        <a:lstStyle/>
+        <a:p>
+          <a:pPr lvl="0" algn="ctr" defTabSz="533400">
+            <a:lnSpc>
+              <a:spcPct val="90000"/>
+            </a:lnSpc>
+            <a:spcBef>
+              <a:spcPct val="0"/>
+            </a:spcBef>
+            <a:spcAft>
+              <a:spcPct val="35000"/>
+            </a:spcAft>
+          </a:pPr>
+          <a:r>
+            <a:rPr kumimoji="1" lang="ja-JP" altLang="en-US" sz="1200" kern="1200" dirty="0" smtClean="0"/>
+            <a:t>インスタ</a:t>
+          </a:r>
+          <a:endParaRPr kumimoji="1" lang="ja-JP" altLang="en-US" sz="1200" kern="1200" dirty="0"/>
+        </a:p>
+      </dsp:txBody>
+      <dsp:txXfrm>
+        <a:off x="2417460" y="156628"/>
+        <a:ext cx="743445" cy="743445"/>
+      </dsp:txXfrm>
+    </dsp:sp>
+    <dsp:sp modelId="{62C0DECD-939B-4BFA-A82D-8E9BA41BDB1A}">
+      <dsp:nvSpPr>
+        <dsp:cNvPr id="0" name=""/>
+        <dsp:cNvSpPr/>
+      </dsp:nvSpPr>
+      <dsp:spPr>
+        <a:xfrm>
+          <a:off x="3407631" y="1822608"/>
+          <a:ext cx="223449" cy="357473"/>
+        </a:xfrm>
+        <a:prstGeom prst="rightArrow">
+          <a:avLst>
+            <a:gd name="adj1" fmla="val 60000"/>
+            <a:gd name="adj2" fmla="val 50000"/>
+          </a:avLst>
+        </a:prstGeom>
+        <a:solidFill>
+          <a:srgbClr val="0070C0"/>
+        </a:solidFill>
+        <a:ln>
+          <a:noFill/>
+        </a:ln>
+        <a:effectLst/>
+      </dsp:spPr>
+      <dsp:style>
+        <a:lnRef idx="0">
+          <a:scrgbClr r="0" g="0" b="0"/>
+        </a:lnRef>
+        <a:fillRef idx="1">
+          <a:scrgbClr r="0" g="0" b="0"/>
+        </a:fillRef>
+        <a:effectRef idx="0">
+          <a:scrgbClr r="0" g="0" b="0"/>
+        </a:effectRef>
+        <a:fontRef idx="minor">
+          <a:schemeClr val="lt1"/>
+        </a:fontRef>
+      </dsp:style>
+      <dsp:txBody>
+        <a:bodyPr spcFirstLastPara="0" vert="horz" wrap="square" lIns="0" tIns="0" rIns="0" bIns="0" numCol="1" spcCol="1270" anchor="ctr" anchorCtr="0">
+          <a:noAutofit/>
+        </a:bodyPr>
+        <a:lstStyle/>
+        <a:p>
+          <a:pPr lvl="0" algn="ctr" defTabSz="711200">
+            <a:lnSpc>
+              <a:spcPct val="90000"/>
+            </a:lnSpc>
+            <a:spcBef>
+              <a:spcPct val="0"/>
+            </a:spcBef>
+            <a:spcAft>
+              <a:spcPct val="35000"/>
+            </a:spcAft>
+          </a:pPr>
+          <a:endParaRPr kumimoji="1" lang="ja-JP" altLang="en-US" sz="1600" kern="1200"/>
+        </a:p>
+      </dsp:txBody>
+      <dsp:txXfrm>
+        <a:off x="3407631" y="1894103"/>
+        <a:ext cx="156414" cy="214483"/>
+      </dsp:txXfrm>
+    </dsp:sp>
+    <dsp:sp modelId="{F64ACDA8-A7F2-4D31-BB73-49DC13AB58C2}">
+      <dsp:nvSpPr>
+        <dsp:cNvPr id="0" name=""/>
+        <dsp:cNvSpPr/>
+      </dsp:nvSpPr>
+      <dsp:spPr>
+        <a:xfrm>
+          <a:off x="3736480" y="1475649"/>
+          <a:ext cx="1051391" cy="1051391"/>
+        </a:xfrm>
+        <a:prstGeom prst="ellipse">
+          <a:avLst/>
+        </a:prstGeom>
+        <a:solidFill>
+          <a:srgbClr val="0070C0"/>
+        </a:solidFill>
+        <a:ln w="19050" cap="rnd" cmpd="sng" algn="ctr">
+          <a:solidFill>
+            <a:schemeClr val="lt1">
+              <a:hueOff val="0"/>
+              <a:satOff val="0"/>
+              <a:lumOff val="0"/>
+              <a:alphaOff val="0"/>
+            </a:schemeClr>
+          </a:solidFill>
+          <a:prstDash val="solid"/>
+        </a:ln>
+        <a:effectLst/>
+      </dsp:spPr>
+      <dsp:style>
+        <a:lnRef idx="2">
+          <a:scrgbClr r="0" g="0" b="0"/>
+        </a:lnRef>
+        <a:fillRef idx="1">
+          <a:scrgbClr r="0" g="0" b="0"/>
+        </a:fillRef>
+        <a:effectRef idx="0">
+          <a:scrgbClr r="0" g="0" b="0"/>
+        </a:effectRef>
+        <a:fontRef idx="minor">
+          <a:schemeClr val="lt1"/>
+        </a:fontRef>
+      </dsp:style>
+      <dsp:txBody>
+        <a:bodyPr spcFirstLastPara="0" vert="horz" wrap="square" lIns="21590" tIns="21590" rIns="21590" bIns="21590" numCol="1" spcCol="1270" anchor="ctr" anchorCtr="0">
+          <a:noAutofit/>
+        </a:bodyPr>
+        <a:lstStyle/>
+        <a:p>
+          <a:pPr lvl="0" algn="ctr" defTabSz="755650">
+            <a:lnSpc>
+              <a:spcPct val="90000"/>
+            </a:lnSpc>
+            <a:spcBef>
+              <a:spcPct val="0"/>
+            </a:spcBef>
+            <a:spcAft>
+              <a:spcPct val="35000"/>
+            </a:spcAft>
+          </a:pPr>
+          <a:r>
+            <a:rPr kumimoji="1" lang="en-US" altLang="ja-JP" sz="1700" kern="1200" dirty="0" smtClean="0"/>
+            <a:t>Face Book</a:t>
+          </a:r>
+          <a:endParaRPr kumimoji="1" lang="ja-JP" altLang="en-US" sz="1700" kern="1200" dirty="0"/>
+        </a:p>
+      </dsp:txBody>
+      <dsp:txXfrm>
+        <a:off x="3890453" y="1629622"/>
+        <a:ext cx="743445" cy="743445"/>
+      </dsp:txXfrm>
+    </dsp:sp>
+    <dsp:sp modelId="{23094E9F-E700-420A-8EF7-CD2A500817C4}">
+      <dsp:nvSpPr>
+        <dsp:cNvPr id="0" name=""/>
+        <dsp:cNvSpPr/>
+      </dsp:nvSpPr>
+      <dsp:spPr>
+        <a:xfrm rot="5400000">
+          <a:off x="2677458" y="2552781"/>
+          <a:ext cx="223449" cy="357473"/>
+        </a:xfrm>
+        <a:prstGeom prst="rightArrow">
+          <a:avLst>
+            <a:gd name="adj1" fmla="val 60000"/>
+            <a:gd name="adj2" fmla="val 50000"/>
+          </a:avLst>
+        </a:prstGeom>
+        <a:solidFill>
+          <a:schemeClr val="accent1">
+            <a:lumMod val="60000"/>
+            <a:lumOff val="40000"/>
+          </a:schemeClr>
+        </a:solidFill>
+        <a:ln>
+          <a:noFill/>
+        </a:ln>
+        <a:effectLst/>
+      </dsp:spPr>
+      <dsp:style>
+        <a:lnRef idx="0">
+          <a:scrgbClr r="0" g="0" b="0"/>
+        </a:lnRef>
+        <a:fillRef idx="1">
+          <a:scrgbClr r="0" g="0" b="0"/>
+        </a:fillRef>
+        <a:effectRef idx="0">
+          <a:scrgbClr r="0" g="0" b="0"/>
+        </a:effectRef>
+        <a:fontRef idx="minor">
+          <a:schemeClr val="lt1"/>
+        </a:fontRef>
+      </dsp:style>
+      <dsp:txBody>
+        <a:bodyPr spcFirstLastPara="0" vert="horz" wrap="square" lIns="0" tIns="0" rIns="0" bIns="0" numCol="1" spcCol="1270" anchor="ctr" anchorCtr="0">
+          <a:noAutofit/>
+        </a:bodyPr>
+        <a:lstStyle/>
+        <a:p>
+          <a:pPr lvl="0" algn="ctr" defTabSz="711200">
+            <a:lnSpc>
+              <a:spcPct val="90000"/>
+            </a:lnSpc>
+            <a:spcBef>
+              <a:spcPct val="0"/>
+            </a:spcBef>
+            <a:spcAft>
+              <a:spcPct val="35000"/>
+            </a:spcAft>
+          </a:pPr>
+          <a:endParaRPr kumimoji="1" lang="ja-JP" altLang="en-US" sz="1600" kern="1200"/>
+        </a:p>
+      </dsp:txBody>
+      <dsp:txXfrm>
+        <a:off x="2710976" y="2590759"/>
+        <a:ext cx="156414" cy="214483"/>
+      </dsp:txXfrm>
+    </dsp:sp>
+    <dsp:sp modelId="{0B151D9D-E193-4E0F-93C4-F913F547A8E1}">
+      <dsp:nvSpPr>
+        <dsp:cNvPr id="0" name=""/>
+        <dsp:cNvSpPr/>
+      </dsp:nvSpPr>
+      <dsp:spPr>
+        <a:xfrm>
+          <a:off x="2263487" y="2948642"/>
+          <a:ext cx="1051391" cy="1051391"/>
+        </a:xfrm>
+        <a:prstGeom prst="ellipse">
+          <a:avLst/>
+        </a:prstGeom>
+        <a:solidFill>
+          <a:schemeClr val="accent1">
+            <a:lumMod val="60000"/>
+            <a:lumOff val="40000"/>
+          </a:schemeClr>
+        </a:solidFill>
+        <a:ln w="19050" cap="rnd" cmpd="sng" algn="ctr">
+          <a:solidFill>
+            <a:schemeClr val="lt1">
+              <a:hueOff val="0"/>
+              <a:satOff val="0"/>
+              <a:lumOff val="0"/>
+              <a:alphaOff val="0"/>
+            </a:schemeClr>
+          </a:solidFill>
+          <a:prstDash val="solid"/>
+        </a:ln>
+        <a:effectLst/>
+      </dsp:spPr>
+      <dsp:style>
+        <a:lnRef idx="2">
+          <a:scrgbClr r="0" g="0" b="0"/>
+        </a:lnRef>
+        <a:fillRef idx="1">
+          <a:scrgbClr r="0" g="0" b="0"/>
+        </a:fillRef>
+        <a:effectRef idx="0">
+          <a:scrgbClr r="0" g="0" b="0"/>
+        </a:effectRef>
+        <a:fontRef idx="minor">
+          <a:schemeClr val="lt1"/>
+        </a:fontRef>
+      </dsp:style>
+      <dsp:txBody>
+        <a:bodyPr spcFirstLastPara="0" vert="horz" wrap="square" lIns="21590" tIns="21590" rIns="21590" bIns="21590" numCol="1" spcCol="1270" anchor="ctr" anchorCtr="0">
+          <a:noAutofit/>
+        </a:bodyPr>
+        <a:lstStyle/>
+        <a:p>
+          <a:pPr lvl="0" algn="ctr" defTabSz="755650">
+            <a:lnSpc>
+              <a:spcPct val="90000"/>
+            </a:lnSpc>
+            <a:spcBef>
+              <a:spcPct val="0"/>
+            </a:spcBef>
+            <a:spcAft>
+              <a:spcPct val="35000"/>
+            </a:spcAft>
+          </a:pPr>
+          <a:r>
+            <a:rPr kumimoji="1" lang="en-US" altLang="ja-JP" sz="1700" kern="1200" dirty="0" smtClean="0"/>
+            <a:t>Twitter</a:t>
+          </a:r>
+          <a:endParaRPr kumimoji="1" lang="ja-JP" altLang="en-US" sz="1700" kern="1200" dirty="0"/>
+        </a:p>
+      </dsp:txBody>
+      <dsp:txXfrm>
+        <a:off x="2417460" y="3102615"/>
+        <a:ext cx="743445" cy="743445"/>
+      </dsp:txXfrm>
+    </dsp:sp>
+    <dsp:sp modelId="{34600E07-E75D-43AA-BE78-C24842138633}">
+      <dsp:nvSpPr>
+        <dsp:cNvPr id="0" name=""/>
+        <dsp:cNvSpPr/>
+      </dsp:nvSpPr>
+      <dsp:spPr>
+        <a:xfrm rot="10800000">
+          <a:off x="1947285" y="1822608"/>
+          <a:ext cx="223449" cy="357473"/>
+        </a:xfrm>
+        <a:prstGeom prst="rightArrow">
+          <a:avLst>
+            <a:gd name="adj1" fmla="val 60000"/>
+            <a:gd name="adj2" fmla="val 50000"/>
+          </a:avLst>
+        </a:prstGeom>
+        <a:solidFill>
+          <a:schemeClr val="accent5">
+            <a:hueOff val="0"/>
+            <a:satOff val="0"/>
+            <a:lumOff val="0"/>
+            <a:alphaOff val="0"/>
+          </a:schemeClr>
+        </a:solidFill>
+        <a:ln>
+          <a:noFill/>
+        </a:ln>
+        <a:effectLst/>
+      </dsp:spPr>
+      <dsp:style>
+        <a:lnRef idx="0">
+          <a:scrgbClr r="0" g="0" b="0"/>
+        </a:lnRef>
+        <a:fillRef idx="1">
+          <a:scrgbClr r="0" g="0" b="0"/>
+        </a:fillRef>
+        <a:effectRef idx="0">
+          <a:scrgbClr r="0" g="0" b="0"/>
+        </a:effectRef>
+        <a:fontRef idx="minor">
+          <a:schemeClr val="lt1"/>
+        </a:fontRef>
+      </dsp:style>
+      <dsp:txBody>
+        <a:bodyPr spcFirstLastPara="0" vert="horz" wrap="square" lIns="0" tIns="0" rIns="0" bIns="0" numCol="1" spcCol="1270" anchor="ctr" anchorCtr="0">
+          <a:noAutofit/>
+        </a:bodyPr>
+        <a:lstStyle/>
+        <a:p>
+          <a:pPr lvl="0" algn="ctr" defTabSz="711200">
+            <a:lnSpc>
+              <a:spcPct val="90000"/>
+            </a:lnSpc>
+            <a:spcBef>
+              <a:spcPct val="0"/>
+            </a:spcBef>
+            <a:spcAft>
+              <a:spcPct val="35000"/>
+            </a:spcAft>
+          </a:pPr>
+          <a:endParaRPr kumimoji="1" lang="ja-JP" altLang="en-US" sz="1600" kern="1200"/>
+        </a:p>
+      </dsp:txBody>
+      <dsp:txXfrm rot="10800000">
+        <a:off x="2014320" y="1894103"/>
+        <a:ext cx="156414" cy="214483"/>
+      </dsp:txXfrm>
+    </dsp:sp>
+    <dsp:sp modelId="{5F78AA02-04CE-4802-B84D-96C4B83A8FF2}">
+      <dsp:nvSpPr>
+        <dsp:cNvPr id="0" name=""/>
+        <dsp:cNvSpPr/>
+      </dsp:nvSpPr>
+      <dsp:spPr>
+        <a:xfrm>
+          <a:off x="790493" y="1475649"/>
+          <a:ext cx="1051391" cy="1051391"/>
+        </a:xfrm>
+        <a:prstGeom prst="ellipse">
+          <a:avLst/>
+        </a:prstGeom>
+        <a:solidFill>
+          <a:schemeClr val="accent5">
+            <a:hueOff val="0"/>
+            <a:satOff val="0"/>
+            <a:lumOff val="0"/>
+            <a:alphaOff val="0"/>
+          </a:schemeClr>
+        </a:solidFill>
+        <a:ln w="19050" cap="rnd" cmpd="sng" algn="ctr">
+          <a:solidFill>
+            <a:schemeClr val="lt1">
+              <a:hueOff val="0"/>
+              <a:satOff val="0"/>
+              <a:lumOff val="0"/>
+              <a:alphaOff val="0"/>
+            </a:schemeClr>
+          </a:solidFill>
+          <a:prstDash val="solid"/>
+        </a:ln>
+        <a:effectLst/>
+      </dsp:spPr>
+      <dsp:style>
+        <a:lnRef idx="2">
+          <a:scrgbClr r="0" g="0" b="0"/>
+        </a:lnRef>
+        <a:fillRef idx="1">
+          <a:scrgbClr r="0" g="0" b="0"/>
+        </a:fillRef>
+        <a:effectRef idx="0">
+          <a:scrgbClr r="0" g="0" b="0"/>
+        </a:effectRef>
+        <a:fontRef idx="minor">
+          <a:schemeClr val="lt1"/>
+        </a:fontRef>
+      </dsp:style>
+      <dsp:txBody>
+        <a:bodyPr spcFirstLastPara="0" vert="horz" wrap="square" lIns="21590" tIns="21590" rIns="21590" bIns="21590" numCol="1" spcCol="1270" anchor="ctr" anchorCtr="0">
+          <a:noAutofit/>
+        </a:bodyPr>
+        <a:lstStyle/>
+        <a:p>
+          <a:pPr lvl="0" algn="ctr" defTabSz="755650">
+            <a:lnSpc>
+              <a:spcPct val="90000"/>
+            </a:lnSpc>
+            <a:spcBef>
+              <a:spcPct val="0"/>
+            </a:spcBef>
+            <a:spcAft>
+              <a:spcPct val="35000"/>
+            </a:spcAft>
+          </a:pPr>
+          <a:r>
+            <a:rPr kumimoji="1" lang="en-US" altLang="ja-JP" sz="1700" kern="1200" dirty="0" smtClean="0"/>
+            <a:t>Line</a:t>
+          </a:r>
+          <a:endParaRPr kumimoji="1" lang="ja-JP" altLang="en-US" sz="1700" kern="1200" dirty="0"/>
+        </a:p>
+      </dsp:txBody>
+      <dsp:txXfrm>
+        <a:off x="944466" y="1629622"/>
+        <a:ext cx="743445" cy="743445"/>
+      </dsp:txXfrm>
+    </dsp:sp>
+  </dsp:spTree>
+</dsp:drawing>
+</file>
+
+<file path=ppt/diagrams/drawing3.xml><?xml version="1.0" encoding="utf-8"?>
 <dsp:drawing xmlns:dgm="http://schemas.openxmlformats.org/drawingml/2006/diagram" xmlns:dsp="http://schemas.microsoft.com/office/drawing/2008/diagram" xmlns:a="http://schemas.openxmlformats.org/drawingml/2006/main">
   <dsp:spTree>
     <dsp:nvGrpSpPr>
@@ -4209,6 +6321,245 @@
 </dgm:layoutDef>
 </file>
 
+<file path=ppt/diagrams/layout3.xml><?xml version="1.0" encoding="utf-8"?>
+<dgm:layoutDef xmlns:dgm="http://schemas.openxmlformats.org/drawingml/2006/diagram" xmlns:a="http://schemas.openxmlformats.org/drawingml/2006/main" uniqueId="urn:microsoft.com/office/officeart/2005/8/layout/radial5">
+  <dgm:title val=""/>
+  <dgm:desc val=""/>
+  <dgm:catLst>
+    <dgm:cat type="relationship" pri="23000"/>
+    <dgm:cat type="cycle" pri="11000"/>
+  </dgm:catLst>
+  <dgm:sampData>
+    <dgm:dataModel>
+      <dgm:ptLst>
+        <dgm:pt modelId="0" type="doc"/>
+        <dgm:pt modelId="1">
+          <dgm:prSet phldr="1"/>
+        </dgm:pt>
+        <dgm:pt modelId="11">
+          <dgm:prSet phldr="1"/>
+        </dgm:pt>
+        <dgm:pt modelId="12">
+          <dgm:prSet phldr="1"/>
+        </dgm:pt>
+        <dgm:pt modelId="13">
+          <dgm:prSet phldr="1"/>
+        </dgm:pt>
+        <dgm:pt modelId="14">
+          <dgm:prSet phldr="1"/>
+        </dgm:pt>
+      </dgm:ptLst>
+      <dgm:cxnLst>
+        <dgm:cxn modelId="2" srcId="0" destId="1" srcOrd="0" destOrd="0"/>
+        <dgm:cxn modelId="3" srcId="1" destId="11" srcOrd="0" destOrd="0"/>
+        <dgm:cxn modelId="4" srcId="1" destId="12" srcOrd="1" destOrd="0"/>
+        <dgm:cxn modelId="5" srcId="1" destId="13" srcOrd="2" destOrd="0"/>
+        <dgm:cxn modelId="6" srcId="1" destId="14" srcOrd="3" destOrd="0"/>
+      </dgm:cxnLst>
+      <dgm:bg/>
+      <dgm:whole/>
+    </dgm:dataModel>
+  </dgm:sampData>
+  <dgm:styleData>
+    <dgm:dataModel>
+      <dgm:ptLst>
+        <dgm:pt modelId="0" type="doc"/>
+        <dgm:pt modelId="1"/>
+        <dgm:pt modelId="11"/>
+        <dgm:pt modelId="12"/>
+        <dgm:pt modelId="13"/>
+      </dgm:ptLst>
+      <dgm:cxnLst>
+        <dgm:cxn modelId="2" srcId="0" destId="1" srcOrd="0" destOrd="0"/>
+        <dgm:cxn modelId="15" srcId="1" destId="11" srcOrd="0" destOrd="0"/>
+        <dgm:cxn modelId="16" srcId="1" destId="12" srcOrd="1" destOrd="0"/>
+        <dgm:cxn modelId="17" srcId="1" destId="13" srcOrd="2" destOrd="0"/>
+      </dgm:cxnLst>
+      <dgm:bg/>
+      <dgm:whole/>
+    </dgm:dataModel>
+  </dgm:styleData>
+  <dgm:clrData>
+    <dgm:dataModel>
+      <dgm:ptLst>
+        <dgm:pt modelId="0" type="doc"/>
+        <dgm:pt modelId="1"/>
+        <dgm:pt modelId="11"/>
+        <dgm:pt modelId="12"/>
+        <dgm:pt modelId="13"/>
+        <dgm:pt modelId="14"/>
+        <dgm:pt modelId="15"/>
+        <dgm:pt modelId="16"/>
+      </dgm:ptLst>
+      <dgm:cxnLst>
+        <dgm:cxn modelId="2" srcId="0" destId="1" srcOrd="0" destOrd="0"/>
+        <dgm:cxn modelId="16" srcId="1" destId="11" srcOrd="0" destOrd="0"/>
+        <dgm:cxn modelId="17" srcId="1" destId="12" srcOrd="1" destOrd="0"/>
+        <dgm:cxn modelId="18" srcId="1" destId="13" srcOrd="2" destOrd="0"/>
+        <dgm:cxn modelId="19" srcId="1" destId="14" srcOrd="3" destOrd="0"/>
+        <dgm:cxn modelId="20" srcId="1" destId="15" srcOrd="4" destOrd="0"/>
+        <dgm:cxn modelId="21" srcId="1" destId="16" srcOrd="5" destOrd="0"/>
+      </dgm:cxnLst>
+      <dgm:bg/>
+      <dgm:whole/>
+    </dgm:dataModel>
+  </dgm:clrData>
+  <dgm:layoutNode name="Name0">
+    <dgm:varLst>
+      <dgm:chMax val="1"/>
+      <dgm:dir/>
+      <dgm:animLvl val="ctr"/>
+      <dgm:resizeHandles val="exact"/>
+    </dgm:varLst>
+    <dgm:choose name="Name1">
+      <dgm:if name="Name2" func="var" arg="dir" op="equ" val="norm">
+        <dgm:alg type="cycle">
+          <dgm:param type="stAng" val="0"/>
+          <dgm:param type="spanAng" val="360"/>
+          <dgm:param type="ctrShpMap" val="fNode"/>
+        </dgm:alg>
+      </dgm:if>
+      <dgm:else name="Name3">
+        <dgm:alg type="cycle">
+          <dgm:param type="stAng" val="0"/>
+          <dgm:param type="spanAng" val="-360"/>
+          <dgm:param type="ctrShpMap" val="fNode"/>
+        </dgm:alg>
+      </dgm:else>
+    </dgm:choose>
+    <dgm:shape xmlns:r="http://schemas.openxmlformats.org/officeDocument/2006/relationships" r:blip="">
+      <dgm:adjLst/>
+    </dgm:shape>
+    <dgm:presOf/>
+    <dgm:constrLst>
+      <dgm:constr type="w" for="ch" forName="centerShape" refType="w"/>
+      <dgm:constr type="w" for="ch" forName="parTrans" refType="w" refFor="ch" refForName="centerShape" fact="0.4"/>
+      <dgm:constr type="w" for="ch" forName="node" refType="w" refFor="ch" refForName="centerShape" op="equ" fact="1.25"/>
+      <dgm:constr type="sp" refType="w" refFor="ch" refForName="centerShape" op="equ" fact="0.4"/>
+      <dgm:constr type="sibSp" refType="w" refFor="ch" refForName="node" fact="0.3"/>
+      <dgm:constr type="primFontSz" for="ch" forName="centerShape" val="65"/>
+      <dgm:constr type="primFontSz" for="des" forName="node" op="equ" val="65"/>
+      <dgm:constr type="primFontSz" for="des" forName="node" refType="primFontSz" refFor="ch" refForName="centerShape" op="lte"/>
+      <dgm:constr type="primFontSz" for="des" forName="connectorText" op="equ" val="55"/>
+      <dgm:constr type="primFontSz" for="des" forName="connectorText" refType="primFontSz" refFor="ch" refForName="centerShape" op="lte" fact="0.8"/>
+      <dgm:constr type="primFontSz" for="des" forName="connectorText" refType="primFontSz" refFor="des" refForName="node" op="lte"/>
+    </dgm:constrLst>
+    <dgm:choose name="Name4">
+      <dgm:if name="Name5" axis="ch ch" ptType="node node" st="1 1" cnt="1 0" func="cnt" op="lte" val="6">
+        <dgm:ruleLst>
+          <dgm:rule type="w" for="ch" forName="node" val="NaN" fact="1" max="NaN"/>
+        </dgm:ruleLst>
+      </dgm:if>
+      <dgm:if name="Name6" axis="ch ch" ptType="node node" st="1 1" cnt="1 0" func="cnt" op="lte" val="8">
+        <dgm:ruleLst>
+          <dgm:rule type="w" for="ch" forName="node" val="NaN" fact="0.9" max="NaN"/>
+        </dgm:ruleLst>
+      </dgm:if>
+      <dgm:if name="Name7" axis="ch ch" ptType="node node" st="1 1" cnt="1 0" func="cnt" op="lte" val="10">
+        <dgm:ruleLst>
+          <dgm:rule type="w" for="ch" forName="node" val="NaN" fact="0.8" max="NaN"/>
+        </dgm:ruleLst>
+      </dgm:if>
+      <dgm:if name="Name8" axis="ch ch" ptType="node node" st="1 1" cnt="1 0" func="cnt" op="lte" val="12">
+        <dgm:ruleLst>
+          <dgm:rule type="w" for="ch" forName="node" val="NaN" fact="0.7" max="NaN"/>
+        </dgm:ruleLst>
+      </dgm:if>
+      <dgm:if name="Name9" axis="ch ch" ptType="node node" st="1 1" cnt="1 0" func="cnt" op="lte" val="14">
+        <dgm:ruleLst>
+          <dgm:rule type="w" for="ch" forName="node" val="NaN" fact="0.6" max="NaN"/>
+        </dgm:ruleLst>
+      </dgm:if>
+      <dgm:else name="Name10">
+        <dgm:ruleLst>
+          <dgm:rule type="w" for="ch" forName="node" val="NaN" fact="0.5" max="NaN"/>
+        </dgm:ruleLst>
+      </dgm:else>
+    </dgm:choose>
+    <dgm:forEach name="Name11" axis="ch" ptType="node" cnt="1">
+      <dgm:layoutNode name="centerShape" styleLbl="node0">
+        <dgm:alg type="tx"/>
+        <dgm:shape xmlns:r="http://schemas.openxmlformats.org/officeDocument/2006/relationships" type="ellipse" r:blip="">
+          <dgm:adjLst/>
+        </dgm:shape>
+        <dgm:presOf axis="self"/>
+        <dgm:constrLst>
+          <dgm:constr type="h" refType="w"/>
+          <dgm:constr type="tMarg" refType="primFontSz" fact="0.1"/>
+          <dgm:constr type="bMarg" refType="primFontSz" fact="0.1"/>
+          <dgm:constr type="lMarg" refType="primFontSz" fact="0.1"/>
+          <dgm:constr type="rMarg" refType="primFontSz" fact="0.1"/>
+        </dgm:constrLst>
+        <dgm:ruleLst>
+          <dgm:rule type="primFontSz" val="5" fact="NaN" max="NaN"/>
+        </dgm:ruleLst>
+      </dgm:layoutNode>
+      <dgm:forEach name="Name12" axis="ch">
+        <dgm:forEach name="Name13" axis="self" ptType="parTrans">
+          <dgm:layoutNode name="parTrans" styleLbl="sibTrans2D1">
+            <dgm:alg type="conn">
+              <dgm:param type="begPts" val="auto"/>
+              <dgm:param type="endPts" val="auto"/>
+            </dgm:alg>
+            <dgm:shape xmlns:r="http://schemas.openxmlformats.org/officeDocument/2006/relationships" type="conn" r:blip="">
+              <dgm:adjLst/>
+            </dgm:shape>
+            <dgm:presOf axis="self"/>
+            <dgm:constrLst>
+              <dgm:constr type="h" refType="w" fact="0.85"/>
+            </dgm:constrLst>
+            <dgm:ruleLst/>
+            <dgm:layoutNode name="connectorText">
+              <dgm:alg type="tx">
+                <dgm:param type="autoTxRot" val="grav"/>
+              </dgm:alg>
+              <dgm:shape xmlns:r="http://schemas.openxmlformats.org/officeDocument/2006/relationships" type="conn" r:blip="" hideGeom="1">
+                <dgm:adjLst/>
+              </dgm:shape>
+              <dgm:presOf axis="self"/>
+              <dgm:constrLst>
+                <dgm:constr type="lMarg"/>
+                <dgm:constr type="rMarg"/>
+                <dgm:constr type="tMarg"/>
+                <dgm:constr type="bMarg"/>
+              </dgm:constrLst>
+              <dgm:ruleLst>
+                <dgm:rule type="primFontSz" val="5" fact="NaN" max="NaN"/>
+              </dgm:ruleLst>
+            </dgm:layoutNode>
+          </dgm:layoutNode>
+        </dgm:forEach>
+        <dgm:forEach name="Name14" axis="self" ptType="node">
+          <dgm:layoutNode name="node" styleLbl="node1">
+            <dgm:varLst>
+              <dgm:bulletEnabled val="1"/>
+            </dgm:varLst>
+            <dgm:alg type="tx">
+              <dgm:param type="txAnchorVertCh" val="mid"/>
+            </dgm:alg>
+            <dgm:shape xmlns:r="http://schemas.openxmlformats.org/officeDocument/2006/relationships" type="ellipse" r:blip="">
+              <dgm:adjLst/>
+            </dgm:shape>
+            <dgm:presOf axis="desOrSelf" ptType="node"/>
+            <dgm:constrLst>
+              <dgm:constr type="h" refType="w"/>
+              <dgm:constr type="tMarg" refType="primFontSz" fact="0.1"/>
+              <dgm:constr type="bMarg" refType="primFontSz" fact="0.1"/>
+              <dgm:constr type="lMarg" refType="primFontSz" fact="0.1"/>
+              <dgm:constr type="rMarg" refType="primFontSz" fact="0.1"/>
+            </dgm:constrLst>
+            <dgm:ruleLst>
+              <dgm:rule type="w" val="INF" fact="NaN" max="NaN"/>
+              <dgm:rule type="primFontSz" val="5" fact="NaN" max="NaN"/>
+            </dgm:ruleLst>
+          </dgm:layoutNode>
+        </dgm:forEach>
+      </dgm:forEach>
+    </dgm:forEach>
+  </dgm:layoutNode>
+</dgm:layoutDef>
+</file>
+
 <file path=ppt/diagrams/quickStyle1.xml><?xml version="1.0" encoding="utf-8"?>
 <dgm:styleDef xmlns:dgm="http://schemas.openxmlformats.org/drawingml/2006/diagram" xmlns:a="http://schemas.openxmlformats.org/drawingml/2006/main" uniqueId="urn:microsoft.com/office/officeart/2005/8/quickstyle/simple1">
   <dgm:title val=""/>
@@ -5244,6 +7595,1040 @@
 </file>
 
 <file path=ppt/diagrams/quickStyle2.xml><?xml version="1.0" encoding="utf-8"?>
+<dgm:styleDef xmlns:dgm="http://schemas.openxmlformats.org/drawingml/2006/diagram" xmlns:a="http://schemas.openxmlformats.org/drawingml/2006/main" uniqueId="urn:microsoft.com/office/officeart/2005/8/quickstyle/simple1">
+  <dgm:title val=""/>
+  <dgm:desc val=""/>
+  <dgm:catLst>
+    <dgm:cat type="simple" pri="10100"/>
+  </dgm:catLst>
+  <dgm:scene3d>
+    <a:camera prst="orthographicFront"/>
+    <a:lightRig rig="threePt" dir="t"/>
+  </dgm:scene3d>
+  <dgm:styleLbl name="node0">
+    <dgm:scene3d>
+      <a:camera prst="orthographicFront"/>
+      <a:lightRig rig="threePt" dir="t"/>
+    </dgm:scene3d>
+    <dgm:sp3d/>
+    <dgm:txPr/>
+    <dgm:style>
+      <a:lnRef idx="2">
+        <a:scrgbClr r="0" g="0" b="0"/>
+      </a:lnRef>
+      <a:fillRef idx="1">
+        <a:scrgbClr r="0" g="0" b="0"/>
+      </a:fillRef>
+      <a:effectRef idx="0">
+        <a:scrgbClr r="0" g="0" b="0"/>
+      </a:effectRef>
+      <a:fontRef idx="minor">
+        <a:schemeClr val="lt1"/>
+      </a:fontRef>
+    </dgm:style>
+  </dgm:styleLbl>
+  <dgm:styleLbl name="lnNode1">
+    <dgm:scene3d>
+      <a:camera prst="orthographicFront"/>
+      <a:lightRig rig="threePt" dir="t"/>
+    </dgm:scene3d>
+    <dgm:sp3d/>
+    <dgm:txPr/>
+    <dgm:style>
+      <a:lnRef idx="2">
+        <a:scrgbClr r="0" g="0" b="0"/>
+      </a:lnRef>
+      <a:fillRef idx="1">
+        <a:scrgbClr r="0" g="0" b="0"/>
+      </a:fillRef>
+      <a:effectRef idx="0">
+        <a:scrgbClr r="0" g="0" b="0"/>
+      </a:effectRef>
+      <a:fontRef idx="minor">
+        <a:schemeClr val="lt1"/>
+      </a:fontRef>
+    </dgm:style>
+  </dgm:styleLbl>
+  <dgm:styleLbl name="vennNode1">
+    <dgm:scene3d>
+      <a:camera prst="orthographicFront"/>
+      <a:lightRig rig="threePt" dir="t"/>
+    </dgm:scene3d>
+    <dgm:sp3d/>
+    <dgm:txPr/>
+    <dgm:style>
+      <a:lnRef idx="2">
+        <a:scrgbClr r="0" g="0" b="0"/>
+      </a:lnRef>
+      <a:fillRef idx="1">
+        <a:scrgbClr r="0" g="0" b="0"/>
+      </a:fillRef>
+      <a:effectRef idx="0">
+        <a:scrgbClr r="0" g="0" b="0"/>
+      </a:effectRef>
+      <a:fontRef idx="minor">
+        <a:schemeClr val="tx1"/>
+      </a:fontRef>
+    </dgm:style>
+  </dgm:styleLbl>
+  <dgm:styleLbl name="alignNode1">
+    <dgm:scene3d>
+      <a:camera prst="orthographicFront"/>
+      <a:lightRig rig="threePt" dir="t"/>
+    </dgm:scene3d>
+    <dgm:sp3d/>
+    <dgm:txPr/>
+    <dgm:style>
+      <a:lnRef idx="2">
+        <a:scrgbClr r="0" g="0" b="0"/>
+      </a:lnRef>
+      <a:fillRef idx="1">
+        <a:scrgbClr r="0" g="0" b="0"/>
+      </a:fillRef>
+      <a:effectRef idx="0">
+        <a:scrgbClr r="0" g="0" b="0"/>
+      </a:effectRef>
+      <a:fontRef idx="minor">
+        <a:schemeClr val="lt1"/>
+      </a:fontRef>
+    </dgm:style>
+  </dgm:styleLbl>
+  <dgm:styleLbl name="node1">
+    <dgm:scene3d>
+      <a:camera prst="orthographicFront"/>
+      <a:lightRig rig="threePt" dir="t"/>
+    </dgm:scene3d>
+    <dgm:sp3d/>
+    <dgm:txPr/>
+    <dgm:style>
+      <a:lnRef idx="2">
+        <a:scrgbClr r="0" g="0" b="0"/>
+      </a:lnRef>
+      <a:fillRef idx="1">
+        <a:scrgbClr r="0" g="0" b="0"/>
+      </a:fillRef>
+      <a:effectRef idx="0">
+        <a:scrgbClr r="0" g="0" b="0"/>
+      </a:effectRef>
+      <a:fontRef idx="minor">
+        <a:schemeClr val="lt1"/>
+      </a:fontRef>
+    </dgm:style>
+  </dgm:styleLbl>
+  <dgm:styleLbl name="node2">
+    <dgm:scene3d>
+      <a:camera prst="orthographicFront"/>
+      <a:lightRig rig="threePt" dir="t"/>
+    </dgm:scene3d>
+    <dgm:sp3d/>
+    <dgm:txPr/>
+    <dgm:style>
+      <a:lnRef idx="2">
+        <a:scrgbClr r="0" g="0" b="0"/>
+      </a:lnRef>
+      <a:fillRef idx="1">
+        <a:scrgbClr r="0" g="0" b="0"/>
+      </a:fillRef>
+      <a:effectRef idx="0">
+        <a:scrgbClr r="0" g="0" b="0"/>
+      </a:effectRef>
+      <a:fontRef idx="minor">
+        <a:schemeClr val="lt1"/>
+      </a:fontRef>
+    </dgm:style>
+  </dgm:styleLbl>
+  <dgm:styleLbl name="node3">
+    <dgm:scene3d>
+      <a:camera prst="orthographicFront"/>
+      <a:lightRig rig="threePt" dir="t"/>
+    </dgm:scene3d>
+    <dgm:sp3d/>
+    <dgm:txPr/>
+    <dgm:style>
+      <a:lnRef idx="2">
+        <a:scrgbClr r="0" g="0" b="0"/>
+      </a:lnRef>
+      <a:fillRef idx="1">
+        <a:scrgbClr r="0" g="0" b="0"/>
+      </a:fillRef>
+      <a:effectRef idx="0">
+        <a:scrgbClr r="0" g="0" b="0"/>
+      </a:effectRef>
+      <a:fontRef idx="minor">
+        <a:schemeClr val="lt1"/>
+      </a:fontRef>
+    </dgm:style>
+  </dgm:styleLbl>
+  <dgm:styleLbl name="node4">
+    <dgm:scene3d>
+      <a:camera prst="orthographicFront"/>
+      <a:lightRig rig="threePt" dir="t"/>
+    </dgm:scene3d>
+    <dgm:sp3d/>
+    <dgm:txPr/>
+    <dgm:style>
+      <a:lnRef idx="2">
+        <a:scrgbClr r="0" g="0" b="0"/>
+      </a:lnRef>
+      <a:fillRef idx="1">
+        <a:scrgbClr r="0" g="0" b="0"/>
+      </a:fillRef>
+      <a:effectRef idx="0">
+        <a:scrgbClr r="0" g="0" b="0"/>
+      </a:effectRef>
+      <a:fontRef idx="minor">
+        <a:schemeClr val="lt1"/>
+      </a:fontRef>
+    </dgm:style>
+  </dgm:styleLbl>
+  <dgm:styleLbl name="fgImgPlace1">
+    <dgm:scene3d>
+      <a:camera prst="orthographicFront"/>
+      <a:lightRig rig="threePt" dir="t"/>
+    </dgm:scene3d>
+    <dgm:sp3d/>
+    <dgm:txPr/>
+    <dgm:style>
+      <a:lnRef idx="2">
+        <a:scrgbClr r="0" g="0" b="0"/>
+      </a:lnRef>
+      <a:fillRef idx="1">
+        <a:scrgbClr r="0" g="0" b="0"/>
+      </a:fillRef>
+      <a:effectRef idx="0">
+        <a:scrgbClr r="0" g="0" b="0"/>
+      </a:effectRef>
+      <a:fontRef idx="minor"/>
+    </dgm:style>
+  </dgm:styleLbl>
+  <dgm:styleLbl name="alignImgPlace1">
+    <dgm:scene3d>
+      <a:camera prst="orthographicFront"/>
+      <a:lightRig rig="threePt" dir="t"/>
+    </dgm:scene3d>
+    <dgm:sp3d/>
+    <dgm:txPr/>
+    <dgm:style>
+      <a:lnRef idx="2">
+        <a:scrgbClr r="0" g="0" b="0"/>
+      </a:lnRef>
+      <a:fillRef idx="1">
+        <a:scrgbClr r="0" g="0" b="0"/>
+      </a:fillRef>
+      <a:effectRef idx="0">
+        <a:scrgbClr r="0" g="0" b="0"/>
+      </a:effectRef>
+      <a:fontRef idx="minor"/>
+    </dgm:style>
+  </dgm:styleLbl>
+  <dgm:styleLbl name="bgImgPlace1">
+    <dgm:scene3d>
+      <a:camera prst="orthographicFront"/>
+      <a:lightRig rig="threePt" dir="t"/>
+    </dgm:scene3d>
+    <dgm:sp3d/>
+    <dgm:txPr/>
+    <dgm:style>
+      <a:lnRef idx="2">
+        <a:scrgbClr r="0" g="0" b="0"/>
+      </a:lnRef>
+      <a:fillRef idx="1">
+        <a:scrgbClr r="0" g="0" b="0"/>
+      </a:fillRef>
+      <a:effectRef idx="0">
+        <a:scrgbClr r="0" g="0" b="0"/>
+      </a:effectRef>
+      <a:fontRef idx="minor"/>
+    </dgm:style>
+  </dgm:styleLbl>
+  <dgm:styleLbl name="sibTrans2D1">
+    <dgm:scene3d>
+      <a:camera prst="orthographicFront"/>
+      <a:lightRig rig="threePt" dir="t"/>
+    </dgm:scene3d>
+    <dgm:sp3d/>
+    <dgm:txPr/>
+    <dgm:style>
+      <a:lnRef idx="0">
+        <a:scrgbClr r="0" g="0" b="0"/>
+      </a:lnRef>
+      <a:fillRef idx="1">
+        <a:scrgbClr r="0" g="0" b="0"/>
+      </a:fillRef>
+      <a:effectRef idx="0">
+        <a:scrgbClr r="0" g="0" b="0"/>
+      </a:effectRef>
+      <a:fontRef idx="minor">
+        <a:schemeClr val="lt1"/>
+      </a:fontRef>
+    </dgm:style>
+  </dgm:styleLbl>
+  <dgm:styleLbl name="fgSibTrans2D1">
+    <dgm:scene3d>
+      <a:camera prst="orthographicFront"/>
+      <a:lightRig rig="threePt" dir="t"/>
+    </dgm:scene3d>
+    <dgm:sp3d/>
+    <dgm:txPr/>
+    <dgm:style>
+      <a:lnRef idx="0">
+        <a:scrgbClr r="0" g="0" b="0"/>
+      </a:lnRef>
+      <a:fillRef idx="1">
+        <a:scrgbClr r="0" g="0" b="0"/>
+      </a:fillRef>
+      <a:effectRef idx="0">
+        <a:scrgbClr r="0" g="0" b="0"/>
+      </a:effectRef>
+      <a:fontRef idx="minor">
+        <a:schemeClr val="lt1"/>
+      </a:fontRef>
+    </dgm:style>
+  </dgm:styleLbl>
+  <dgm:styleLbl name="bgSibTrans2D1">
+    <dgm:scene3d>
+      <a:camera prst="orthographicFront"/>
+      <a:lightRig rig="threePt" dir="t"/>
+    </dgm:scene3d>
+    <dgm:sp3d/>
+    <dgm:txPr/>
+    <dgm:style>
+      <a:lnRef idx="0">
+        <a:scrgbClr r="0" g="0" b="0"/>
+      </a:lnRef>
+      <a:fillRef idx="1">
+        <a:scrgbClr r="0" g="0" b="0"/>
+      </a:fillRef>
+      <a:effectRef idx="0">
+        <a:scrgbClr r="0" g="0" b="0"/>
+      </a:effectRef>
+      <a:fontRef idx="minor">
+        <a:schemeClr val="lt1"/>
+      </a:fontRef>
+    </dgm:style>
+  </dgm:styleLbl>
+  <dgm:styleLbl name="sibTrans1D1">
+    <dgm:scene3d>
+      <a:camera prst="orthographicFront"/>
+      <a:lightRig rig="threePt" dir="t"/>
+    </dgm:scene3d>
+    <dgm:sp3d/>
+    <dgm:txPr/>
+    <dgm:style>
+      <a:lnRef idx="1">
+        <a:scrgbClr r="0" g="0" b="0"/>
+      </a:lnRef>
+      <a:fillRef idx="0">
+        <a:scrgbClr r="0" g="0" b="0"/>
+      </a:fillRef>
+      <a:effectRef idx="0">
+        <a:scrgbClr r="0" g="0" b="0"/>
+      </a:effectRef>
+      <a:fontRef idx="minor"/>
+    </dgm:style>
+  </dgm:styleLbl>
+  <dgm:styleLbl name="callout">
+    <dgm:scene3d>
+      <a:camera prst="orthographicFront"/>
+      <a:lightRig rig="threePt" dir="t"/>
+    </dgm:scene3d>
+    <dgm:sp3d/>
+    <dgm:txPr/>
+    <dgm:style>
+      <a:lnRef idx="2">
+        <a:scrgbClr r="0" g="0" b="0"/>
+      </a:lnRef>
+      <a:fillRef idx="1">
+        <a:scrgbClr r="0" g="0" b="0"/>
+      </a:fillRef>
+      <a:effectRef idx="0">
+        <a:scrgbClr r="0" g="0" b="0"/>
+      </a:effectRef>
+      <a:fontRef idx="minor"/>
+    </dgm:style>
+  </dgm:styleLbl>
+  <dgm:styleLbl name="asst0">
+    <dgm:scene3d>
+      <a:camera prst="orthographicFront"/>
+      <a:lightRig rig="threePt" dir="t"/>
+    </dgm:scene3d>
+    <dgm:sp3d/>
+    <dgm:txPr/>
+    <dgm:style>
+      <a:lnRef idx="2">
+        <a:scrgbClr r="0" g="0" b="0"/>
+      </a:lnRef>
+      <a:fillRef idx="1">
+        <a:scrgbClr r="0" g="0" b="0"/>
+      </a:fillRef>
+      <a:effectRef idx="0">
+        <a:scrgbClr r="0" g="0" b="0"/>
+      </a:effectRef>
+      <a:fontRef idx="minor">
+        <a:schemeClr val="lt1"/>
+      </a:fontRef>
+    </dgm:style>
+  </dgm:styleLbl>
+  <dgm:styleLbl name="asst1">
+    <dgm:scene3d>
+      <a:camera prst="orthographicFront"/>
+      <a:lightRig rig="threePt" dir="t"/>
+    </dgm:scene3d>
+    <dgm:sp3d/>
+    <dgm:txPr/>
+    <dgm:style>
+      <a:lnRef idx="2">
+        <a:scrgbClr r="0" g="0" b="0"/>
+      </a:lnRef>
+      <a:fillRef idx="1">
+        <a:scrgbClr r="0" g="0" b="0"/>
+      </a:fillRef>
+      <a:effectRef idx="0">
+        <a:scrgbClr r="0" g="0" b="0"/>
+      </a:effectRef>
+      <a:fontRef idx="minor">
+        <a:schemeClr val="lt1"/>
+      </a:fontRef>
+    </dgm:style>
+  </dgm:styleLbl>
+  <dgm:styleLbl name="asst2">
+    <dgm:scene3d>
+      <a:camera prst="orthographicFront"/>
+      <a:lightRig rig="threePt" dir="t"/>
+    </dgm:scene3d>
+    <dgm:sp3d/>
+    <dgm:txPr/>
+    <dgm:style>
+      <a:lnRef idx="2">
+        <a:scrgbClr r="0" g="0" b="0"/>
+      </a:lnRef>
+      <a:fillRef idx="1">
+        <a:scrgbClr r="0" g="0" b="0"/>
+      </a:fillRef>
+      <a:effectRef idx="0">
+        <a:scrgbClr r="0" g="0" b="0"/>
+      </a:effectRef>
+      <a:fontRef idx="minor">
+        <a:schemeClr val="lt1"/>
+      </a:fontRef>
+    </dgm:style>
+  </dgm:styleLbl>
+  <dgm:styleLbl name="asst3">
+    <dgm:scene3d>
+      <a:camera prst="orthographicFront"/>
+      <a:lightRig rig="threePt" dir="t"/>
+    </dgm:scene3d>
+    <dgm:sp3d/>
+    <dgm:txPr/>
+    <dgm:style>
+      <a:lnRef idx="2">
+        <a:scrgbClr r="0" g="0" b="0"/>
+      </a:lnRef>
+      <a:fillRef idx="1">
+        <a:scrgbClr r="0" g="0" b="0"/>
+      </a:fillRef>
+      <a:effectRef idx="0">
+        <a:scrgbClr r="0" g="0" b="0"/>
+      </a:effectRef>
+      <a:fontRef idx="minor">
+        <a:schemeClr val="lt1"/>
+      </a:fontRef>
+    </dgm:style>
+  </dgm:styleLbl>
+  <dgm:styleLbl name="asst4">
+    <dgm:scene3d>
+      <a:camera prst="orthographicFront"/>
+      <a:lightRig rig="threePt" dir="t"/>
+    </dgm:scene3d>
+    <dgm:sp3d/>
+    <dgm:txPr/>
+    <dgm:style>
+      <a:lnRef idx="2">
+        <a:scrgbClr r="0" g="0" b="0"/>
+      </a:lnRef>
+      <a:fillRef idx="1">
+        <a:scrgbClr r="0" g="0" b="0"/>
+      </a:fillRef>
+      <a:effectRef idx="0">
+        <a:scrgbClr r="0" g="0" b="0"/>
+      </a:effectRef>
+      <a:fontRef idx="minor">
+        <a:schemeClr val="lt1"/>
+      </a:fontRef>
+    </dgm:style>
+  </dgm:styleLbl>
+  <dgm:styleLbl name="parChTrans2D1">
+    <dgm:scene3d>
+      <a:camera prst="orthographicFront"/>
+      <a:lightRig rig="threePt" dir="t"/>
+    </dgm:scene3d>
+    <dgm:sp3d/>
+    <dgm:txPr/>
+    <dgm:style>
+      <a:lnRef idx="2">
+        <a:scrgbClr r="0" g="0" b="0"/>
+      </a:lnRef>
+      <a:fillRef idx="1">
+        <a:scrgbClr r="0" g="0" b="0"/>
+      </a:fillRef>
+      <a:effectRef idx="0">
+        <a:scrgbClr r="0" g="0" b="0"/>
+      </a:effectRef>
+      <a:fontRef idx="minor">
+        <a:schemeClr val="lt1"/>
+      </a:fontRef>
+    </dgm:style>
+  </dgm:styleLbl>
+  <dgm:styleLbl name="parChTrans2D2">
+    <dgm:scene3d>
+      <a:camera prst="orthographicFront"/>
+      <a:lightRig rig="threePt" dir="t"/>
+    </dgm:scene3d>
+    <dgm:sp3d/>
+    <dgm:txPr/>
+    <dgm:style>
+      <a:lnRef idx="2">
+        <a:scrgbClr r="0" g="0" b="0"/>
+      </a:lnRef>
+      <a:fillRef idx="1">
+        <a:scrgbClr r="0" g="0" b="0"/>
+      </a:fillRef>
+      <a:effectRef idx="0">
+        <a:scrgbClr r="0" g="0" b="0"/>
+      </a:effectRef>
+      <a:fontRef idx="minor">
+        <a:schemeClr val="lt1"/>
+      </a:fontRef>
+    </dgm:style>
+  </dgm:styleLbl>
+  <dgm:styleLbl name="parChTrans2D3">
+    <dgm:scene3d>
+      <a:camera prst="orthographicFront"/>
+      <a:lightRig rig="threePt" dir="t"/>
+    </dgm:scene3d>
+    <dgm:sp3d/>
+    <dgm:txPr/>
+    <dgm:style>
+      <a:lnRef idx="2">
+        <a:scrgbClr r="0" g="0" b="0"/>
+      </a:lnRef>
+      <a:fillRef idx="1">
+        <a:scrgbClr r="0" g="0" b="0"/>
+      </a:fillRef>
+      <a:effectRef idx="0">
+        <a:scrgbClr r="0" g="0" b="0"/>
+      </a:effectRef>
+      <a:fontRef idx="minor">
+        <a:schemeClr val="lt1"/>
+      </a:fontRef>
+    </dgm:style>
+  </dgm:styleLbl>
+  <dgm:styleLbl name="parChTrans2D4">
+    <dgm:scene3d>
+      <a:camera prst="orthographicFront"/>
+      <a:lightRig rig="threePt" dir="t"/>
+    </dgm:scene3d>
+    <dgm:sp3d/>
+    <dgm:txPr/>
+    <dgm:style>
+      <a:lnRef idx="2">
+        <a:scrgbClr r="0" g="0" b="0"/>
+      </a:lnRef>
+      <a:fillRef idx="1">
+        <a:scrgbClr r="0" g="0" b="0"/>
+      </a:fillRef>
+      <a:effectRef idx="0">
+        <a:scrgbClr r="0" g="0" b="0"/>
+      </a:effectRef>
+      <a:fontRef idx="minor">
+        <a:schemeClr val="lt1"/>
+      </a:fontRef>
+    </dgm:style>
+  </dgm:styleLbl>
+  <dgm:styleLbl name="parChTrans1D1">
+    <dgm:scene3d>
+      <a:camera prst="orthographicFront"/>
+      <a:lightRig rig="threePt" dir="t"/>
+    </dgm:scene3d>
+    <dgm:sp3d/>
+    <dgm:txPr/>
+    <dgm:style>
+      <a:lnRef idx="2">
+        <a:scrgbClr r="0" g="0" b="0"/>
+      </a:lnRef>
+      <a:fillRef idx="0">
+        <a:scrgbClr r="0" g="0" b="0"/>
+      </a:fillRef>
+      <a:effectRef idx="0">
+        <a:scrgbClr r="0" g="0" b="0"/>
+      </a:effectRef>
+      <a:fontRef idx="minor"/>
+    </dgm:style>
+  </dgm:styleLbl>
+  <dgm:styleLbl name="parChTrans1D2">
+    <dgm:scene3d>
+      <a:camera prst="orthographicFront"/>
+      <a:lightRig rig="threePt" dir="t"/>
+    </dgm:scene3d>
+    <dgm:sp3d/>
+    <dgm:txPr/>
+    <dgm:style>
+      <a:lnRef idx="2">
+        <a:scrgbClr r="0" g="0" b="0"/>
+      </a:lnRef>
+      <a:fillRef idx="0">
+        <a:scrgbClr r="0" g="0" b="0"/>
+      </a:fillRef>
+      <a:effectRef idx="0">
+        <a:scrgbClr r="0" g="0" b="0"/>
+      </a:effectRef>
+      <a:fontRef idx="minor"/>
+    </dgm:style>
+  </dgm:styleLbl>
+  <dgm:styleLbl name="parChTrans1D3">
+    <dgm:scene3d>
+      <a:camera prst="orthographicFront"/>
+      <a:lightRig rig="threePt" dir="t"/>
+    </dgm:scene3d>
+    <dgm:sp3d/>
+    <dgm:txPr/>
+    <dgm:style>
+      <a:lnRef idx="2">
+        <a:scrgbClr r="0" g="0" b="0"/>
+      </a:lnRef>
+      <a:fillRef idx="0">
+        <a:scrgbClr r="0" g="0" b="0"/>
+      </a:fillRef>
+      <a:effectRef idx="0">
+        <a:scrgbClr r="0" g="0" b="0"/>
+      </a:effectRef>
+      <a:fontRef idx="minor"/>
+    </dgm:style>
+  </dgm:styleLbl>
+  <dgm:styleLbl name="parChTrans1D4">
+    <dgm:scene3d>
+      <a:camera prst="orthographicFront"/>
+      <a:lightRig rig="threePt" dir="t"/>
+    </dgm:scene3d>
+    <dgm:sp3d/>
+    <dgm:txPr/>
+    <dgm:style>
+      <a:lnRef idx="2">
+        <a:scrgbClr r="0" g="0" b="0"/>
+      </a:lnRef>
+      <a:fillRef idx="0">
+        <a:scrgbClr r="0" g="0" b="0"/>
+      </a:fillRef>
+      <a:effectRef idx="0">
+        <a:scrgbClr r="0" g="0" b="0"/>
+      </a:effectRef>
+      <a:fontRef idx="minor"/>
+    </dgm:style>
+  </dgm:styleLbl>
+  <dgm:styleLbl name="fgAcc1">
+    <dgm:scene3d>
+      <a:camera prst="orthographicFront"/>
+      <a:lightRig rig="threePt" dir="t"/>
+    </dgm:scene3d>
+    <dgm:sp3d/>
+    <dgm:txPr/>
+    <dgm:style>
+      <a:lnRef idx="2">
+        <a:scrgbClr r="0" g="0" b="0"/>
+      </a:lnRef>
+      <a:fillRef idx="1">
+        <a:scrgbClr r="0" g="0" b="0"/>
+      </a:fillRef>
+      <a:effectRef idx="0">
+        <a:scrgbClr r="0" g="0" b="0"/>
+      </a:effectRef>
+      <a:fontRef idx="minor"/>
+    </dgm:style>
+  </dgm:styleLbl>
+  <dgm:styleLbl name="conFgAcc1">
+    <dgm:scene3d>
+      <a:camera prst="orthographicFront"/>
+      <a:lightRig rig="threePt" dir="t"/>
+    </dgm:scene3d>
+    <dgm:sp3d/>
+    <dgm:txPr/>
+    <dgm:style>
+      <a:lnRef idx="2">
+        <a:scrgbClr r="0" g="0" b="0"/>
+      </a:lnRef>
+      <a:fillRef idx="1">
+        <a:scrgbClr r="0" g="0" b="0"/>
+      </a:fillRef>
+      <a:effectRef idx="0">
+        <a:scrgbClr r="0" g="0" b="0"/>
+      </a:effectRef>
+      <a:fontRef idx="minor"/>
+    </dgm:style>
+  </dgm:styleLbl>
+  <dgm:styleLbl name="alignAcc1">
+    <dgm:scene3d>
+      <a:camera prst="orthographicFront"/>
+      <a:lightRig rig="threePt" dir="t"/>
+    </dgm:scene3d>
+    <dgm:sp3d/>
+    <dgm:txPr/>
+    <dgm:style>
+      <a:lnRef idx="2">
+        <a:scrgbClr r="0" g="0" b="0"/>
+      </a:lnRef>
+      <a:fillRef idx="1">
+        <a:scrgbClr r="0" g="0" b="0"/>
+      </a:fillRef>
+      <a:effectRef idx="0">
+        <a:scrgbClr r="0" g="0" b="0"/>
+      </a:effectRef>
+      <a:fontRef idx="minor"/>
+    </dgm:style>
+  </dgm:styleLbl>
+  <dgm:styleLbl name="trAlignAcc1">
+    <dgm:scene3d>
+      <a:camera prst="orthographicFront"/>
+      <a:lightRig rig="threePt" dir="t"/>
+    </dgm:scene3d>
+    <dgm:sp3d/>
+    <dgm:txPr/>
+    <dgm:style>
+      <a:lnRef idx="1">
+        <a:scrgbClr r="0" g="0" b="0"/>
+      </a:lnRef>
+      <a:fillRef idx="1">
+        <a:scrgbClr r="0" g="0" b="0"/>
+      </a:fillRef>
+      <a:effectRef idx="0">
+        <a:scrgbClr r="0" g="0" b="0"/>
+      </a:effectRef>
+      <a:fontRef idx="minor"/>
+    </dgm:style>
+  </dgm:styleLbl>
+  <dgm:styleLbl name="bgAcc1">
+    <dgm:scene3d>
+      <a:camera prst="orthographicFront"/>
+      <a:lightRig rig="threePt" dir="t"/>
+    </dgm:scene3d>
+    <dgm:sp3d/>
+    <dgm:txPr/>
+    <dgm:style>
+      <a:lnRef idx="2">
+        <a:scrgbClr r="0" g="0" b="0"/>
+      </a:lnRef>
+      <a:fillRef idx="1">
+        <a:scrgbClr r="0" g="0" b="0"/>
+      </a:fillRef>
+      <a:effectRef idx="0">
+        <a:scrgbClr r="0" g="0" b="0"/>
+      </a:effectRef>
+      <a:fontRef idx="minor"/>
+    </dgm:style>
+  </dgm:styleLbl>
+  <dgm:styleLbl name="solidFgAcc1">
+    <dgm:scene3d>
+      <a:camera prst="orthographicFront"/>
+      <a:lightRig rig="threePt" dir="t"/>
+    </dgm:scene3d>
+    <dgm:sp3d/>
+    <dgm:txPr/>
+    <dgm:style>
+      <a:lnRef idx="2">
+        <a:scrgbClr r="0" g="0" b="0"/>
+      </a:lnRef>
+      <a:fillRef idx="1">
+        <a:scrgbClr r="0" g="0" b="0"/>
+      </a:fillRef>
+      <a:effectRef idx="0">
+        <a:scrgbClr r="0" g="0" b="0"/>
+      </a:effectRef>
+      <a:fontRef idx="minor"/>
+    </dgm:style>
+  </dgm:styleLbl>
+  <dgm:styleLbl name="solidAlignAcc1">
+    <dgm:scene3d>
+      <a:camera prst="orthographicFront"/>
+      <a:lightRig rig="threePt" dir="t"/>
+    </dgm:scene3d>
+    <dgm:sp3d/>
+    <dgm:txPr/>
+    <dgm:style>
+      <a:lnRef idx="2">
+        <a:scrgbClr r="0" g="0" b="0"/>
+      </a:lnRef>
+      <a:fillRef idx="1">
+        <a:scrgbClr r="0" g="0" b="0"/>
+      </a:fillRef>
+      <a:effectRef idx="0">
+        <a:scrgbClr r="0" g="0" b="0"/>
+      </a:effectRef>
+      <a:fontRef idx="minor"/>
+    </dgm:style>
+  </dgm:styleLbl>
+  <dgm:styleLbl name="solidBgAcc1">
+    <dgm:scene3d>
+      <a:camera prst="orthographicFront"/>
+      <a:lightRig rig="threePt" dir="t"/>
+    </dgm:scene3d>
+    <dgm:sp3d/>
+    <dgm:txPr/>
+    <dgm:style>
+      <a:lnRef idx="2">
+        <a:scrgbClr r="0" g="0" b="0"/>
+      </a:lnRef>
+      <a:fillRef idx="1">
+        <a:scrgbClr r="0" g="0" b="0"/>
+      </a:fillRef>
+      <a:effectRef idx="0">
+        <a:scrgbClr r="0" g="0" b="0"/>
+      </a:effectRef>
+      <a:fontRef idx="minor"/>
+    </dgm:style>
+  </dgm:styleLbl>
+  <dgm:styleLbl name="fgAccFollowNode1">
+    <dgm:scene3d>
+      <a:camera prst="orthographicFront"/>
+      <a:lightRig rig="threePt" dir="t"/>
+    </dgm:scene3d>
+    <dgm:sp3d/>
+    <dgm:txPr/>
+    <dgm:style>
+      <a:lnRef idx="2">
+        <a:scrgbClr r="0" g="0" b="0"/>
+      </a:lnRef>
+      <a:fillRef idx="1">
+        <a:scrgbClr r="0" g="0" b="0"/>
+      </a:fillRef>
+      <a:effectRef idx="0">
+        <a:scrgbClr r="0" g="0" b="0"/>
+      </a:effectRef>
+      <a:fontRef idx="minor"/>
+    </dgm:style>
+  </dgm:styleLbl>
+  <dgm:styleLbl name="alignAccFollowNode1">
+    <dgm:scene3d>
+      <a:camera prst="orthographicFront"/>
+      <a:lightRig rig="threePt" dir="t"/>
+    </dgm:scene3d>
+    <dgm:sp3d/>
+    <dgm:txPr/>
+    <dgm:style>
+      <a:lnRef idx="2">
+        <a:scrgbClr r="0" g="0" b="0"/>
+      </a:lnRef>
+      <a:fillRef idx="1">
+        <a:scrgbClr r="0" g="0" b="0"/>
+      </a:fillRef>
+      <a:effectRef idx="0">
+        <a:scrgbClr r="0" g="0" b="0"/>
+      </a:effectRef>
+      <a:fontRef idx="minor"/>
+    </dgm:style>
+  </dgm:styleLbl>
+  <dgm:styleLbl name="bgAccFollowNode1">
+    <dgm:scene3d>
+      <a:camera prst="orthographicFront"/>
+      <a:lightRig rig="threePt" dir="t"/>
+    </dgm:scene3d>
+    <dgm:sp3d/>
+    <dgm:txPr/>
+    <dgm:style>
+      <a:lnRef idx="2">
+        <a:scrgbClr r="0" g="0" b="0"/>
+      </a:lnRef>
+      <a:fillRef idx="1">
+        <a:scrgbClr r="0" g="0" b="0"/>
+      </a:fillRef>
+      <a:effectRef idx="0">
+        <a:scrgbClr r="0" g="0" b="0"/>
+      </a:effectRef>
+      <a:fontRef idx="minor"/>
+    </dgm:style>
+  </dgm:styleLbl>
+  <dgm:styleLbl name="fgAcc0">
+    <dgm:scene3d>
+      <a:camera prst="orthographicFront"/>
+      <a:lightRig rig="threePt" dir="t"/>
+    </dgm:scene3d>
+    <dgm:sp3d/>
+    <dgm:txPr/>
+    <dgm:style>
+      <a:lnRef idx="2">
+        <a:scrgbClr r="0" g="0" b="0"/>
+      </a:lnRef>
+      <a:fillRef idx="1">
+        <a:scrgbClr r="0" g="0" b="0"/>
+      </a:fillRef>
+      <a:effectRef idx="0">
+        <a:scrgbClr r="0" g="0" b="0"/>
+      </a:effectRef>
+      <a:fontRef idx="minor"/>
+    </dgm:style>
+  </dgm:styleLbl>
+  <dgm:styleLbl name="fgAcc2">
+    <dgm:scene3d>
+      <a:camera prst="orthographicFront"/>
+      <a:lightRig rig="threePt" dir="t"/>
+    </dgm:scene3d>
+    <dgm:sp3d/>
+    <dgm:txPr/>
+    <dgm:style>
+      <a:lnRef idx="2">
+        <a:scrgbClr r="0" g="0" b="0"/>
+      </a:lnRef>
+      <a:fillRef idx="1">
+        <a:scrgbClr r="0" g="0" b="0"/>
+      </a:fillRef>
+      <a:effectRef idx="0">
+        <a:scrgbClr r="0" g="0" b="0"/>
+      </a:effectRef>
+      <a:fontRef idx="minor"/>
+    </dgm:style>
+  </dgm:styleLbl>
+  <dgm:styleLbl name="fgAcc3">
+    <dgm:scene3d>
+      <a:camera prst="orthographicFront"/>
+      <a:lightRig rig="threePt" dir="t"/>
+    </dgm:scene3d>
+    <dgm:sp3d/>
+    <dgm:txPr/>
+    <dgm:style>
+      <a:lnRef idx="2">
+        <a:scrgbClr r="0" g="0" b="0"/>
+      </a:lnRef>
+      <a:fillRef idx="1">
+        <a:scrgbClr r="0" g="0" b="0"/>
+      </a:fillRef>
+      <a:effectRef idx="0">
+        <a:scrgbClr r="0" g="0" b="0"/>
+      </a:effectRef>
+      <a:fontRef idx="minor"/>
+    </dgm:style>
+  </dgm:styleLbl>
+  <dgm:styleLbl name="fgAcc4">
+    <dgm:scene3d>
+      <a:camera prst="orthographicFront"/>
+      <a:lightRig rig="threePt" dir="t"/>
+    </dgm:scene3d>
+    <dgm:sp3d/>
+    <dgm:txPr/>
+    <dgm:style>
+      <a:lnRef idx="2">
+        <a:scrgbClr r="0" g="0" b="0"/>
+      </a:lnRef>
+      <a:fillRef idx="1">
+        <a:scrgbClr r="0" g="0" b="0"/>
+      </a:fillRef>
+      <a:effectRef idx="0">
+        <a:scrgbClr r="0" g="0" b="0"/>
+      </a:effectRef>
+      <a:fontRef idx="minor"/>
+    </dgm:style>
+  </dgm:styleLbl>
+  <dgm:styleLbl name="bgShp">
+    <dgm:scene3d>
+      <a:camera prst="orthographicFront"/>
+      <a:lightRig rig="threePt" dir="t"/>
+    </dgm:scene3d>
+    <dgm:sp3d/>
+    <dgm:txPr/>
+    <dgm:style>
+      <a:lnRef idx="0">
+        <a:scrgbClr r="0" g="0" b="0"/>
+      </a:lnRef>
+      <a:fillRef idx="1">
+        <a:scrgbClr r="0" g="0" b="0"/>
+      </a:fillRef>
+      <a:effectRef idx="0">
+        <a:scrgbClr r="0" g="0" b="0"/>
+      </a:effectRef>
+      <a:fontRef idx="minor"/>
+    </dgm:style>
+  </dgm:styleLbl>
+  <dgm:styleLbl name="dkBgShp">
+    <dgm:scene3d>
+      <a:camera prst="orthographicFront"/>
+      <a:lightRig rig="threePt" dir="t"/>
+    </dgm:scene3d>
+    <dgm:sp3d/>
+    <dgm:txPr/>
+    <dgm:style>
+      <a:lnRef idx="0">
+        <a:scrgbClr r="0" g="0" b="0"/>
+      </a:lnRef>
+      <a:fillRef idx="1">
+        <a:scrgbClr r="0" g="0" b="0"/>
+      </a:fillRef>
+      <a:effectRef idx="0">
+        <a:scrgbClr r="0" g="0" b="0"/>
+      </a:effectRef>
+      <a:fontRef idx="minor"/>
+    </dgm:style>
+  </dgm:styleLbl>
+  <dgm:styleLbl name="trBgShp">
+    <dgm:scene3d>
+      <a:camera prst="orthographicFront"/>
+      <a:lightRig rig="threePt" dir="t"/>
+    </dgm:scene3d>
+    <dgm:sp3d/>
+    <dgm:txPr/>
+    <dgm:style>
+      <a:lnRef idx="0">
+        <a:scrgbClr r="0" g="0" b="0"/>
+      </a:lnRef>
+      <a:fillRef idx="1">
+        <a:scrgbClr r="0" g="0" b="0"/>
+      </a:fillRef>
+      <a:effectRef idx="0">
+        <a:scrgbClr r="0" g="0" b="0"/>
+      </a:effectRef>
+      <a:fontRef idx="minor"/>
+    </dgm:style>
+  </dgm:styleLbl>
+  <dgm:styleLbl name="fgShp">
+    <dgm:scene3d>
+      <a:camera prst="orthographicFront"/>
+      <a:lightRig rig="threePt" dir="t"/>
+    </dgm:scene3d>
+    <dgm:sp3d/>
+    <dgm:txPr/>
+    <dgm:style>
+      <a:lnRef idx="2">
+        <a:scrgbClr r="0" g="0" b="0"/>
+      </a:lnRef>
+      <a:fillRef idx="1">
+        <a:scrgbClr r="0" g="0" b="0"/>
+      </a:fillRef>
+      <a:effectRef idx="0">
+        <a:scrgbClr r="0" g="0" b="0"/>
+      </a:effectRef>
+      <a:fontRef idx="minor"/>
+    </dgm:style>
+  </dgm:styleLbl>
+  <dgm:styleLbl name="revTx">
+    <dgm:scene3d>
+      <a:camera prst="orthographicFront"/>
+      <a:lightRig rig="threePt" dir="t"/>
+    </dgm:scene3d>
+    <dgm:sp3d/>
+    <dgm:txPr/>
+    <dgm:style>
+      <a:lnRef idx="0">
+        <a:scrgbClr r="0" g="0" b="0"/>
+      </a:lnRef>
+      <a:fillRef idx="0">
+        <a:scrgbClr r="0" g="0" b="0"/>
+      </a:fillRef>
+      <a:effectRef idx="0">
+        <a:scrgbClr r="0" g="0" b="0"/>
+      </a:effectRef>
+      <a:fontRef idx="minor"/>
+    </dgm:style>
+  </dgm:styleLbl>
+</dgm:styleDef>
+</file>
+
+<file path=ppt/diagrams/quickStyle3.xml><?xml version="1.0" encoding="utf-8"?>
 <dgm:styleDef xmlns:dgm="http://schemas.openxmlformats.org/drawingml/2006/diagram" xmlns:a="http://schemas.openxmlformats.org/drawingml/2006/main" uniqueId="urn:microsoft.com/office/officeart/2005/8/quickstyle/simple1">
   <dgm:title val=""/>
   <dgm:desc val=""/>
@@ -7072,7 +10457,7 @@
           <a:p>
             <a:fld id="{3DA55DD9-56ED-489E-9E04-554E361669C1}" type="datetimeFigureOut">
               <a:rPr kumimoji="1" lang="ja-JP" altLang="en-US" smtClean="0"/>
-              <a:t>2018/6/13</a:t>
+              <a:t>2018/6/17</a:t>
             </a:fld>
             <a:endParaRPr kumimoji="1" lang="ja-JP" altLang="en-US"/>
           </a:p>
@@ -7330,7 +10715,7 @@
           <a:p>
             <a:fld id="{3DA55DD9-56ED-489E-9E04-554E361669C1}" type="datetimeFigureOut">
               <a:rPr kumimoji="1" lang="ja-JP" altLang="en-US" smtClean="0"/>
-              <a:t>2018/6/13</a:t>
+              <a:t>2018/6/17</a:t>
             </a:fld>
             <a:endParaRPr kumimoji="1" lang="ja-JP" altLang="en-US"/>
           </a:p>
@@ -7644,7 +11029,7 @@
           <a:p>
             <a:fld id="{3DA55DD9-56ED-489E-9E04-554E361669C1}" type="datetimeFigureOut">
               <a:rPr kumimoji="1" lang="ja-JP" altLang="en-US" smtClean="0"/>
-              <a:t>2018/6/13</a:t>
+              <a:t>2018/6/17</a:t>
             </a:fld>
             <a:endParaRPr kumimoji="1" lang="ja-JP" altLang="en-US"/>
           </a:p>
@@ -7977,7 +11362,7 @@
           <a:p>
             <a:fld id="{3DA55DD9-56ED-489E-9E04-554E361669C1}" type="datetimeFigureOut">
               <a:rPr kumimoji="1" lang="ja-JP" altLang="en-US" smtClean="0"/>
-              <a:t>2018/6/13</a:t>
+              <a:t>2018/6/17</a:t>
             </a:fld>
             <a:endParaRPr kumimoji="1" lang="ja-JP" altLang="en-US"/>
           </a:p>
@@ -8291,7 +11676,7 @@
           <a:p>
             <a:fld id="{3DA55DD9-56ED-489E-9E04-554E361669C1}" type="datetimeFigureOut">
               <a:rPr kumimoji="1" lang="ja-JP" altLang="en-US" smtClean="0"/>
-              <a:t>2018/6/13</a:t>
+              <a:t>2018/6/17</a:t>
             </a:fld>
             <a:endParaRPr kumimoji="1" lang="ja-JP" altLang="en-US"/>
           </a:p>
@@ -8684,7 +12069,7 @@
           <a:p>
             <a:fld id="{3DA55DD9-56ED-489E-9E04-554E361669C1}" type="datetimeFigureOut">
               <a:rPr kumimoji="1" lang="ja-JP" altLang="en-US" smtClean="0"/>
-              <a:t>2018/6/13</a:t>
+              <a:t>2018/6/17</a:t>
             </a:fld>
             <a:endParaRPr kumimoji="1" lang="ja-JP" altLang="en-US"/>
           </a:p>
@@ -8886,7 +12271,7 @@
           <a:p>
             <a:fld id="{3DA55DD9-56ED-489E-9E04-554E361669C1}" type="datetimeFigureOut">
               <a:rPr kumimoji="1" lang="ja-JP" altLang="en-US" smtClean="0"/>
-              <a:t>2018/6/13</a:t>
+              <a:t>2018/6/17</a:t>
             </a:fld>
             <a:endParaRPr kumimoji="1" lang="ja-JP" altLang="en-US"/>
           </a:p>
@@ -9098,7 +12483,7 @@
           <a:p>
             <a:fld id="{3DA55DD9-56ED-489E-9E04-554E361669C1}" type="datetimeFigureOut">
               <a:rPr kumimoji="1" lang="ja-JP" altLang="en-US" smtClean="0"/>
-              <a:t>2018/6/13</a:t>
+              <a:t>2018/6/17</a:t>
             </a:fld>
             <a:endParaRPr kumimoji="1" lang="ja-JP" altLang="en-US"/>
           </a:p>
@@ -9342,7 +12727,7 @@
           <a:p>
             <a:fld id="{3DA55DD9-56ED-489E-9E04-554E361669C1}" type="datetimeFigureOut">
               <a:rPr kumimoji="1" lang="ja-JP" altLang="en-US" smtClean="0"/>
-              <a:t>2018/6/13</a:t>
+              <a:t>2018/6/17</a:t>
             </a:fld>
             <a:endParaRPr kumimoji="1" lang="ja-JP" altLang="en-US" dirty="0"/>
           </a:p>
@@ -9610,7 +12995,7 @@
           <a:p>
             <a:fld id="{3DA55DD9-56ED-489E-9E04-554E361669C1}" type="datetimeFigureOut">
               <a:rPr kumimoji="1" lang="ja-JP" altLang="en-US" smtClean="0"/>
-              <a:t>2018/6/13</a:t>
+              <a:t>2018/6/17</a:t>
             </a:fld>
             <a:endParaRPr kumimoji="1" lang="ja-JP" altLang="en-US"/>
           </a:p>
@@ -9978,7 +13363,7 @@
           <a:p>
             <a:fld id="{3DA55DD9-56ED-489E-9E04-554E361669C1}" type="datetimeFigureOut">
               <a:rPr kumimoji="1" lang="ja-JP" altLang="en-US" smtClean="0"/>
-              <a:t>2018/6/13</a:t>
+              <a:t>2018/6/17</a:t>
             </a:fld>
             <a:endParaRPr kumimoji="1" lang="ja-JP" altLang="en-US"/>
           </a:p>
@@ -10428,7 +13813,7 @@
           <a:p>
             <a:fld id="{3DA55DD9-56ED-489E-9E04-554E361669C1}" type="datetimeFigureOut">
               <a:rPr kumimoji="1" lang="ja-JP" altLang="en-US" smtClean="0"/>
-              <a:t>2018/6/13</a:t>
+              <a:t>2018/6/17</a:t>
             </a:fld>
             <a:endParaRPr kumimoji="1" lang="ja-JP" altLang="en-US"/>
           </a:p>
@@ -10558,7 +13943,7 @@
           <a:p>
             <a:fld id="{3DA55DD9-56ED-489E-9E04-554E361669C1}" type="datetimeFigureOut">
               <a:rPr kumimoji="1" lang="ja-JP" altLang="en-US" smtClean="0"/>
-              <a:t>2018/6/13</a:t>
+              <a:t>2018/6/17</a:t>
             </a:fld>
             <a:endParaRPr kumimoji="1" lang="ja-JP" altLang="en-US"/>
           </a:p>
@@ -10660,7 +14045,7 @@
           <a:p>
             <a:fld id="{3DA55DD9-56ED-489E-9E04-554E361669C1}" type="datetimeFigureOut">
               <a:rPr kumimoji="1" lang="ja-JP" altLang="en-US" smtClean="0"/>
-              <a:t>2018/6/13</a:t>
+              <a:t>2018/6/17</a:t>
             </a:fld>
             <a:endParaRPr kumimoji="1" lang="ja-JP" altLang="en-US"/>
           </a:p>
@@ -10947,7 +14332,7 @@
           <a:p>
             <a:fld id="{3DA55DD9-56ED-489E-9E04-554E361669C1}" type="datetimeFigureOut">
               <a:rPr kumimoji="1" lang="ja-JP" altLang="en-US" smtClean="0"/>
-              <a:t>2018/6/13</a:t>
+              <a:t>2018/6/17</a:t>
             </a:fld>
             <a:endParaRPr kumimoji="1" lang="ja-JP" altLang="en-US"/>
           </a:p>
@@ -11210,7 +14595,7 @@
           <a:p>
             <a:fld id="{3DA55DD9-56ED-489E-9E04-554E361669C1}" type="datetimeFigureOut">
               <a:rPr kumimoji="1" lang="ja-JP" altLang="en-US" smtClean="0"/>
-              <a:t>2018/6/13</a:t>
+              <a:t>2018/6/17</a:t>
             </a:fld>
             <a:endParaRPr kumimoji="1" lang="ja-JP" altLang="en-US"/>
           </a:p>
@@ -12057,7 +15442,7 @@
           <a:p>
             <a:fld id="{3DA55DD9-56ED-489E-9E04-554E361669C1}" type="datetimeFigureOut">
               <a:rPr kumimoji="1" lang="ja-JP" altLang="en-US" smtClean="0"/>
-              <a:t>2018/6/13</a:t>
+              <a:t>2018/6/17</a:t>
             </a:fld>
             <a:endParaRPr kumimoji="1" lang="ja-JP" altLang="en-US"/>
           </a:p>
@@ -14095,7 +17480,7 @@
       </p:grpSpPr>
       <p:sp>
         <p:nvSpPr>
-          <p:cNvPr id="4" name="タイトル 3"/>
+          <p:cNvPr id="2" name="タイトル 1"/>
           <p:cNvSpPr>
             <a:spLocks noGrp="1"/>
           </p:cNvSpPr>
@@ -14109,8 +17494,625 @@
           <a:lstStyle/>
           <a:p>
             <a:r>
+              <a:rPr kumimoji="1" lang="en-US" altLang="ja-JP" dirty="0" smtClean="0"/>
+              <a:t>1.</a:t>
+            </a:r>
+            <a:r>
+              <a:rPr kumimoji="1" lang="ja-JP" altLang="en-US" dirty="0" smtClean="0"/>
+              <a:t>プロジェクトの</a:t>
+            </a:r>
+            <a:r>
+              <a:rPr kumimoji="1" lang="ja-JP" altLang="en-US" dirty="0" smtClean="0"/>
+              <a:t>背景</a:t>
+            </a:r>
+            <a:r>
+              <a:rPr kumimoji="1" lang="en-US" altLang="ja-JP" dirty="0" smtClean="0"/>
+              <a:t>SNS</a:t>
+            </a:r>
+            <a:r>
+              <a:rPr kumimoji="1" lang="ja-JP" altLang="en-US" dirty="0" smtClean="0"/>
+              <a:t>と筋肉</a:t>
+            </a:r>
+            <a:endParaRPr kumimoji="1" lang="ja-JP" altLang="en-US" dirty="0"/>
+          </a:p>
+        </p:txBody>
+      </p:sp>
+      <p:sp>
+        <p:nvSpPr>
+          <p:cNvPr id="3" name="コンテンツ プレースホルダー 2"/>
+          <p:cNvSpPr>
+            <a:spLocks noGrp="1"/>
+          </p:cNvSpPr>
+          <p:nvPr>
+            <p:ph idx="1"/>
+          </p:nvPr>
+        </p:nvSpPr>
+        <p:spPr/>
+        <p:txBody>
+          <a:bodyPr/>
+          <a:lstStyle/>
+          <a:p>
+            <a:r>
+              <a:rPr kumimoji="1" lang="en-US" altLang="ja-JP" dirty="0" smtClean="0"/>
+              <a:t>1-1.</a:t>
+            </a:r>
+            <a:r>
+              <a:rPr kumimoji="1" lang="ja-JP" altLang="en-US" dirty="0" smtClean="0"/>
+              <a:t>目的</a:t>
+            </a:r>
+            <a:r>
+              <a:rPr kumimoji="1" lang="en-US" altLang="ja-JP" dirty="0" smtClean="0"/>
+              <a:t>(</a:t>
+            </a:r>
+            <a:r>
+              <a:rPr kumimoji="1" lang="ja-JP" altLang="en-US" dirty="0" smtClean="0"/>
+              <a:t>続き</a:t>
+            </a:r>
+            <a:r>
+              <a:rPr kumimoji="1" lang="en-US" altLang="ja-JP" dirty="0" smtClean="0"/>
+              <a:t>)</a:t>
+            </a:r>
+            <a:r>
+              <a:rPr lang="en-US" altLang="ja-JP" dirty="0" smtClean="0"/>
+              <a:t/>
+            </a:r>
+            <a:br>
+              <a:rPr lang="en-US" altLang="ja-JP" dirty="0" smtClean="0"/>
+            </a:br>
+            <a:r>
               <a:rPr lang="ja-JP" altLang="en-US" dirty="0" smtClean="0"/>
-              <a:t>プロジェクト</a:t>
+              <a:t>提案</a:t>
+            </a:r>
+            <a:r>
+              <a:rPr lang="ja-JP" altLang="en-US" dirty="0"/>
+              <a:t>サービス</a:t>
+            </a:r>
+            <a:r>
+              <a:rPr lang="en-US" altLang="ja-JP" dirty="0" smtClean="0"/>
+              <a:t/>
+            </a:r>
+            <a:br>
+              <a:rPr lang="en-US" altLang="ja-JP" dirty="0" smtClean="0"/>
+            </a:br>
+            <a:r>
+              <a:rPr lang="en-US" altLang="ja-JP" dirty="0" smtClean="0"/>
+              <a:t/>
+            </a:r>
+            <a:br>
+              <a:rPr lang="en-US" altLang="ja-JP" dirty="0" smtClean="0"/>
+            </a:br>
+            <a:r>
+              <a:rPr lang="en-US" altLang="ja-JP" dirty="0" smtClean="0"/>
+              <a:t/>
+            </a:r>
+            <a:br>
+              <a:rPr lang="en-US" altLang="ja-JP" dirty="0" smtClean="0"/>
+            </a:br>
+            <a:r>
+              <a:rPr lang="en-US" altLang="ja-JP" dirty="0" smtClean="0"/>
+              <a:t/>
+            </a:r>
+            <a:br>
+              <a:rPr lang="en-US" altLang="ja-JP" dirty="0" smtClean="0"/>
+            </a:br>
+            <a:r>
+              <a:rPr lang="en-US" altLang="ja-JP" dirty="0" smtClean="0"/>
+              <a:t/>
+            </a:r>
+            <a:br>
+              <a:rPr lang="en-US" altLang="ja-JP" dirty="0" smtClean="0"/>
+            </a:br>
+            <a:r>
+              <a:rPr lang="en-US" altLang="ja-JP" dirty="0" smtClean="0"/>
+              <a:t/>
+            </a:r>
+            <a:br>
+              <a:rPr lang="en-US" altLang="ja-JP" dirty="0" smtClean="0"/>
+            </a:br>
+            <a:r>
+              <a:rPr lang="en-US" altLang="ja-JP" dirty="0" smtClean="0"/>
+              <a:t/>
+            </a:r>
+            <a:br>
+              <a:rPr lang="en-US" altLang="ja-JP" dirty="0" smtClean="0"/>
+            </a:br>
+            <a:r>
+              <a:rPr lang="en-US" altLang="ja-JP" dirty="0" smtClean="0"/>
+              <a:t/>
+            </a:r>
+            <a:br>
+              <a:rPr lang="en-US" altLang="ja-JP" dirty="0" smtClean="0"/>
+            </a:br>
+            <a:r>
+              <a:rPr lang="en-US" altLang="ja-JP" dirty="0" smtClean="0"/>
+              <a:t/>
+            </a:r>
+            <a:br>
+              <a:rPr lang="en-US" altLang="ja-JP" dirty="0" smtClean="0"/>
+            </a:br>
+            <a:r>
+              <a:rPr lang="en-US" altLang="ja-JP" smtClean="0"/>
+              <a:t/>
+            </a:r>
+            <a:br>
+              <a:rPr lang="en-US" altLang="ja-JP" smtClean="0"/>
+            </a:br>
+            <a:endParaRPr kumimoji="1" lang="en-US" altLang="ja-JP" b="1" i="1" u="sng" dirty="0" smtClean="0">
+              <a:solidFill>
+                <a:srgbClr val="FF0000"/>
+              </a:solidFill>
+            </a:endParaRPr>
+          </a:p>
+        </p:txBody>
+      </p:sp>
+      <p:sp>
+        <p:nvSpPr>
+          <p:cNvPr id="4" name="正方形/長方形 3"/>
+          <p:cNvSpPr/>
+          <p:nvPr/>
+        </p:nvSpPr>
+        <p:spPr>
+          <a:xfrm>
+            <a:off x="4141522" y="1565330"/>
+            <a:ext cx="4296103" cy="662151"/>
+          </a:xfrm>
+          <a:prstGeom prst="rect">
+            <a:avLst/>
+          </a:prstGeom>
+          <a:solidFill>
+            <a:schemeClr val="bg1"/>
+          </a:solidFill>
+          <a:ln>
+            <a:solidFill>
+              <a:schemeClr val="accent2">
+                <a:lumMod val="60000"/>
+                <a:lumOff val="40000"/>
+              </a:schemeClr>
+            </a:solidFill>
+          </a:ln>
+        </p:spPr>
+        <p:style>
+          <a:lnRef idx="2">
+            <a:schemeClr val="accent1">
+              <a:shade val="50000"/>
+            </a:schemeClr>
+          </a:lnRef>
+          <a:fillRef idx="1">
+            <a:schemeClr val="accent1"/>
+          </a:fillRef>
+          <a:effectRef idx="0">
+            <a:schemeClr val="accent1"/>
+          </a:effectRef>
+          <a:fontRef idx="minor">
+            <a:schemeClr val="lt1"/>
+          </a:fontRef>
+        </p:style>
+        <p:txBody>
+          <a:bodyPr rtlCol="0" anchor="ctr"/>
+          <a:lstStyle/>
+          <a:p>
+            <a:pPr algn="ctr"/>
+            <a:r>
+              <a:rPr lang="en-US" altLang="ja-JP" dirty="0" smtClean="0">
+                <a:solidFill>
+                  <a:schemeClr val="tx1"/>
+                </a:solidFill>
+              </a:rPr>
+              <a:t>SNS</a:t>
+            </a:r>
+            <a:r>
+              <a:rPr lang="ja-JP" altLang="en-US" dirty="0" smtClean="0">
+                <a:solidFill>
+                  <a:schemeClr val="tx1"/>
+                </a:solidFill>
+              </a:rPr>
+              <a:t>は今や人同士をつなぐ基本ツール</a:t>
+            </a:r>
+            <a:endParaRPr kumimoji="1" lang="ja-JP" altLang="en-US" dirty="0">
+              <a:solidFill>
+                <a:schemeClr val="tx1"/>
+              </a:solidFill>
+            </a:endParaRPr>
+          </a:p>
+        </p:txBody>
+      </p:sp>
+      <p:graphicFrame>
+        <p:nvGraphicFramePr>
+          <p:cNvPr id="5" name="図表 4"/>
+          <p:cNvGraphicFramePr/>
+          <p:nvPr>
+            <p:extLst/>
+          </p:nvPr>
+        </p:nvGraphicFramePr>
+        <p:xfrm>
+          <a:off x="609599" y="2348641"/>
+          <a:ext cx="5578366" cy="4002690"/>
+        </p:xfrm>
+        <a:graphic>
+          <a:graphicData uri="http://schemas.openxmlformats.org/drawingml/2006/diagram">
+            <dgm:relIds xmlns:dgm="http://schemas.openxmlformats.org/drawingml/2006/diagram" xmlns:r="http://schemas.openxmlformats.org/officeDocument/2006/relationships" r:dm="rId2" r:lo="rId3" r:qs="rId4" r:cs="rId5"/>
+          </a:graphicData>
+        </a:graphic>
+      </p:graphicFrame>
+      <p:sp>
+        <p:nvSpPr>
+          <p:cNvPr id="6" name="角丸四角形吹き出し 5"/>
+          <p:cNvSpPr/>
+          <p:nvPr/>
+        </p:nvSpPr>
+        <p:spPr>
+          <a:xfrm>
+            <a:off x="733097" y="2517098"/>
+            <a:ext cx="1576552" cy="446820"/>
+          </a:xfrm>
+          <a:prstGeom prst="wedgeRoundRectCallout">
+            <a:avLst>
+              <a:gd name="adj1" fmla="val 77087"/>
+              <a:gd name="adj2" fmla="val 34647"/>
+              <a:gd name="adj3" fmla="val 16667"/>
+            </a:avLst>
+          </a:prstGeom>
+          <a:solidFill>
+            <a:srgbClr val="FF0000"/>
+          </a:solidFill>
+        </p:spPr>
+        <p:style>
+          <a:lnRef idx="2">
+            <a:schemeClr val="accent1">
+              <a:shade val="50000"/>
+            </a:schemeClr>
+          </a:lnRef>
+          <a:fillRef idx="1">
+            <a:schemeClr val="accent1"/>
+          </a:fillRef>
+          <a:effectRef idx="0">
+            <a:schemeClr val="accent1"/>
+          </a:effectRef>
+          <a:fontRef idx="minor">
+            <a:schemeClr val="lt1"/>
+          </a:fontRef>
+        </p:style>
+        <p:txBody>
+          <a:bodyPr rtlCol="0" anchor="ctr"/>
+          <a:lstStyle/>
+          <a:p>
+            <a:pPr algn="ctr"/>
+            <a:r>
+              <a:rPr lang="en-US" altLang="ja-JP" dirty="0" smtClean="0"/>
+              <a:t>SNS + </a:t>
+            </a:r>
+            <a:r>
+              <a:rPr lang="ja-JP" altLang="en-US" dirty="0"/>
+              <a:t>写真</a:t>
+            </a:r>
+            <a:endParaRPr kumimoji="1" lang="ja-JP" altLang="en-US" dirty="0"/>
+          </a:p>
+        </p:txBody>
+      </p:sp>
+      <p:sp>
+        <p:nvSpPr>
+          <p:cNvPr id="7" name="角丸四角形吹き出し 6"/>
+          <p:cNvSpPr/>
+          <p:nvPr/>
+        </p:nvSpPr>
+        <p:spPr>
+          <a:xfrm>
+            <a:off x="110359" y="3273885"/>
+            <a:ext cx="1813034" cy="529462"/>
+          </a:xfrm>
+          <a:prstGeom prst="wedgeRoundRectCallout">
+            <a:avLst>
+              <a:gd name="adj1" fmla="val 65609"/>
+              <a:gd name="adj2" fmla="val 49974"/>
+              <a:gd name="adj3" fmla="val 16667"/>
+            </a:avLst>
+          </a:prstGeom>
+          <a:solidFill>
+            <a:srgbClr val="00B050"/>
+          </a:solidFill>
+        </p:spPr>
+        <p:style>
+          <a:lnRef idx="2">
+            <a:schemeClr val="accent1">
+              <a:shade val="50000"/>
+            </a:schemeClr>
+          </a:lnRef>
+          <a:fillRef idx="1">
+            <a:schemeClr val="accent1"/>
+          </a:fillRef>
+          <a:effectRef idx="0">
+            <a:schemeClr val="accent1"/>
+          </a:effectRef>
+          <a:fontRef idx="minor">
+            <a:schemeClr val="lt1"/>
+          </a:fontRef>
+        </p:style>
+        <p:txBody>
+          <a:bodyPr rtlCol="0" anchor="ctr"/>
+          <a:lstStyle/>
+          <a:p>
+            <a:pPr algn="ctr"/>
+            <a:r>
+              <a:rPr lang="en-US" altLang="ja-JP" dirty="0" smtClean="0"/>
+              <a:t>SNS + </a:t>
+            </a:r>
+            <a:r>
+              <a:rPr lang="ja-JP" altLang="en-US" dirty="0" smtClean="0"/>
+              <a:t>日常会話</a:t>
+            </a:r>
+            <a:endParaRPr kumimoji="1" lang="ja-JP" altLang="en-US" dirty="0"/>
+          </a:p>
+        </p:txBody>
+      </p:sp>
+      <p:sp>
+        <p:nvSpPr>
+          <p:cNvPr id="8" name="角丸四角形吹き出し 7"/>
+          <p:cNvSpPr/>
+          <p:nvPr/>
+        </p:nvSpPr>
+        <p:spPr>
+          <a:xfrm>
+            <a:off x="733097" y="5247171"/>
+            <a:ext cx="1813034" cy="529462"/>
+          </a:xfrm>
+          <a:prstGeom prst="wedgeRoundRectCallout">
+            <a:avLst>
+              <a:gd name="adj1" fmla="val 65609"/>
+              <a:gd name="adj2" fmla="val 49974"/>
+              <a:gd name="adj3" fmla="val 16667"/>
+            </a:avLst>
+          </a:prstGeom>
+          <a:solidFill>
+            <a:schemeClr val="accent1">
+              <a:lumMod val="60000"/>
+              <a:lumOff val="40000"/>
+            </a:schemeClr>
+          </a:solidFill>
+        </p:spPr>
+        <p:style>
+          <a:lnRef idx="2">
+            <a:schemeClr val="accent1">
+              <a:shade val="50000"/>
+            </a:schemeClr>
+          </a:lnRef>
+          <a:fillRef idx="1">
+            <a:schemeClr val="accent1"/>
+          </a:fillRef>
+          <a:effectRef idx="0">
+            <a:schemeClr val="accent1"/>
+          </a:effectRef>
+          <a:fontRef idx="minor">
+            <a:schemeClr val="lt1"/>
+          </a:fontRef>
+        </p:style>
+        <p:txBody>
+          <a:bodyPr rtlCol="0" anchor="ctr"/>
+          <a:lstStyle/>
+          <a:p>
+            <a:pPr algn="ctr"/>
+            <a:r>
+              <a:rPr lang="en-US" altLang="ja-JP" dirty="0" smtClean="0"/>
+              <a:t>SNS + </a:t>
+            </a:r>
+            <a:r>
+              <a:rPr lang="ja-JP" altLang="en-US" dirty="0"/>
+              <a:t>独り言</a:t>
+            </a:r>
+            <a:endParaRPr kumimoji="1" lang="ja-JP" altLang="en-US" dirty="0"/>
+          </a:p>
+        </p:txBody>
+      </p:sp>
+      <p:sp>
+        <p:nvSpPr>
+          <p:cNvPr id="9" name="角丸四角形吹き出し 8"/>
+          <p:cNvSpPr/>
+          <p:nvPr/>
+        </p:nvSpPr>
+        <p:spPr>
+          <a:xfrm>
+            <a:off x="4070132" y="5500530"/>
+            <a:ext cx="1813034" cy="529462"/>
+          </a:xfrm>
+          <a:prstGeom prst="wedgeRoundRectCallout">
+            <a:avLst>
+              <a:gd name="adj1" fmla="val -23087"/>
+              <a:gd name="adj2" fmla="val -174838"/>
+              <a:gd name="adj3" fmla="val 16667"/>
+            </a:avLst>
+          </a:prstGeom>
+          <a:solidFill>
+            <a:srgbClr val="0070C0"/>
+          </a:solidFill>
+        </p:spPr>
+        <p:style>
+          <a:lnRef idx="2">
+            <a:schemeClr val="accent1">
+              <a:shade val="50000"/>
+            </a:schemeClr>
+          </a:lnRef>
+          <a:fillRef idx="1">
+            <a:schemeClr val="accent1"/>
+          </a:fillRef>
+          <a:effectRef idx="0">
+            <a:schemeClr val="accent1"/>
+          </a:effectRef>
+          <a:fontRef idx="minor">
+            <a:schemeClr val="lt1"/>
+          </a:fontRef>
+        </p:style>
+        <p:txBody>
+          <a:bodyPr rtlCol="0" anchor="ctr"/>
+          <a:lstStyle/>
+          <a:p>
+            <a:pPr algn="ctr"/>
+            <a:r>
+              <a:rPr lang="en-US" altLang="ja-JP" dirty="0" smtClean="0"/>
+              <a:t>SNS + </a:t>
+            </a:r>
+            <a:r>
+              <a:rPr lang="ja-JP" altLang="en-US" dirty="0" smtClean="0"/>
+              <a:t>身元保証</a:t>
+            </a:r>
+            <a:endParaRPr kumimoji="1" lang="ja-JP" altLang="en-US" dirty="0"/>
+          </a:p>
+        </p:txBody>
+      </p:sp>
+      <p:sp>
+        <p:nvSpPr>
+          <p:cNvPr id="10" name="正方形/長方形 9"/>
+          <p:cNvSpPr/>
+          <p:nvPr/>
+        </p:nvSpPr>
+        <p:spPr>
+          <a:xfrm>
+            <a:off x="4141521" y="2508794"/>
+            <a:ext cx="4296103" cy="662151"/>
+          </a:xfrm>
+          <a:prstGeom prst="rect">
+            <a:avLst/>
+          </a:prstGeom>
+          <a:solidFill>
+            <a:schemeClr val="bg1"/>
+          </a:solidFill>
+          <a:ln>
+            <a:solidFill>
+              <a:schemeClr val="accent2">
+                <a:lumMod val="60000"/>
+                <a:lumOff val="40000"/>
+              </a:schemeClr>
+            </a:solidFill>
+          </a:ln>
+        </p:spPr>
+        <p:style>
+          <a:lnRef idx="2">
+            <a:schemeClr val="accent1">
+              <a:shade val="50000"/>
+            </a:schemeClr>
+          </a:lnRef>
+          <a:fillRef idx="1">
+            <a:schemeClr val="accent1"/>
+          </a:fillRef>
+          <a:effectRef idx="0">
+            <a:schemeClr val="accent1"/>
+          </a:effectRef>
+          <a:fontRef idx="minor">
+            <a:schemeClr val="lt1"/>
+          </a:fontRef>
+        </p:style>
+        <p:txBody>
+          <a:bodyPr rtlCol="0" anchor="ctr"/>
+          <a:lstStyle/>
+          <a:p>
+            <a:pPr algn="ctr"/>
+            <a:r>
+              <a:rPr lang="en-US" altLang="ja-JP" dirty="0" smtClean="0">
+                <a:solidFill>
+                  <a:schemeClr val="tx1"/>
+                </a:solidFill>
+              </a:rPr>
+              <a:t>SNS</a:t>
+            </a:r>
+            <a:r>
+              <a:rPr lang="ja-JP" altLang="en-US" dirty="0" smtClean="0">
+                <a:solidFill>
+                  <a:schemeClr val="tx1"/>
+                </a:solidFill>
+              </a:rPr>
+              <a:t>＋</a:t>
+            </a:r>
+            <a:r>
+              <a:rPr lang="en-US" altLang="ja-JP" dirty="0" smtClean="0">
+                <a:solidFill>
+                  <a:schemeClr val="tx1"/>
+                </a:solidFill>
+              </a:rPr>
+              <a:t>α</a:t>
+            </a:r>
+            <a:r>
+              <a:rPr lang="ja-JP" altLang="en-US" dirty="0" smtClean="0">
+                <a:solidFill>
+                  <a:schemeClr val="tx1"/>
+                </a:solidFill>
+              </a:rPr>
+              <a:t>で人気のアプリ</a:t>
+            </a:r>
+            <a:endParaRPr kumimoji="1" lang="ja-JP" altLang="en-US" dirty="0">
+              <a:solidFill>
+                <a:schemeClr val="tx1"/>
+              </a:solidFill>
+            </a:endParaRPr>
+          </a:p>
+        </p:txBody>
+      </p:sp>
+    </p:spTree>
+    <p:extLst>
+      <p:ext uri="{BB962C8B-B14F-4D97-AF65-F5344CB8AC3E}">
+        <p14:creationId xmlns:p14="http://schemas.microsoft.com/office/powerpoint/2010/main" val="3505507339"/>
+      </p:ext>
+    </p:extLst>
+  </p:cSld>
+  <p:clrMapOvr>
+    <a:masterClrMapping/>
+  </p:clrMapOvr>
+  <p:timing>
+    <p:tnLst>
+      <p:par>
+        <p:cTn id="1" dur="indefinite" restart="never" nodeType="tmRoot"/>
+      </p:par>
+    </p:tnLst>
+  </p:timing>
+</p:sld>
+</file>
+
+<file path=ppt/slides/slide6.xml><?xml version="1.0" encoding="utf-8"?>
+<p:sld xmlns:a="http://schemas.openxmlformats.org/drawingml/2006/main" xmlns:r="http://schemas.openxmlformats.org/officeDocument/2006/relationships" xmlns:p="http://schemas.openxmlformats.org/presentationml/2006/main">
+  <p:cSld>
+    <p:spTree>
+      <p:nvGrpSpPr>
+        <p:cNvPr id="1" name=""/>
+        <p:cNvGrpSpPr/>
+        <p:nvPr/>
+      </p:nvGrpSpPr>
+      <p:grpSpPr>
+        <a:xfrm>
+          <a:off x="0" y="0"/>
+          <a:ext cx="0" cy="0"/>
+          <a:chOff x="0" y="0"/>
+          <a:chExt cx="0" cy="0"/>
+        </a:xfrm>
+      </p:grpSpPr>
+      <p:sp>
+        <p:nvSpPr>
+          <p:cNvPr id="4" name="タイトル 3"/>
+          <p:cNvSpPr>
+            <a:spLocks noGrp="1"/>
+          </p:cNvSpPr>
+          <p:nvPr>
+            <p:ph type="title"/>
+          </p:nvPr>
+        </p:nvSpPr>
+        <p:spPr/>
+        <p:txBody>
+          <a:bodyPr>
+            <a:normAutofit/>
+          </a:bodyPr>
+          <a:lstStyle/>
+          <a:p>
+            <a:r>
+              <a:rPr lang="en-US" altLang="ja-JP" dirty="0" smtClean="0"/>
+              <a:t>1-3</a:t>
+            </a:r>
+            <a:r>
+              <a:rPr lang="en-US" altLang="ja-JP" dirty="0"/>
+              <a:t>.</a:t>
+            </a:r>
+            <a:r>
+              <a:rPr lang="ja-JP" altLang="en-US" dirty="0"/>
+              <a:t>他ベンダ、</a:t>
+            </a:r>
+            <a:r>
+              <a:rPr lang="ja-JP" altLang="en-US" dirty="0" smtClean="0"/>
+              <a:t>顧客</a:t>
             </a:r>
             <a:endParaRPr kumimoji="1" lang="ja-JP" altLang="en-US" dirty="0"/>
           </a:p>
@@ -14131,7 +18133,195 @@
           <a:bodyPr/>
           <a:lstStyle/>
           <a:p>
-            <a:endParaRPr kumimoji="1" lang="ja-JP" altLang="en-US"/>
+            <a:r>
+              <a:rPr kumimoji="1" lang="ja-JP" altLang="en-US" dirty="0" smtClean="0"/>
+              <a:t>他ベンダ</a:t>
+            </a:r>
+            <a:endParaRPr kumimoji="1" lang="en-US" altLang="ja-JP" dirty="0" smtClean="0"/>
+          </a:p>
+          <a:p>
+            <a:pPr lvl="1"/>
+            <a:r>
+              <a:rPr lang="ja-JP" altLang="en-US" dirty="0" smtClean="0"/>
+              <a:t>今回無し</a:t>
+            </a:r>
+            <a:endParaRPr kumimoji="1" lang="en-US" altLang="ja-JP" dirty="0" smtClean="0"/>
+          </a:p>
+          <a:p>
+            <a:pPr marL="0" indent="0">
+              <a:buNone/>
+            </a:pPr>
+            <a:endParaRPr kumimoji="1" lang="en-US" altLang="ja-JP" dirty="0" smtClean="0"/>
+          </a:p>
+          <a:p>
+            <a:r>
+              <a:rPr kumimoji="1" lang="ja-JP" altLang="en-US" dirty="0" smtClean="0"/>
+              <a:t>対象顧客</a:t>
+            </a:r>
+            <a:endParaRPr kumimoji="1" lang="en-US" altLang="ja-JP" dirty="0" smtClean="0"/>
+          </a:p>
+          <a:p>
+            <a:pPr lvl="1"/>
+            <a:r>
+              <a:rPr lang="ja-JP" altLang="en-US" dirty="0" smtClean="0"/>
+              <a:t>筋トレ経験者</a:t>
+            </a:r>
+            <a:r>
+              <a:rPr lang="en-US" altLang="ja-JP" dirty="0" smtClean="0"/>
+              <a:t>	</a:t>
+            </a:r>
+          </a:p>
+          <a:p>
+            <a:pPr lvl="2"/>
+            <a:r>
+              <a:rPr lang="ja-JP" altLang="en-US" dirty="0" smtClean="0"/>
+              <a:t>初級</a:t>
+            </a:r>
+            <a:r>
+              <a:rPr lang="ja-JP" altLang="en-US" b="1" dirty="0" smtClean="0">
+                <a:solidFill>
+                  <a:srgbClr val="FF0000"/>
+                </a:solidFill>
+              </a:rPr>
+              <a:t>○</a:t>
+            </a:r>
+            <a:endParaRPr lang="en-US" altLang="ja-JP" b="1" dirty="0" smtClean="0">
+              <a:solidFill>
+                <a:srgbClr val="FF0000"/>
+              </a:solidFill>
+            </a:endParaRPr>
+          </a:p>
+          <a:p>
+            <a:pPr lvl="2"/>
+            <a:r>
+              <a:rPr lang="ja-JP" altLang="en-US" dirty="0" smtClean="0"/>
+              <a:t>中級⇒筋トレの記録機能を使用</a:t>
+            </a:r>
+            <a:r>
+              <a:rPr lang="en-US" altLang="ja-JP" dirty="0" smtClean="0"/>
+              <a:t>+</a:t>
+            </a:r>
+            <a:r>
+              <a:rPr lang="ja-JP" altLang="en-US" dirty="0" smtClean="0"/>
+              <a:t>写真・動画アップロードなど</a:t>
+            </a:r>
+            <a:endParaRPr lang="en-US" altLang="ja-JP" dirty="0" smtClean="0"/>
+          </a:p>
+          <a:p>
+            <a:pPr lvl="2"/>
+            <a:r>
+              <a:rPr lang="ja-JP" altLang="en-US" dirty="0" smtClean="0"/>
+              <a:t>上級⇒</a:t>
+            </a:r>
+            <a:r>
+              <a:rPr lang="ja-JP" altLang="en-US" dirty="0"/>
+              <a:t>筋トレの記録機能を使用</a:t>
+            </a:r>
+            <a:r>
+              <a:rPr lang="en-US" altLang="ja-JP" dirty="0"/>
+              <a:t>+</a:t>
+            </a:r>
+            <a:r>
+              <a:rPr lang="ja-JP" altLang="en-US" dirty="0"/>
+              <a:t>写真・動画アップロードなど</a:t>
+            </a:r>
+            <a:endParaRPr lang="en-US" altLang="ja-JP" dirty="0" smtClean="0"/>
+          </a:p>
+          <a:p>
+            <a:pPr lvl="1"/>
+            <a:r>
+              <a:rPr kumimoji="1" lang="ja-JP" altLang="en-US" dirty="0" smtClean="0"/>
+              <a:t>筋トレ未経験者</a:t>
+            </a:r>
+            <a:r>
+              <a:rPr kumimoji="1" lang="en-US" altLang="ja-JP" dirty="0" smtClean="0"/>
+              <a:t>(</a:t>
+            </a:r>
+            <a:r>
+              <a:rPr kumimoji="1" lang="ja-JP" altLang="en-US" dirty="0" smtClean="0"/>
+              <a:t>これからはじめる人</a:t>
+            </a:r>
+            <a:r>
+              <a:rPr kumimoji="1" lang="en-US" altLang="ja-JP" dirty="0" smtClean="0"/>
+              <a:t>)</a:t>
+            </a:r>
+            <a:r>
+              <a:rPr kumimoji="1" lang="ja-JP" altLang="en-US" b="1" dirty="0" smtClean="0">
+                <a:solidFill>
+                  <a:srgbClr val="FF0000"/>
+                </a:solidFill>
+              </a:rPr>
+              <a:t>○</a:t>
+            </a:r>
+            <a:endParaRPr kumimoji="1" lang="en-US" altLang="ja-JP" b="1" dirty="0" smtClean="0">
+              <a:solidFill>
+                <a:srgbClr val="FF0000"/>
+              </a:solidFill>
+            </a:endParaRPr>
+          </a:p>
+          <a:p>
+            <a:pPr lvl="1"/>
+            <a:r>
+              <a:rPr kumimoji="1" lang="ja-JP" altLang="en-US" dirty="0" smtClean="0"/>
+              <a:t>筋トレをしてないけど筋肉好き</a:t>
+            </a:r>
+            <a:r>
+              <a:rPr lang="en-US" altLang="ja-JP" dirty="0" smtClean="0"/>
+              <a:t>(</a:t>
+            </a:r>
+            <a:r>
+              <a:rPr lang="ja-JP" altLang="en-US" dirty="0" smtClean="0"/>
+              <a:t>女子</a:t>
+            </a:r>
+            <a:r>
+              <a:rPr lang="en-US" altLang="ja-JP" dirty="0" smtClean="0"/>
+              <a:t>)</a:t>
+            </a:r>
+            <a:r>
+              <a:rPr lang="ja-JP" altLang="en-US" b="1" dirty="0" smtClean="0">
+                <a:solidFill>
+                  <a:srgbClr val="FF0000"/>
+                </a:solidFill>
+              </a:rPr>
+              <a:t>○</a:t>
+            </a:r>
+            <a:endParaRPr kumimoji="1" lang="ja-JP" altLang="en-US" b="1" dirty="0">
+              <a:solidFill>
+                <a:srgbClr val="FF0000"/>
+              </a:solidFill>
+            </a:endParaRPr>
+          </a:p>
+        </p:txBody>
+      </p:sp>
+      <p:sp>
+        <p:nvSpPr>
+          <p:cNvPr id="2" name="正方形/長方形 1"/>
+          <p:cNvSpPr/>
+          <p:nvPr/>
+        </p:nvSpPr>
+        <p:spPr>
+          <a:xfrm>
+            <a:off x="3811215" y="3244334"/>
+            <a:ext cx="1521570" cy="369332"/>
+          </a:xfrm>
+          <a:prstGeom prst="rect">
+            <a:avLst/>
+          </a:prstGeom>
+        </p:spPr>
+        <p:txBody>
+          <a:bodyPr wrap="none">
+            <a:spAutoFit/>
+          </a:bodyPr>
+          <a:lstStyle/>
+          <a:p>
+            <a:r>
+              <a:rPr lang="en-US" altLang="ja-JP" dirty="0"/>
+              <a:t>3-2.</a:t>
+            </a:r>
+            <a:r>
+              <a:rPr lang="ja-JP" altLang="en-US" dirty="0"/>
+              <a:t>機能一覧</a:t>
+            </a:r>
           </a:p>
         </p:txBody>
       </p:sp>
@@ -14152,6 +18342,927 @@
       </p:par>
     </p:tnLst>
   </p:timing>
+</p:sld>
+</file>
+
+<file path=ppt/slides/slide7.xml><?xml version="1.0" encoding="utf-8"?>
+<p:sld xmlns:a="http://schemas.openxmlformats.org/drawingml/2006/main" xmlns:r="http://schemas.openxmlformats.org/officeDocument/2006/relationships" xmlns:p="http://schemas.openxmlformats.org/presentationml/2006/main">
+  <p:cSld>
+    <p:spTree>
+      <p:nvGrpSpPr>
+        <p:cNvPr id="1" name=""/>
+        <p:cNvGrpSpPr/>
+        <p:nvPr/>
+      </p:nvGrpSpPr>
+      <p:grpSpPr>
+        <a:xfrm>
+          <a:off x="0" y="0"/>
+          <a:ext cx="0" cy="0"/>
+          <a:chOff x="0" y="0"/>
+          <a:chExt cx="0" cy="0"/>
+        </a:xfrm>
+      </p:grpSpPr>
+      <p:sp>
+        <p:nvSpPr>
+          <p:cNvPr id="2" name="タイトル 1"/>
+          <p:cNvSpPr>
+            <a:spLocks noGrp="1"/>
+          </p:cNvSpPr>
+          <p:nvPr>
+            <p:ph type="title"/>
+          </p:nvPr>
+        </p:nvSpPr>
+        <p:spPr/>
+        <p:txBody>
+          <a:bodyPr>
+            <a:normAutofit/>
+          </a:bodyPr>
+          <a:lstStyle/>
+          <a:p>
+            <a:r>
+              <a:rPr lang="en-US" altLang="ja-JP" dirty="0"/>
+              <a:t>3-2.</a:t>
+            </a:r>
+            <a:r>
+              <a:rPr lang="ja-JP" altLang="en-US" dirty="0"/>
+              <a:t>機能</a:t>
+            </a:r>
+            <a:r>
+              <a:rPr lang="ja-JP" altLang="en-US" dirty="0" smtClean="0"/>
+              <a:t>一覧</a:t>
+            </a:r>
+            <a:endParaRPr kumimoji="1" lang="ja-JP" altLang="en-US" dirty="0"/>
+          </a:p>
+        </p:txBody>
+      </p:sp>
+      <p:sp>
+        <p:nvSpPr>
+          <p:cNvPr id="3" name="コンテンツ プレースホルダー 2"/>
+          <p:cNvSpPr>
+            <a:spLocks noGrp="1"/>
+          </p:cNvSpPr>
+          <p:nvPr>
+            <p:ph idx="1"/>
+          </p:nvPr>
+        </p:nvSpPr>
+        <p:spPr/>
+        <p:txBody>
+          <a:bodyPr/>
+          <a:lstStyle/>
+          <a:p>
+            <a:r>
+              <a:rPr kumimoji="1" lang="ja-JP" altLang="en-US" dirty="0" smtClean="0"/>
+              <a:t>筋トレ中級者以上の人に解説動画、記事の投稿をしてもらう。</a:t>
+            </a:r>
+            <a:endParaRPr kumimoji="1" lang="en-US" altLang="ja-JP" dirty="0" smtClean="0"/>
+          </a:p>
+          <a:p>
+            <a:r>
+              <a:rPr lang="ja-JP" altLang="en-US" dirty="0" smtClean="0"/>
+              <a:t>初心者向け種目簡易解説</a:t>
+            </a:r>
+            <a:endParaRPr lang="en-US" altLang="ja-JP" dirty="0" smtClean="0"/>
+          </a:p>
+          <a:p>
+            <a:r>
+              <a:rPr kumimoji="1" lang="ja-JP" altLang="en-US" dirty="0"/>
+              <a:t>筋</a:t>
+            </a:r>
+            <a:r>
+              <a:rPr kumimoji="1" lang="ja-JP" altLang="en-US" dirty="0" smtClean="0"/>
+              <a:t>トレ記録機能</a:t>
+            </a:r>
+            <a:endParaRPr kumimoji="1" lang="en-US" altLang="ja-JP" dirty="0" smtClean="0"/>
+          </a:p>
+          <a:p>
+            <a:r>
+              <a:rPr lang="ja-JP" altLang="en-US" dirty="0" smtClean="0"/>
+              <a:t>ストップウォッチ等の筋トレ実施時の便利機能</a:t>
+            </a:r>
+            <a:endParaRPr lang="en-US" altLang="ja-JP" dirty="0" smtClean="0"/>
+          </a:p>
+          <a:p>
+            <a:r>
+              <a:rPr kumimoji="1" lang="ja-JP" altLang="en-US" dirty="0"/>
+              <a:t>他人</a:t>
+            </a:r>
+            <a:r>
+              <a:rPr kumimoji="1" lang="ja-JP" altLang="en-US" dirty="0" smtClean="0"/>
+              <a:t>に筋トレを見てもらう機能</a:t>
+            </a:r>
+            <a:endParaRPr kumimoji="1" lang="en-US" altLang="ja-JP" dirty="0" smtClean="0"/>
+          </a:p>
+          <a:p>
+            <a:r>
+              <a:rPr lang="ja-JP" altLang="en-US" dirty="0"/>
+              <a:t>筋</a:t>
+            </a:r>
+            <a:r>
+              <a:rPr lang="ja-JP" altLang="en-US" dirty="0" smtClean="0"/>
+              <a:t>トレが及ぼす影響を解説した記事を表示する機能</a:t>
+            </a:r>
+            <a:r>
+              <a:rPr lang="en-US" altLang="ja-JP" dirty="0" smtClean="0"/>
+              <a:t>(RSS</a:t>
+            </a:r>
+            <a:r>
+              <a:rPr lang="ja-JP" altLang="en-US" dirty="0" smtClean="0"/>
+              <a:t>機能</a:t>
+            </a:r>
+            <a:r>
+              <a:rPr lang="en-US" altLang="ja-JP" dirty="0" smtClean="0"/>
+              <a:t>)</a:t>
+            </a:r>
+          </a:p>
+          <a:p>
+            <a:endParaRPr kumimoji="1" lang="ja-JP" altLang="en-US" dirty="0"/>
+          </a:p>
+        </p:txBody>
+      </p:sp>
+    </p:spTree>
+    <p:extLst>
+      <p:ext uri="{BB962C8B-B14F-4D97-AF65-F5344CB8AC3E}">
+        <p14:creationId xmlns:p14="http://schemas.microsoft.com/office/powerpoint/2010/main" val="1768131386"/>
+      </p:ext>
+    </p:extLst>
+  </p:cSld>
+  <p:clrMapOvr>
+    <a:masterClrMapping/>
+  </p:clrMapOvr>
+</p:sld>
+</file>
+
+<file path=ppt/slides/slide8.xml><?xml version="1.0" encoding="utf-8"?>
+<p:sld xmlns:a="http://schemas.openxmlformats.org/drawingml/2006/main" xmlns:r="http://schemas.openxmlformats.org/officeDocument/2006/relationships" xmlns:p="http://schemas.openxmlformats.org/presentationml/2006/main">
+  <p:cSld>
+    <p:spTree>
+      <p:nvGrpSpPr>
+        <p:cNvPr id="1" name=""/>
+        <p:cNvGrpSpPr/>
+        <p:nvPr/>
+      </p:nvGrpSpPr>
+      <p:grpSpPr>
+        <a:xfrm>
+          <a:off x="0" y="0"/>
+          <a:ext cx="0" cy="0"/>
+          <a:chOff x="0" y="0"/>
+          <a:chExt cx="0" cy="0"/>
+        </a:xfrm>
+      </p:grpSpPr>
+      <p:sp>
+        <p:nvSpPr>
+          <p:cNvPr id="2" name="タイトル 1"/>
+          <p:cNvSpPr>
+            <a:spLocks noGrp="1"/>
+          </p:cNvSpPr>
+          <p:nvPr>
+            <p:ph type="title"/>
+          </p:nvPr>
+        </p:nvSpPr>
+        <p:spPr/>
+        <p:txBody>
+          <a:bodyPr>
+            <a:normAutofit/>
+          </a:bodyPr>
+          <a:lstStyle/>
+          <a:p>
+            <a:r>
+              <a:rPr lang="en-US" altLang="ja-JP" dirty="0"/>
+              <a:t>3-3.</a:t>
+            </a:r>
+            <a:r>
+              <a:rPr lang="ja-JP" altLang="en-US" dirty="0"/>
+              <a:t>画面</a:t>
+            </a:r>
+            <a:r>
+              <a:rPr lang="ja-JP" altLang="en-US" dirty="0" smtClean="0"/>
+              <a:t>一覧</a:t>
+            </a:r>
+            <a:r>
+              <a:rPr lang="en-US" altLang="ja-JP" dirty="0" smtClean="0"/>
+              <a:t>(</a:t>
+            </a:r>
+            <a:r>
+              <a:rPr lang="ja-JP" altLang="en-US" dirty="0" smtClean="0"/>
+              <a:t>アプリ名：</a:t>
+            </a:r>
+            <a:r>
+              <a:rPr lang="en-US" altLang="ja-JP" dirty="0" smtClean="0"/>
+              <a:t>All out!!)</a:t>
+            </a:r>
+            <a:endParaRPr lang="ja-JP" altLang="en-US" dirty="0"/>
+          </a:p>
+        </p:txBody>
+      </p:sp>
+      <p:sp>
+        <p:nvSpPr>
+          <p:cNvPr id="3" name="コンテンツ プレースホルダー 2"/>
+          <p:cNvSpPr>
+            <a:spLocks noGrp="1"/>
+          </p:cNvSpPr>
+          <p:nvPr>
+            <p:ph idx="1"/>
+          </p:nvPr>
+        </p:nvSpPr>
+        <p:spPr>
+          <a:xfrm>
+            <a:off x="389744" y="1109273"/>
+            <a:ext cx="8379501" cy="5606320"/>
+          </a:xfrm>
+        </p:spPr>
+        <p:txBody>
+          <a:bodyPr>
+            <a:normAutofit fontScale="92500" lnSpcReduction="20000"/>
+          </a:bodyPr>
+          <a:lstStyle/>
+          <a:p>
+            <a:r>
+              <a:rPr kumimoji="1" lang="ja-JP" altLang="en-US" dirty="0" smtClean="0"/>
+              <a:t>メイン画面</a:t>
+            </a:r>
+            <a:r>
+              <a:rPr kumimoji="1" lang="en-US" altLang="ja-JP" dirty="0" smtClean="0"/>
+              <a:t>(pump up</a:t>
+            </a:r>
+            <a:r>
+              <a:rPr kumimoji="1" lang="ja-JP" altLang="en-US" dirty="0" smtClean="0"/>
+              <a:t>の左から二個目</a:t>
+            </a:r>
+            <a:r>
+              <a:rPr kumimoji="1" lang="en-US" altLang="ja-JP" dirty="0" smtClean="0"/>
+              <a:t>)</a:t>
+            </a:r>
+          </a:p>
+          <a:p>
+            <a:pPr lvl="1"/>
+            <a:r>
+              <a:rPr lang="ja-JP" altLang="en-US" dirty="0" smtClean="0"/>
+              <a:t>投稿された記事のタイムライン</a:t>
+            </a:r>
+            <a:endParaRPr lang="en-US" altLang="ja-JP" dirty="0"/>
+          </a:p>
+          <a:p>
+            <a:pPr lvl="1"/>
+            <a:r>
+              <a:rPr lang="ja-JP" altLang="en-US" dirty="0"/>
+              <a:t>フォロ</a:t>
+            </a:r>
+            <a:r>
+              <a:rPr lang="ja-JP" altLang="en-US" dirty="0" smtClean="0"/>
+              <a:t>ー</a:t>
+            </a:r>
+            <a:r>
+              <a:rPr kumimoji="1" lang="ja-JP" altLang="en-US" dirty="0" smtClean="0"/>
+              <a:t>検索機能</a:t>
+            </a:r>
+            <a:endParaRPr kumimoji="1" lang="en-US" altLang="ja-JP" dirty="0" smtClean="0"/>
+          </a:p>
+          <a:p>
+            <a:pPr lvl="1"/>
+            <a:r>
+              <a:rPr lang="en-US" altLang="ja-JP" dirty="0"/>
+              <a:t>Facebook Line </a:t>
+            </a:r>
+            <a:r>
+              <a:rPr lang="en-US" altLang="ja-JP" dirty="0" err="1"/>
+              <a:t>Insta</a:t>
+            </a:r>
+            <a:r>
+              <a:rPr lang="ja-JP" altLang="en-US" dirty="0" err="1"/>
+              <a:t>への</a:t>
+            </a:r>
+            <a:r>
+              <a:rPr lang="ja-JP" altLang="en-US" dirty="0"/>
+              <a:t>シェア機能</a:t>
+            </a:r>
+            <a:endParaRPr kumimoji="1" lang="en-US" altLang="ja-JP" dirty="0" smtClean="0"/>
+          </a:p>
+          <a:p>
+            <a:r>
+              <a:rPr lang="ja-JP" altLang="en-US" dirty="0" smtClean="0"/>
+              <a:t>マイページ</a:t>
+            </a:r>
+            <a:r>
+              <a:rPr lang="en-US" altLang="ja-JP" dirty="0" smtClean="0"/>
+              <a:t>(</a:t>
+            </a:r>
+            <a:r>
+              <a:rPr lang="ja-JP" altLang="en-US" dirty="0" smtClean="0"/>
+              <a:t>インスタグラムイメージ</a:t>
+            </a:r>
+            <a:r>
+              <a:rPr lang="en-US" altLang="ja-JP" dirty="0" smtClean="0"/>
+              <a:t>)</a:t>
+            </a:r>
+            <a:endParaRPr kumimoji="1" lang="en-US" altLang="ja-JP" dirty="0" smtClean="0"/>
+          </a:p>
+          <a:p>
+            <a:pPr lvl="1"/>
+            <a:r>
+              <a:rPr kumimoji="1" lang="ja-JP" altLang="en-US" dirty="0" smtClean="0"/>
+              <a:t>設定</a:t>
+            </a:r>
+            <a:endParaRPr kumimoji="1" lang="en-US" altLang="ja-JP" dirty="0" smtClean="0"/>
+          </a:p>
+          <a:p>
+            <a:pPr lvl="1"/>
+            <a:r>
+              <a:rPr lang="ja-JP" altLang="en-US" dirty="0" smtClean="0"/>
+              <a:t>フォロー管理</a:t>
+            </a:r>
+            <a:endParaRPr lang="en-US" altLang="ja-JP" dirty="0" smtClean="0"/>
+          </a:p>
+          <a:p>
+            <a:pPr lvl="1"/>
+            <a:r>
+              <a:rPr kumimoji="1" lang="ja-JP" altLang="en-US" dirty="0" smtClean="0"/>
+              <a:t>過去の投稿記事</a:t>
+            </a:r>
+            <a:endParaRPr kumimoji="1" lang="en-US" altLang="ja-JP" dirty="0" smtClean="0"/>
+          </a:p>
+          <a:p>
+            <a:pPr lvl="1"/>
+            <a:r>
+              <a:rPr lang="ja-JP" altLang="en-US" dirty="0" smtClean="0"/>
+              <a:t>短期の筋トレ過去の記録表示</a:t>
+            </a:r>
+            <a:r>
+              <a:rPr lang="en-US" altLang="ja-JP" dirty="0" smtClean="0"/>
+              <a:t>(ZOVA</a:t>
+            </a:r>
+            <a:r>
+              <a:rPr lang="ja-JP" altLang="en-US" dirty="0" smtClean="0"/>
+              <a:t>の</a:t>
+            </a:r>
+            <a:r>
+              <a:rPr lang="en-US" altLang="ja-JP" dirty="0" smtClean="0"/>
+              <a:t>Activity</a:t>
+            </a:r>
+            <a:r>
+              <a:rPr lang="ja-JP" altLang="en-US" dirty="0" smtClean="0"/>
+              <a:t>の更に見やすい感じ</a:t>
+            </a:r>
+            <a:r>
+              <a:rPr lang="en-US" altLang="ja-JP" dirty="0" smtClean="0"/>
+              <a:t>)</a:t>
+            </a:r>
+            <a:endParaRPr lang="en-US" altLang="ja-JP" dirty="0"/>
+          </a:p>
+          <a:p>
+            <a:r>
+              <a:rPr kumimoji="1" lang="ja-JP" altLang="en-US" dirty="0" smtClean="0"/>
+              <a:t>ユーティリティー＝筋トレ手助け機能</a:t>
+            </a:r>
+            <a:r>
+              <a:rPr kumimoji="1" lang="en-US" altLang="ja-JP" dirty="0" smtClean="0"/>
+              <a:t>(Fitnes</a:t>
+            </a:r>
+            <a:r>
+              <a:rPr lang="en-US" altLang="ja-JP" dirty="0" smtClean="0"/>
+              <a:t>s Point</a:t>
+            </a:r>
+            <a:r>
+              <a:rPr kumimoji="1" lang="en-US" altLang="ja-JP" dirty="0" smtClean="0"/>
+              <a:t>)</a:t>
+            </a:r>
+          </a:p>
+          <a:p>
+            <a:pPr lvl="1"/>
+            <a:r>
+              <a:rPr lang="ja-JP" altLang="en-US" dirty="0" smtClean="0"/>
+              <a:t>ストップウォッチ</a:t>
+            </a:r>
+            <a:r>
+              <a:rPr lang="en-US" altLang="ja-JP" dirty="0" smtClean="0"/>
+              <a:t>(</a:t>
+            </a:r>
+            <a:r>
+              <a:rPr lang="ja-JP" altLang="en-US" dirty="0" smtClean="0"/>
+              <a:t>インターバルまで管理</a:t>
+            </a:r>
+            <a:r>
+              <a:rPr lang="en-US" altLang="ja-JP" dirty="0" smtClean="0"/>
+              <a:t>)(</a:t>
+            </a:r>
+            <a:r>
+              <a:rPr lang="en-US" altLang="ja-JP" dirty="0" err="1" smtClean="0"/>
+              <a:t>iphone</a:t>
+            </a:r>
+            <a:r>
+              <a:rPr lang="ja-JP" altLang="en-US" dirty="0" smtClean="0"/>
+              <a:t>タイマーイメージ</a:t>
+            </a:r>
+            <a:r>
+              <a:rPr lang="en-US" altLang="ja-JP" dirty="0" smtClean="0"/>
+              <a:t>)</a:t>
+            </a:r>
+          </a:p>
+          <a:p>
+            <a:pPr lvl="1"/>
+            <a:r>
+              <a:rPr lang="ja-JP" altLang="en-US" dirty="0"/>
+              <a:t>筋</a:t>
+            </a:r>
+            <a:r>
+              <a:rPr lang="ja-JP" altLang="en-US" dirty="0" smtClean="0"/>
+              <a:t>トレ</a:t>
+            </a:r>
+            <a:r>
+              <a:rPr lang="en-US" altLang="ja-JP" dirty="0" err="1" smtClean="0"/>
+              <a:t>howto</a:t>
+            </a:r>
+            <a:endParaRPr kumimoji="1" lang="en-US" altLang="ja-JP" dirty="0" smtClean="0"/>
+          </a:p>
+          <a:p>
+            <a:r>
+              <a:rPr lang="ja-JP" altLang="en-US" dirty="0" smtClean="0"/>
+              <a:t>アップロード機能</a:t>
+            </a:r>
+            <a:r>
+              <a:rPr lang="en-US" altLang="ja-JP" dirty="0" smtClean="0"/>
+              <a:t>(</a:t>
+            </a:r>
+            <a:r>
+              <a:rPr lang="ja-JP" altLang="en-US" dirty="0" smtClean="0"/>
+              <a:t>インスタイメージ</a:t>
+            </a:r>
+            <a:r>
+              <a:rPr lang="en-US" altLang="ja-JP" dirty="0" smtClean="0"/>
+              <a:t>)</a:t>
+            </a:r>
+          </a:p>
+          <a:p>
+            <a:pPr lvl="1"/>
+            <a:r>
+              <a:rPr kumimoji="1" lang="ja-JP" altLang="en-US" dirty="0"/>
+              <a:t>筋</a:t>
+            </a:r>
+            <a:r>
+              <a:rPr kumimoji="1" lang="ja-JP" altLang="en-US" dirty="0" smtClean="0"/>
+              <a:t>トレ回数の記録</a:t>
+            </a:r>
+            <a:endParaRPr kumimoji="1" lang="en-US" altLang="ja-JP" dirty="0" smtClean="0"/>
+          </a:p>
+          <a:p>
+            <a:pPr lvl="1"/>
+            <a:r>
+              <a:rPr lang="ja-JP" altLang="en-US" dirty="0" smtClean="0"/>
+              <a:t>写真・動画</a:t>
+            </a:r>
+            <a:endParaRPr lang="en-US" altLang="ja-JP" dirty="0" smtClean="0"/>
+          </a:p>
+          <a:p>
+            <a:pPr lvl="1"/>
+            <a:r>
+              <a:rPr kumimoji="1" lang="ja-JP" altLang="en-US" dirty="0" smtClean="0"/>
+              <a:t>検索用キーワード</a:t>
+            </a:r>
+            <a:endParaRPr kumimoji="1" lang="en-US" altLang="ja-JP" dirty="0" smtClean="0"/>
+          </a:p>
+          <a:p>
+            <a:pPr lvl="1"/>
+            <a:r>
+              <a:rPr kumimoji="1" lang="en-US" altLang="ja-JP" dirty="0" smtClean="0"/>
+              <a:t>Facebook Line </a:t>
+            </a:r>
+            <a:r>
+              <a:rPr kumimoji="1" lang="en-US" altLang="ja-JP" dirty="0" err="1" smtClean="0"/>
+              <a:t>Insta</a:t>
+            </a:r>
+            <a:r>
+              <a:rPr kumimoji="1" lang="ja-JP" altLang="en-US" dirty="0" err="1" smtClean="0"/>
+              <a:t>への</a:t>
+            </a:r>
+            <a:r>
+              <a:rPr kumimoji="1" lang="ja-JP" altLang="en-US" dirty="0" smtClean="0"/>
+              <a:t>シェア機能</a:t>
+            </a:r>
+            <a:endParaRPr kumimoji="1" lang="en-US" altLang="ja-JP" dirty="0" smtClean="0"/>
+          </a:p>
+          <a:p>
+            <a:endParaRPr kumimoji="1" lang="ja-JP" altLang="en-US" dirty="0"/>
+          </a:p>
+        </p:txBody>
+      </p:sp>
+    </p:spTree>
+    <p:extLst>
+      <p:ext uri="{BB962C8B-B14F-4D97-AF65-F5344CB8AC3E}">
+        <p14:creationId xmlns:p14="http://schemas.microsoft.com/office/powerpoint/2010/main" val="1143717690"/>
+      </p:ext>
+    </p:extLst>
+  </p:cSld>
+  <p:clrMapOvr>
+    <a:masterClrMapping/>
+  </p:clrMapOvr>
+</p:sld>
+</file>
+
+<file path=ppt/slides/slide9.xml><?xml version="1.0" encoding="utf-8"?>
+<p:sld xmlns:a="http://schemas.openxmlformats.org/drawingml/2006/main" xmlns:r="http://schemas.openxmlformats.org/officeDocument/2006/relationships" xmlns:p="http://schemas.openxmlformats.org/presentationml/2006/main">
+  <p:cSld>
+    <p:spTree>
+      <p:nvGrpSpPr>
+        <p:cNvPr id="1" name=""/>
+        <p:cNvGrpSpPr/>
+        <p:nvPr/>
+      </p:nvGrpSpPr>
+      <p:grpSpPr>
+        <a:xfrm>
+          <a:off x="0" y="0"/>
+          <a:ext cx="0" cy="0"/>
+          <a:chOff x="0" y="0"/>
+          <a:chExt cx="0" cy="0"/>
+        </a:xfrm>
+      </p:grpSpPr>
+      <p:sp>
+        <p:nvSpPr>
+          <p:cNvPr id="2" name="タイトル 1"/>
+          <p:cNvSpPr>
+            <a:spLocks noGrp="1"/>
+          </p:cNvSpPr>
+          <p:nvPr>
+            <p:ph type="title"/>
+          </p:nvPr>
+        </p:nvSpPr>
+        <p:spPr/>
+        <p:txBody>
+          <a:bodyPr>
+            <a:normAutofit/>
+          </a:bodyPr>
+          <a:lstStyle/>
+          <a:p>
+            <a:r>
+              <a:rPr lang="en-US" altLang="ja-JP" dirty="0"/>
+              <a:t>1-1.</a:t>
+            </a:r>
+            <a:r>
+              <a:rPr lang="ja-JP" altLang="en-US" dirty="0"/>
+              <a:t>システム全体像</a:t>
+            </a:r>
+          </a:p>
+        </p:txBody>
+      </p:sp>
+      <p:sp>
+        <p:nvSpPr>
+          <p:cNvPr id="3" name="コンテンツ プレースホルダー 2"/>
+          <p:cNvSpPr>
+            <a:spLocks noGrp="1"/>
+          </p:cNvSpPr>
+          <p:nvPr>
+            <p:ph idx="1"/>
+          </p:nvPr>
+        </p:nvSpPr>
+        <p:spPr/>
+        <p:txBody>
+          <a:bodyPr/>
+          <a:lstStyle/>
+          <a:p>
+            <a:endParaRPr kumimoji="1" lang="ja-JP" altLang="en-US" dirty="0"/>
+          </a:p>
+        </p:txBody>
+      </p:sp>
+      <p:sp>
+        <p:nvSpPr>
+          <p:cNvPr id="4" name="角丸四角形 3"/>
+          <p:cNvSpPr/>
+          <p:nvPr/>
+        </p:nvSpPr>
+        <p:spPr>
+          <a:xfrm>
+            <a:off x="794479" y="2248524"/>
+            <a:ext cx="2413416" cy="2773181"/>
+          </a:xfrm>
+          <a:prstGeom prst="roundRect">
+            <a:avLst/>
+          </a:prstGeom>
+          <a:solidFill>
+            <a:schemeClr val="bg1"/>
+          </a:solidFill>
+        </p:spPr>
+        <p:style>
+          <a:lnRef idx="2">
+            <a:schemeClr val="accent1">
+              <a:shade val="50000"/>
+            </a:schemeClr>
+          </a:lnRef>
+          <a:fillRef idx="1">
+            <a:schemeClr val="accent1"/>
+          </a:fillRef>
+          <a:effectRef idx="0">
+            <a:schemeClr val="accent1"/>
+          </a:effectRef>
+          <a:fontRef idx="minor">
+            <a:schemeClr val="lt1"/>
+          </a:fontRef>
+        </p:style>
+        <p:txBody>
+          <a:bodyPr rtlCol="0" anchor="ctr"/>
+          <a:lstStyle/>
+          <a:p>
+            <a:pPr algn="ctr"/>
+            <a:endParaRPr kumimoji="1" lang="ja-JP" altLang="en-US"/>
+          </a:p>
+        </p:txBody>
+      </p:sp>
+      <p:sp>
+        <p:nvSpPr>
+          <p:cNvPr id="5" name="角丸四角形 4"/>
+          <p:cNvSpPr/>
+          <p:nvPr/>
+        </p:nvSpPr>
+        <p:spPr>
+          <a:xfrm>
+            <a:off x="1177977" y="2654507"/>
+            <a:ext cx="1646419" cy="1961213"/>
+          </a:xfrm>
+          <a:prstGeom prst="roundRect">
+            <a:avLst/>
+          </a:prstGeom>
+          <a:solidFill>
+            <a:schemeClr val="accent1">
+              <a:lumMod val="40000"/>
+              <a:lumOff val="60000"/>
+            </a:schemeClr>
+          </a:solidFill>
+        </p:spPr>
+        <p:style>
+          <a:lnRef idx="2">
+            <a:schemeClr val="accent1">
+              <a:shade val="50000"/>
+            </a:schemeClr>
+          </a:lnRef>
+          <a:fillRef idx="1">
+            <a:schemeClr val="accent1"/>
+          </a:fillRef>
+          <a:effectRef idx="0">
+            <a:schemeClr val="accent1"/>
+          </a:effectRef>
+          <a:fontRef idx="minor">
+            <a:schemeClr val="lt1"/>
+          </a:fontRef>
+        </p:style>
+        <p:txBody>
+          <a:bodyPr rtlCol="0" anchor="ctr"/>
+          <a:lstStyle/>
+          <a:p>
+            <a:pPr algn="ctr"/>
+            <a:endParaRPr kumimoji="1" lang="ja-JP" altLang="en-US" dirty="0"/>
+          </a:p>
+        </p:txBody>
+      </p:sp>
+      <p:sp>
+        <p:nvSpPr>
+          <p:cNvPr id="6" name="角丸四角形 5"/>
+          <p:cNvSpPr/>
+          <p:nvPr/>
+        </p:nvSpPr>
+        <p:spPr>
+          <a:xfrm>
+            <a:off x="5201587" y="1842539"/>
+            <a:ext cx="3690480" cy="4768123"/>
+          </a:xfrm>
+          <a:prstGeom prst="roundRect">
+            <a:avLst/>
+          </a:prstGeom>
+          <a:solidFill>
+            <a:schemeClr val="bg1"/>
+          </a:solidFill>
+        </p:spPr>
+        <p:style>
+          <a:lnRef idx="2">
+            <a:schemeClr val="accent1">
+              <a:shade val="50000"/>
+            </a:schemeClr>
+          </a:lnRef>
+          <a:fillRef idx="1">
+            <a:schemeClr val="accent1"/>
+          </a:fillRef>
+          <a:effectRef idx="0">
+            <a:schemeClr val="accent1"/>
+          </a:effectRef>
+          <a:fontRef idx="minor">
+            <a:schemeClr val="lt1"/>
+          </a:fontRef>
+        </p:style>
+        <p:txBody>
+          <a:bodyPr rtlCol="0" anchor="ctr"/>
+          <a:lstStyle/>
+          <a:p>
+            <a:pPr algn="ctr"/>
+            <a:endParaRPr kumimoji="1" lang="ja-JP" altLang="en-US"/>
+          </a:p>
+        </p:txBody>
+      </p:sp>
+      <p:sp>
+        <p:nvSpPr>
+          <p:cNvPr id="7" name="直方体 6"/>
+          <p:cNvSpPr/>
+          <p:nvPr/>
+        </p:nvSpPr>
+        <p:spPr>
+          <a:xfrm>
+            <a:off x="5381469" y="3372784"/>
+            <a:ext cx="1079292" cy="1242936"/>
+          </a:xfrm>
+          <a:prstGeom prst="cube">
+            <a:avLst/>
+          </a:prstGeom>
+        </p:spPr>
+        <p:style>
+          <a:lnRef idx="2">
+            <a:schemeClr val="accent1">
+              <a:shade val="50000"/>
+            </a:schemeClr>
+          </a:lnRef>
+          <a:fillRef idx="1">
+            <a:schemeClr val="accent1"/>
+          </a:fillRef>
+          <a:effectRef idx="0">
+            <a:schemeClr val="accent1"/>
+          </a:effectRef>
+          <a:fontRef idx="minor">
+            <a:schemeClr val="lt1"/>
+          </a:fontRef>
+        </p:style>
+        <p:txBody>
+          <a:bodyPr rtlCol="0" anchor="ctr"/>
+          <a:lstStyle/>
+          <a:p>
+            <a:pPr algn="ctr"/>
+            <a:endParaRPr kumimoji="1" lang="ja-JP" altLang="en-US"/>
+          </a:p>
+        </p:txBody>
+      </p:sp>
+      <p:sp>
+        <p:nvSpPr>
+          <p:cNvPr id="8" name="円柱 7"/>
+          <p:cNvSpPr/>
+          <p:nvPr/>
+        </p:nvSpPr>
+        <p:spPr>
+          <a:xfrm>
+            <a:off x="7534432" y="3308669"/>
+            <a:ext cx="1165886" cy="1303518"/>
+          </a:xfrm>
+          <a:prstGeom prst="can">
+            <a:avLst/>
+          </a:prstGeom>
+        </p:spPr>
+        <p:style>
+          <a:lnRef idx="2">
+            <a:schemeClr val="accent1">
+              <a:shade val="50000"/>
+            </a:schemeClr>
+          </a:lnRef>
+          <a:fillRef idx="1">
+            <a:schemeClr val="accent1"/>
+          </a:fillRef>
+          <a:effectRef idx="0">
+            <a:schemeClr val="accent1"/>
+          </a:effectRef>
+          <a:fontRef idx="minor">
+            <a:schemeClr val="lt1"/>
+          </a:fontRef>
+        </p:style>
+        <p:txBody>
+          <a:bodyPr rtlCol="0" anchor="ctr"/>
+          <a:lstStyle/>
+          <a:p>
+            <a:pPr algn="ctr"/>
+            <a:endParaRPr kumimoji="1" lang="ja-JP" altLang="en-US"/>
+          </a:p>
+        </p:txBody>
+      </p:sp>
+      <p:sp>
+        <p:nvSpPr>
+          <p:cNvPr id="9" name="正方形/長方形 8"/>
+          <p:cNvSpPr/>
+          <p:nvPr/>
+        </p:nvSpPr>
+        <p:spPr>
+          <a:xfrm>
+            <a:off x="4559084" y="4849537"/>
+            <a:ext cx="2338242" cy="1469036"/>
+          </a:xfrm>
+          <a:prstGeom prst="rect">
+            <a:avLst/>
+          </a:prstGeom>
+        </p:spPr>
+        <p:style>
+          <a:lnRef idx="2">
+            <a:schemeClr val="accent1">
+              <a:shade val="50000"/>
+            </a:schemeClr>
+          </a:lnRef>
+          <a:fillRef idx="1">
+            <a:schemeClr val="accent1"/>
+          </a:fillRef>
+          <a:effectRef idx="0">
+            <a:schemeClr val="accent1"/>
+          </a:effectRef>
+          <a:fontRef idx="minor">
+            <a:schemeClr val="lt1"/>
+          </a:fontRef>
+        </p:style>
+        <p:txBody>
+          <a:bodyPr rtlCol="0" anchor="ctr"/>
+          <a:lstStyle/>
+          <a:p>
+            <a:pPr algn="ctr"/>
+            <a:endParaRPr kumimoji="1" lang="ja-JP" altLang="en-US"/>
+          </a:p>
+        </p:txBody>
+      </p:sp>
+      <p:sp>
+        <p:nvSpPr>
+          <p:cNvPr id="10" name="正方形/長方形 9"/>
+          <p:cNvSpPr/>
+          <p:nvPr/>
+        </p:nvSpPr>
+        <p:spPr>
+          <a:xfrm>
+            <a:off x="7482144" y="4822402"/>
+            <a:ext cx="1164660" cy="1578044"/>
+          </a:xfrm>
+          <a:prstGeom prst="rect">
+            <a:avLst/>
+          </a:prstGeom>
+        </p:spPr>
+        <p:style>
+          <a:lnRef idx="2">
+            <a:schemeClr val="accent1">
+              <a:shade val="50000"/>
+            </a:schemeClr>
+          </a:lnRef>
+          <a:fillRef idx="1">
+            <a:schemeClr val="accent1"/>
+          </a:fillRef>
+          <a:effectRef idx="0">
+            <a:schemeClr val="accent1"/>
+          </a:effectRef>
+          <a:fontRef idx="minor">
+            <a:schemeClr val="lt1"/>
+          </a:fontRef>
+        </p:style>
+        <p:txBody>
+          <a:bodyPr rtlCol="0" anchor="ctr"/>
+          <a:lstStyle/>
+          <a:p>
+            <a:pPr algn="ctr"/>
+            <a:endParaRPr kumimoji="1" lang="ja-JP" altLang="en-US"/>
+          </a:p>
+        </p:txBody>
+      </p:sp>
+      <p:sp>
+        <p:nvSpPr>
+          <p:cNvPr id="11" name="正方形/長方形 10"/>
+          <p:cNvSpPr/>
+          <p:nvPr/>
+        </p:nvSpPr>
+        <p:spPr>
+          <a:xfrm>
+            <a:off x="849108" y="4931410"/>
+            <a:ext cx="2338242" cy="1469036"/>
+          </a:xfrm>
+          <a:prstGeom prst="rect">
+            <a:avLst/>
+          </a:prstGeom>
+        </p:spPr>
+        <p:style>
+          <a:lnRef idx="2">
+            <a:schemeClr val="accent1">
+              <a:shade val="50000"/>
+            </a:schemeClr>
+          </a:lnRef>
+          <a:fillRef idx="1">
+            <a:schemeClr val="accent1"/>
+          </a:fillRef>
+          <a:effectRef idx="0">
+            <a:schemeClr val="accent1"/>
+          </a:effectRef>
+          <a:fontRef idx="minor">
+            <a:schemeClr val="lt1"/>
+          </a:fontRef>
+        </p:style>
+        <p:txBody>
+          <a:bodyPr rtlCol="0" anchor="ctr"/>
+          <a:lstStyle/>
+          <a:p>
+            <a:pPr algn="ctr"/>
+            <a:endParaRPr kumimoji="1" lang="ja-JP" altLang="en-US"/>
+          </a:p>
+        </p:txBody>
+      </p:sp>
+    </p:spTree>
+    <p:extLst>
+      <p:ext uri="{BB962C8B-B14F-4D97-AF65-F5344CB8AC3E}">
+        <p14:creationId xmlns:p14="http://schemas.microsoft.com/office/powerpoint/2010/main" val="153611561"/>
+      </p:ext>
+    </p:extLst>
+  </p:cSld>
+  <p:clrMapOvr>
+    <a:masterClrMapping/>
+  </p:clrMapOvr>
 </p:sld>
 </file>
 
